--- a/img/pptGraphs.pptx
+++ b/img/pptGraphs.pptx
@@ -7,6 +7,7 @@
   <p:sldIdLst>
     <p:sldId id="256" r:id="rId2"/>
     <p:sldId id="257" r:id="rId3"/>
+    <p:sldId id="258" r:id="rId4"/>
   </p:sldIdLst>
   <p:sldSz cx="12192000" cy="6858000"/>
   <p:notesSz cx="6858000" cy="9144000"/>
@@ -900,13 +901,8 @@
           </a:r>
           <a:r>
             <a:rPr lang="de-DE" dirty="0"/>
-            <a:t> </a:t>
+            <a:t> Planning</a:t>
           </a:r>
-          <a:r>
-            <a:rPr lang="de-DE" dirty="0" err="1"/>
-            <a:t>Planning</a:t>
-          </a:r>
-          <a:endParaRPr lang="de-DE" dirty="0"/>
         </a:p>
       </dgm:t>
     </dgm:pt>
@@ -1070,12 +1066,8 @@
         <a:lstStyle/>
         <a:p>
           <a:r>
-            <a:rPr lang="de-DE" dirty="0" err="1"/>
-            <a:t>Actuator</a:t>
-          </a:r>
-          <a:r>
             <a:rPr lang="de-DE" dirty="0"/>
-            <a:t> Control</a:t>
+            <a:t>Actuator Control</a:t>
           </a:r>
         </a:p>
       </dgm:t>
@@ -1278,13 +1270,8 @@
           </a:r>
           <a:r>
             <a:rPr lang="de-DE" sz="2800" kern="1200" dirty="0"/>
-            <a:t> </a:t>
+            <a:t> Planning</a:t>
           </a:r>
-          <a:r>
-            <a:rPr lang="de-DE" sz="2800" kern="1200" dirty="0" err="1"/>
-            <a:t>Planning</a:t>
-          </a:r>
-          <a:endParaRPr lang="de-DE" sz="2800" kern="1200" dirty="0"/>
         </a:p>
       </dsp:txBody>
       <dsp:txXfrm>
@@ -1694,12 +1681,8 @@
             <a:buNone/>
           </a:pPr>
           <a:r>
-            <a:rPr lang="de-DE" sz="2800" kern="1200" dirty="0" err="1"/>
-            <a:t>Actuator</a:t>
-          </a:r>
-          <a:r>
             <a:rPr lang="de-DE" sz="2800" kern="1200" dirty="0"/>
-            <a:t> Control</a:t>
+            <a:t>Actuator Control</a:t>
           </a:r>
         </a:p>
       </dsp:txBody>
@@ -3039,7 +3022,7 @@
           <a:p>
             <a:fld id="{0652E80E-B1F5-4805-9AD7-A46BA932CB10}" type="datetimeFigureOut">
               <a:rPr lang="de-DE" smtClean="0"/>
-              <a:t>02.09.2020</a:t>
+              <a:t>10.09.2020</a:t>
             </a:fld>
             <a:endParaRPr lang="de-DE"/>
           </a:p>
@@ -3237,7 +3220,7 @@
           <a:p>
             <a:fld id="{0652E80E-B1F5-4805-9AD7-A46BA932CB10}" type="datetimeFigureOut">
               <a:rPr lang="de-DE" smtClean="0"/>
-              <a:t>02.09.2020</a:t>
+              <a:t>10.09.2020</a:t>
             </a:fld>
             <a:endParaRPr lang="de-DE"/>
           </a:p>
@@ -3445,7 +3428,7 @@
           <a:p>
             <a:fld id="{0652E80E-B1F5-4805-9AD7-A46BA932CB10}" type="datetimeFigureOut">
               <a:rPr lang="de-DE" smtClean="0"/>
-              <a:t>02.09.2020</a:t>
+              <a:t>10.09.2020</a:t>
             </a:fld>
             <a:endParaRPr lang="de-DE"/>
           </a:p>
@@ -3643,7 +3626,7 @@
           <a:p>
             <a:fld id="{0652E80E-B1F5-4805-9AD7-A46BA932CB10}" type="datetimeFigureOut">
               <a:rPr lang="de-DE" smtClean="0"/>
-              <a:t>02.09.2020</a:t>
+              <a:t>10.09.2020</a:t>
             </a:fld>
             <a:endParaRPr lang="de-DE"/>
           </a:p>
@@ -3918,7 +3901,7 @@
           <a:p>
             <a:fld id="{0652E80E-B1F5-4805-9AD7-A46BA932CB10}" type="datetimeFigureOut">
               <a:rPr lang="de-DE" smtClean="0"/>
-              <a:t>02.09.2020</a:t>
+              <a:t>10.09.2020</a:t>
             </a:fld>
             <a:endParaRPr lang="de-DE"/>
           </a:p>
@@ -4183,7 +4166,7 @@
           <a:p>
             <a:fld id="{0652E80E-B1F5-4805-9AD7-A46BA932CB10}" type="datetimeFigureOut">
               <a:rPr lang="de-DE" smtClean="0"/>
-              <a:t>02.09.2020</a:t>
+              <a:t>10.09.2020</a:t>
             </a:fld>
             <a:endParaRPr lang="de-DE"/>
           </a:p>
@@ -4595,7 +4578,7 @@
           <a:p>
             <a:fld id="{0652E80E-B1F5-4805-9AD7-A46BA932CB10}" type="datetimeFigureOut">
               <a:rPr lang="de-DE" smtClean="0"/>
-              <a:t>02.09.2020</a:t>
+              <a:t>10.09.2020</a:t>
             </a:fld>
             <a:endParaRPr lang="de-DE"/>
           </a:p>
@@ -4736,7 +4719,7 @@
           <a:p>
             <a:fld id="{0652E80E-B1F5-4805-9AD7-A46BA932CB10}" type="datetimeFigureOut">
               <a:rPr lang="de-DE" smtClean="0"/>
-              <a:t>02.09.2020</a:t>
+              <a:t>10.09.2020</a:t>
             </a:fld>
             <a:endParaRPr lang="de-DE"/>
           </a:p>
@@ -4849,7 +4832,7 @@
           <a:p>
             <a:fld id="{0652E80E-B1F5-4805-9AD7-A46BA932CB10}" type="datetimeFigureOut">
               <a:rPr lang="de-DE" smtClean="0"/>
-              <a:t>02.09.2020</a:t>
+              <a:t>10.09.2020</a:t>
             </a:fld>
             <a:endParaRPr lang="de-DE"/>
           </a:p>
@@ -5160,7 +5143,7 @@
           <a:p>
             <a:fld id="{0652E80E-B1F5-4805-9AD7-A46BA932CB10}" type="datetimeFigureOut">
               <a:rPr lang="de-DE" smtClean="0"/>
-              <a:t>02.09.2020</a:t>
+              <a:t>10.09.2020</a:t>
             </a:fld>
             <a:endParaRPr lang="de-DE"/>
           </a:p>
@@ -5448,7 +5431,7 @@
           <a:p>
             <a:fld id="{0652E80E-B1F5-4805-9AD7-A46BA932CB10}" type="datetimeFigureOut">
               <a:rPr lang="de-DE" smtClean="0"/>
-              <a:t>02.09.2020</a:t>
+              <a:t>10.09.2020</a:t>
             </a:fld>
             <a:endParaRPr lang="de-DE"/>
           </a:p>
@@ -5689,7 +5672,7 @@
           <a:p>
             <a:fld id="{0652E80E-B1F5-4805-9AD7-A46BA932CB10}" type="datetimeFigureOut">
               <a:rPr lang="de-DE" smtClean="0"/>
-              <a:t>02.09.2020</a:t>
+              <a:t>10.09.2020</a:t>
             </a:fld>
             <a:endParaRPr lang="de-DE"/>
           </a:p>
@@ -6467,7 +6450,7 @@
             <a:lstStyle/>
             <a:p>
               <a:r>
-                <a:rPr lang="de-DE" sz="1400" dirty="0" err="1"/>
+                <a:rPr lang="de-DE" sz="1400" dirty="0"/>
                 <a:t>Trajectory</a:t>
               </a:r>
               <a:endParaRPr lang="en-US" sz="1400" dirty="0"/>
@@ -6656,28 +6639,12 @@
             <a:p>
               <a:pPr algn="ctr"/>
               <a:r>
-                <a:rPr lang="de-DE" sz="1600" dirty="0" err="1">
-                  <a:solidFill>
-                    <a:schemeClr val="tx1"/>
-                  </a:solidFill>
-                </a:rPr>
-                <a:t>Trajectory</a:t>
-              </a:r>
-              <a:r>
                 <a:rPr lang="de-DE" sz="1600" dirty="0">
                   <a:solidFill>
                     <a:schemeClr val="tx1"/>
                   </a:solidFill>
                 </a:rPr>
-                <a:t> </a:t>
-              </a:r>
-              <a:r>
-                <a:rPr lang="de-DE" sz="1600" dirty="0" err="1">
-                  <a:solidFill>
-                    <a:schemeClr val="tx1"/>
-                  </a:solidFill>
-                </a:rPr>
-                <a:t>Optimization</a:t>
+                <a:t>Trajectory Optimization</a:t>
               </a:r>
               <a:endParaRPr lang="en-US" sz="1600" dirty="0">
                 <a:solidFill>
@@ -6776,6 +6743,972 @@
 </p:sld>
 </file>
 
+<file path=ppt/slides/slide3.xml><?xml version="1.0" encoding="utf-8"?>
+<p:sld xmlns:a="http://schemas.openxmlformats.org/drawingml/2006/main" xmlns:r="http://schemas.openxmlformats.org/officeDocument/2006/relationships" xmlns:p="http://schemas.openxmlformats.org/presentationml/2006/main">
+  <p:cSld>
+    <p:spTree>
+      <p:nvGrpSpPr>
+        <p:cNvPr id="1" name=""/>
+        <p:cNvGrpSpPr/>
+        <p:nvPr/>
+      </p:nvGrpSpPr>
+      <p:grpSpPr>
+        <a:xfrm>
+          <a:off x="0" y="0"/>
+          <a:ext cx="0" cy="0"/>
+          <a:chOff x="0" y="0"/>
+          <a:chExt cx="0" cy="0"/>
+        </a:xfrm>
+      </p:grpSpPr>
+      <p:grpSp>
+        <p:nvGrpSpPr>
+          <p:cNvPr id="41" name="Gruppieren 40">
+            <a:extLst>
+              <a:ext uri="{FF2B5EF4-FFF2-40B4-BE49-F238E27FC236}">
+                <a16:creationId xmlns:a16="http://schemas.microsoft.com/office/drawing/2014/main" id="{BC5A7F38-BD83-4F6F-B8A6-3452AEB42621}"/>
+              </a:ext>
+            </a:extLst>
+          </p:cNvPr>
+          <p:cNvGrpSpPr/>
+          <p:nvPr/>
+        </p:nvGrpSpPr>
+        <p:grpSpPr>
+          <a:xfrm>
+            <a:off x="3072939" y="2602717"/>
+            <a:ext cx="1133911" cy="1652561"/>
+            <a:chOff x="3458710" y="3435689"/>
+            <a:chExt cx="1251009" cy="1652561"/>
+          </a:xfrm>
+        </p:grpSpPr>
+        <p:sp>
+          <p:nvSpPr>
+            <p:cNvPr id="6" name="Rechteck: abgerundete Ecken 5">
+              <a:extLst>
+                <a:ext uri="{FF2B5EF4-FFF2-40B4-BE49-F238E27FC236}">
+                  <a16:creationId xmlns:a16="http://schemas.microsoft.com/office/drawing/2014/main" id="{C8D94366-EF8C-4028-986B-FE1E3D64A0A6}"/>
+                </a:ext>
+              </a:extLst>
+            </p:cNvPr>
+            <p:cNvSpPr/>
+            <p:nvPr/>
+          </p:nvSpPr>
+          <p:spPr>
+            <a:xfrm>
+              <a:off x="3458710" y="3435689"/>
+              <a:ext cx="1251009" cy="1652561"/>
+            </a:xfrm>
+            <a:prstGeom prst="roundRect">
+              <a:avLst/>
+            </a:prstGeom>
+            <a:solidFill>
+              <a:schemeClr val="bg1"/>
+            </a:solidFill>
+            <a:ln>
+              <a:solidFill>
+                <a:srgbClr val="3668A0"/>
+              </a:solidFill>
+            </a:ln>
+          </p:spPr>
+          <p:style>
+            <a:lnRef idx="2">
+              <a:schemeClr val="accent1">
+                <a:shade val="50000"/>
+              </a:schemeClr>
+            </a:lnRef>
+            <a:fillRef idx="1">
+              <a:schemeClr val="accent1"/>
+            </a:fillRef>
+            <a:effectRef idx="0">
+              <a:schemeClr val="accent1"/>
+            </a:effectRef>
+            <a:fontRef idx="minor">
+              <a:schemeClr val="lt1"/>
+            </a:fontRef>
+          </p:style>
+          <p:txBody>
+            <a:bodyPr rtlCol="0" anchor="t"/>
+            <a:lstStyle/>
+            <a:p>
+              <a:pPr algn="ctr"/>
+              <a:r>
+                <a:rPr lang="de-DE" sz="1600" dirty="0">
+                  <a:solidFill>
+                    <a:schemeClr val="tx1"/>
+                  </a:solidFill>
+                </a:rPr>
+                <a:t>Trajectory File</a:t>
+              </a:r>
+              <a:endParaRPr lang="en-US" sz="1600" dirty="0">
+                <a:solidFill>
+                  <a:schemeClr val="tx1"/>
+                </a:solidFill>
+              </a:endParaRPr>
+            </a:p>
+          </p:txBody>
+        </p:sp>
+        <p:grpSp>
+          <p:nvGrpSpPr>
+            <p:cNvPr id="39" name="Gruppieren 38">
+              <a:extLst>
+                <a:ext uri="{FF2B5EF4-FFF2-40B4-BE49-F238E27FC236}">
+                  <a16:creationId xmlns:a16="http://schemas.microsoft.com/office/drawing/2014/main" id="{A572E544-0DCE-450B-85DE-7904DCA78C56}"/>
+                </a:ext>
+              </a:extLst>
+            </p:cNvPr>
+            <p:cNvGrpSpPr/>
+            <p:nvPr/>
+          </p:nvGrpSpPr>
+          <p:grpSpPr>
+            <a:xfrm>
+              <a:off x="3694127" y="4264394"/>
+              <a:ext cx="780176" cy="597680"/>
+              <a:chOff x="3694127" y="4264395"/>
+              <a:chExt cx="780176" cy="597680"/>
+            </a:xfrm>
+          </p:grpSpPr>
+          <p:cxnSp>
+            <p:nvCxnSpPr>
+              <p:cNvPr id="8" name="Gerader Verbinder 7">
+                <a:extLst>
+                  <a:ext uri="{FF2B5EF4-FFF2-40B4-BE49-F238E27FC236}">
+                    <a16:creationId xmlns:a16="http://schemas.microsoft.com/office/drawing/2014/main" id="{27177B02-3FDD-46E3-836B-3D5B236FC002}"/>
+                  </a:ext>
+                </a:extLst>
+              </p:cNvPr>
+              <p:cNvCxnSpPr>
+                <a:cxnSpLocks/>
+              </p:cNvCxnSpPr>
+              <p:nvPr/>
+            </p:nvCxnSpPr>
+            <p:spPr>
+              <a:xfrm>
+                <a:off x="3694127" y="4264395"/>
+                <a:ext cx="780176" cy="1"/>
+              </a:xfrm>
+              <a:prstGeom prst="line">
+                <a:avLst/>
+              </a:prstGeom>
+            </p:spPr>
+            <p:style>
+              <a:lnRef idx="1">
+                <a:schemeClr val="accent1"/>
+              </a:lnRef>
+              <a:fillRef idx="0">
+                <a:schemeClr val="accent1"/>
+              </a:fillRef>
+              <a:effectRef idx="0">
+                <a:schemeClr val="accent1"/>
+              </a:effectRef>
+              <a:fontRef idx="minor">
+                <a:schemeClr val="tx1"/>
+              </a:fontRef>
+            </p:style>
+          </p:cxnSp>
+          <p:cxnSp>
+            <p:nvCxnSpPr>
+              <p:cNvPr id="10" name="Gerader Verbinder 9">
+                <a:extLst>
+                  <a:ext uri="{FF2B5EF4-FFF2-40B4-BE49-F238E27FC236}">
+                    <a16:creationId xmlns:a16="http://schemas.microsoft.com/office/drawing/2014/main" id="{0BF7CC6C-AC1A-4AA8-BEF4-1E9E4D365500}"/>
+                  </a:ext>
+                </a:extLst>
+              </p:cNvPr>
+              <p:cNvCxnSpPr>
+                <a:cxnSpLocks/>
+              </p:cNvCxnSpPr>
+              <p:nvPr/>
+            </p:nvCxnSpPr>
+            <p:spPr>
+              <a:xfrm>
+                <a:off x="3694127" y="4406980"/>
+                <a:ext cx="780176" cy="1"/>
+              </a:xfrm>
+              <a:prstGeom prst="line">
+                <a:avLst/>
+              </a:prstGeom>
+            </p:spPr>
+            <p:style>
+              <a:lnRef idx="1">
+                <a:schemeClr val="accent1"/>
+              </a:lnRef>
+              <a:fillRef idx="0">
+                <a:schemeClr val="accent1"/>
+              </a:fillRef>
+              <a:effectRef idx="0">
+                <a:schemeClr val="accent1"/>
+              </a:effectRef>
+              <a:fontRef idx="minor">
+                <a:schemeClr val="tx1"/>
+              </a:fontRef>
+            </p:style>
+          </p:cxnSp>
+          <p:cxnSp>
+            <p:nvCxnSpPr>
+              <p:cNvPr id="12" name="Gerader Verbinder 11">
+                <a:extLst>
+                  <a:ext uri="{FF2B5EF4-FFF2-40B4-BE49-F238E27FC236}">
+                    <a16:creationId xmlns:a16="http://schemas.microsoft.com/office/drawing/2014/main" id="{3D0AC4ED-97DF-4127-9440-E5D426EE3358}"/>
+                  </a:ext>
+                </a:extLst>
+              </p:cNvPr>
+              <p:cNvCxnSpPr>
+                <a:cxnSpLocks/>
+              </p:cNvCxnSpPr>
+              <p:nvPr/>
+            </p:nvCxnSpPr>
+            <p:spPr>
+              <a:xfrm>
+                <a:off x="3694127" y="4558679"/>
+                <a:ext cx="780176" cy="1"/>
+              </a:xfrm>
+              <a:prstGeom prst="line">
+                <a:avLst/>
+              </a:prstGeom>
+            </p:spPr>
+            <p:style>
+              <a:lnRef idx="1">
+                <a:schemeClr val="accent1"/>
+              </a:lnRef>
+              <a:fillRef idx="0">
+                <a:schemeClr val="accent1"/>
+              </a:fillRef>
+              <a:effectRef idx="0">
+                <a:schemeClr val="accent1"/>
+              </a:effectRef>
+              <a:fontRef idx="minor">
+                <a:schemeClr val="tx1"/>
+              </a:fontRef>
+            </p:style>
+          </p:cxnSp>
+          <p:cxnSp>
+            <p:nvCxnSpPr>
+              <p:cNvPr id="14" name="Gerader Verbinder 13">
+                <a:extLst>
+                  <a:ext uri="{FF2B5EF4-FFF2-40B4-BE49-F238E27FC236}">
+                    <a16:creationId xmlns:a16="http://schemas.microsoft.com/office/drawing/2014/main" id="{9BB63DBA-5CF8-4F0A-B5EE-B7BAC94ECD8F}"/>
+                  </a:ext>
+                </a:extLst>
+              </p:cNvPr>
+              <p:cNvCxnSpPr>
+                <a:cxnSpLocks/>
+              </p:cNvCxnSpPr>
+              <p:nvPr/>
+            </p:nvCxnSpPr>
+            <p:spPr>
+              <a:xfrm>
+                <a:off x="3694127" y="4710377"/>
+                <a:ext cx="780176" cy="1"/>
+              </a:xfrm>
+              <a:prstGeom prst="line">
+                <a:avLst/>
+              </a:prstGeom>
+            </p:spPr>
+            <p:style>
+              <a:lnRef idx="1">
+                <a:schemeClr val="accent1"/>
+              </a:lnRef>
+              <a:fillRef idx="0">
+                <a:schemeClr val="accent1"/>
+              </a:fillRef>
+              <a:effectRef idx="0">
+                <a:schemeClr val="accent1"/>
+              </a:effectRef>
+              <a:fontRef idx="minor">
+                <a:schemeClr val="tx1"/>
+              </a:fontRef>
+            </p:style>
+          </p:cxnSp>
+          <p:cxnSp>
+            <p:nvCxnSpPr>
+              <p:cNvPr id="16" name="Gerader Verbinder 15">
+                <a:extLst>
+                  <a:ext uri="{FF2B5EF4-FFF2-40B4-BE49-F238E27FC236}">
+                    <a16:creationId xmlns:a16="http://schemas.microsoft.com/office/drawing/2014/main" id="{CB7DC6F7-2771-4678-BFCF-09EAF8B74104}"/>
+                  </a:ext>
+                </a:extLst>
+              </p:cNvPr>
+              <p:cNvCxnSpPr>
+                <a:cxnSpLocks/>
+              </p:cNvCxnSpPr>
+              <p:nvPr/>
+            </p:nvCxnSpPr>
+            <p:spPr>
+              <a:xfrm>
+                <a:off x="3694127" y="4862074"/>
+                <a:ext cx="780176" cy="1"/>
+              </a:xfrm>
+              <a:prstGeom prst="line">
+                <a:avLst/>
+              </a:prstGeom>
+            </p:spPr>
+            <p:style>
+              <a:lnRef idx="1">
+                <a:schemeClr val="accent1"/>
+              </a:lnRef>
+              <a:fillRef idx="0">
+                <a:schemeClr val="accent1"/>
+              </a:fillRef>
+              <a:effectRef idx="0">
+                <a:schemeClr val="accent1"/>
+              </a:effectRef>
+              <a:fontRef idx="minor">
+                <a:schemeClr val="tx1"/>
+              </a:fontRef>
+            </p:style>
+          </p:cxnSp>
+        </p:grpSp>
+      </p:grpSp>
+      <p:sp>
+        <p:nvSpPr>
+          <p:cNvPr id="18" name="Rechteck: abgerundete Ecken 17">
+            <a:extLst>
+              <a:ext uri="{FF2B5EF4-FFF2-40B4-BE49-F238E27FC236}">
+                <a16:creationId xmlns:a16="http://schemas.microsoft.com/office/drawing/2014/main" id="{2BA5E4ED-E5E7-4445-9C49-A39C758DACC4}"/>
+              </a:ext>
+            </a:extLst>
+          </p:cNvPr>
+          <p:cNvSpPr/>
+          <p:nvPr/>
+        </p:nvSpPr>
+        <p:spPr>
+          <a:xfrm>
+            <a:off x="6175249" y="3110211"/>
+            <a:ext cx="1434168" cy="642421"/>
+          </a:xfrm>
+          <a:prstGeom prst="roundRect">
+            <a:avLst/>
+          </a:prstGeom>
+          <a:solidFill>
+            <a:schemeClr val="bg1"/>
+          </a:solidFill>
+          <a:ln>
+            <a:solidFill>
+              <a:srgbClr val="3668A0"/>
+            </a:solidFill>
+          </a:ln>
+        </p:spPr>
+        <p:style>
+          <a:lnRef idx="2">
+            <a:schemeClr val="accent1">
+              <a:shade val="50000"/>
+            </a:schemeClr>
+          </a:lnRef>
+          <a:fillRef idx="1">
+            <a:schemeClr val="accent1"/>
+          </a:fillRef>
+          <a:effectRef idx="0">
+            <a:schemeClr val="accent1"/>
+          </a:effectRef>
+          <a:fontRef idx="minor">
+            <a:schemeClr val="lt1"/>
+          </a:fontRef>
+        </p:style>
+        <p:txBody>
+          <a:bodyPr rtlCol="0" anchor="ctr"/>
+          <a:lstStyle/>
+          <a:p>
+            <a:pPr algn="ctr"/>
+            <a:r>
+              <a:rPr lang="de-DE" sz="1600" dirty="0">
+                <a:solidFill>
+                  <a:schemeClr val="tx1"/>
+                </a:solidFill>
+              </a:rPr>
+              <a:t>HyRoDyn</a:t>
+            </a:r>
+            <a:endParaRPr lang="en-US" sz="1600" dirty="0">
+              <a:solidFill>
+                <a:schemeClr val="tx1"/>
+              </a:solidFill>
+            </a:endParaRPr>
+          </a:p>
+        </p:txBody>
+      </p:sp>
+      <p:sp>
+        <p:nvSpPr>
+          <p:cNvPr id="20" name="Rechteck: abgerundete Ecken 19">
+            <a:extLst>
+              <a:ext uri="{FF2B5EF4-FFF2-40B4-BE49-F238E27FC236}">
+                <a16:creationId xmlns:a16="http://schemas.microsoft.com/office/drawing/2014/main" id="{E4961BAF-1D33-4901-ABD6-71A5146DC497}"/>
+              </a:ext>
+            </a:extLst>
+          </p:cNvPr>
+          <p:cNvSpPr/>
+          <p:nvPr/>
+        </p:nvSpPr>
+        <p:spPr>
+          <a:xfrm>
+            <a:off x="8178186" y="3101577"/>
+            <a:ext cx="1434168" cy="642421"/>
+          </a:xfrm>
+          <a:prstGeom prst="roundRect">
+            <a:avLst/>
+          </a:prstGeom>
+          <a:solidFill>
+            <a:schemeClr val="bg1"/>
+          </a:solidFill>
+          <a:ln>
+            <a:solidFill>
+              <a:srgbClr val="3668A0"/>
+            </a:solidFill>
+          </a:ln>
+        </p:spPr>
+        <p:style>
+          <a:lnRef idx="2">
+            <a:schemeClr val="accent1">
+              <a:shade val="50000"/>
+            </a:schemeClr>
+          </a:lnRef>
+          <a:fillRef idx="1">
+            <a:schemeClr val="accent1"/>
+          </a:fillRef>
+          <a:effectRef idx="0">
+            <a:schemeClr val="accent1"/>
+          </a:effectRef>
+          <a:fontRef idx="minor">
+            <a:schemeClr val="lt1"/>
+          </a:fontRef>
+        </p:style>
+        <p:txBody>
+          <a:bodyPr rtlCol="0" anchor="ctr"/>
+          <a:lstStyle/>
+          <a:p>
+            <a:pPr algn="ctr"/>
+            <a:r>
+              <a:rPr lang="de-DE" sz="1600" dirty="0">
+                <a:solidFill>
+                  <a:schemeClr val="tx1"/>
+                </a:solidFill>
+              </a:rPr>
+              <a:t>Actuator Control</a:t>
+            </a:r>
+            <a:endParaRPr lang="en-US" sz="1600" dirty="0">
+              <a:solidFill>
+                <a:schemeClr val="tx1"/>
+              </a:solidFill>
+            </a:endParaRPr>
+          </a:p>
+        </p:txBody>
+      </p:sp>
+      <p:cxnSp>
+        <p:nvCxnSpPr>
+          <p:cNvPr id="22" name="Gerade Verbindung mit Pfeil 21">
+            <a:extLst>
+              <a:ext uri="{FF2B5EF4-FFF2-40B4-BE49-F238E27FC236}">
+                <a16:creationId xmlns:a16="http://schemas.microsoft.com/office/drawing/2014/main" id="{B28978F1-6AAE-40FC-B682-CF1FCFDF8ABD}"/>
+              </a:ext>
+            </a:extLst>
+          </p:cNvPr>
+          <p:cNvCxnSpPr>
+            <a:cxnSpLocks/>
+            <a:stCxn id="6" idx="3"/>
+            <a:endCxn id="40" idx="2"/>
+          </p:cNvCxnSpPr>
+          <p:nvPr/>
+        </p:nvCxnSpPr>
+        <p:spPr>
+          <a:xfrm flipV="1">
+            <a:off x="4206850" y="3422787"/>
+            <a:ext cx="1229614" cy="6211"/>
+          </a:xfrm>
+          <a:prstGeom prst="straightConnector1">
+            <a:avLst/>
+          </a:prstGeom>
+          <a:ln>
+            <a:tailEnd type="triangle"/>
+          </a:ln>
+        </p:spPr>
+        <p:style>
+          <a:lnRef idx="1">
+            <a:schemeClr val="accent1"/>
+          </a:lnRef>
+          <a:fillRef idx="0">
+            <a:schemeClr val="accent1"/>
+          </a:fillRef>
+          <a:effectRef idx="0">
+            <a:schemeClr val="accent1"/>
+          </a:effectRef>
+          <a:fontRef idx="minor">
+            <a:schemeClr val="tx1"/>
+          </a:fontRef>
+        </p:style>
+      </p:cxnSp>
+      <p:cxnSp>
+        <p:nvCxnSpPr>
+          <p:cNvPr id="24" name="Gerade Verbindung mit Pfeil 23">
+            <a:extLst>
+              <a:ext uri="{FF2B5EF4-FFF2-40B4-BE49-F238E27FC236}">
+                <a16:creationId xmlns:a16="http://schemas.microsoft.com/office/drawing/2014/main" id="{0FCFC532-46B6-4616-B7B0-910551818878}"/>
+              </a:ext>
+            </a:extLst>
+          </p:cNvPr>
+          <p:cNvCxnSpPr>
+            <a:cxnSpLocks/>
+            <a:stCxn id="18" idx="3"/>
+            <a:endCxn id="20" idx="1"/>
+          </p:cNvCxnSpPr>
+          <p:nvPr/>
+        </p:nvCxnSpPr>
+        <p:spPr>
+          <a:xfrm flipV="1">
+            <a:off x="7609417" y="3422788"/>
+            <a:ext cx="568769" cy="8634"/>
+          </a:xfrm>
+          <a:prstGeom prst="straightConnector1">
+            <a:avLst/>
+          </a:prstGeom>
+          <a:ln>
+            <a:tailEnd type="triangle"/>
+          </a:ln>
+        </p:spPr>
+        <p:style>
+          <a:lnRef idx="1">
+            <a:schemeClr val="accent1"/>
+          </a:lnRef>
+          <a:fillRef idx="0">
+            <a:schemeClr val="accent1"/>
+          </a:fillRef>
+          <a:effectRef idx="0">
+            <a:schemeClr val="accent1"/>
+          </a:effectRef>
+          <a:fontRef idx="minor">
+            <a:schemeClr val="tx1"/>
+          </a:fontRef>
+        </p:style>
+      </p:cxnSp>
+      <p:sp>
+        <p:nvSpPr>
+          <p:cNvPr id="31" name="Rechteck 30">
+            <a:extLst>
+              <a:ext uri="{FF2B5EF4-FFF2-40B4-BE49-F238E27FC236}">
+                <a16:creationId xmlns:a16="http://schemas.microsoft.com/office/drawing/2014/main" id="{69BA51E3-1EC6-4311-A04A-F6F8EF84449A}"/>
+              </a:ext>
+            </a:extLst>
+          </p:cNvPr>
+          <p:cNvSpPr/>
+          <p:nvPr/>
+        </p:nvSpPr>
+        <p:spPr>
+          <a:xfrm>
+            <a:off x="167779" y="1390078"/>
+            <a:ext cx="1887524" cy="285155"/>
+          </a:xfrm>
+          <a:prstGeom prst="rect">
+            <a:avLst/>
+          </a:prstGeom>
+          <a:noFill/>
+          <a:ln>
+            <a:prstDash val="sysDash"/>
+          </a:ln>
+        </p:spPr>
+        <p:style>
+          <a:lnRef idx="2">
+            <a:schemeClr val="accent1">
+              <a:shade val="50000"/>
+            </a:schemeClr>
+          </a:lnRef>
+          <a:fillRef idx="1">
+            <a:schemeClr val="accent1"/>
+          </a:fillRef>
+          <a:effectRef idx="0">
+            <a:schemeClr val="accent1"/>
+          </a:effectRef>
+          <a:fontRef idx="minor">
+            <a:schemeClr val="lt1"/>
+          </a:fontRef>
+        </p:style>
+        <p:txBody>
+          <a:bodyPr rtlCol="0" anchor="ctr"/>
+          <a:lstStyle/>
+          <a:p>
+            <a:pPr algn="ctr"/>
+            <a:r>
+              <a:rPr lang="de-DE" sz="1200" dirty="0">
+                <a:solidFill>
+                  <a:schemeClr val="tx1"/>
+                </a:solidFill>
+              </a:rPr>
+              <a:t>1.. Offline Motion Planning</a:t>
+            </a:r>
+          </a:p>
+        </p:txBody>
+      </p:sp>
+      <p:sp>
+        <p:nvSpPr>
+          <p:cNvPr id="33" name="Rechteck 32">
+            <a:extLst>
+              <a:ext uri="{FF2B5EF4-FFF2-40B4-BE49-F238E27FC236}">
+                <a16:creationId xmlns:a16="http://schemas.microsoft.com/office/drawing/2014/main" id="{D764011D-D384-4BE2-B6CD-C65EC1B6C749}"/>
+              </a:ext>
+            </a:extLst>
+          </p:cNvPr>
+          <p:cNvSpPr/>
+          <p:nvPr/>
+        </p:nvSpPr>
+        <p:spPr>
+          <a:xfrm>
+            <a:off x="167779" y="3289976"/>
+            <a:ext cx="1887524" cy="285155"/>
+          </a:xfrm>
+          <a:prstGeom prst="rect">
+            <a:avLst/>
+          </a:prstGeom>
+          <a:noFill/>
+          <a:ln>
+            <a:prstDash val="sysDash"/>
+          </a:ln>
+        </p:spPr>
+        <p:style>
+          <a:lnRef idx="2">
+            <a:schemeClr val="accent1">
+              <a:shade val="50000"/>
+            </a:schemeClr>
+          </a:lnRef>
+          <a:fillRef idx="1">
+            <a:schemeClr val="accent1"/>
+          </a:fillRef>
+          <a:effectRef idx="0">
+            <a:schemeClr val="accent1"/>
+          </a:effectRef>
+          <a:fontRef idx="minor">
+            <a:schemeClr val="lt1"/>
+          </a:fontRef>
+        </p:style>
+        <p:txBody>
+          <a:bodyPr rtlCol="0" anchor="ctr"/>
+          <a:lstStyle/>
+          <a:p>
+            <a:pPr algn="ctr"/>
+            <a:r>
+              <a:rPr lang="de-DE" sz="1200" dirty="0">
+                <a:solidFill>
+                  <a:schemeClr val="tx1"/>
+                </a:solidFill>
+              </a:rPr>
+              <a:t>2. Online Stabilization</a:t>
+            </a:r>
+          </a:p>
+        </p:txBody>
+      </p:sp>
+      <p:pic>
+        <p:nvPicPr>
+          <p:cNvPr id="64" name="Grafik 63">
+            <a:extLst>
+              <a:ext uri="{FF2B5EF4-FFF2-40B4-BE49-F238E27FC236}">
+                <a16:creationId xmlns:a16="http://schemas.microsoft.com/office/drawing/2014/main" id="{C98F8F32-17B1-4121-A1CD-641D594D28CF}"/>
+              </a:ext>
+            </a:extLst>
+          </p:cNvPr>
+          <p:cNvPicPr>
+            <a:picLocks noChangeAspect="1"/>
+          </p:cNvPicPr>
+          <p:nvPr>
+            <p:custDataLst>
+              <p:tags r:id="rId1"/>
+            </p:custDataLst>
+          </p:nvPr>
+        </p:nvPicPr>
+        <p:blipFill>
+          <a:blip r:embed="rId3">
+            <a:extLst>
+              <a:ext uri="{28A0092B-C50C-407E-A947-70E740481C1C}">
+                <a14:useLocalDpi xmlns:a14="http://schemas.microsoft.com/office/drawing/2010/main" val="0"/>
+              </a:ext>
+            </a:extLst>
+          </a:blip>
+          <a:stretch>
+            <a:fillRect/>
+          </a:stretch>
+        </p:blipFill>
+        <p:spPr>
+          <a:xfrm>
+            <a:off x="4385212" y="3235174"/>
+            <a:ext cx="812800" cy="150857"/>
+          </a:xfrm>
+          <a:prstGeom prst="rect">
+            <a:avLst/>
+          </a:prstGeom>
+        </p:spPr>
+      </p:pic>
+      <p:sp>
+        <p:nvSpPr>
+          <p:cNvPr id="62" name="Rechteck: abgerundete Ecken 61">
+            <a:extLst>
+              <a:ext uri="{FF2B5EF4-FFF2-40B4-BE49-F238E27FC236}">
+                <a16:creationId xmlns:a16="http://schemas.microsoft.com/office/drawing/2014/main" id="{08E9F9A7-C88C-4BAD-94BC-E1B8B75AC0B1}"/>
+              </a:ext>
+            </a:extLst>
+          </p:cNvPr>
+          <p:cNvSpPr/>
+          <p:nvPr/>
+        </p:nvSpPr>
+        <p:spPr>
+          <a:xfrm>
+            <a:off x="2445197" y="1118370"/>
+            <a:ext cx="2389396" cy="828572"/>
+          </a:xfrm>
+          <a:prstGeom prst="roundRect">
+            <a:avLst/>
+          </a:prstGeom>
+          <a:solidFill>
+            <a:schemeClr val="bg1"/>
+          </a:solidFill>
+          <a:ln>
+            <a:solidFill>
+              <a:srgbClr val="3668A0"/>
+            </a:solidFill>
+          </a:ln>
+        </p:spPr>
+        <p:style>
+          <a:lnRef idx="2">
+            <a:schemeClr val="accent1">
+              <a:shade val="50000"/>
+            </a:schemeClr>
+          </a:lnRef>
+          <a:fillRef idx="1">
+            <a:schemeClr val="accent1"/>
+          </a:fillRef>
+          <a:effectRef idx="0">
+            <a:schemeClr val="accent1"/>
+          </a:effectRef>
+          <a:fontRef idx="minor">
+            <a:schemeClr val="lt1"/>
+          </a:fontRef>
+        </p:style>
+        <p:txBody>
+          <a:bodyPr rtlCol="0" anchor="ctr"/>
+          <a:lstStyle/>
+          <a:p>
+            <a:pPr algn="ctr"/>
+            <a:r>
+              <a:rPr lang="de-DE" sz="1600" dirty="0">
+                <a:solidFill>
+                  <a:schemeClr val="tx1"/>
+                </a:solidFill>
+              </a:rPr>
+              <a:t>Whole-Body </a:t>
+            </a:r>
+          </a:p>
+          <a:p>
+            <a:pPr algn="ctr"/>
+            <a:r>
+              <a:rPr lang="de-DE" sz="1600" dirty="0">
+                <a:solidFill>
+                  <a:schemeClr val="tx1"/>
+                </a:solidFill>
+              </a:rPr>
+              <a:t>Trajectory Optimization</a:t>
+            </a:r>
+            <a:endParaRPr lang="en-US" sz="1600" dirty="0">
+              <a:solidFill>
+                <a:schemeClr val="tx1"/>
+              </a:solidFill>
+            </a:endParaRPr>
+          </a:p>
+        </p:txBody>
+      </p:sp>
+      <p:cxnSp>
+        <p:nvCxnSpPr>
+          <p:cNvPr id="25" name="Gerade Verbindung mit Pfeil 24">
+            <a:extLst>
+              <a:ext uri="{FF2B5EF4-FFF2-40B4-BE49-F238E27FC236}">
+                <a16:creationId xmlns:a16="http://schemas.microsoft.com/office/drawing/2014/main" id="{843BAB83-EA30-4897-9DE5-3EC0099701E4}"/>
+              </a:ext>
+            </a:extLst>
+          </p:cNvPr>
+          <p:cNvCxnSpPr>
+            <a:cxnSpLocks/>
+            <a:stCxn id="62" idx="2"/>
+            <a:endCxn id="6" idx="0"/>
+          </p:cNvCxnSpPr>
+          <p:nvPr/>
+        </p:nvCxnSpPr>
+        <p:spPr>
+          <a:xfrm>
+            <a:off x="3639895" y="1946942"/>
+            <a:ext cx="0" cy="655775"/>
+          </a:xfrm>
+          <a:prstGeom prst="straightConnector1">
+            <a:avLst/>
+          </a:prstGeom>
+          <a:ln>
+            <a:tailEnd type="triangle"/>
+          </a:ln>
+        </p:spPr>
+        <p:style>
+          <a:lnRef idx="1">
+            <a:schemeClr val="accent1"/>
+          </a:lnRef>
+          <a:fillRef idx="0">
+            <a:schemeClr val="accent1"/>
+          </a:fillRef>
+          <a:effectRef idx="0">
+            <a:schemeClr val="accent1"/>
+          </a:effectRef>
+          <a:fontRef idx="minor">
+            <a:schemeClr val="tx1"/>
+          </a:fontRef>
+        </p:style>
+      </p:cxnSp>
+      <p:cxnSp>
+        <p:nvCxnSpPr>
+          <p:cNvPr id="37" name="Verbinder: gewinkelt 36">
+            <a:extLst>
+              <a:ext uri="{FF2B5EF4-FFF2-40B4-BE49-F238E27FC236}">
+                <a16:creationId xmlns:a16="http://schemas.microsoft.com/office/drawing/2014/main" id="{400F958C-FE9E-4BFA-A710-515E9D10F83D}"/>
+              </a:ext>
+            </a:extLst>
+          </p:cNvPr>
+          <p:cNvCxnSpPr>
+            <a:cxnSpLocks/>
+            <a:stCxn id="20" idx="2"/>
+            <a:endCxn id="40" idx="4"/>
+          </p:cNvCxnSpPr>
+          <p:nvPr/>
+        </p:nvCxnSpPr>
+        <p:spPr>
+          <a:xfrm rot="5400000" flipH="1">
+            <a:off x="7090399" y="1939127"/>
+            <a:ext cx="237754" cy="3371988"/>
+          </a:xfrm>
+          <a:prstGeom prst="bentConnector3">
+            <a:avLst>
+              <a:gd name="adj1" fmla="val -226702"/>
+            </a:avLst>
+          </a:prstGeom>
+          <a:ln>
+            <a:tailEnd type="triangle"/>
+          </a:ln>
+        </p:spPr>
+        <p:style>
+          <a:lnRef idx="1">
+            <a:schemeClr val="accent1"/>
+          </a:lnRef>
+          <a:fillRef idx="0">
+            <a:schemeClr val="accent1"/>
+          </a:fillRef>
+          <a:effectRef idx="0">
+            <a:schemeClr val="accent1"/>
+          </a:effectRef>
+          <a:fontRef idx="minor">
+            <a:schemeClr val="tx1"/>
+          </a:fontRef>
+        </p:style>
+      </p:cxnSp>
+      <p:sp>
+        <p:nvSpPr>
+          <p:cNvPr id="40" name="Flussdiagramm: Zusammenführung 39">
+            <a:extLst>
+              <a:ext uri="{FF2B5EF4-FFF2-40B4-BE49-F238E27FC236}">
+                <a16:creationId xmlns:a16="http://schemas.microsoft.com/office/drawing/2014/main" id="{05106233-03BD-4F63-B39D-41C8E2B79A3D}"/>
+              </a:ext>
+            </a:extLst>
+          </p:cNvPr>
+          <p:cNvSpPr/>
+          <p:nvPr/>
+        </p:nvSpPr>
+        <p:spPr>
+          <a:xfrm>
+            <a:off x="5436464" y="3339330"/>
+            <a:ext cx="173635" cy="166914"/>
+          </a:xfrm>
+          <a:prstGeom prst="flowChartSummingJunction">
+            <a:avLst/>
+          </a:prstGeom>
+          <a:solidFill>
+            <a:schemeClr val="bg1"/>
+          </a:solidFill>
+          <a:ln>
+            <a:solidFill>
+              <a:srgbClr val="3668A0"/>
+            </a:solidFill>
+          </a:ln>
+        </p:spPr>
+        <p:style>
+          <a:lnRef idx="2">
+            <a:schemeClr val="accent1">
+              <a:shade val="50000"/>
+            </a:schemeClr>
+          </a:lnRef>
+          <a:fillRef idx="1">
+            <a:schemeClr val="accent1"/>
+          </a:fillRef>
+          <a:effectRef idx="0">
+            <a:schemeClr val="accent1"/>
+          </a:effectRef>
+          <a:fontRef idx="minor">
+            <a:schemeClr val="lt1"/>
+          </a:fontRef>
+        </p:style>
+        <p:txBody>
+          <a:bodyPr rtlCol="0" anchor="t"/>
+          <a:lstStyle/>
+          <a:p>
+            <a:pPr algn="ctr"/>
+            <a:endParaRPr lang="de-DE" sz="1600">
+              <a:solidFill>
+                <a:schemeClr val="tx1"/>
+              </a:solidFill>
+            </a:endParaRPr>
+          </a:p>
+        </p:txBody>
+      </p:sp>
+      <p:cxnSp>
+        <p:nvCxnSpPr>
+          <p:cNvPr id="47" name="Gerade Verbindung mit Pfeil 46">
+            <a:extLst>
+              <a:ext uri="{FF2B5EF4-FFF2-40B4-BE49-F238E27FC236}">
+                <a16:creationId xmlns:a16="http://schemas.microsoft.com/office/drawing/2014/main" id="{0AF848A5-F9C6-4E0D-9E76-6399662B43B1}"/>
+              </a:ext>
+            </a:extLst>
+          </p:cNvPr>
+          <p:cNvCxnSpPr>
+            <a:cxnSpLocks/>
+            <a:stCxn id="40" idx="6"/>
+            <a:endCxn id="18" idx="1"/>
+          </p:cNvCxnSpPr>
+          <p:nvPr/>
+        </p:nvCxnSpPr>
+        <p:spPr>
+          <a:xfrm>
+            <a:off x="5610099" y="3422787"/>
+            <a:ext cx="565150" cy="8635"/>
+          </a:xfrm>
+          <a:prstGeom prst="straightConnector1">
+            <a:avLst/>
+          </a:prstGeom>
+          <a:ln>
+            <a:tailEnd type="triangle"/>
+          </a:ln>
+        </p:spPr>
+        <p:style>
+          <a:lnRef idx="1">
+            <a:schemeClr val="accent1"/>
+          </a:lnRef>
+          <a:fillRef idx="0">
+            <a:schemeClr val="accent1"/>
+          </a:fillRef>
+          <a:effectRef idx="0">
+            <a:schemeClr val="accent1"/>
+          </a:effectRef>
+          <a:fontRef idx="minor">
+            <a:schemeClr val="tx1"/>
+          </a:fontRef>
+        </p:style>
+      </p:cxnSp>
+    </p:spTree>
+    <p:extLst>
+      <p:ext uri="{BB962C8B-B14F-4D97-AF65-F5344CB8AC3E}">
+        <p14:creationId xmlns:p14="http://schemas.microsoft.com/office/powerpoint/2010/main" val="2614060875"/>
+      </p:ext>
+    </p:extLst>
+  </p:cSld>
+  <p:clrMapOvr>
+    <a:masterClrMapping/>
+  </p:clrMapOvr>
+</p:sld>
+</file>
+
 <file path=ppt/tags/tag1.xml><?xml version="1.0" encoding="utf-8"?>
 <p:tagLst xmlns:a="http://schemas.openxmlformats.org/drawingml/2006/main" xmlns:r="http://schemas.openxmlformats.org/officeDocument/2006/relationships" xmlns:p="http://schemas.openxmlformats.org/presentationml/2006/main">
   <p:tag name="OUTPUTDPI" val="1200"/>
@@ -6784,6 +7717,25 @@
   <p:tag name="LATEXADDIN" val="\documentclass{article}&#10;\usepackage{amsmath}&#10;\usepackage{bm}&#10;\newcommand{\myM}[1]{\bm{\mathit{#1}}}&#10;\pagestyle{empty}&#10;\begin{document}&#10;&#10;$$&#10;\mathbf{X}^*,\mathbf{U}^*&#10;$$&#10;&#10;&#10;\end{document}"/>
   <p:tag name="IGUANATEXSIZE" val="14"/>
   <p:tag name="IGUANATEXCURSOR" val="139"/>
+  <p:tag name="TRANSPARENCY" val="Wahr"/>
+  <p:tag name="FILENAME" val=""/>
+  <p:tag name="LATEXENGINEID" val="0"/>
+  <p:tag name="TEMPFOLDER" val="c:\temp\"/>
+  <p:tag name="LATEXFORMHEIGHT" val="312"/>
+  <p:tag name="LATEXFORMWIDTH" val="384"/>
+  <p:tag name="LATEXFORMWRAP" val="Wahr"/>
+  <p:tag name="BITMAPVECTOR" val="0"/>
+</p:tagLst>
+</file>
+
+<file path=ppt/tags/tag2.xml><?xml version="1.0" encoding="utf-8"?>
+<p:tagLst xmlns:a="http://schemas.openxmlformats.org/drawingml/2006/main" xmlns:r="http://schemas.openxmlformats.org/officeDocument/2006/relationships" xmlns:p="http://schemas.openxmlformats.org/presentationml/2006/main">
+  <p:tag name="OUTPUTDPI" val="1200"/>
+  <p:tag name="ORIGINALHEIGHT" val="123,7346"/>
+  <p:tag name="ORIGINALWIDTH" val="666,6667"/>
+  <p:tag name="LATEXADDIN" val="\documentclass{article}&#10;\usepackage{amsmath}&#10;\usepackage{bm}&#10;\newcommand{\myM}[1]{\bm{\mathit{#1}}}&#10;\pagestyle{empty}&#10;\begin{document}&#10;&#10;$$&#10;\mathbf{X}^*,\mathbf{U}^*, \mathbf{F}_{ext}^*&#10;$$&#10;&#10;&#10;\end{document}"/>
+  <p:tag name="IGUANATEXSIZE" val="12"/>
+  <p:tag name="IGUANATEXCURSOR" val="182"/>
   <p:tag name="TRANSPARENCY" val="Wahr"/>
   <p:tag name="FILENAME" val=""/>
   <p:tag name="LATEXENGINEID" val="0"/>

--- a/img/pptGraphs.pptx
+++ b/img/pptGraphs.pptx
@@ -3022,7 +3022,7 @@
           <a:p>
             <a:fld id="{0652E80E-B1F5-4805-9AD7-A46BA932CB10}" type="datetimeFigureOut">
               <a:rPr lang="de-DE" smtClean="0"/>
-              <a:t>10.09.2020</a:t>
+              <a:t>11.09.2020</a:t>
             </a:fld>
             <a:endParaRPr lang="de-DE"/>
           </a:p>
@@ -3220,7 +3220,7 @@
           <a:p>
             <a:fld id="{0652E80E-B1F5-4805-9AD7-A46BA932CB10}" type="datetimeFigureOut">
               <a:rPr lang="de-DE" smtClean="0"/>
-              <a:t>10.09.2020</a:t>
+              <a:t>11.09.2020</a:t>
             </a:fld>
             <a:endParaRPr lang="de-DE"/>
           </a:p>
@@ -3428,7 +3428,7 @@
           <a:p>
             <a:fld id="{0652E80E-B1F5-4805-9AD7-A46BA932CB10}" type="datetimeFigureOut">
               <a:rPr lang="de-DE" smtClean="0"/>
-              <a:t>10.09.2020</a:t>
+              <a:t>11.09.2020</a:t>
             </a:fld>
             <a:endParaRPr lang="de-DE"/>
           </a:p>
@@ -3626,7 +3626,7 @@
           <a:p>
             <a:fld id="{0652E80E-B1F5-4805-9AD7-A46BA932CB10}" type="datetimeFigureOut">
               <a:rPr lang="de-DE" smtClean="0"/>
-              <a:t>10.09.2020</a:t>
+              <a:t>11.09.2020</a:t>
             </a:fld>
             <a:endParaRPr lang="de-DE"/>
           </a:p>
@@ -3901,7 +3901,7 @@
           <a:p>
             <a:fld id="{0652E80E-B1F5-4805-9AD7-A46BA932CB10}" type="datetimeFigureOut">
               <a:rPr lang="de-DE" smtClean="0"/>
-              <a:t>10.09.2020</a:t>
+              <a:t>11.09.2020</a:t>
             </a:fld>
             <a:endParaRPr lang="de-DE"/>
           </a:p>
@@ -4166,7 +4166,7 @@
           <a:p>
             <a:fld id="{0652E80E-B1F5-4805-9AD7-A46BA932CB10}" type="datetimeFigureOut">
               <a:rPr lang="de-DE" smtClean="0"/>
-              <a:t>10.09.2020</a:t>
+              <a:t>11.09.2020</a:t>
             </a:fld>
             <a:endParaRPr lang="de-DE"/>
           </a:p>
@@ -4578,7 +4578,7 @@
           <a:p>
             <a:fld id="{0652E80E-B1F5-4805-9AD7-A46BA932CB10}" type="datetimeFigureOut">
               <a:rPr lang="de-DE" smtClean="0"/>
-              <a:t>10.09.2020</a:t>
+              <a:t>11.09.2020</a:t>
             </a:fld>
             <a:endParaRPr lang="de-DE"/>
           </a:p>
@@ -4719,7 +4719,7 @@
           <a:p>
             <a:fld id="{0652E80E-B1F5-4805-9AD7-A46BA932CB10}" type="datetimeFigureOut">
               <a:rPr lang="de-DE" smtClean="0"/>
-              <a:t>10.09.2020</a:t>
+              <a:t>11.09.2020</a:t>
             </a:fld>
             <a:endParaRPr lang="de-DE"/>
           </a:p>
@@ -4832,7 +4832,7 @@
           <a:p>
             <a:fld id="{0652E80E-B1F5-4805-9AD7-A46BA932CB10}" type="datetimeFigureOut">
               <a:rPr lang="de-DE" smtClean="0"/>
-              <a:t>10.09.2020</a:t>
+              <a:t>11.09.2020</a:t>
             </a:fld>
             <a:endParaRPr lang="de-DE"/>
           </a:p>
@@ -5143,7 +5143,7 @@
           <a:p>
             <a:fld id="{0652E80E-B1F5-4805-9AD7-A46BA932CB10}" type="datetimeFigureOut">
               <a:rPr lang="de-DE" smtClean="0"/>
-              <a:t>10.09.2020</a:t>
+              <a:t>11.09.2020</a:t>
             </a:fld>
             <a:endParaRPr lang="de-DE"/>
           </a:p>
@@ -5431,7 +5431,7 @@
           <a:p>
             <a:fld id="{0652E80E-B1F5-4805-9AD7-A46BA932CB10}" type="datetimeFigureOut">
               <a:rPr lang="de-DE" smtClean="0"/>
-              <a:t>10.09.2020</a:t>
+              <a:t>11.09.2020</a:t>
             </a:fld>
             <a:endParaRPr lang="de-DE"/>
           </a:p>
@@ -5672,7 +5672,7 @@
           <a:p>
             <a:fld id="{0652E80E-B1F5-4805-9AD7-A46BA932CB10}" type="datetimeFigureOut">
               <a:rPr lang="de-DE" smtClean="0"/>
-              <a:t>10.09.2020</a:t>
+              <a:t>11.09.2020</a:t>
             </a:fld>
             <a:endParaRPr lang="de-DE"/>
           </a:p>
@@ -6104,7 +6104,7 @@
           <p:nvPr>
             <p:extLst>
               <p:ext uri="{D42A27DB-BD31-4B8C-83A1-F6EECF244321}">
-                <p14:modId xmlns:p14="http://schemas.microsoft.com/office/powerpoint/2010/main" val="3251299121"/>
+                <p14:modId xmlns:p14="http://schemas.microsoft.com/office/powerpoint/2010/main" val="1870351030"/>
               </p:ext>
             </p:extLst>
           </p:nvPr>
@@ -6760,6 +6760,102 @@
           <a:chExt cx="0" cy="0"/>
         </a:xfrm>
       </p:grpSpPr>
+      <p:sp>
+        <p:nvSpPr>
+          <p:cNvPr id="3" name="Rechteck 2">
+            <a:extLst>
+              <a:ext uri="{FF2B5EF4-FFF2-40B4-BE49-F238E27FC236}">
+                <a16:creationId xmlns:a16="http://schemas.microsoft.com/office/drawing/2014/main" id="{FB9490F0-DF70-4E08-A81A-0B05F111ACBD}"/>
+              </a:ext>
+            </a:extLst>
+          </p:cNvPr>
+          <p:cNvSpPr/>
+          <p:nvPr/>
+        </p:nvSpPr>
+        <p:spPr>
+          <a:xfrm>
+            <a:off x="167779" y="2283931"/>
+            <a:ext cx="9882188" cy="2290137"/>
+          </a:xfrm>
+          <a:prstGeom prst="rect">
+            <a:avLst/>
+          </a:prstGeom>
+          <a:solidFill>
+            <a:srgbClr val="DBEBF8"/>
+          </a:solidFill>
+          <a:ln w="12700" cap="flat" cmpd="sng" algn="ctr">
+            <a:solidFill>
+              <a:srgbClr val="DBEBF8"/>
+            </a:solidFill>
+            <a:prstDash val="solid"/>
+            <a:miter lim="800000"/>
+          </a:ln>
+          <a:effectLst/>
+        </p:spPr>
+        <p:txBody>
+          <a:bodyPr spcFirstLastPara="0" vert="horz" wrap="square" lIns="106680" tIns="106680" rIns="106680" bIns="106680" numCol="1" spcCol="1270" anchor="ctr" anchorCtr="0">
+            <a:noAutofit/>
+          </a:bodyPr>
+          <a:lstStyle/>
+          <a:p>
+            <a:endParaRPr lang="de-DE"/>
+          </a:p>
+        </p:txBody>
+      </p:sp>
+      <p:sp>
+        <p:nvSpPr>
+          <p:cNvPr id="2" name="Rechteck 1">
+            <a:extLst>
+              <a:ext uri="{FF2B5EF4-FFF2-40B4-BE49-F238E27FC236}">
+                <a16:creationId xmlns:a16="http://schemas.microsoft.com/office/drawing/2014/main" id="{F00CBEB0-737B-48F8-97E8-882E26BD2FB4}"/>
+              </a:ext>
+            </a:extLst>
+          </p:cNvPr>
+          <p:cNvSpPr/>
+          <p:nvPr/>
+        </p:nvSpPr>
+        <p:spPr>
+          <a:xfrm>
+            <a:off x="167779" y="801878"/>
+            <a:ext cx="9882188" cy="1482053"/>
+          </a:xfrm>
+          <a:prstGeom prst="rect">
+            <a:avLst/>
+          </a:prstGeom>
+          <a:solidFill>
+            <a:srgbClr val="BFBFBF">
+              <a:alpha val="50196"/>
+            </a:srgbClr>
+          </a:solidFill>
+          <a:ln>
+            <a:noFill/>
+          </a:ln>
+        </p:spPr>
+        <p:style>
+          <a:lnRef idx="2">
+            <a:schemeClr val="accent1">
+              <a:shade val="50000"/>
+            </a:schemeClr>
+          </a:lnRef>
+          <a:fillRef idx="1">
+            <a:schemeClr val="accent1"/>
+          </a:fillRef>
+          <a:effectRef idx="0">
+            <a:schemeClr val="accent1"/>
+          </a:effectRef>
+          <a:fontRef idx="minor">
+            <a:schemeClr val="lt1"/>
+          </a:fontRef>
+        </p:style>
+        <p:txBody>
+          <a:bodyPr rtlCol="0" anchor="ctr"/>
+          <a:lstStyle/>
+          <a:p>
+            <a:pPr algn="ctr"/>
+            <a:endParaRPr lang="de-DE"/>
+          </a:p>
+        </p:txBody>
+      </p:sp>
       <p:grpSp>
         <p:nvGrpSpPr>
           <p:cNvPr id="41" name="Gruppieren 40">
@@ -7276,120 +7372,6 @@
           </a:fontRef>
         </p:style>
       </p:cxnSp>
-      <p:sp>
-        <p:nvSpPr>
-          <p:cNvPr id="31" name="Rechteck 30">
-            <a:extLst>
-              <a:ext uri="{FF2B5EF4-FFF2-40B4-BE49-F238E27FC236}">
-                <a16:creationId xmlns:a16="http://schemas.microsoft.com/office/drawing/2014/main" id="{69BA51E3-1EC6-4311-A04A-F6F8EF84449A}"/>
-              </a:ext>
-            </a:extLst>
-          </p:cNvPr>
-          <p:cNvSpPr/>
-          <p:nvPr/>
-        </p:nvSpPr>
-        <p:spPr>
-          <a:xfrm>
-            <a:off x="167779" y="1390078"/>
-            <a:ext cx="1887524" cy="285155"/>
-          </a:xfrm>
-          <a:prstGeom prst="rect">
-            <a:avLst/>
-          </a:prstGeom>
-          <a:noFill/>
-          <a:ln>
-            <a:prstDash val="sysDash"/>
-          </a:ln>
-        </p:spPr>
-        <p:style>
-          <a:lnRef idx="2">
-            <a:schemeClr val="accent1">
-              <a:shade val="50000"/>
-            </a:schemeClr>
-          </a:lnRef>
-          <a:fillRef idx="1">
-            <a:schemeClr val="accent1"/>
-          </a:fillRef>
-          <a:effectRef idx="0">
-            <a:schemeClr val="accent1"/>
-          </a:effectRef>
-          <a:fontRef idx="minor">
-            <a:schemeClr val="lt1"/>
-          </a:fontRef>
-        </p:style>
-        <p:txBody>
-          <a:bodyPr rtlCol="0" anchor="ctr"/>
-          <a:lstStyle/>
-          <a:p>
-            <a:pPr algn="ctr"/>
-            <a:r>
-              <a:rPr lang="de-DE" sz="1200" dirty="0">
-                <a:solidFill>
-                  <a:schemeClr val="tx1"/>
-                </a:solidFill>
-              </a:rPr>
-              <a:t>1.. Offline Motion Planning</a:t>
-            </a:r>
-          </a:p>
-        </p:txBody>
-      </p:sp>
-      <p:sp>
-        <p:nvSpPr>
-          <p:cNvPr id="33" name="Rechteck 32">
-            <a:extLst>
-              <a:ext uri="{FF2B5EF4-FFF2-40B4-BE49-F238E27FC236}">
-                <a16:creationId xmlns:a16="http://schemas.microsoft.com/office/drawing/2014/main" id="{D764011D-D384-4BE2-B6CD-C65EC1B6C749}"/>
-              </a:ext>
-            </a:extLst>
-          </p:cNvPr>
-          <p:cNvSpPr/>
-          <p:nvPr/>
-        </p:nvSpPr>
-        <p:spPr>
-          <a:xfrm>
-            <a:off x="167779" y="3289976"/>
-            <a:ext cx="1887524" cy="285155"/>
-          </a:xfrm>
-          <a:prstGeom prst="rect">
-            <a:avLst/>
-          </a:prstGeom>
-          <a:noFill/>
-          <a:ln>
-            <a:prstDash val="sysDash"/>
-          </a:ln>
-        </p:spPr>
-        <p:style>
-          <a:lnRef idx="2">
-            <a:schemeClr val="accent1">
-              <a:shade val="50000"/>
-            </a:schemeClr>
-          </a:lnRef>
-          <a:fillRef idx="1">
-            <a:schemeClr val="accent1"/>
-          </a:fillRef>
-          <a:effectRef idx="0">
-            <a:schemeClr val="accent1"/>
-          </a:effectRef>
-          <a:fontRef idx="minor">
-            <a:schemeClr val="lt1"/>
-          </a:fontRef>
-        </p:style>
-        <p:txBody>
-          <a:bodyPr rtlCol="0" anchor="ctr"/>
-          <a:lstStyle/>
-          <a:p>
-            <a:pPr algn="ctr"/>
-            <a:r>
-              <a:rPr lang="de-DE" sz="1200" dirty="0">
-                <a:solidFill>
-                  <a:schemeClr val="tx1"/>
-                </a:solidFill>
-              </a:rPr>
-              <a:t>2. Online Stabilization</a:t>
-            </a:r>
-          </a:p>
-        </p:txBody>
-      </p:sp>
       <p:pic>
         <p:nvPicPr>
           <p:cNvPr id="64" name="Grafik 63">
@@ -7696,6 +7678,174 @@
           </a:fontRef>
         </p:style>
       </p:cxnSp>
+      <p:cxnSp>
+        <p:nvCxnSpPr>
+          <p:cNvPr id="5" name="Gerader Verbinder 4">
+            <a:extLst>
+              <a:ext uri="{FF2B5EF4-FFF2-40B4-BE49-F238E27FC236}">
+                <a16:creationId xmlns:a16="http://schemas.microsoft.com/office/drawing/2014/main" id="{4C4DEF21-6362-4836-9A43-6F653251D75B}"/>
+              </a:ext>
+            </a:extLst>
+          </p:cNvPr>
+          <p:cNvCxnSpPr>
+            <a:cxnSpLocks/>
+          </p:cNvCxnSpPr>
+          <p:nvPr/>
+        </p:nvCxnSpPr>
+        <p:spPr>
+          <a:xfrm flipH="1">
+            <a:off x="167779" y="2283931"/>
+            <a:ext cx="9882188" cy="0"/>
+          </a:xfrm>
+          <a:prstGeom prst="line">
+            <a:avLst/>
+          </a:prstGeom>
+          <a:ln>
+            <a:solidFill>
+              <a:schemeClr val="tx1"/>
+            </a:solidFill>
+            <a:prstDash val="dash"/>
+          </a:ln>
+        </p:spPr>
+        <p:style>
+          <a:lnRef idx="1">
+            <a:schemeClr val="accent1"/>
+          </a:lnRef>
+          <a:fillRef idx="0">
+            <a:schemeClr val="accent1"/>
+          </a:fillRef>
+          <a:effectRef idx="0">
+            <a:schemeClr val="accent1"/>
+          </a:effectRef>
+          <a:fontRef idx="minor">
+            <a:schemeClr val="tx1"/>
+          </a:fontRef>
+        </p:style>
+      </p:cxnSp>
+      <p:sp>
+        <p:nvSpPr>
+          <p:cNvPr id="32" name="Textfeld 31">
+            <a:extLst>
+              <a:ext uri="{FF2B5EF4-FFF2-40B4-BE49-F238E27FC236}">
+                <a16:creationId xmlns:a16="http://schemas.microsoft.com/office/drawing/2014/main" id="{3A213B45-6765-452C-BDA4-91DE2609C697}"/>
+              </a:ext>
+            </a:extLst>
+          </p:cNvPr>
+          <p:cNvSpPr txBox="1"/>
+          <p:nvPr/>
+        </p:nvSpPr>
+        <p:spPr>
+          <a:xfrm>
+            <a:off x="167779" y="801877"/>
+            <a:ext cx="1812023" cy="276999"/>
+          </a:xfrm>
+          <a:prstGeom prst="rect">
+            <a:avLst/>
+          </a:prstGeom>
+          <a:noFill/>
+        </p:spPr>
+        <p:txBody>
+          <a:bodyPr wrap="square">
+            <a:spAutoFit/>
+          </a:bodyPr>
+          <a:lstStyle/>
+          <a:p>
+            <a:pPr algn="ctr"/>
+            <a:r>
+              <a:rPr lang="de-DE" sz="1200" dirty="0">
+                <a:solidFill>
+                  <a:schemeClr val="tx1">
+                    <a:lumMod val="50000"/>
+                    <a:lumOff val="50000"/>
+                  </a:schemeClr>
+                </a:solidFill>
+              </a:rPr>
+              <a:t>1. Offline Motion </a:t>
+            </a:r>
+            <a:r>
+              <a:rPr lang="de-DE" sz="1200" dirty="0" err="1">
+                <a:solidFill>
+                  <a:schemeClr val="tx1">
+                    <a:lumMod val="50000"/>
+                    <a:lumOff val="50000"/>
+                  </a:schemeClr>
+                </a:solidFill>
+              </a:rPr>
+              <a:t>Planning</a:t>
+            </a:r>
+            <a:endParaRPr lang="de-DE" sz="1200" dirty="0">
+              <a:solidFill>
+                <a:schemeClr val="tx1">
+                  <a:lumMod val="50000"/>
+                  <a:lumOff val="50000"/>
+                </a:schemeClr>
+              </a:solidFill>
+            </a:endParaRPr>
+          </a:p>
+        </p:txBody>
+      </p:sp>
+      <p:sp>
+        <p:nvSpPr>
+          <p:cNvPr id="34" name="Textfeld 33">
+            <a:extLst>
+              <a:ext uri="{FF2B5EF4-FFF2-40B4-BE49-F238E27FC236}">
+                <a16:creationId xmlns:a16="http://schemas.microsoft.com/office/drawing/2014/main" id="{6A894EEE-B617-4069-A813-C182E39A663C}"/>
+              </a:ext>
+            </a:extLst>
+          </p:cNvPr>
+          <p:cNvSpPr txBox="1"/>
+          <p:nvPr/>
+        </p:nvSpPr>
+        <p:spPr>
+          <a:xfrm>
+            <a:off x="167779" y="2277255"/>
+            <a:ext cx="1555066" cy="276999"/>
+          </a:xfrm>
+          <a:prstGeom prst="rect">
+            <a:avLst/>
+          </a:prstGeom>
+          <a:noFill/>
+        </p:spPr>
+        <p:txBody>
+          <a:bodyPr wrap="square">
+            <a:spAutoFit/>
+          </a:bodyPr>
+          <a:lstStyle/>
+          <a:p>
+            <a:pPr algn="ctr"/>
+            <a:r>
+              <a:rPr lang="de-DE" sz="1200" dirty="0">
+                <a:solidFill>
+                  <a:schemeClr val="tx1">
+                    <a:lumMod val="50000"/>
+                    <a:lumOff val="50000"/>
+                  </a:schemeClr>
+                </a:solidFill>
+              </a:rPr>
+              <a:t>2. Online </a:t>
+            </a:r>
+            <a:r>
+              <a:rPr lang="de-DE" sz="1200" dirty="0" err="1">
+                <a:solidFill>
+                  <a:schemeClr val="tx1">
+                    <a:lumMod val="50000"/>
+                    <a:lumOff val="50000"/>
+                  </a:schemeClr>
+                </a:solidFill>
+              </a:rPr>
+              <a:t>Stabilization</a:t>
+            </a:r>
+            <a:endParaRPr lang="de-DE" sz="1200" dirty="0">
+              <a:solidFill>
+                <a:schemeClr val="tx1">
+                  <a:lumMod val="50000"/>
+                  <a:lumOff val="50000"/>
+                </a:schemeClr>
+              </a:solidFill>
+            </a:endParaRPr>
+          </a:p>
+        </p:txBody>
+      </p:sp>
     </p:spTree>
     <p:extLst>
       <p:ext uri="{BB962C8B-B14F-4D97-AF65-F5344CB8AC3E}">

--- a/img/pptGraphs.pptx
+++ b/img/pptGraphs.pptx
@@ -8,6 +8,11 @@
     <p:sldId id="256" r:id="rId2"/>
     <p:sldId id="257" r:id="rId3"/>
     <p:sldId id="258" r:id="rId4"/>
+    <p:sldId id="259" r:id="rId5"/>
+    <p:sldId id="260" r:id="rId6"/>
+    <p:sldId id="261" r:id="rId7"/>
+    <p:sldId id="262" r:id="rId8"/>
+    <p:sldId id="263" r:id="rId9"/>
   </p:sldIdLst>
   <p:sldSz cx="12192000" cy="6858000"/>
   <p:notesSz cx="6858000" cy="9144000"/>
@@ -3022,7 +3027,7 @@
           <a:p>
             <a:fld id="{0652E80E-B1F5-4805-9AD7-A46BA932CB10}" type="datetimeFigureOut">
               <a:rPr lang="de-DE" smtClean="0"/>
-              <a:t>11.09.2020</a:t>
+              <a:t>15.09.2020</a:t>
             </a:fld>
             <a:endParaRPr lang="de-DE"/>
           </a:p>
@@ -3220,7 +3225,7 @@
           <a:p>
             <a:fld id="{0652E80E-B1F5-4805-9AD7-A46BA932CB10}" type="datetimeFigureOut">
               <a:rPr lang="de-DE" smtClean="0"/>
-              <a:t>11.09.2020</a:t>
+              <a:t>15.09.2020</a:t>
             </a:fld>
             <a:endParaRPr lang="de-DE"/>
           </a:p>
@@ -3428,7 +3433,7 @@
           <a:p>
             <a:fld id="{0652E80E-B1F5-4805-9AD7-A46BA932CB10}" type="datetimeFigureOut">
               <a:rPr lang="de-DE" smtClean="0"/>
-              <a:t>11.09.2020</a:t>
+              <a:t>15.09.2020</a:t>
             </a:fld>
             <a:endParaRPr lang="de-DE"/>
           </a:p>
@@ -3626,7 +3631,7 @@
           <a:p>
             <a:fld id="{0652E80E-B1F5-4805-9AD7-A46BA932CB10}" type="datetimeFigureOut">
               <a:rPr lang="de-DE" smtClean="0"/>
-              <a:t>11.09.2020</a:t>
+              <a:t>15.09.2020</a:t>
             </a:fld>
             <a:endParaRPr lang="de-DE"/>
           </a:p>
@@ -3901,7 +3906,7 @@
           <a:p>
             <a:fld id="{0652E80E-B1F5-4805-9AD7-A46BA932CB10}" type="datetimeFigureOut">
               <a:rPr lang="de-DE" smtClean="0"/>
-              <a:t>11.09.2020</a:t>
+              <a:t>15.09.2020</a:t>
             </a:fld>
             <a:endParaRPr lang="de-DE"/>
           </a:p>
@@ -4166,7 +4171,7 @@
           <a:p>
             <a:fld id="{0652E80E-B1F5-4805-9AD7-A46BA932CB10}" type="datetimeFigureOut">
               <a:rPr lang="de-DE" smtClean="0"/>
-              <a:t>11.09.2020</a:t>
+              <a:t>15.09.2020</a:t>
             </a:fld>
             <a:endParaRPr lang="de-DE"/>
           </a:p>
@@ -4578,7 +4583,7 @@
           <a:p>
             <a:fld id="{0652E80E-B1F5-4805-9AD7-A46BA932CB10}" type="datetimeFigureOut">
               <a:rPr lang="de-DE" smtClean="0"/>
-              <a:t>11.09.2020</a:t>
+              <a:t>15.09.2020</a:t>
             </a:fld>
             <a:endParaRPr lang="de-DE"/>
           </a:p>
@@ -4719,7 +4724,7 @@
           <a:p>
             <a:fld id="{0652E80E-B1F5-4805-9AD7-A46BA932CB10}" type="datetimeFigureOut">
               <a:rPr lang="de-DE" smtClean="0"/>
-              <a:t>11.09.2020</a:t>
+              <a:t>15.09.2020</a:t>
             </a:fld>
             <a:endParaRPr lang="de-DE"/>
           </a:p>
@@ -4832,7 +4837,7 @@
           <a:p>
             <a:fld id="{0652E80E-B1F5-4805-9AD7-A46BA932CB10}" type="datetimeFigureOut">
               <a:rPr lang="de-DE" smtClean="0"/>
-              <a:t>11.09.2020</a:t>
+              <a:t>15.09.2020</a:t>
             </a:fld>
             <a:endParaRPr lang="de-DE"/>
           </a:p>
@@ -5143,7 +5148,7 @@
           <a:p>
             <a:fld id="{0652E80E-B1F5-4805-9AD7-A46BA932CB10}" type="datetimeFigureOut">
               <a:rPr lang="de-DE" smtClean="0"/>
-              <a:t>11.09.2020</a:t>
+              <a:t>15.09.2020</a:t>
             </a:fld>
             <a:endParaRPr lang="de-DE"/>
           </a:p>
@@ -5431,7 +5436,7 @@
           <a:p>
             <a:fld id="{0652E80E-B1F5-4805-9AD7-A46BA932CB10}" type="datetimeFigureOut">
               <a:rPr lang="de-DE" smtClean="0"/>
-              <a:t>11.09.2020</a:t>
+              <a:t>15.09.2020</a:t>
             </a:fld>
             <a:endParaRPr lang="de-DE"/>
           </a:p>
@@ -5672,7 +5677,7 @@
           <a:p>
             <a:fld id="{0652E80E-B1F5-4805-9AD7-A46BA932CB10}" type="datetimeFigureOut">
               <a:rPr lang="de-DE" smtClean="0"/>
-              <a:t>11.09.2020</a:t>
+              <a:t>15.09.2020</a:t>
             </a:fld>
             <a:endParaRPr lang="de-DE"/>
           </a:p>
@@ -6104,7 +6109,7 @@
           <p:nvPr>
             <p:extLst>
               <p:ext uri="{D42A27DB-BD31-4B8C-83A1-F6EECF244321}">
-                <p14:modId xmlns:p14="http://schemas.microsoft.com/office/powerpoint/2010/main" val="1870351030"/>
+                <p14:modId xmlns:p14="http://schemas.microsoft.com/office/powerpoint/2010/main" val="704754445"/>
               </p:ext>
             </p:extLst>
           </p:nvPr>
@@ -7859,6 +7864,6875 @@
 </p:sld>
 </file>
 
+<file path=ppt/slides/slide4.xml><?xml version="1.0" encoding="utf-8"?>
+<p:sld xmlns:a="http://schemas.openxmlformats.org/drawingml/2006/main" xmlns:r="http://schemas.openxmlformats.org/officeDocument/2006/relationships" xmlns:p="http://schemas.openxmlformats.org/presentationml/2006/main">
+  <p:cSld>
+    <p:spTree>
+      <p:nvGrpSpPr>
+        <p:cNvPr id="1" name=""/>
+        <p:cNvGrpSpPr/>
+        <p:nvPr/>
+      </p:nvGrpSpPr>
+      <p:grpSpPr>
+        <a:xfrm>
+          <a:off x="0" y="0"/>
+          <a:ext cx="0" cy="0"/>
+          <a:chOff x="0" y="0"/>
+          <a:chExt cx="0" cy="0"/>
+        </a:xfrm>
+      </p:grpSpPr>
+      <p:sp>
+        <p:nvSpPr>
+          <p:cNvPr id="3" name="Rechteck 2">
+            <a:extLst>
+              <a:ext uri="{FF2B5EF4-FFF2-40B4-BE49-F238E27FC236}">
+                <a16:creationId xmlns:a16="http://schemas.microsoft.com/office/drawing/2014/main" id="{FB9490F0-DF70-4E08-A81A-0B05F111ACBD}"/>
+              </a:ext>
+            </a:extLst>
+          </p:cNvPr>
+          <p:cNvSpPr/>
+          <p:nvPr/>
+        </p:nvSpPr>
+        <p:spPr>
+          <a:xfrm>
+            <a:off x="167778" y="2453584"/>
+            <a:ext cx="10862375" cy="2003032"/>
+          </a:xfrm>
+          <a:prstGeom prst="rect">
+            <a:avLst/>
+          </a:prstGeom>
+          <a:solidFill>
+            <a:srgbClr val="DBEBF8"/>
+          </a:solidFill>
+          <a:ln w="12700" cap="flat" cmpd="sng" algn="ctr">
+            <a:solidFill>
+              <a:srgbClr val="DBEBF8"/>
+            </a:solidFill>
+            <a:prstDash val="solid"/>
+            <a:miter lim="800000"/>
+          </a:ln>
+          <a:effectLst/>
+        </p:spPr>
+        <p:txBody>
+          <a:bodyPr spcFirstLastPara="0" vert="horz" wrap="square" lIns="106680" tIns="106680" rIns="106680" bIns="106680" numCol="1" spcCol="1270" anchor="ctr" anchorCtr="0">
+            <a:noAutofit/>
+          </a:bodyPr>
+          <a:lstStyle/>
+          <a:p>
+            <a:endParaRPr lang="de-DE"/>
+          </a:p>
+        </p:txBody>
+      </p:sp>
+      <p:sp>
+        <p:nvSpPr>
+          <p:cNvPr id="2" name="Rechteck 1">
+            <a:extLst>
+              <a:ext uri="{FF2B5EF4-FFF2-40B4-BE49-F238E27FC236}">
+                <a16:creationId xmlns:a16="http://schemas.microsoft.com/office/drawing/2014/main" id="{F00CBEB0-737B-48F8-97E8-882E26BD2FB4}"/>
+              </a:ext>
+            </a:extLst>
+          </p:cNvPr>
+          <p:cNvSpPr/>
+          <p:nvPr/>
+        </p:nvSpPr>
+        <p:spPr>
+          <a:xfrm>
+            <a:off x="167778" y="631370"/>
+            <a:ext cx="10862375" cy="1827165"/>
+          </a:xfrm>
+          <a:prstGeom prst="rect">
+            <a:avLst/>
+          </a:prstGeom>
+          <a:solidFill>
+            <a:schemeClr val="bg2">
+              <a:lumMod val="75000"/>
+              <a:alpha val="50196"/>
+            </a:schemeClr>
+          </a:solidFill>
+          <a:ln>
+            <a:noFill/>
+          </a:ln>
+        </p:spPr>
+        <p:style>
+          <a:lnRef idx="2">
+            <a:schemeClr val="accent1">
+              <a:shade val="50000"/>
+            </a:schemeClr>
+          </a:lnRef>
+          <a:fillRef idx="1">
+            <a:schemeClr val="accent1"/>
+          </a:fillRef>
+          <a:effectRef idx="0">
+            <a:schemeClr val="accent1"/>
+          </a:effectRef>
+          <a:fontRef idx="minor">
+            <a:schemeClr val="lt1"/>
+          </a:fontRef>
+        </p:style>
+        <p:txBody>
+          <a:bodyPr rtlCol="0" anchor="ctr"/>
+          <a:lstStyle/>
+          <a:p>
+            <a:pPr algn="ctr"/>
+            <a:endParaRPr lang="de-DE"/>
+          </a:p>
+        </p:txBody>
+      </p:sp>
+      <p:sp>
+        <p:nvSpPr>
+          <p:cNvPr id="6" name="Rechteck: abgerundete Ecken 5">
+            <a:extLst>
+              <a:ext uri="{FF2B5EF4-FFF2-40B4-BE49-F238E27FC236}">
+                <a16:creationId xmlns:a16="http://schemas.microsoft.com/office/drawing/2014/main" id="{C8D94366-EF8C-4028-986B-FE1E3D64A0A6}"/>
+              </a:ext>
+            </a:extLst>
+          </p:cNvPr>
+          <p:cNvSpPr/>
+          <p:nvPr/>
+        </p:nvSpPr>
+        <p:spPr>
+          <a:xfrm>
+            <a:off x="2568789" y="2779749"/>
+            <a:ext cx="1133911" cy="1299572"/>
+          </a:xfrm>
+          <a:prstGeom prst="roundRect">
+            <a:avLst/>
+          </a:prstGeom>
+          <a:solidFill>
+            <a:schemeClr val="bg1"/>
+          </a:solidFill>
+          <a:ln>
+            <a:solidFill>
+              <a:srgbClr val="3668A0"/>
+            </a:solidFill>
+          </a:ln>
+        </p:spPr>
+        <p:style>
+          <a:lnRef idx="2">
+            <a:schemeClr val="accent1">
+              <a:shade val="50000"/>
+            </a:schemeClr>
+          </a:lnRef>
+          <a:fillRef idx="1">
+            <a:schemeClr val="accent1"/>
+          </a:fillRef>
+          <a:effectRef idx="0">
+            <a:schemeClr val="accent1"/>
+          </a:effectRef>
+          <a:fontRef idx="minor">
+            <a:schemeClr val="lt1"/>
+          </a:fontRef>
+        </p:style>
+        <p:txBody>
+          <a:bodyPr rtlCol="0" anchor="t"/>
+          <a:lstStyle/>
+          <a:p>
+            <a:pPr algn="ctr"/>
+            <a:r>
+              <a:rPr lang="de-DE" sz="1600" dirty="0">
+                <a:solidFill>
+                  <a:schemeClr val="tx1"/>
+                </a:solidFill>
+              </a:rPr>
+              <a:t>Trajectory File</a:t>
+            </a:r>
+            <a:endParaRPr lang="en-US" sz="1600" dirty="0">
+              <a:solidFill>
+                <a:schemeClr val="tx1"/>
+              </a:solidFill>
+            </a:endParaRPr>
+          </a:p>
+        </p:txBody>
+      </p:sp>
+      <p:grpSp>
+        <p:nvGrpSpPr>
+          <p:cNvPr id="39" name="Gruppieren 38">
+            <a:extLst>
+              <a:ext uri="{FF2B5EF4-FFF2-40B4-BE49-F238E27FC236}">
+                <a16:creationId xmlns:a16="http://schemas.microsoft.com/office/drawing/2014/main" id="{A572E544-0DCE-450B-85DE-7904DCA78C56}"/>
+              </a:ext>
+            </a:extLst>
+          </p:cNvPr>
+          <p:cNvGrpSpPr/>
+          <p:nvPr/>
+        </p:nvGrpSpPr>
+        <p:grpSpPr>
+          <a:xfrm>
+            <a:off x="2783269" y="3430366"/>
+            <a:ext cx="707149" cy="440898"/>
+            <a:chOff x="3694127" y="4264395"/>
+            <a:chExt cx="780176" cy="445983"/>
+          </a:xfrm>
+        </p:grpSpPr>
+        <p:cxnSp>
+          <p:nvCxnSpPr>
+            <p:cNvPr id="8" name="Gerader Verbinder 7">
+              <a:extLst>
+                <a:ext uri="{FF2B5EF4-FFF2-40B4-BE49-F238E27FC236}">
+                  <a16:creationId xmlns:a16="http://schemas.microsoft.com/office/drawing/2014/main" id="{27177B02-3FDD-46E3-836B-3D5B236FC002}"/>
+                </a:ext>
+              </a:extLst>
+            </p:cNvPr>
+            <p:cNvCxnSpPr>
+              <a:cxnSpLocks/>
+            </p:cNvCxnSpPr>
+            <p:nvPr/>
+          </p:nvCxnSpPr>
+          <p:spPr>
+            <a:xfrm>
+              <a:off x="3694127" y="4264395"/>
+              <a:ext cx="780176" cy="1"/>
+            </a:xfrm>
+            <a:prstGeom prst="line">
+              <a:avLst/>
+            </a:prstGeom>
+          </p:spPr>
+          <p:style>
+            <a:lnRef idx="1">
+              <a:schemeClr val="accent1"/>
+            </a:lnRef>
+            <a:fillRef idx="0">
+              <a:schemeClr val="accent1"/>
+            </a:fillRef>
+            <a:effectRef idx="0">
+              <a:schemeClr val="accent1"/>
+            </a:effectRef>
+            <a:fontRef idx="minor">
+              <a:schemeClr val="tx1"/>
+            </a:fontRef>
+          </p:style>
+        </p:cxnSp>
+        <p:cxnSp>
+          <p:nvCxnSpPr>
+            <p:cNvPr id="10" name="Gerader Verbinder 9">
+              <a:extLst>
+                <a:ext uri="{FF2B5EF4-FFF2-40B4-BE49-F238E27FC236}">
+                  <a16:creationId xmlns:a16="http://schemas.microsoft.com/office/drawing/2014/main" id="{0BF7CC6C-AC1A-4AA8-BEF4-1E9E4D365500}"/>
+                </a:ext>
+              </a:extLst>
+            </p:cNvPr>
+            <p:cNvCxnSpPr>
+              <a:cxnSpLocks/>
+            </p:cNvCxnSpPr>
+            <p:nvPr/>
+          </p:nvCxnSpPr>
+          <p:spPr>
+            <a:xfrm>
+              <a:off x="3694127" y="4406980"/>
+              <a:ext cx="780176" cy="1"/>
+            </a:xfrm>
+            <a:prstGeom prst="line">
+              <a:avLst/>
+            </a:prstGeom>
+          </p:spPr>
+          <p:style>
+            <a:lnRef idx="1">
+              <a:schemeClr val="accent1"/>
+            </a:lnRef>
+            <a:fillRef idx="0">
+              <a:schemeClr val="accent1"/>
+            </a:fillRef>
+            <a:effectRef idx="0">
+              <a:schemeClr val="accent1"/>
+            </a:effectRef>
+            <a:fontRef idx="minor">
+              <a:schemeClr val="tx1"/>
+            </a:fontRef>
+          </p:style>
+        </p:cxnSp>
+        <p:cxnSp>
+          <p:nvCxnSpPr>
+            <p:cNvPr id="12" name="Gerader Verbinder 11">
+              <a:extLst>
+                <a:ext uri="{FF2B5EF4-FFF2-40B4-BE49-F238E27FC236}">
+                  <a16:creationId xmlns:a16="http://schemas.microsoft.com/office/drawing/2014/main" id="{3D0AC4ED-97DF-4127-9440-E5D426EE3358}"/>
+                </a:ext>
+              </a:extLst>
+            </p:cNvPr>
+            <p:cNvCxnSpPr>
+              <a:cxnSpLocks/>
+            </p:cNvCxnSpPr>
+            <p:nvPr/>
+          </p:nvCxnSpPr>
+          <p:spPr>
+            <a:xfrm>
+              <a:off x="3694127" y="4558679"/>
+              <a:ext cx="780176" cy="1"/>
+            </a:xfrm>
+            <a:prstGeom prst="line">
+              <a:avLst/>
+            </a:prstGeom>
+          </p:spPr>
+          <p:style>
+            <a:lnRef idx="1">
+              <a:schemeClr val="accent1"/>
+            </a:lnRef>
+            <a:fillRef idx="0">
+              <a:schemeClr val="accent1"/>
+            </a:fillRef>
+            <a:effectRef idx="0">
+              <a:schemeClr val="accent1"/>
+            </a:effectRef>
+            <a:fontRef idx="minor">
+              <a:schemeClr val="tx1"/>
+            </a:fontRef>
+          </p:style>
+        </p:cxnSp>
+        <p:cxnSp>
+          <p:nvCxnSpPr>
+            <p:cNvPr id="14" name="Gerader Verbinder 13">
+              <a:extLst>
+                <a:ext uri="{FF2B5EF4-FFF2-40B4-BE49-F238E27FC236}">
+                  <a16:creationId xmlns:a16="http://schemas.microsoft.com/office/drawing/2014/main" id="{9BB63DBA-5CF8-4F0A-B5EE-B7BAC94ECD8F}"/>
+                </a:ext>
+              </a:extLst>
+            </p:cNvPr>
+            <p:cNvCxnSpPr>
+              <a:cxnSpLocks/>
+            </p:cNvCxnSpPr>
+            <p:nvPr/>
+          </p:nvCxnSpPr>
+          <p:spPr>
+            <a:xfrm>
+              <a:off x="3694127" y="4710377"/>
+              <a:ext cx="780176" cy="1"/>
+            </a:xfrm>
+            <a:prstGeom prst="line">
+              <a:avLst/>
+            </a:prstGeom>
+          </p:spPr>
+          <p:style>
+            <a:lnRef idx="1">
+              <a:schemeClr val="accent1"/>
+            </a:lnRef>
+            <a:fillRef idx="0">
+              <a:schemeClr val="accent1"/>
+            </a:fillRef>
+            <a:effectRef idx="0">
+              <a:schemeClr val="accent1"/>
+            </a:effectRef>
+            <a:fontRef idx="minor">
+              <a:schemeClr val="tx1"/>
+            </a:fontRef>
+          </p:style>
+        </p:cxnSp>
+      </p:grpSp>
+      <p:sp>
+        <p:nvSpPr>
+          <p:cNvPr id="18" name="Rechteck: abgerundete Ecken 17">
+            <a:extLst>
+              <a:ext uri="{FF2B5EF4-FFF2-40B4-BE49-F238E27FC236}">
+                <a16:creationId xmlns:a16="http://schemas.microsoft.com/office/drawing/2014/main" id="{2BA5E4ED-E5E7-4445-9C49-A39C758DACC4}"/>
+              </a:ext>
+            </a:extLst>
+          </p:cNvPr>
+          <p:cNvSpPr/>
+          <p:nvPr/>
+        </p:nvSpPr>
+        <p:spPr>
+          <a:xfrm>
+            <a:off x="5616504" y="3110211"/>
+            <a:ext cx="1686789" cy="642421"/>
+          </a:xfrm>
+          <a:prstGeom prst="roundRect">
+            <a:avLst/>
+          </a:prstGeom>
+          <a:solidFill>
+            <a:schemeClr val="bg1"/>
+          </a:solidFill>
+          <a:ln>
+            <a:solidFill>
+              <a:srgbClr val="3668A0"/>
+            </a:solidFill>
+          </a:ln>
+        </p:spPr>
+        <p:style>
+          <a:lnRef idx="2">
+            <a:schemeClr val="accent1">
+              <a:shade val="50000"/>
+            </a:schemeClr>
+          </a:lnRef>
+          <a:fillRef idx="1">
+            <a:schemeClr val="accent1"/>
+          </a:fillRef>
+          <a:effectRef idx="0">
+            <a:schemeClr val="accent1"/>
+          </a:effectRef>
+          <a:fontRef idx="minor">
+            <a:schemeClr val="lt1"/>
+          </a:fontRef>
+        </p:style>
+        <p:txBody>
+          <a:bodyPr rtlCol="0" anchor="ctr"/>
+          <a:lstStyle/>
+          <a:p>
+            <a:pPr algn="ctr"/>
+            <a:r>
+              <a:rPr lang="de-DE" sz="1600" dirty="0">
+                <a:solidFill>
+                  <a:schemeClr val="tx1"/>
+                </a:solidFill>
+              </a:rPr>
+              <a:t>Task Space Inverse Dynamics</a:t>
+            </a:r>
+            <a:endParaRPr lang="en-US" sz="1600" dirty="0">
+              <a:solidFill>
+                <a:schemeClr val="tx1"/>
+              </a:solidFill>
+            </a:endParaRPr>
+          </a:p>
+        </p:txBody>
+      </p:sp>
+      <p:sp>
+        <p:nvSpPr>
+          <p:cNvPr id="20" name="Rechteck: abgerundete Ecken 19">
+            <a:extLst>
+              <a:ext uri="{FF2B5EF4-FFF2-40B4-BE49-F238E27FC236}">
+                <a16:creationId xmlns:a16="http://schemas.microsoft.com/office/drawing/2014/main" id="{E4961BAF-1D33-4901-ABD6-71A5146DC497}"/>
+              </a:ext>
+            </a:extLst>
+          </p:cNvPr>
+          <p:cNvSpPr/>
+          <p:nvPr/>
+        </p:nvSpPr>
+        <p:spPr>
+          <a:xfrm>
+            <a:off x="8220130" y="3101577"/>
+            <a:ext cx="1686789" cy="642421"/>
+          </a:xfrm>
+          <a:prstGeom prst="roundRect">
+            <a:avLst/>
+          </a:prstGeom>
+          <a:solidFill>
+            <a:schemeClr val="bg1"/>
+          </a:solidFill>
+          <a:ln>
+            <a:solidFill>
+              <a:srgbClr val="3668A0"/>
+            </a:solidFill>
+          </a:ln>
+        </p:spPr>
+        <p:style>
+          <a:lnRef idx="2">
+            <a:schemeClr val="accent1">
+              <a:shade val="50000"/>
+            </a:schemeClr>
+          </a:lnRef>
+          <a:fillRef idx="1">
+            <a:schemeClr val="accent1"/>
+          </a:fillRef>
+          <a:effectRef idx="0">
+            <a:schemeClr val="accent1"/>
+          </a:effectRef>
+          <a:fontRef idx="minor">
+            <a:schemeClr val="lt1"/>
+          </a:fontRef>
+        </p:style>
+        <p:txBody>
+          <a:bodyPr rtlCol="0" anchor="ctr"/>
+          <a:lstStyle/>
+          <a:p>
+            <a:pPr algn="ctr"/>
+            <a:r>
+              <a:rPr lang="de-DE" sz="1600" dirty="0">
+                <a:solidFill>
+                  <a:schemeClr val="tx1"/>
+                </a:solidFill>
+              </a:rPr>
+              <a:t>Low-Level </a:t>
+            </a:r>
+            <a:r>
+              <a:rPr lang="de-DE" sz="1600" dirty="0" err="1">
+                <a:solidFill>
+                  <a:schemeClr val="tx1"/>
+                </a:solidFill>
+              </a:rPr>
+              <a:t>Actuator</a:t>
+            </a:r>
+            <a:r>
+              <a:rPr lang="de-DE" sz="1600" dirty="0">
+                <a:solidFill>
+                  <a:schemeClr val="tx1"/>
+                </a:solidFill>
+              </a:rPr>
+              <a:t> Control</a:t>
+            </a:r>
+            <a:endParaRPr lang="en-US" sz="1600" dirty="0">
+              <a:solidFill>
+                <a:schemeClr val="tx1"/>
+              </a:solidFill>
+            </a:endParaRPr>
+          </a:p>
+        </p:txBody>
+      </p:sp>
+      <p:cxnSp>
+        <p:nvCxnSpPr>
+          <p:cNvPr id="22" name="Gerade Verbindung mit Pfeil 21">
+            <a:extLst>
+              <a:ext uri="{FF2B5EF4-FFF2-40B4-BE49-F238E27FC236}">
+                <a16:creationId xmlns:a16="http://schemas.microsoft.com/office/drawing/2014/main" id="{B28978F1-6AAE-40FC-B682-CF1FCFDF8ABD}"/>
+              </a:ext>
+            </a:extLst>
+          </p:cNvPr>
+          <p:cNvCxnSpPr>
+            <a:cxnSpLocks/>
+            <a:stCxn id="6" idx="3"/>
+            <a:endCxn id="40" idx="2"/>
+          </p:cNvCxnSpPr>
+          <p:nvPr/>
+        </p:nvCxnSpPr>
+        <p:spPr>
+          <a:xfrm flipV="1">
+            <a:off x="3702700" y="3422787"/>
+            <a:ext cx="1279263" cy="6748"/>
+          </a:xfrm>
+          <a:prstGeom prst="straightConnector1">
+            <a:avLst/>
+          </a:prstGeom>
+          <a:ln>
+            <a:tailEnd type="triangle"/>
+          </a:ln>
+        </p:spPr>
+        <p:style>
+          <a:lnRef idx="1">
+            <a:schemeClr val="accent1"/>
+          </a:lnRef>
+          <a:fillRef idx="0">
+            <a:schemeClr val="accent1"/>
+          </a:fillRef>
+          <a:effectRef idx="0">
+            <a:schemeClr val="accent1"/>
+          </a:effectRef>
+          <a:fontRef idx="minor">
+            <a:schemeClr val="tx1"/>
+          </a:fontRef>
+        </p:style>
+      </p:cxnSp>
+      <p:cxnSp>
+        <p:nvCxnSpPr>
+          <p:cNvPr id="24" name="Gerade Verbindung mit Pfeil 23">
+            <a:extLst>
+              <a:ext uri="{FF2B5EF4-FFF2-40B4-BE49-F238E27FC236}">
+                <a16:creationId xmlns:a16="http://schemas.microsoft.com/office/drawing/2014/main" id="{0FCFC532-46B6-4616-B7B0-910551818878}"/>
+              </a:ext>
+            </a:extLst>
+          </p:cNvPr>
+          <p:cNvCxnSpPr>
+            <a:cxnSpLocks/>
+            <a:stCxn id="18" idx="3"/>
+            <a:endCxn id="20" idx="1"/>
+          </p:cNvCxnSpPr>
+          <p:nvPr/>
+        </p:nvCxnSpPr>
+        <p:spPr>
+          <a:xfrm flipV="1">
+            <a:off x="7303293" y="3422788"/>
+            <a:ext cx="916837" cy="8634"/>
+          </a:xfrm>
+          <a:prstGeom prst="straightConnector1">
+            <a:avLst/>
+          </a:prstGeom>
+          <a:ln>
+            <a:tailEnd type="triangle"/>
+          </a:ln>
+        </p:spPr>
+        <p:style>
+          <a:lnRef idx="1">
+            <a:schemeClr val="accent1"/>
+          </a:lnRef>
+          <a:fillRef idx="0">
+            <a:schemeClr val="accent1"/>
+          </a:fillRef>
+          <a:effectRef idx="0">
+            <a:schemeClr val="accent1"/>
+          </a:effectRef>
+          <a:fontRef idx="minor">
+            <a:schemeClr val="tx1"/>
+          </a:fontRef>
+        </p:style>
+      </p:cxnSp>
+      <p:pic>
+        <p:nvPicPr>
+          <p:cNvPr id="86" name="Grafik 85">
+            <a:extLst>
+              <a:ext uri="{FF2B5EF4-FFF2-40B4-BE49-F238E27FC236}">
+                <a16:creationId xmlns:a16="http://schemas.microsoft.com/office/drawing/2014/main" id="{3DBECF09-FF65-4A52-B6A7-30183F6ACB82}"/>
+              </a:ext>
+            </a:extLst>
+          </p:cNvPr>
+          <p:cNvPicPr>
+            <a:picLocks noChangeAspect="1"/>
+          </p:cNvPicPr>
+          <p:nvPr>
+            <p:custDataLst>
+              <p:tags r:id="rId1"/>
+            </p:custDataLst>
+          </p:nvPr>
+        </p:nvPicPr>
+        <p:blipFill>
+          <a:blip r:embed="rId9">
+            <a:extLst>
+              <a:ext uri="{28A0092B-C50C-407E-A947-70E740481C1C}">
+                <a14:useLocalDpi xmlns:a14="http://schemas.microsoft.com/office/drawing/2010/main" val="0"/>
+              </a:ext>
+            </a:extLst>
+          </a:blip>
+          <a:stretch>
+            <a:fillRect/>
+          </a:stretch>
+        </p:blipFill>
+        <p:spPr>
+          <a:xfrm>
+            <a:off x="4002253" y="3231457"/>
+            <a:ext cx="681255" cy="156014"/>
+          </a:xfrm>
+          <a:prstGeom prst="rect">
+            <a:avLst/>
+          </a:prstGeom>
+        </p:spPr>
+      </p:pic>
+      <p:sp>
+        <p:nvSpPr>
+          <p:cNvPr id="62" name="Rechteck: abgerundete Ecken 61">
+            <a:extLst>
+              <a:ext uri="{FF2B5EF4-FFF2-40B4-BE49-F238E27FC236}">
+                <a16:creationId xmlns:a16="http://schemas.microsoft.com/office/drawing/2014/main" id="{08E9F9A7-C88C-4BAD-94BC-E1B8B75AC0B1}"/>
+              </a:ext>
+            </a:extLst>
+          </p:cNvPr>
+          <p:cNvSpPr/>
+          <p:nvPr/>
+        </p:nvSpPr>
+        <p:spPr>
+          <a:xfrm>
+            <a:off x="1940125" y="978572"/>
+            <a:ext cx="2389396" cy="1127810"/>
+          </a:xfrm>
+          <a:prstGeom prst="roundRect">
+            <a:avLst/>
+          </a:prstGeom>
+          <a:solidFill>
+            <a:schemeClr val="bg1"/>
+          </a:solidFill>
+          <a:ln>
+            <a:solidFill>
+              <a:srgbClr val="3668A0"/>
+            </a:solidFill>
+          </a:ln>
+        </p:spPr>
+        <p:style>
+          <a:lnRef idx="2">
+            <a:schemeClr val="accent1">
+              <a:shade val="50000"/>
+            </a:schemeClr>
+          </a:lnRef>
+          <a:fillRef idx="1">
+            <a:schemeClr val="accent1"/>
+          </a:fillRef>
+          <a:effectRef idx="0">
+            <a:schemeClr val="accent1"/>
+          </a:effectRef>
+          <a:fontRef idx="minor">
+            <a:schemeClr val="lt1"/>
+          </a:fontRef>
+        </p:style>
+        <p:txBody>
+          <a:bodyPr rtlCol="0" anchor="t"/>
+          <a:lstStyle/>
+          <a:p>
+            <a:pPr algn="ctr"/>
+            <a:r>
+              <a:rPr lang="de-DE" sz="1600" dirty="0">
+                <a:solidFill>
+                  <a:schemeClr val="tx1"/>
+                </a:solidFill>
+              </a:rPr>
+              <a:t>Whole-Body </a:t>
+            </a:r>
+          </a:p>
+          <a:p>
+            <a:pPr algn="ctr"/>
+            <a:r>
+              <a:rPr lang="de-DE" sz="1600" dirty="0">
+                <a:solidFill>
+                  <a:schemeClr val="tx1"/>
+                </a:solidFill>
+              </a:rPr>
+              <a:t>Trajectory Optimization</a:t>
+            </a:r>
+            <a:endParaRPr lang="en-US" sz="1600" dirty="0">
+              <a:solidFill>
+                <a:schemeClr val="tx1"/>
+              </a:solidFill>
+            </a:endParaRPr>
+          </a:p>
+        </p:txBody>
+      </p:sp>
+      <p:cxnSp>
+        <p:nvCxnSpPr>
+          <p:cNvPr id="25" name="Gerade Verbindung mit Pfeil 24">
+            <a:extLst>
+              <a:ext uri="{FF2B5EF4-FFF2-40B4-BE49-F238E27FC236}">
+                <a16:creationId xmlns:a16="http://schemas.microsoft.com/office/drawing/2014/main" id="{843BAB83-EA30-4897-9DE5-3EC0099701E4}"/>
+              </a:ext>
+            </a:extLst>
+          </p:cNvPr>
+          <p:cNvCxnSpPr>
+            <a:cxnSpLocks/>
+            <a:stCxn id="62" idx="2"/>
+            <a:endCxn id="6" idx="0"/>
+          </p:cNvCxnSpPr>
+          <p:nvPr/>
+        </p:nvCxnSpPr>
+        <p:spPr>
+          <a:xfrm>
+            <a:off x="3134823" y="2106382"/>
+            <a:ext cx="922" cy="673367"/>
+          </a:xfrm>
+          <a:prstGeom prst="straightConnector1">
+            <a:avLst/>
+          </a:prstGeom>
+          <a:ln>
+            <a:tailEnd type="triangle"/>
+          </a:ln>
+        </p:spPr>
+        <p:style>
+          <a:lnRef idx="1">
+            <a:schemeClr val="accent1"/>
+          </a:lnRef>
+          <a:fillRef idx="0">
+            <a:schemeClr val="accent1"/>
+          </a:fillRef>
+          <a:effectRef idx="0">
+            <a:schemeClr val="accent1"/>
+          </a:effectRef>
+          <a:fontRef idx="minor">
+            <a:schemeClr val="tx1"/>
+          </a:fontRef>
+        </p:style>
+      </p:cxnSp>
+      <p:cxnSp>
+        <p:nvCxnSpPr>
+          <p:cNvPr id="37" name="Verbinder: gewinkelt 36">
+            <a:extLst>
+              <a:ext uri="{FF2B5EF4-FFF2-40B4-BE49-F238E27FC236}">
+                <a16:creationId xmlns:a16="http://schemas.microsoft.com/office/drawing/2014/main" id="{400F958C-FE9E-4BFA-A710-515E9D10F83D}"/>
+              </a:ext>
+            </a:extLst>
+          </p:cNvPr>
+          <p:cNvCxnSpPr>
+            <a:cxnSpLocks/>
+            <a:stCxn id="20" idx="2"/>
+            <a:endCxn id="40" idx="4"/>
+          </p:cNvCxnSpPr>
+          <p:nvPr/>
+        </p:nvCxnSpPr>
+        <p:spPr>
+          <a:xfrm rot="5400000" flipH="1">
+            <a:off x="6947276" y="1627749"/>
+            <a:ext cx="237754" cy="3994744"/>
+          </a:xfrm>
+          <a:prstGeom prst="bentConnector3">
+            <a:avLst>
+              <a:gd name="adj1" fmla="val -149076"/>
+            </a:avLst>
+          </a:prstGeom>
+          <a:ln>
+            <a:tailEnd type="triangle"/>
+          </a:ln>
+        </p:spPr>
+        <p:style>
+          <a:lnRef idx="1">
+            <a:schemeClr val="accent1"/>
+          </a:lnRef>
+          <a:fillRef idx="0">
+            <a:schemeClr val="accent1"/>
+          </a:fillRef>
+          <a:effectRef idx="0">
+            <a:schemeClr val="accent1"/>
+          </a:effectRef>
+          <a:fontRef idx="minor">
+            <a:schemeClr val="tx1"/>
+          </a:fontRef>
+        </p:style>
+      </p:cxnSp>
+      <p:sp>
+        <p:nvSpPr>
+          <p:cNvPr id="40" name="Flussdiagramm: Zusammenführung 39">
+            <a:extLst>
+              <a:ext uri="{FF2B5EF4-FFF2-40B4-BE49-F238E27FC236}">
+                <a16:creationId xmlns:a16="http://schemas.microsoft.com/office/drawing/2014/main" id="{05106233-03BD-4F63-B39D-41C8E2B79A3D}"/>
+              </a:ext>
+            </a:extLst>
+          </p:cNvPr>
+          <p:cNvSpPr/>
+          <p:nvPr/>
+        </p:nvSpPr>
+        <p:spPr>
+          <a:xfrm>
+            <a:off x="4981963" y="3339330"/>
+            <a:ext cx="173635" cy="166914"/>
+          </a:xfrm>
+          <a:prstGeom prst="flowChartSummingJunction">
+            <a:avLst/>
+          </a:prstGeom>
+          <a:solidFill>
+            <a:schemeClr val="bg1"/>
+          </a:solidFill>
+          <a:ln>
+            <a:solidFill>
+              <a:srgbClr val="3668A0"/>
+            </a:solidFill>
+          </a:ln>
+        </p:spPr>
+        <p:style>
+          <a:lnRef idx="2">
+            <a:schemeClr val="accent1">
+              <a:shade val="50000"/>
+            </a:schemeClr>
+          </a:lnRef>
+          <a:fillRef idx="1">
+            <a:schemeClr val="accent1"/>
+          </a:fillRef>
+          <a:effectRef idx="0">
+            <a:schemeClr val="accent1"/>
+          </a:effectRef>
+          <a:fontRef idx="minor">
+            <a:schemeClr val="lt1"/>
+          </a:fontRef>
+        </p:style>
+        <p:txBody>
+          <a:bodyPr rtlCol="0" anchor="t"/>
+          <a:lstStyle/>
+          <a:p>
+            <a:pPr algn="ctr"/>
+            <a:endParaRPr lang="de-DE" sz="1600">
+              <a:solidFill>
+                <a:schemeClr val="tx1"/>
+              </a:solidFill>
+            </a:endParaRPr>
+          </a:p>
+        </p:txBody>
+      </p:sp>
+      <p:cxnSp>
+        <p:nvCxnSpPr>
+          <p:cNvPr id="47" name="Gerade Verbindung mit Pfeil 46">
+            <a:extLst>
+              <a:ext uri="{FF2B5EF4-FFF2-40B4-BE49-F238E27FC236}">
+                <a16:creationId xmlns:a16="http://schemas.microsoft.com/office/drawing/2014/main" id="{0AF848A5-F9C6-4E0D-9E76-6399662B43B1}"/>
+              </a:ext>
+            </a:extLst>
+          </p:cNvPr>
+          <p:cNvCxnSpPr>
+            <a:cxnSpLocks/>
+            <a:stCxn id="40" idx="6"/>
+            <a:endCxn id="18" idx="1"/>
+          </p:cNvCxnSpPr>
+          <p:nvPr/>
+        </p:nvCxnSpPr>
+        <p:spPr>
+          <a:xfrm>
+            <a:off x="5155598" y="3422787"/>
+            <a:ext cx="460906" cy="8635"/>
+          </a:xfrm>
+          <a:prstGeom prst="straightConnector1">
+            <a:avLst/>
+          </a:prstGeom>
+          <a:ln>
+            <a:tailEnd type="triangle"/>
+          </a:ln>
+        </p:spPr>
+        <p:style>
+          <a:lnRef idx="1">
+            <a:schemeClr val="accent1"/>
+          </a:lnRef>
+          <a:fillRef idx="0">
+            <a:schemeClr val="accent1"/>
+          </a:fillRef>
+          <a:effectRef idx="0">
+            <a:schemeClr val="accent1"/>
+          </a:effectRef>
+          <a:fontRef idx="minor">
+            <a:schemeClr val="tx1"/>
+          </a:fontRef>
+        </p:style>
+      </p:cxnSp>
+      <p:cxnSp>
+        <p:nvCxnSpPr>
+          <p:cNvPr id="5" name="Gerader Verbinder 4">
+            <a:extLst>
+              <a:ext uri="{FF2B5EF4-FFF2-40B4-BE49-F238E27FC236}">
+                <a16:creationId xmlns:a16="http://schemas.microsoft.com/office/drawing/2014/main" id="{4C4DEF21-6362-4836-9A43-6F653251D75B}"/>
+              </a:ext>
+            </a:extLst>
+          </p:cNvPr>
+          <p:cNvCxnSpPr>
+            <a:cxnSpLocks/>
+          </p:cNvCxnSpPr>
+          <p:nvPr/>
+        </p:nvCxnSpPr>
+        <p:spPr>
+          <a:xfrm>
+            <a:off x="167779" y="2453584"/>
+            <a:ext cx="10862374" cy="0"/>
+          </a:xfrm>
+          <a:prstGeom prst="line">
+            <a:avLst/>
+          </a:prstGeom>
+          <a:ln>
+            <a:solidFill>
+              <a:schemeClr val="tx1"/>
+            </a:solidFill>
+            <a:prstDash val="dash"/>
+          </a:ln>
+        </p:spPr>
+        <p:style>
+          <a:lnRef idx="1">
+            <a:schemeClr val="accent1"/>
+          </a:lnRef>
+          <a:fillRef idx="0">
+            <a:schemeClr val="accent1"/>
+          </a:fillRef>
+          <a:effectRef idx="0">
+            <a:schemeClr val="accent1"/>
+          </a:effectRef>
+          <a:fontRef idx="minor">
+            <a:schemeClr val="tx1"/>
+          </a:fontRef>
+        </p:style>
+      </p:cxnSp>
+      <p:sp>
+        <p:nvSpPr>
+          <p:cNvPr id="32" name="Textfeld 31">
+            <a:extLst>
+              <a:ext uri="{FF2B5EF4-FFF2-40B4-BE49-F238E27FC236}">
+                <a16:creationId xmlns:a16="http://schemas.microsoft.com/office/drawing/2014/main" id="{3A213B45-6765-452C-BDA4-91DE2609C697}"/>
+              </a:ext>
+            </a:extLst>
+          </p:cNvPr>
+          <p:cNvSpPr txBox="1"/>
+          <p:nvPr/>
+        </p:nvSpPr>
+        <p:spPr>
+          <a:xfrm>
+            <a:off x="167779" y="631369"/>
+            <a:ext cx="1812023" cy="276999"/>
+          </a:xfrm>
+          <a:prstGeom prst="rect">
+            <a:avLst/>
+          </a:prstGeom>
+          <a:noFill/>
+        </p:spPr>
+        <p:txBody>
+          <a:bodyPr wrap="square">
+            <a:spAutoFit/>
+          </a:bodyPr>
+          <a:lstStyle/>
+          <a:p>
+            <a:pPr algn="ctr"/>
+            <a:r>
+              <a:rPr lang="de-DE" sz="1200" dirty="0">
+                <a:solidFill>
+                  <a:schemeClr val="tx1">
+                    <a:lumMod val="50000"/>
+                    <a:lumOff val="50000"/>
+                  </a:schemeClr>
+                </a:solidFill>
+              </a:rPr>
+              <a:t>1. Offline Motion </a:t>
+            </a:r>
+            <a:r>
+              <a:rPr lang="de-DE" sz="1200" dirty="0" err="1">
+                <a:solidFill>
+                  <a:schemeClr val="tx1">
+                    <a:lumMod val="50000"/>
+                    <a:lumOff val="50000"/>
+                  </a:schemeClr>
+                </a:solidFill>
+              </a:rPr>
+              <a:t>Planning</a:t>
+            </a:r>
+            <a:endParaRPr lang="de-DE" sz="1200" dirty="0">
+              <a:solidFill>
+                <a:schemeClr val="tx1">
+                  <a:lumMod val="50000"/>
+                  <a:lumOff val="50000"/>
+                </a:schemeClr>
+              </a:solidFill>
+            </a:endParaRPr>
+          </a:p>
+        </p:txBody>
+      </p:sp>
+      <p:sp>
+        <p:nvSpPr>
+          <p:cNvPr id="34" name="Textfeld 33">
+            <a:extLst>
+              <a:ext uri="{FF2B5EF4-FFF2-40B4-BE49-F238E27FC236}">
+                <a16:creationId xmlns:a16="http://schemas.microsoft.com/office/drawing/2014/main" id="{6A894EEE-B617-4069-A813-C182E39A663C}"/>
+              </a:ext>
+            </a:extLst>
+          </p:cNvPr>
+          <p:cNvSpPr txBox="1"/>
+          <p:nvPr/>
+        </p:nvSpPr>
+        <p:spPr>
+          <a:xfrm>
+            <a:off x="167779" y="2461813"/>
+            <a:ext cx="1555066" cy="276999"/>
+          </a:xfrm>
+          <a:prstGeom prst="rect">
+            <a:avLst/>
+          </a:prstGeom>
+          <a:noFill/>
+        </p:spPr>
+        <p:txBody>
+          <a:bodyPr wrap="square">
+            <a:spAutoFit/>
+          </a:bodyPr>
+          <a:lstStyle/>
+          <a:p>
+            <a:pPr algn="ctr"/>
+            <a:r>
+              <a:rPr lang="de-DE" sz="1200" dirty="0">
+                <a:solidFill>
+                  <a:schemeClr val="tx1">
+                    <a:lumMod val="50000"/>
+                    <a:lumOff val="50000"/>
+                  </a:schemeClr>
+                </a:solidFill>
+              </a:rPr>
+              <a:t>2. Online </a:t>
+            </a:r>
+            <a:r>
+              <a:rPr lang="de-DE" sz="1200" dirty="0" err="1">
+                <a:solidFill>
+                  <a:schemeClr val="tx1">
+                    <a:lumMod val="50000"/>
+                    <a:lumOff val="50000"/>
+                  </a:schemeClr>
+                </a:solidFill>
+              </a:rPr>
+              <a:t>Stabilization</a:t>
+            </a:r>
+            <a:endParaRPr lang="de-DE" sz="1200" dirty="0">
+              <a:solidFill>
+                <a:schemeClr val="tx1">
+                  <a:lumMod val="50000"/>
+                  <a:lumOff val="50000"/>
+                </a:schemeClr>
+              </a:solidFill>
+            </a:endParaRPr>
+          </a:p>
+        </p:txBody>
+      </p:sp>
+      <p:pic>
+        <p:nvPicPr>
+          <p:cNvPr id="38" name="Grafik 37">
+            <a:extLst>
+              <a:ext uri="{FF2B5EF4-FFF2-40B4-BE49-F238E27FC236}">
+                <a16:creationId xmlns:a16="http://schemas.microsoft.com/office/drawing/2014/main" id="{A1B9903C-8633-4281-9855-DCABE7CC16FF}"/>
+              </a:ext>
+            </a:extLst>
+          </p:cNvPr>
+          <p:cNvPicPr>
+            <a:picLocks noChangeAspect="1"/>
+          </p:cNvPicPr>
+          <p:nvPr>
+            <p:custDataLst>
+              <p:tags r:id="rId2"/>
+            </p:custDataLst>
+          </p:nvPr>
+        </p:nvPicPr>
+        <p:blipFill>
+          <a:blip r:embed="rId10">
+            <a:extLst>
+              <a:ext uri="{28A0092B-C50C-407E-A947-70E740481C1C}">
+                <a14:useLocalDpi xmlns:a14="http://schemas.microsoft.com/office/drawing/2010/main" val="0"/>
+              </a:ext>
+            </a:extLst>
+          </a:blip>
+          <a:stretch>
+            <a:fillRect/>
+          </a:stretch>
+        </p:blipFill>
+        <p:spPr>
+          <a:xfrm>
+            <a:off x="2112204" y="1607730"/>
+            <a:ext cx="2045238" cy="447946"/>
+          </a:xfrm>
+          <a:prstGeom prst="rect">
+            <a:avLst/>
+          </a:prstGeom>
+        </p:spPr>
+      </p:pic>
+      <p:pic>
+        <p:nvPicPr>
+          <p:cNvPr id="84" name="Grafik 83">
+            <a:extLst>
+              <a:ext uri="{FF2B5EF4-FFF2-40B4-BE49-F238E27FC236}">
+                <a16:creationId xmlns:a16="http://schemas.microsoft.com/office/drawing/2014/main" id="{B3054EF3-76F9-4EC6-B2F2-0BA8A129A720}"/>
+              </a:ext>
+            </a:extLst>
+          </p:cNvPr>
+          <p:cNvPicPr>
+            <a:picLocks noChangeAspect="1"/>
+          </p:cNvPicPr>
+          <p:nvPr>
+            <p:custDataLst>
+              <p:tags r:id="rId3"/>
+            </p:custDataLst>
+          </p:nvPr>
+        </p:nvPicPr>
+        <p:blipFill>
+          <a:blip r:embed="rId11">
+            <a:extLst>
+              <a:ext uri="{28A0092B-C50C-407E-A947-70E740481C1C}">
+                <a14:useLocalDpi xmlns:a14="http://schemas.microsoft.com/office/drawing/2010/main" val="0"/>
+              </a:ext>
+            </a:extLst>
+          </a:blip>
+          <a:stretch>
+            <a:fillRect/>
+          </a:stretch>
+        </p:blipFill>
+        <p:spPr>
+          <a:xfrm>
+            <a:off x="11030154" y="5786320"/>
+            <a:ext cx="805377" cy="151758"/>
+          </a:xfrm>
+          <a:prstGeom prst="rect">
+            <a:avLst/>
+          </a:prstGeom>
+        </p:spPr>
+      </p:pic>
+      <p:pic>
+        <p:nvPicPr>
+          <p:cNvPr id="82" name="Grafik 81">
+            <a:extLst>
+              <a:ext uri="{FF2B5EF4-FFF2-40B4-BE49-F238E27FC236}">
+                <a16:creationId xmlns:a16="http://schemas.microsoft.com/office/drawing/2014/main" id="{CD0A393D-1FE4-4CD4-81A5-DCB9234BD5FD}"/>
+              </a:ext>
+            </a:extLst>
+          </p:cNvPr>
+          <p:cNvPicPr>
+            <a:picLocks noChangeAspect="1"/>
+          </p:cNvPicPr>
+          <p:nvPr>
+            <p:custDataLst>
+              <p:tags r:id="rId4"/>
+            </p:custDataLst>
+          </p:nvPr>
+        </p:nvPicPr>
+        <p:blipFill>
+          <a:blip r:embed="rId12">
+            <a:extLst>
+              <a:ext uri="{28A0092B-C50C-407E-A947-70E740481C1C}">
+                <a14:useLocalDpi xmlns:a14="http://schemas.microsoft.com/office/drawing/2010/main" val="0"/>
+              </a:ext>
+            </a:extLst>
+          </a:blip>
+          <a:stretch>
+            <a:fillRect/>
+          </a:stretch>
+        </p:blipFill>
+        <p:spPr>
+          <a:xfrm>
+            <a:off x="10910045" y="6092996"/>
+            <a:ext cx="925486" cy="134544"/>
+          </a:xfrm>
+          <a:prstGeom prst="rect">
+            <a:avLst/>
+          </a:prstGeom>
+        </p:spPr>
+      </p:pic>
+      <p:pic>
+        <p:nvPicPr>
+          <p:cNvPr id="90" name="Grafik 89">
+            <a:extLst>
+              <a:ext uri="{FF2B5EF4-FFF2-40B4-BE49-F238E27FC236}">
+                <a16:creationId xmlns:a16="http://schemas.microsoft.com/office/drawing/2014/main" id="{7E40F690-9900-49B3-9938-14CC43A89774}"/>
+              </a:ext>
+            </a:extLst>
+          </p:cNvPr>
+          <p:cNvPicPr>
+            <a:picLocks noChangeAspect="1"/>
+          </p:cNvPicPr>
+          <p:nvPr>
+            <p:custDataLst>
+              <p:tags r:id="rId5"/>
+            </p:custDataLst>
+          </p:nvPr>
+        </p:nvPicPr>
+        <p:blipFill>
+          <a:blip r:embed="rId13">
+            <a:extLst>
+              <a:ext uri="{28A0092B-C50C-407E-A947-70E740481C1C}">
+                <a14:useLocalDpi xmlns:a14="http://schemas.microsoft.com/office/drawing/2010/main" val="0"/>
+              </a:ext>
+            </a:extLst>
+          </a:blip>
+          <a:stretch>
+            <a:fillRect/>
+          </a:stretch>
+        </p:blipFill>
+        <p:spPr>
+          <a:xfrm>
+            <a:off x="6756715" y="3896005"/>
+            <a:ext cx="618876" cy="158149"/>
+          </a:xfrm>
+          <a:prstGeom prst="rect">
+            <a:avLst/>
+          </a:prstGeom>
+        </p:spPr>
+      </p:pic>
+      <p:pic>
+        <p:nvPicPr>
+          <p:cNvPr id="80" name="Grafik 79">
+            <a:extLst>
+              <a:ext uri="{FF2B5EF4-FFF2-40B4-BE49-F238E27FC236}">
+                <a16:creationId xmlns:a16="http://schemas.microsoft.com/office/drawing/2014/main" id="{4641B543-26E4-4FF8-A024-A87613FD0A62}"/>
+              </a:ext>
+            </a:extLst>
+          </p:cNvPr>
+          <p:cNvPicPr>
+            <a:picLocks noChangeAspect="1"/>
+          </p:cNvPicPr>
+          <p:nvPr>
+            <p:custDataLst>
+              <p:tags r:id="rId6"/>
+            </p:custDataLst>
+          </p:nvPr>
+        </p:nvPicPr>
+        <p:blipFill>
+          <a:blip r:embed="rId14">
+            <a:extLst>
+              <a:ext uri="{28A0092B-C50C-407E-A947-70E740481C1C}">
+                <a14:useLocalDpi xmlns:a14="http://schemas.microsoft.com/office/drawing/2010/main" val="0"/>
+              </a:ext>
+            </a:extLst>
+          </a:blip>
+          <a:stretch>
+            <a:fillRect/>
+          </a:stretch>
+        </p:blipFill>
+        <p:spPr>
+          <a:xfrm>
+            <a:off x="7526010" y="3248062"/>
+            <a:ext cx="471402" cy="137315"/>
+          </a:xfrm>
+          <a:prstGeom prst="rect">
+            <a:avLst/>
+          </a:prstGeom>
+        </p:spPr>
+      </p:pic>
+      <p:pic>
+        <p:nvPicPr>
+          <p:cNvPr id="95" name="Grafik 94">
+            <a:extLst>
+              <a:ext uri="{FF2B5EF4-FFF2-40B4-BE49-F238E27FC236}">
+                <a16:creationId xmlns:a16="http://schemas.microsoft.com/office/drawing/2014/main" id="{4ABE66F2-2F56-4653-AA64-926B9CE3F8A6}"/>
+              </a:ext>
+            </a:extLst>
+          </p:cNvPr>
+          <p:cNvPicPr>
+            <a:picLocks noChangeAspect="1"/>
+          </p:cNvPicPr>
+          <p:nvPr>
+            <p:custDataLst>
+              <p:tags r:id="rId7"/>
+            </p:custDataLst>
+          </p:nvPr>
+        </p:nvPicPr>
+        <p:blipFill>
+          <a:blip r:embed="rId13">
+            <a:extLst>
+              <a:ext uri="{28A0092B-C50C-407E-A947-70E740481C1C}">
+                <a14:useLocalDpi xmlns:a14="http://schemas.microsoft.com/office/drawing/2010/main" val="0"/>
+              </a:ext>
+            </a:extLst>
+          </a:blip>
+          <a:stretch>
+            <a:fillRect/>
+          </a:stretch>
+        </p:blipFill>
+        <p:spPr>
+          <a:xfrm>
+            <a:off x="10055899" y="3237644"/>
+            <a:ext cx="618876" cy="158149"/>
+          </a:xfrm>
+          <a:prstGeom prst="rect">
+            <a:avLst/>
+          </a:prstGeom>
+        </p:spPr>
+      </p:pic>
+      <p:cxnSp>
+        <p:nvCxnSpPr>
+          <p:cNvPr id="97" name="Gerade Verbindung mit Pfeil 96">
+            <a:extLst>
+              <a:ext uri="{FF2B5EF4-FFF2-40B4-BE49-F238E27FC236}">
+                <a16:creationId xmlns:a16="http://schemas.microsoft.com/office/drawing/2014/main" id="{ED70742B-2754-48AC-9484-220BE4952E6B}"/>
+              </a:ext>
+            </a:extLst>
+          </p:cNvPr>
+          <p:cNvCxnSpPr>
+            <a:cxnSpLocks/>
+          </p:cNvCxnSpPr>
+          <p:nvPr/>
+        </p:nvCxnSpPr>
+        <p:spPr>
+          <a:xfrm>
+            <a:off x="9906919" y="3440055"/>
+            <a:ext cx="916837" cy="0"/>
+          </a:xfrm>
+          <a:prstGeom prst="straightConnector1">
+            <a:avLst/>
+          </a:prstGeom>
+          <a:ln>
+            <a:tailEnd type="triangle"/>
+          </a:ln>
+        </p:spPr>
+        <p:style>
+          <a:lnRef idx="1">
+            <a:schemeClr val="accent1"/>
+          </a:lnRef>
+          <a:fillRef idx="0">
+            <a:schemeClr val="accent1"/>
+          </a:fillRef>
+          <a:effectRef idx="0">
+            <a:schemeClr val="accent1"/>
+          </a:effectRef>
+          <a:fontRef idx="minor">
+            <a:schemeClr val="tx1"/>
+          </a:fontRef>
+        </p:style>
+      </p:cxnSp>
+      <p:cxnSp>
+        <p:nvCxnSpPr>
+          <p:cNvPr id="102" name="Gerade Verbindung mit Pfeil 101">
+            <a:extLst>
+              <a:ext uri="{FF2B5EF4-FFF2-40B4-BE49-F238E27FC236}">
+                <a16:creationId xmlns:a16="http://schemas.microsoft.com/office/drawing/2014/main" id="{A3077063-60B2-466B-8C46-9E2D03B7632F}"/>
+              </a:ext>
+            </a:extLst>
+          </p:cNvPr>
+          <p:cNvCxnSpPr>
+            <a:cxnSpLocks/>
+          </p:cNvCxnSpPr>
+          <p:nvPr/>
+        </p:nvCxnSpPr>
+        <p:spPr>
+          <a:xfrm>
+            <a:off x="630214" y="1370396"/>
+            <a:ext cx="1285012" cy="0"/>
+          </a:xfrm>
+          <a:prstGeom prst="straightConnector1">
+            <a:avLst/>
+          </a:prstGeom>
+          <a:ln>
+            <a:tailEnd type="triangle"/>
+          </a:ln>
+        </p:spPr>
+        <p:style>
+          <a:lnRef idx="1">
+            <a:schemeClr val="accent1"/>
+          </a:lnRef>
+          <a:fillRef idx="0">
+            <a:schemeClr val="accent1"/>
+          </a:fillRef>
+          <a:effectRef idx="0">
+            <a:schemeClr val="accent1"/>
+          </a:effectRef>
+          <a:fontRef idx="minor">
+            <a:schemeClr val="tx1"/>
+          </a:fontRef>
+        </p:style>
+      </p:cxnSp>
+      <p:cxnSp>
+        <p:nvCxnSpPr>
+          <p:cNvPr id="104" name="Gerade Verbindung mit Pfeil 103">
+            <a:extLst>
+              <a:ext uri="{FF2B5EF4-FFF2-40B4-BE49-F238E27FC236}">
+                <a16:creationId xmlns:a16="http://schemas.microsoft.com/office/drawing/2014/main" id="{2F105F08-8346-40C7-BC68-1FCFE4DB4222}"/>
+              </a:ext>
+            </a:extLst>
+          </p:cNvPr>
+          <p:cNvCxnSpPr>
+            <a:cxnSpLocks/>
+          </p:cNvCxnSpPr>
+          <p:nvPr/>
+        </p:nvCxnSpPr>
+        <p:spPr>
+          <a:xfrm>
+            <a:off x="630214" y="1778501"/>
+            <a:ext cx="1289304" cy="0"/>
+          </a:xfrm>
+          <a:prstGeom prst="straightConnector1">
+            <a:avLst/>
+          </a:prstGeom>
+          <a:ln>
+            <a:tailEnd type="triangle"/>
+          </a:ln>
+        </p:spPr>
+        <p:style>
+          <a:lnRef idx="1">
+            <a:schemeClr val="accent1"/>
+          </a:lnRef>
+          <a:fillRef idx="0">
+            <a:schemeClr val="accent1"/>
+          </a:fillRef>
+          <a:effectRef idx="0">
+            <a:schemeClr val="accent1"/>
+          </a:effectRef>
+          <a:fontRef idx="minor">
+            <a:schemeClr val="tx1"/>
+          </a:fontRef>
+        </p:style>
+      </p:cxnSp>
+      <p:sp>
+        <p:nvSpPr>
+          <p:cNvPr id="106" name="Textfeld 105">
+            <a:extLst>
+              <a:ext uri="{FF2B5EF4-FFF2-40B4-BE49-F238E27FC236}">
+                <a16:creationId xmlns:a16="http://schemas.microsoft.com/office/drawing/2014/main" id="{7509008C-341A-4D20-B63E-98FD7E76F17E}"/>
+              </a:ext>
+            </a:extLst>
+          </p:cNvPr>
+          <p:cNvSpPr txBox="1"/>
+          <p:nvPr/>
+        </p:nvSpPr>
+        <p:spPr>
+          <a:xfrm>
+            <a:off x="630214" y="1081844"/>
+            <a:ext cx="1309910" cy="276999"/>
+          </a:xfrm>
+          <a:prstGeom prst="rect">
+            <a:avLst/>
+          </a:prstGeom>
+          <a:noFill/>
+        </p:spPr>
+        <p:txBody>
+          <a:bodyPr wrap="none" rtlCol="0">
+            <a:spAutoFit/>
+          </a:bodyPr>
+          <a:lstStyle/>
+          <a:p>
+            <a:r>
+              <a:rPr lang="de-DE" sz="1200" dirty="0"/>
+              <a:t>Contact </a:t>
+            </a:r>
+            <a:r>
+              <a:rPr lang="de-DE" sz="1200" dirty="0" err="1"/>
+              <a:t>Sequence</a:t>
+            </a:r>
+            <a:endParaRPr lang="en-US" sz="1200" dirty="0"/>
+          </a:p>
+        </p:txBody>
+      </p:sp>
+      <p:sp>
+        <p:nvSpPr>
+          <p:cNvPr id="108" name="Textfeld 107">
+            <a:extLst>
+              <a:ext uri="{FF2B5EF4-FFF2-40B4-BE49-F238E27FC236}">
+                <a16:creationId xmlns:a16="http://schemas.microsoft.com/office/drawing/2014/main" id="{EE1F7C2B-9837-406B-9AE3-6A238479403B}"/>
+              </a:ext>
+            </a:extLst>
+          </p:cNvPr>
+          <p:cNvSpPr txBox="1"/>
+          <p:nvPr/>
+        </p:nvSpPr>
+        <p:spPr>
+          <a:xfrm>
+            <a:off x="834332" y="1494148"/>
+            <a:ext cx="888513" cy="276999"/>
+          </a:xfrm>
+          <a:prstGeom prst="rect">
+            <a:avLst/>
+          </a:prstGeom>
+          <a:noFill/>
+        </p:spPr>
+        <p:txBody>
+          <a:bodyPr wrap="none" rtlCol="0">
+            <a:spAutoFit/>
+          </a:bodyPr>
+          <a:lstStyle/>
+          <a:p>
+            <a:r>
+              <a:rPr lang="de-DE" sz="1200" dirty="0" err="1"/>
+              <a:t>Constraints</a:t>
+            </a:r>
+            <a:endParaRPr lang="en-US" sz="1200" dirty="0"/>
+          </a:p>
+        </p:txBody>
+      </p:sp>
+    </p:spTree>
+    <p:extLst>
+      <p:ext uri="{BB962C8B-B14F-4D97-AF65-F5344CB8AC3E}">
+        <p14:creationId xmlns:p14="http://schemas.microsoft.com/office/powerpoint/2010/main" val="4213286479"/>
+      </p:ext>
+    </p:extLst>
+  </p:cSld>
+  <p:clrMapOvr>
+    <a:masterClrMapping/>
+  </p:clrMapOvr>
+</p:sld>
+</file>
+
+<file path=ppt/slides/slide5.xml><?xml version="1.0" encoding="utf-8"?>
+<p:sld xmlns:a="http://schemas.openxmlformats.org/drawingml/2006/main" xmlns:r="http://schemas.openxmlformats.org/officeDocument/2006/relationships" xmlns:p="http://schemas.openxmlformats.org/presentationml/2006/main">
+  <p:cSld>
+    <p:spTree>
+      <p:nvGrpSpPr>
+        <p:cNvPr id="1" name=""/>
+        <p:cNvGrpSpPr/>
+        <p:nvPr/>
+      </p:nvGrpSpPr>
+      <p:grpSpPr>
+        <a:xfrm>
+          <a:off x="0" y="0"/>
+          <a:ext cx="0" cy="0"/>
+          <a:chOff x="0" y="0"/>
+          <a:chExt cx="0" cy="0"/>
+        </a:xfrm>
+      </p:grpSpPr>
+      <p:sp>
+        <p:nvSpPr>
+          <p:cNvPr id="3" name="Rechteck 2">
+            <a:extLst>
+              <a:ext uri="{FF2B5EF4-FFF2-40B4-BE49-F238E27FC236}">
+                <a16:creationId xmlns:a16="http://schemas.microsoft.com/office/drawing/2014/main" id="{FB9490F0-DF70-4E08-A81A-0B05F111ACBD}"/>
+              </a:ext>
+            </a:extLst>
+          </p:cNvPr>
+          <p:cNvSpPr/>
+          <p:nvPr/>
+        </p:nvSpPr>
+        <p:spPr>
+          <a:xfrm>
+            <a:off x="167778" y="2456837"/>
+            <a:ext cx="9899011" cy="2031263"/>
+          </a:xfrm>
+          <a:prstGeom prst="rect">
+            <a:avLst/>
+          </a:prstGeom>
+          <a:solidFill>
+            <a:srgbClr val="DBEBF8"/>
+          </a:solidFill>
+          <a:ln w="12700" cap="flat" cmpd="sng" algn="ctr">
+            <a:solidFill>
+              <a:srgbClr val="DBEBF8"/>
+            </a:solidFill>
+            <a:prstDash val="solid"/>
+            <a:miter lim="800000"/>
+          </a:ln>
+          <a:effectLst/>
+        </p:spPr>
+        <p:txBody>
+          <a:bodyPr spcFirstLastPara="0" vert="horz" wrap="square" lIns="106680" tIns="106680" rIns="106680" bIns="106680" numCol="1" spcCol="1270" anchor="ctr" anchorCtr="0">
+            <a:noAutofit/>
+          </a:bodyPr>
+          <a:lstStyle/>
+          <a:p>
+            <a:endParaRPr lang="de-DE"/>
+          </a:p>
+        </p:txBody>
+      </p:sp>
+      <p:sp>
+        <p:nvSpPr>
+          <p:cNvPr id="2" name="Rechteck 1">
+            <a:extLst>
+              <a:ext uri="{FF2B5EF4-FFF2-40B4-BE49-F238E27FC236}">
+                <a16:creationId xmlns:a16="http://schemas.microsoft.com/office/drawing/2014/main" id="{F00CBEB0-737B-48F8-97E8-882E26BD2FB4}"/>
+              </a:ext>
+            </a:extLst>
+          </p:cNvPr>
+          <p:cNvSpPr/>
+          <p:nvPr/>
+        </p:nvSpPr>
+        <p:spPr>
+          <a:xfrm>
+            <a:off x="167778" y="631371"/>
+            <a:ext cx="9899011" cy="1825466"/>
+          </a:xfrm>
+          <a:prstGeom prst="rect">
+            <a:avLst/>
+          </a:prstGeom>
+          <a:solidFill>
+            <a:srgbClr val="BFBFBF">
+              <a:alpha val="50196"/>
+            </a:srgbClr>
+          </a:solidFill>
+          <a:ln>
+            <a:noFill/>
+          </a:ln>
+        </p:spPr>
+        <p:style>
+          <a:lnRef idx="2">
+            <a:schemeClr val="accent1">
+              <a:shade val="50000"/>
+            </a:schemeClr>
+          </a:lnRef>
+          <a:fillRef idx="1">
+            <a:schemeClr val="accent1"/>
+          </a:fillRef>
+          <a:effectRef idx="0">
+            <a:schemeClr val="accent1"/>
+          </a:effectRef>
+          <a:fontRef idx="minor">
+            <a:schemeClr val="lt1"/>
+          </a:fontRef>
+        </p:style>
+        <p:txBody>
+          <a:bodyPr rtlCol="0" anchor="ctr"/>
+          <a:lstStyle/>
+          <a:p>
+            <a:pPr algn="ctr"/>
+            <a:endParaRPr lang="de-DE"/>
+          </a:p>
+        </p:txBody>
+      </p:sp>
+      <p:cxnSp>
+        <p:nvCxnSpPr>
+          <p:cNvPr id="22" name="Gerade Verbindung mit Pfeil 21">
+            <a:extLst>
+              <a:ext uri="{FF2B5EF4-FFF2-40B4-BE49-F238E27FC236}">
+                <a16:creationId xmlns:a16="http://schemas.microsoft.com/office/drawing/2014/main" id="{B28978F1-6AAE-40FC-B682-CF1FCFDF8ABD}"/>
+              </a:ext>
+            </a:extLst>
+          </p:cNvPr>
+          <p:cNvCxnSpPr>
+            <a:cxnSpLocks/>
+            <a:stCxn id="7" idx="3"/>
+            <a:endCxn id="40" idx="2"/>
+          </p:cNvCxnSpPr>
+          <p:nvPr/>
+        </p:nvCxnSpPr>
+        <p:spPr>
+          <a:xfrm flipV="1">
+            <a:off x="3660484" y="3422787"/>
+            <a:ext cx="1321479" cy="8451"/>
+          </a:xfrm>
+          <a:prstGeom prst="straightConnector1">
+            <a:avLst/>
+          </a:prstGeom>
+          <a:ln>
+            <a:solidFill>
+              <a:srgbClr val="3668A0"/>
+            </a:solidFill>
+            <a:tailEnd type="triangle"/>
+          </a:ln>
+        </p:spPr>
+        <p:style>
+          <a:lnRef idx="1">
+            <a:schemeClr val="accent1"/>
+          </a:lnRef>
+          <a:fillRef idx="0">
+            <a:schemeClr val="accent1"/>
+          </a:fillRef>
+          <a:effectRef idx="0">
+            <a:schemeClr val="accent1"/>
+          </a:effectRef>
+          <a:fontRef idx="minor">
+            <a:schemeClr val="tx1"/>
+          </a:fontRef>
+        </p:style>
+      </p:cxnSp>
+      <p:cxnSp>
+        <p:nvCxnSpPr>
+          <p:cNvPr id="24" name="Gerade Verbindung mit Pfeil 23">
+            <a:extLst>
+              <a:ext uri="{FF2B5EF4-FFF2-40B4-BE49-F238E27FC236}">
+                <a16:creationId xmlns:a16="http://schemas.microsoft.com/office/drawing/2014/main" id="{0FCFC532-46B6-4616-B7B0-910551818878}"/>
+              </a:ext>
+            </a:extLst>
+          </p:cNvPr>
+          <p:cNvCxnSpPr>
+            <a:cxnSpLocks/>
+            <a:stCxn id="33" idx="3"/>
+            <a:endCxn id="35" idx="1"/>
+          </p:cNvCxnSpPr>
+          <p:nvPr/>
+        </p:nvCxnSpPr>
+        <p:spPr>
+          <a:xfrm flipV="1">
+            <a:off x="7319613" y="3429349"/>
+            <a:ext cx="897059" cy="1821"/>
+          </a:xfrm>
+          <a:prstGeom prst="straightConnector1">
+            <a:avLst/>
+          </a:prstGeom>
+          <a:ln>
+            <a:solidFill>
+              <a:srgbClr val="3668A0"/>
+            </a:solidFill>
+            <a:tailEnd type="triangle"/>
+          </a:ln>
+        </p:spPr>
+        <p:style>
+          <a:lnRef idx="1">
+            <a:schemeClr val="accent1"/>
+          </a:lnRef>
+          <a:fillRef idx="0">
+            <a:schemeClr val="accent1"/>
+          </a:fillRef>
+          <a:effectRef idx="0">
+            <a:schemeClr val="accent1"/>
+          </a:effectRef>
+          <a:fontRef idx="minor">
+            <a:schemeClr val="tx1"/>
+          </a:fontRef>
+        </p:style>
+      </p:cxnSp>
+      <p:pic>
+        <p:nvPicPr>
+          <p:cNvPr id="86" name="Grafik 85">
+            <a:extLst>
+              <a:ext uri="{FF2B5EF4-FFF2-40B4-BE49-F238E27FC236}">
+                <a16:creationId xmlns:a16="http://schemas.microsoft.com/office/drawing/2014/main" id="{3DBECF09-FF65-4A52-B6A7-30183F6ACB82}"/>
+              </a:ext>
+            </a:extLst>
+          </p:cNvPr>
+          <p:cNvPicPr>
+            <a:picLocks noChangeAspect="1"/>
+          </p:cNvPicPr>
+          <p:nvPr>
+            <p:custDataLst>
+              <p:tags r:id="rId1"/>
+            </p:custDataLst>
+          </p:nvPr>
+        </p:nvPicPr>
+        <p:blipFill>
+          <a:blip r:embed="rId6">
+            <a:extLst>
+              <a:ext uri="{28A0092B-C50C-407E-A947-70E740481C1C}">
+                <a14:useLocalDpi xmlns:a14="http://schemas.microsoft.com/office/drawing/2010/main" val="0"/>
+              </a:ext>
+            </a:extLst>
+          </a:blip>
+          <a:stretch>
+            <a:fillRect/>
+          </a:stretch>
+        </p:blipFill>
+        <p:spPr>
+          <a:xfrm>
+            <a:off x="4002253" y="3231457"/>
+            <a:ext cx="681255" cy="156014"/>
+          </a:xfrm>
+          <a:prstGeom prst="rect">
+            <a:avLst/>
+          </a:prstGeom>
+        </p:spPr>
+      </p:pic>
+      <p:cxnSp>
+        <p:nvCxnSpPr>
+          <p:cNvPr id="25" name="Gerade Verbindung mit Pfeil 24">
+            <a:extLst>
+              <a:ext uri="{FF2B5EF4-FFF2-40B4-BE49-F238E27FC236}">
+                <a16:creationId xmlns:a16="http://schemas.microsoft.com/office/drawing/2014/main" id="{843BAB83-EA30-4897-9DE5-3EC0099701E4}"/>
+              </a:ext>
+            </a:extLst>
+          </p:cNvPr>
+          <p:cNvCxnSpPr>
+            <a:cxnSpLocks/>
+            <a:stCxn id="120" idx="2"/>
+            <a:endCxn id="7" idx="0"/>
+          </p:cNvCxnSpPr>
+          <p:nvPr/>
+        </p:nvCxnSpPr>
+        <p:spPr>
+          <a:xfrm flipH="1">
+            <a:off x="3093529" y="2130516"/>
+            <a:ext cx="1" cy="650937"/>
+          </a:xfrm>
+          <a:prstGeom prst="straightConnector1">
+            <a:avLst/>
+          </a:prstGeom>
+          <a:ln>
+            <a:tailEnd type="triangle"/>
+          </a:ln>
+        </p:spPr>
+        <p:style>
+          <a:lnRef idx="1">
+            <a:schemeClr val="accent1"/>
+          </a:lnRef>
+          <a:fillRef idx="0">
+            <a:schemeClr val="accent1"/>
+          </a:fillRef>
+          <a:effectRef idx="0">
+            <a:schemeClr val="accent1"/>
+          </a:effectRef>
+          <a:fontRef idx="minor">
+            <a:schemeClr val="tx1"/>
+          </a:fontRef>
+        </p:style>
+      </p:cxnSp>
+      <p:cxnSp>
+        <p:nvCxnSpPr>
+          <p:cNvPr id="37" name="Verbinder: gewinkelt 36">
+            <a:extLst>
+              <a:ext uri="{FF2B5EF4-FFF2-40B4-BE49-F238E27FC236}">
+                <a16:creationId xmlns:a16="http://schemas.microsoft.com/office/drawing/2014/main" id="{400F958C-FE9E-4BFA-A710-515E9D10F83D}"/>
+              </a:ext>
+            </a:extLst>
+          </p:cNvPr>
+          <p:cNvCxnSpPr>
+            <a:cxnSpLocks/>
+            <a:endCxn id="40" idx="4"/>
+          </p:cNvCxnSpPr>
+          <p:nvPr/>
+        </p:nvCxnSpPr>
+        <p:spPr>
+          <a:xfrm rot="5400000" flipH="1">
+            <a:off x="6947276" y="1627749"/>
+            <a:ext cx="237754" cy="3994744"/>
+          </a:xfrm>
+          <a:prstGeom prst="bentConnector3">
+            <a:avLst>
+              <a:gd name="adj1" fmla="val -149076"/>
+            </a:avLst>
+          </a:prstGeom>
+          <a:ln>
+            <a:solidFill>
+              <a:srgbClr val="3668A0"/>
+            </a:solidFill>
+            <a:tailEnd type="triangle"/>
+          </a:ln>
+        </p:spPr>
+        <p:style>
+          <a:lnRef idx="1">
+            <a:schemeClr val="accent1"/>
+          </a:lnRef>
+          <a:fillRef idx="0">
+            <a:schemeClr val="accent1"/>
+          </a:fillRef>
+          <a:effectRef idx="0">
+            <a:schemeClr val="accent1"/>
+          </a:effectRef>
+          <a:fontRef idx="minor">
+            <a:schemeClr val="tx1"/>
+          </a:fontRef>
+        </p:style>
+      </p:cxnSp>
+      <p:sp>
+        <p:nvSpPr>
+          <p:cNvPr id="40" name="Flussdiagramm: Zusammenführung 39">
+            <a:extLst>
+              <a:ext uri="{FF2B5EF4-FFF2-40B4-BE49-F238E27FC236}">
+                <a16:creationId xmlns:a16="http://schemas.microsoft.com/office/drawing/2014/main" id="{05106233-03BD-4F63-B39D-41C8E2B79A3D}"/>
+              </a:ext>
+            </a:extLst>
+          </p:cNvPr>
+          <p:cNvSpPr/>
+          <p:nvPr/>
+        </p:nvSpPr>
+        <p:spPr>
+          <a:xfrm>
+            <a:off x="4981963" y="3339330"/>
+            <a:ext cx="173635" cy="166914"/>
+          </a:xfrm>
+          <a:prstGeom prst="flowChartSummingJunction">
+            <a:avLst/>
+          </a:prstGeom>
+          <a:solidFill>
+            <a:schemeClr val="bg1"/>
+          </a:solidFill>
+          <a:ln>
+            <a:solidFill>
+              <a:srgbClr val="3668A0"/>
+            </a:solidFill>
+          </a:ln>
+        </p:spPr>
+        <p:style>
+          <a:lnRef idx="2">
+            <a:schemeClr val="accent1">
+              <a:shade val="50000"/>
+            </a:schemeClr>
+          </a:lnRef>
+          <a:fillRef idx="1">
+            <a:schemeClr val="accent1"/>
+          </a:fillRef>
+          <a:effectRef idx="0">
+            <a:schemeClr val="accent1"/>
+          </a:effectRef>
+          <a:fontRef idx="minor">
+            <a:schemeClr val="lt1"/>
+          </a:fontRef>
+        </p:style>
+        <p:txBody>
+          <a:bodyPr rtlCol="0" anchor="t"/>
+          <a:lstStyle/>
+          <a:p>
+            <a:pPr algn="ctr"/>
+            <a:endParaRPr lang="de-DE" sz="1600">
+              <a:solidFill>
+                <a:schemeClr val="tx1"/>
+              </a:solidFill>
+            </a:endParaRPr>
+          </a:p>
+        </p:txBody>
+      </p:sp>
+      <p:cxnSp>
+        <p:nvCxnSpPr>
+          <p:cNvPr id="47" name="Gerade Verbindung mit Pfeil 46">
+            <a:extLst>
+              <a:ext uri="{FF2B5EF4-FFF2-40B4-BE49-F238E27FC236}">
+                <a16:creationId xmlns:a16="http://schemas.microsoft.com/office/drawing/2014/main" id="{0AF848A5-F9C6-4E0D-9E76-6399662B43B1}"/>
+              </a:ext>
+            </a:extLst>
+          </p:cNvPr>
+          <p:cNvCxnSpPr>
+            <a:cxnSpLocks/>
+            <a:stCxn id="40" idx="6"/>
+            <a:endCxn id="33" idx="1"/>
+          </p:cNvCxnSpPr>
+          <p:nvPr/>
+        </p:nvCxnSpPr>
+        <p:spPr>
+          <a:xfrm>
+            <a:off x="5155598" y="3422787"/>
+            <a:ext cx="470307" cy="8383"/>
+          </a:xfrm>
+          <a:prstGeom prst="straightConnector1">
+            <a:avLst/>
+          </a:prstGeom>
+          <a:ln>
+            <a:solidFill>
+              <a:srgbClr val="3668A0"/>
+            </a:solidFill>
+            <a:tailEnd type="triangle"/>
+          </a:ln>
+        </p:spPr>
+        <p:style>
+          <a:lnRef idx="1">
+            <a:schemeClr val="accent1"/>
+          </a:lnRef>
+          <a:fillRef idx="0">
+            <a:schemeClr val="accent1"/>
+          </a:fillRef>
+          <a:effectRef idx="0">
+            <a:schemeClr val="accent1"/>
+          </a:effectRef>
+          <a:fontRef idx="minor">
+            <a:schemeClr val="tx1"/>
+          </a:fontRef>
+        </p:style>
+      </p:cxnSp>
+      <p:cxnSp>
+        <p:nvCxnSpPr>
+          <p:cNvPr id="5" name="Gerader Verbinder 4">
+            <a:extLst>
+              <a:ext uri="{FF2B5EF4-FFF2-40B4-BE49-F238E27FC236}">
+                <a16:creationId xmlns:a16="http://schemas.microsoft.com/office/drawing/2014/main" id="{4C4DEF21-6362-4836-9A43-6F653251D75B}"/>
+              </a:ext>
+            </a:extLst>
+          </p:cNvPr>
+          <p:cNvCxnSpPr>
+            <a:cxnSpLocks/>
+          </p:cNvCxnSpPr>
+          <p:nvPr/>
+        </p:nvCxnSpPr>
+        <p:spPr>
+          <a:xfrm>
+            <a:off x="167779" y="2456837"/>
+            <a:ext cx="9899010" cy="0"/>
+          </a:xfrm>
+          <a:prstGeom prst="line">
+            <a:avLst/>
+          </a:prstGeom>
+          <a:ln>
+            <a:solidFill>
+              <a:schemeClr val="tx1"/>
+            </a:solidFill>
+            <a:prstDash val="dash"/>
+          </a:ln>
+        </p:spPr>
+        <p:style>
+          <a:lnRef idx="1">
+            <a:schemeClr val="accent1"/>
+          </a:lnRef>
+          <a:fillRef idx="0">
+            <a:schemeClr val="accent1"/>
+          </a:fillRef>
+          <a:effectRef idx="0">
+            <a:schemeClr val="accent1"/>
+          </a:effectRef>
+          <a:fontRef idx="minor">
+            <a:schemeClr val="tx1"/>
+          </a:fontRef>
+        </p:style>
+      </p:cxnSp>
+      <p:sp>
+        <p:nvSpPr>
+          <p:cNvPr id="32" name="Textfeld 31">
+            <a:extLst>
+              <a:ext uri="{FF2B5EF4-FFF2-40B4-BE49-F238E27FC236}">
+                <a16:creationId xmlns:a16="http://schemas.microsoft.com/office/drawing/2014/main" id="{3A213B45-6765-452C-BDA4-91DE2609C697}"/>
+              </a:ext>
+            </a:extLst>
+          </p:cNvPr>
+          <p:cNvSpPr txBox="1"/>
+          <p:nvPr/>
+        </p:nvSpPr>
+        <p:spPr>
+          <a:xfrm>
+            <a:off x="167779" y="631369"/>
+            <a:ext cx="1812023" cy="276999"/>
+          </a:xfrm>
+          <a:prstGeom prst="rect">
+            <a:avLst/>
+          </a:prstGeom>
+          <a:noFill/>
+        </p:spPr>
+        <p:txBody>
+          <a:bodyPr wrap="square">
+            <a:spAutoFit/>
+          </a:bodyPr>
+          <a:lstStyle/>
+          <a:p>
+            <a:pPr algn="ctr"/>
+            <a:r>
+              <a:rPr lang="de-DE" sz="1200" dirty="0">
+                <a:solidFill>
+                  <a:schemeClr val="tx1">
+                    <a:lumMod val="50000"/>
+                    <a:lumOff val="50000"/>
+                  </a:schemeClr>
+                </a:solidFill>
+              </a:rPr>
+              <a:t>1. Offline Motion </a:t>
+            </a:r>
+            <a:r>
+              <a:rPr lang="de-DE" sz="1200" dirty="0" err="1">
+                <a:solidFill>
+                  <a:schemeClr val="tx1">
+                    <a:lumMod val="50000"/>
+                    <a:lumOff val="50000"/>
+                  </a:schemeClr>
+                </a:solidFill>
+              </a:rPr>
+              <a:t>Planning</a:t>
+            </a:r>
+            <a:endParaRPr lang="de-DE" sz="1200" dirty="0">
+              <a:solidFill>
+                <a:schemeClr val="tx1">
+                  <a:lumMod val="50000"/>
+                  <a:lumOff val="50000"/>
+                </a:schemeClr>
+              </a:solidFill>
+            </a:endParaRPr>
+          </a:p>
+        </p:txBody>
+      </p:sp>
+      <p:sp>
+        <p:nvSpPr>
+          <p:cNvPr id="34" name="Textfeld 33">
+            <a:extLst>
+              <a:ext uri="{FF2B5EF4-FFF2-40B4-BE49-F238E27FC236}">
+                <a16:creationId xmlns:a16="http://schemas.microsoft.com/office/drawing/2014/main" id="{6A894EEE-B617-4069-A813-C182E39A663C}"/>
+              </a:ext>
+            </a:extLst>
+          </p:cNvPr>
+          <p:cNvSpPr txBox="1"/>
+          <p:nvPr/>
+        </p:nvSpPr>
+        <p:spPr>
+          <a:xfrm>
+            <a:off x="167779" y="2470202"/>
+            <a:ext cx="1555066" cy="276999"/>
+          </a:xfrm>
+          <a:prstGeom prst="rect">
+            <a:avLst/>
+          </a:prstGeom>
+          <a:noFill/>
+        </p:spPr>
+        <p:txBody>
+          <a:bodyPr wrap="square">
+            <a:spAutoFit/>
+          </a:bodyPr>
+          <a:lstStyle/>
+          <a:p>
+            <a:pPr algn="ctr"/>
+            <a:r>
+              <a:rPr lang="de-DE" sz="1200" dirty="0">
+                <a:solidFill>
+                  <a:schemeClr val="tx1">
+                    <a:lumMod val="50000"/>
+                    <a:lumOff val="50000"/>
+                  </a:schemeClr>
+                </a:solidFill>
+              </a:rPr>
+              <a:t>2. Online </a:t>
+            </a:r>
+            <a:r>
+              <a:rPr lang="de-DE" sz="1200" dirty="0" err="1">
+                <a:solidFill>
+                  <a:schemeClr val="tx1">
+                    <a:lumMod val="50000"/>
+                    <a:lumOff val="50000"/>
+                  </a:schemeClr>
+                </a:solidFill>
+              </a:rPr>
+              <a:t>Stabilization</a:t>
+            </a:r>
+            <a:endParaRPr lang="de-DE" sz="1200" dirty="0">
+              <a:solidFill>
+                <a:schemeClr val="tx1">
+                  <a:lumMod val="50000"/>
+                  <a:lumOff val="50000"/>
+                </a:schemeClr>
+              </a:solidFill>
+            </a:endParaRPr>
+          </a:p>
+        </p:txBody>
+      </p:sp>
+      <p:pic>
+        <p:nvPicPr>
+          <p:cNvPr id="90" name="Grafik 89">
+            <a:extLst>
+              <a:ext uri="{FF2B5EF4-FFF2-40B4-BE49-F238E27FC236}">
+                <a16:creationId xmlns:a16="http://schemas.microsoft.com/office/drawing/2014/main" id="{7E40F690-9900-49B3-9938-14CC43A89774}"/>
+              </a:ext>
+            </a:extLst>
+          </p:cNvPr>
+          <p:cNvPicPr>
+            <a:picLocks noChangeAspect="1"/>
+          </p:cNvPicPr>
+          <p:nvPr>
+            <p:custDataLst>
+              <p:tags r:id="rId2"/>
+            </p:custDataLst>
+          </p:nvPr>
+        </p:nvPicPr>
+        <p:blipFill>
+          <a:blip r:embed="rId7">
+            <a:extLst>
+              <a:ext uri="{28A0092B-C50C-407E-A947-70E740481C1C}">
+                <a14:useLocalDpi xmlns:a14="http://schemas.microsoft.com/office/drawing/2010/main" val="0"/>
+              </a:ext>
+            </a:extLst>
+          </a:blip>
+          <a:stretch>
+            <a:fillRect/>
+          </a:stretch>
+        </p:blipFill>
+        <p:spPr>
+          <a:xfrm>
+            <a:off x="6756715" y="3896005"/>
+            <a:ext cx="618876" cy="158149"/>
+          </a:xfrm>
+          <a:prstGeom prst="rect">
+            <a:avLst/>
+          </a:prstGeom>
+        </p:spPr>
+      </p:pic>
+      <p:pic>
+        <p:nvPicPr>
+          <p:cNvPr id="80" name="Grafik 79">
+            <a:extLst>
+              <a:ext uri="{FF2B5EF4-FFF2-40B4-BE49-F238E27FC236}">
+                <a16:creationId xmlns:a16="http://schemas.microsoft.com/office/drawing/2014/main" id="{4641B543-26E4-4FF8-A024-A87613FD0A62}"/>
+              </a:ext>
+            </a:extLst>
+          </p:cNvPr>
+          <p:cNvPicPr>
+            <a:picLocks noChangeAspect="1"/>
+          </p:cNvPicPr>
+          <p:nvPr>
+            <p:custDataLst>
+              <p:tags r:id="rId3"/>
+            </p:custDataLst>
+          </p:nvPr>
+        </p:nvPicPr>
+        <p:blipFill>
+          <a:blip r:embed="rId8">
+            <a:extLst>
+              <a:ext uri="{28A0092B-C50C-407E-A947-70E740481C1C}">
+                <a14:useLocalDpi xmlns:a14="http://schemas.microsoft.com/office/drawing/2010/main" val="0"/>
+              </a:ext>
+            </a:extLst>
+          </a:blip>
+          <a:stretch>
+            <a:fillRect/>
+          </a:stretch>
+        </p:blipFill>
+        <p:spPr>
+          <a:xfrm>
+            <a:off x="7526010" y="3248062"/>
+            <a:ext cx="471402" cy="137315"/>
+          </a:xfrm>
+          <a:prstGeom prst="rect">
+            <a:avLst/>
+          </a:prstGeom>
+        </p:spPr>
+      </p:pic>
+      <p:cxnSp>
+        <p:nvCxnSpPr>
+          <p:cNvPr id="102" name="Gerade Verbindung mit Pfeil 101">
+            <a:extLst>
+              <a:ext uri="{FF2B5EF4-FFF2-40B4-BE49-F238E27FC236}">
+                <a16:creationId xmlns:a16="http://schemas.microsoft.com/office/drawing/2014/main" id="{A3077063-60B2-466B-8C46-9E2D03B7632F}"/>
+              </a:ext>
+            </a:extLst>
+          </p:cNvPr>
+          <p:cNvCxnSpPr>
+            <a:cxnSpLocks/>
+          </p:cNvCxnSpPr>
+          <p:nvPr/>
+        </p:nvCxnSpPr>
+        <p:spPr>
+          <a:xfrm>
+            <a:off x="630214" y="1370396"/>
+            <a:ext cx="1285012" cy="0"/>
+          </a:xfrm>
+          <a:prstGeom prst="straightConnector1">
+            <a:avLst/>
+          </a:prstGeom>
+          <a:ln>
+            <a:solidFill>
+              <a:srgbClr val="3668A0"/>
+            </a:solidFill>
+            <a:tailEnd type="triangle"/>
+          </a:ln>
+        </p:spPr>
+        <p:style>
+          <a:lnRef idx="1">
+            <a:schemeClr val="accent1"/>
+          </a:lnRef>
+          <a:fillRef idx="0">
+            <a:schemeClr val="accent1"/>
+          </a:fillRef>
+          <a:effectRef idx="0">
+            <a:schemeClr val="accent1"/>
+          </a:effectRef>
+          <a:fontRef idx="minor">
+            <a:schemeClr val="tx1"/>
+          </a:fontRef>
+        </p:style>
+      </p:cxnSp>
+      <p:cxnSp>
+        <p:nvCxnSpPr>
+          <p:cNvPr id="104" name="Gerade Verbindung mit Pfeil 103">
+            <a:extLst>
+              <a:ext uri="{FF2B5EF4-FFF2-40B4-BE49-F238E27FC236}">
+                <a16:creationId xmlns:a16="http://schemas.microsoft.com/office/drawing/2014/main" id="{2F105F08-8346-40C7-BC68-1FCFE4DB4222}"/>
+              </a:ext>
+            </a:extLst>
+          </p:cNvPr>
+          <p:cNvCxnSpPr>
+            <a:cxnSpLocks/>
+          </p:cNvCxnSpPr>
+          <p:nvPr/>
+        </p:nvCxnSpPr>
+        <p:spPr>
+          <a:xfrm>
+            <a:off x="630214" y="1778501"/>
+            <a:ext cx="1309910" cy="0"/>
+          </a:xfrm>
+          <a:prstGeom prst="straightConnector1">
+            <a:avLst/>
+          </a:prstGeom>
+          <a:ln>
+            <a:solidFill>
+              <a:srgbClr val="3668A0"/>
+            </a:solidFill>
+            <a:tailEnd type="triangle"/>
+          </a:ln>
+        </p:spPr>
+        <p:style>
+          <a:lnRef idx="1">
+            <a:schemeClr val="accent1"/>
+          </a:lnRef>
+          <a:fillRef idx="0">
+            <a:schemeClr val="accent1"/>
+          </a:fillRef>
+          <a:effectRef idx="0">
+            <a:schemeClr val="accent1"/>
+          </a:effectRef>
+          <a:fontRef idx="minor">
+            <a:schemeClr val="tx1"/>
+          </a:fontRef>
+        </p:style>
+      </p:cxnSp>
+      <p:sp>
+        <p:nvSpPr>
+          <p:cNvPr id="106" name="Textfeld 105">
+            <a:extLst>
+              <a:ext uri="{FF2B5EF4-FFF2-40B4-BE49-F238E27FC236}">
+                <a16:creationId xmlns:a16="http://schemas.microsoft.com/office/drawing/2014/main" id="{7509008C-341A-4D20-B63E-98FD7E76F17E}"/>
+              </a:ext>
+            </a:extLst>
+          </p:cNvPr>
+          <p:cNvSpPr txBox="1"/>
+          <p:nvPr/>
+        </p:nvSpPr>
+        <p:spPr>
+          <a:xfrm>
+            <a:off x="630214" y="1081844"/>
+            <a:ext cx="1309910" cy="276999"/>
+          </a:xfrm>
+          <a:prstGeom prst="rect">
+            <a:avLst/>
+          </a:prstGeom>
+          <a:noFill/>
+        </p:spPr>
+        <p:txBody>
+          <a:bodyPr wrap="none" rtlCol="0">
+            <a:spAutoFit/>
+          </a:bodyPr>
+          <a:lstStyle/>
+          <a:p>
+            <a:r>
+              <a:rPr lang="de-DE" sz="1200" dirty="0"/>
+              <a:t>Contact </a:t>
+            </a:r>
+            <a:r>
+              <a:rPr lang="de-DE" sz="1200" dirty="0" err="1"/>
+              <a:t>Sequence</a:t>
+            </a:r>
+            <a:endParaRPr lang="en-US" sz="1200" dirty="0"/>
+          </a:p>
+        </p:txBody>
+      </p:sp>
+      <p:sp>
+        <p:nvSpPr>
+          <p:cNvPr id="108" name="Textfeld 107">
+            <a:extLst>
+              <a:ext uri="{FF2B5EF4-FFF2-40B4-BE49-F238E27FC236}">
+                <a16:creationId xmlns:a16="http://schemas.microsoft.com/office/drawing/2014/main" id="{EE1F7C2B-9837-406B-9AE3-6A238479403B}"/>
+              </a:ext>
+            </a:extLst>
+          </p:cNvPr>
+          <p:cNvSpPr txBox="1"/>
+          <p:nvPr/>
+        </p:nvSpPr>
+        <p:spPr>
+          <a:xfrm>
+            <a:off x="834332" y="1494148"/>
+            <a:ext cx="888513" cy="276999"/>
+          </a:xfrm>
+          <a:prstGeom prst="rect">
+            <a:avLst/>
+          </a:prstGeom>
+          <a:noFill/>
+        </p:spPr>
+        <p:txBody>
+          <a:bodyPr wrap="none" rtlCol="0">
+            <a:spAutoFit/>
+          </a:bodyPr>
+          <a:lstStyle/>
+          <a:p>
+            <a:r>
+              <a:rPr lang="de-DE" sz="1200" dirty="0" err="1"/>
+              <a:t>Constraints</a:t>
+            </a:r>
+            <a:endParaRPr lang="en-US" sz="1200" dirty="0"/>
+          </a:p>
+        </p:txBody>
+      </p:sp>
+      <p:sp>
+        <p:nvSpPr>
+          <p:cNvPr id="120" name="Rechteck 119">
+            <a:extLst>
+              <a:ext uri="{FF2B5EF4-FFF2-40B4-BE49-F238E27FC236}">
+                <a16:creationId xmlns:a16="http://schemas.microsoft.com/office/drawing/2014/main" id="{DABF57C6-83E7-4883-98D8-BA6FC949A517}"/>
+              </a:ext>
+            </a:extLst>
+          </p:cNvPr>
+          <p:cNvSpPr/>
+          <p:nvPr/>
+        </p:nvSpPr>
+        <p:spPr>
+          <a:xfrm>
+            <a:off x="1940124" y="1002706"/>
+            <a:ext cx="2306811" cy="1127810"/>
+          </a:xfrm>
+          <a:prstGeom prst="rect">
+            <a:avLst/>
+          </a:prstGeom>
+          <a:solidFill>
+            <a:schemeClr val="bg1"/>
+          </a:solidFill>
+          <a:ln>
+            <a:solidFill>
+              <a:srgbClr val="3668A0"/>
+            </a:solidFill>
+          </a:ln>
+        </p:spPr>
+        <p:style>
+          <a:lnRef idx="2">
+            <a:schemeClr val="accent1">
+              <a:shade val="50000"/>
+            </a:schemeClr>
+          </a:lnRef>
+          <a:fillRef idx="1">
+            <a:schemeClr val="accent1"/>
+          </a:fillRef>
+          <a:effectRef idx="0">
+            <a:schemeClr val="accent1"/>
+          </a:effectRef>
+          <a:fontRef idx="minor">
+            <a:schemeClr val="lt1"/>
+          </a:fontRef>
+        </p:style>
+        <p:txBody>
+          <a:bodyPr rtlCol="0" anchor="t"/>
+          <a:lstStyle/>
+          <a:p>
+            <a:pPr algn="ctr"/>
+            <a:r>
+              <a:rPr lang="de-DE" sz="1600" dirty="0">
+                <a:solidFill>
+                  <a:schemeClr val="tx1"/>
+                </a:solidFill>
+              </a:rPr>
+              <a:t>Whole-Body </a:t>
+            </a:r>
+          </a:p>
+          <a:p>
+            <a:pPr algn="ctr"/>
+            <a:r>
+              <a:rPr lang="de-DE" sz="1600" dirty="0" err="1">
+                <a:solidFill>
+                  <a:schemeClr val="tx1"/>
+                </a:solidFill>
+              </a:rPr>
+              <a:t>Trajectory</a:t>
+            </a:r>
+            <a:r>
+              <a:rPr lang="de-DE" sz="1600" dirty="0">
+                <a:solidFill>
+                  <a:schemeClr val="tx1"/>
+                </a:solidFill>
+              </a:rPr>
+              <a:t> </a:t>
+            </a:r>
+            <a:r>
+              <a:rPr lang="de-DE" sz="1600" dirty="0" err="1">
+                <a:solidFill>
+                  <a:schemeClr val="tx1"/>
+                </a:solidFill>
+              </a:rPr>
+              <a:t>Optimization</a:t>
+            </a:r>
+            <a:endParaRPr lang="en-US" sz="1600" dirty="0">
+              <a:solidFill>
+                <a:schemeClr val="tx1"/>
+              </a:solidFill>
+            </a:endParaRPr>
+          </a:p>
+        </p:txBody>
+      </p:sp>
+      <p:pic>
+        <p:nvPicPr>
+          <p:cNvPr id="38" name="Grafik 37">
+            <a:extLst>
+              <a:ext uri="{FF2B5EF4-FFF2-40B4-BE49-F238E27FC236}">
+                <a16:creationId xmlns:a16="http://schemas.microsoft.com/office/drawing/2014/main" id="{A1B9903C-8633-4281-9855-DCABE7CC16FF}"/>
+              </a:ext>
+            </a:extLst>
+          </p:cNvPr>
+          <p:cNvPicPr>
+            <a:picLocks noChangeAspect="1"/>
+          </p:cNvPicPr>
+          <p:nvPr>
+            <p:custDataLst>
+              <p:tags r:id="rId4"/>
+            </p:custDataLst>
+          </p:nvPr>
+        </p:nvPicPr>
+        <p:blipFill>
+          <a:blip r:embed="rId9">
+            <a:extLst>
+              <a:ext uri="{28A0092B-C50C-407E-A947-70E740481C1C}">
+                <a14:useLocalDpi xmlns:a14="http://schemas.microsoft.com/office/drawing/2010/main" val="0"/>
+              </a:ext>
+            </a:extLst>
+          </a:blip>
+          <a:stretch>
+            <a:fillRect/>
+          </a:stretch>
+        </p:blipFill>
+        <p:spPr>
+          <a:xfrm>
+            <a:off x="2112204" y="1607730"/>
+            <a:ext cx="2045238" cy="447946"/>
+          </a:xfrm>
+          <a:prstGeom prst="rect">
+            <a:avLst/>
+          </a:prstGeom>
+        </p:spPr>
+      </p:pic>
+      <p:sp>
+        <p:nvSpPr>
+          <p:cNvPr id="7" name="Rechteck 6">
+            <a:extLst>
+              <a:ext uri="{FF2B5EF4-FFF2-40B4-BE49-F238E27FC236}">
+                <a16:creationId xmlns:a16="http://schemas.microsoft.com/office/drawing/2014/main" id="{B0E237AF-C330-4073-9F40-3D59C8C2831A}"/>
+              </a:ext>
+            </a:extLst>
+          </p:cNvPr>
+          <p:cNvSpPr/>
+          <p:nvPr/>
+        </p:nvSpPr>
+        <p:spPr>
+          <a:xfrm>
+            <a:off x="2526573" y="2781453"/>
+            <a:ext cx="1133911" cy="1299569"/>
+          </a:xfrm>
+          <a:custGeom>
+            <a:avLst/>
+            <a:gdLst>
+              <a:gd name="connsiteX0" fmla="*/ 0 w 1133911"/>
+              <a:gd name="connsiteY0" fmla="*/ 0 h 1299569"/>
+              <a:gd name="connsiteX1" fmla="*/ 555616 w 1133911"/>
+              <a:gd name="connsiteY1" fmla="*/ 0 h 1299569"/>
+              <a:gd name="connsiteX2" fmla="*/ 1133911 w 1133911"/>
+              <a:gd name="connsiteY2" fmla="*/ 0 h 1299569"/>
+              <a:gd name="connsiteX3" fmla="*/ 1133911 w 1133911"/>
+              <a:gd name="connsiteY3" fmla="*/ 394203 h 1299569"/>
+              <a:gd name="connsiteX4" fmla="*/ 1133911 w 1133911"/>
+              <a:gd name="connsiteY4" fmla="*/ 788405 h 1299569"/>
+              <a:gd name="connsiteX5" fmla="*/ 1133911 w 1133911"/>
+              <a:gd name="connsiteY5" fmla="*/ 1299569 h 1299569"/>
+              <a:gd name="connsiteX6" fmla="*/ 555616 w 1133911"/>
+              <a:gd name="connsiteY6" fmla="*/ 1299569 h 1299569"/>
+              <a:gd name="connsiteX7" fmla="*/ 0 w 1133911"/>
+              <a:gd name="connsiteY7" fmla="*/ 1299569 h 1299569"/>
+              <a:gd name="connsiteX8" fmla="*/ 0 w 1133911"/>
+              <a:gd name="connsiteY8" fmla="*/ 892371 h 1299569"/>
+              <a:gd name="connsiteX9" fmla="*/ 0 w 1133911"/>
+              <a:gd name="connsiteY9" fmla="*/ 485172 h 1299569"/>
+              <a:gd name="connsiteX10" fmla="*/ 0 w 1133911"/>
+              <a:gd name="connsiteY10" fmla="*/ 0 h 1299569"/>
+            </a:gdLst>
+            <a:ahLst/>
+            <a:cxnLst>
+              <a:cxn ang="0">
+                <a:pos x="connsiteX0" y="connsiteY0"/>
+              </a:cxn>
+              <a:cxn ang="0">
+                <a:pos x="connsiteX1" y="connsiteY1"/>
+              </a:cxn>
+              <a:cxn ang="0">
+                <a:pos x="connsiteX2" y="connsiteY2"/>
+              </a:cxn>
+              <a:cxn ang="0">
+                <a:pos x="connsiteX3" y="connsiteY3"/>
+              </a:cxn>
+              <a:cxn ang="0">
+                <a:pos x="connsiteX4" y="connsiteY4"/>
+              </a:cxn>
+              <a:cxn ang="0">
+                <a:pos x="connsiteX5" y="connsiteY5"/>
+              </a:cxn>
+              <a:cxn ang="0">
+                <a:pos x="connsiteX6" y="connsiteY6"/>
+              </a:cxn>
+              <a:cxn ang="0">
+                <a:pos x="connsiteX7" y="connsiteY7"/>
+              </a:cxn>
+              <a:cxn ang="0">
+                <a:pos x="connsiteX8" y="connsiteY8"/>
+              </a:cxn>
+              <a:cxn ang="0">
+                <a:pos x="connsiteX9" y="connsiteY9"/>
+              </a:cxn>
+              <a:cxn ang="0">
+                <a:pos x="connsiteX10" y="connsiteY10"/>
+              </a:cxn>
+            </a:cxnLst>
+            <a:rect l="l" t="t" r="r" b="b"/>
+            <a:pathLst>
+              <a:path w="1133911" h="1299569" fill="none" extrusionOk="0">
+                <a:moveTo>
+                  <a:pt x="0" y="0"/>
+                </a:moveTo>
+                <a:cubicBezTo>
+                  <a:pt x="119004" y="-11532"/>
+                  <a:pt x="347399" y="33428"/>
+                  <a:pt x="555616" y="0"/>
+                </a:cubicBezTo>
+                <a:cubicBezTo>
+                  <a:pt x="763833" y="-33428"/>
+                  <a:pt x="896275" y="46225"/>
+                  <a:pt x="1133911" y="0"/>
+                </a:cubicBezTo>
+                <a:cubicBezTo>
+                  <a:pt x="1160492" y="148666"/>
+                  <a:pt x="1108285" y="238477"/>
+                  <a:pt x="1133911" y="394203"/>
+                </a:cubicBezTo>
+                <a:cubicBezTo>
+                  <a:pt x="1159537" y="549929"/>
+                  <a:pt x="1088408" y="614930"/>
+                  <a:pt x="1133911" y="788405"/>
+                </a:cubicBezTo>
+                <a:cubicBezTo>
+                  <a:pt x="1179414" y="961880"/>
+                  <a:pt x="1082791" y="1070407"/>
+                  <a:pt x="1133911" y="1299569"/>
+                </a:cubicBezTo>
+                <a:cubicBezTo>
+                  <a:pt x="967722" y="1333376"/>
+                  <a:pt x="718405" y="1261043"/>
+                  <a:pt x="555616" y="1299569"/>
+                </a:cubicBezTo>
+                <a:cubicBezTo>
+                  <a:pt x="392827" y="1338095"/>
+                  <a:pt x="206129" y="1264226"/>
+                  <a:pt x="0" y="1299569"/>
+                </a:cubicBezTo>
+                <a:cubicBezTo>
+                  <a:pt x="-45513" y="1214151"/>
+                  <a:pt x="11549" y="1028976"/>
+                  <a:pt x="0" y="892371"/>
+                </a:cubicBezTo>
+                <a:cubicBezTo>
+                  <a:pt x="-11549" y="755766"/>
+                  <a:pt x="1806" y="659371"/>
+                  <a:pt x="0" y="485172"/>
+                </a:cubicBezTo>
+                <a:cubicBezTo>
+                  <a:pt x="-1806" y="310973"/>
+                  <a:pt x="11007" y="129008"/>
+                  <a:pt x="0" y="0"/>
+                </a:cubicBezTo>
+                <a:close/>
+              </a:path>
+              <a:path w="1133911" h="1299569" stroke="0" extrusionOk="0">
+                <a:moveTo>
+                  <a:pt x="0" y="0"/>
+                </a:moveTo>
+                <a:cubicBezTo>
+                  <a:pt x="180400" y="-22936"/>
+                  <a:pt x="303365" y="2895"/>
+                  <a:pt x="532938" y="0"/>
+                </a:cubicBezTo>
+                <a:cubicBezTo>
+                  <a:pt x="762511" y="-2895"/>
+                  <a:pt x="902226" y="38411"/>
+                  <a:pt x="1133911" y="0"/>
+                </a:cubicBezTo>
+                <a:cubicBezTo>
+                  <a:pt x="1170569" y="97126"/>
+                  <a:pt x="1093661" y="221561"/>
+                  <a:pt x="1133911" y="420194"/>
+                </a:cubicBezTo>
+                <a:cubicBezTo>
+                  <a:pt x="1174161" y="618827"/>
+                  <a:pt x="1085989" y="731907"/>
+                  <a:pt x="1133911" y="827392"/>
+                </a:cubicBezTo>
+                <a:cubicBezTo>
+                  <a:pt x="1181833" y="922877"/>
+                  <a:pt x="1102615" y="1182674"/>
+                  <a:pt x="1133911" y="1299569"/>
+                </a:cubicBezTo>
+                <a:cubicBezTo>
+                  <a:pt x="891346" y="1361088"/>
+                  <a:pt x="794521" y="1281298"/>
+                  <a:pt x="589634" y="1299569"/>
+                </a:cubicBezTo>
+                <a:cubicBezTo>
+                  <a:pt x="384747" y="1317840"/>
+                  <a:pt x="165016" y="1279754"/>
+                  <a:pt x="0" y="1299569"/>
+                </a:cubicBezTo>
+                <a:cubicBezTo>
+                  <a:pt x="-6851" y="1120028"/>
+                  <a:pt x="40527" y="1056207"/>
+                  <a:pt x="0" y="905366"/>
+                </a:cubicBezTo>
+                <a:cubicBezTo>
+                  <a:pt x="-40527" y="754525"/>
+                  <a:pt x="23190" y="601281"/>
+                  <a:pt x="0" y="511164"/>
+                </a:cubicBezTo>
+                <a:cubicBezTo>
+                  <a:pt x="-23190" y="421047"/>
+                  <a:pt x="57840" y="213764"/>
+                  <a:pt x="0" y="0"/>
+                </a:cubicBezTo>
+                <a:close/>
+              </a:path>
+            </a:pathLst>
+          </a:custGeom>
+          <a:solidFill>
+            <a:schemeClr val="bg1"/>
+          </a:solidFill>
+          <a:ln>
+            <a:solidFill>
+              <a:srgbClr val="3668A0"/>
+            </a:solidFill>
+            <a:extLst>
+              <a:ext uri="{C807C97D-BFC1-408E-A445-0C87EB9F89A2}">
+                <ask:lineSketchStyleProps xmlns:ask="http://schemas.microsoft.com/office/drawing/2018/sketchyshapes" sd="2223840991">
+                  <a:prstGeom prst="rect">
+                    <a:avLst/>
+                  </a:prstGeom>
+                  <ask:type>
+                    <ask:lineSketchScribble/>
+                  </ask:type>
+                </ask:lineSketchStyleProps>
+              </a:ext>
+            </a:extLst>
+          </a:ln>
+        </p:spPr>
+        <p:style>
+          <a:lnRef idx="2">
+            <a:schemeClr val="accent1">
+              <a:shade val="50000"/>
+            </a:schemeClr>
+          </a:lnRef>
+          <a:fillRef idx="1">
+            <a:schemeClr val="accent1"/>
+          </a:fillRef>
+          <a:effectRef idx="0">
+            <a:schemeClr val="accent1"/>
+          </a:effectRef>
+          <a:fontRef idx="minor">
+            <a:schemeClr val="lt1"/>
+          </a:fontRef>
+        </p:style>
+        <p:txBody>
+          <a:bodyPr rtlCol="0" anchor="t"/>
+          <a:lstStyle/>
+          <a:p>
+            <a:pPr algn="ctr"/>
+            <a:r>
+              <a:rPr lang="de-DE" sz="1600">
+                <a:solidFill>
+                  <a:schemeClr val="tx1"/>
+                </a:solidFill>
+              </a:rPr>
+              <a:t>Trajectory File</a:t>
+            </a:r>
+            <a:endParaRPr lang="en-US" sz="1600" dirty="0">
+              <a:solidFill>
+                <a:schemeClr val="tx1"/>
+              </a:solidFill>
+            </a:endParaRPr>
+          </a:p>
+        </p:txBody>
+      </p:sp>
+      <p:grpSp>
+        <p:nvGrpSpPr>
+          <p:cNvPr id="41" name="Gruppieren 40">
+            <a:extLst>
+              <a:ext uri="{FF2B5EF4-FFF2-40B4-BE49-F238E27FC236}">
+                <a16:creationId xmlns:a16="http://schemas.microsoft.com/office/drawing/2014/main" id="{B93B887D-EAE0-4C79-AF79-92506E1FD1BA}"/>
+              </a:ext>
+            </a:extLst>
+          </p:cNvPr>
+          <p:cNvGrpSpPr/>
+          <p:nvPr/>
+        </p:nvGrpSpPr>
+        <p:grpSpPr>
+          <a:xfrm>
+            <a:off x="2739954" y="3422787"/>
+            <a:ext cx="707149" cy="440898"/>
+            <a:chOff x="3694127" y="4264395"/>
+            <a:chExt cx="780176" cy="445983"/>
+          </a:xfrm>
+        </p:grpSpPr>
+        <p:cxnSp>
+          <p:nvCxnSpPr>
+            <p:cNvPr id="42" name="Gerader Verbinder 41">
+              <a:extLst>
+                <a:ext uri="{FF2B5EF4-FFF2-40B4-BE49-F238E27FC236}">
+                  <a16:creationId xmlns:a16="http://schemas.microsoft.com/office/drawing/2014/main" id="{46FD3B09-F731-4555-ABBA-81F0705812EF}"/>
+                </a:ext>
+              </a:extLst>
+            </p:cNvPr>
+            <p:cNvCxnSpPr>
+              <a:cxnSpLocks/>
+            </p:cNvCxnSpPr>
+            <p:nvPr/>
+          </p:nvCxnSpPr>
+          <p:spPr>
+            <a:xfrm>
+              <a:off x="3694127" y="4264395"/>
+              <a:ext cx="780176" cy="1"/>
+            </a:xfrm>
+            <a:prstGeom prst="line">
+              <a:avLst/>
+            </a:prstGeom>
+          </p:spPr>
+          <p:style>
+            <a:lnRef idx="1">
+              <a:schemeClr val="accent1"/>
+            </a:lnRef>
+            <a:fillRef idx="0">
+              <a:schemeClr val="accent1"/>
+            </a:fillRef>
+            <a:effectRef idx="0">
+              <a:schemeClr val="accent1"/>
+            </a:effectRef>
+            <a:fontRef idx="minor">
+              <a:schemeClr val="tx1"/>
+            </a:fontRef>
+          </p:style>
+        </p:cxnSp>
+        <p:cxnSp>
+          <p:nvCxnSpPr>
+            <p:cNvPr id="43" name="Gerader Verbinder 42">
+              <a:extLst>
+                <a:ext uri="{FF2B5EF4-FFF2-40B4-BE49-F238E27FC236}">
+                  <a16:creationId xmlns:a16="http://schemas.microsoft.com/office/drawing/2014/main" id="{E49B948E-16F6-4016-9DE7-27D89608E952}"/>
+                </a:ext>
+              </a:extLst>
+            </p:cNvPr>
+            <p:cNvCxnSpPr>
+              <a:cxnSpLocks/>
+            </p:cNvCxnSpPr>
+            <p:nvPr/>
+          </p:nvCxnSpPr>
+          <p:spPr>
+            <a:xfrm>
+              <a:off x="3694127" y="4406980"/>
+              <a:ext cx="780176" cy="1"/>
+            </a:xfrm>
+            <a:prstGeom prst="line">
+              <a:avLst/>
+            </a:prstGeom>
+          </p:spPr>
+          <p:style>
+            <a:lnRef idx="1">
+              <a:schemeClr val="accent1"/>
+            </a:lnRef>
+            <a:fillRef idx="0">
+              <a:schemeClr val="accent1"/>
+            </a:fillRef>
+            <a:effectRef idx="0">
+              <a:schemeClr val="accent1"/>
+            </a:effectRef>
+            <a:fontRef idx="minor">
+              <a:schemeClr val="tx1"/>
+            </a:fontRef>
+          </p:style>
+        </p:cxnSp>
+        <p:cxnSp>
+          <p:nvCxnSpPr>
+            <p:cNvPr id="44" name="Gerader Verbinder 43">
+              <a:extLst>
+                <a:ext uri="{FF2B5EF4-FFF2-40B4-BE49-F238E27FC236}">
+                  <a16:creationId xmlns:a16="http://schemas.microsoft.com/office/drawing/2014/main" id="{CDB5AAC3-9E36-4EB4-89FF-461BE794F027}"/>
+                </a:ext>
+              </a:extLst>
+            </p:cNvPr>
+            <p:cNvCxnSpPr>
+              <a:cxnSpLocks/>
+            </p:cNvCxnSpPr>
+            <p:nvPr/>
+          </p:nvCxnSpPr>
+          <p:spPr>
+            <a:xfrm>
+              <a:off x="3694127" y="4558679"/>
+              <a:ext cx="780176" cy="1"/>
+            </a:xfrm>
+            <a:prstGeom prst="line">
+              <a:avLst/>
+            </a:prstGeom>
+          </p:spPr>
+          <p:style>
+            <a:lnRef idx="1">
+              <a:schemeClr val="accent1"/>
+            </a:lnRef>
+            <a:fillRef idx="0">
+              <a:schemeClr val="accent1"/>
+            </a:fillRef>
+            <a:effectRef idx="0">
+              <a:schemeClr val="accent1"/>
+            </a:effectRef>
+            <a:fontRef idx="minor">
+              <a:schemeClr val="tx1"/>
+            </a:fontRef>
+          </p:style>
+        </p:cxnSp>
+        <p:cxnSp>
+          <p:nvCxnSpPr>
+            <p:cNvPr id="45" name="Gerader Verbinder 44">
+              <a:extLst>
+                <a:ext uri="{FF2B5EF4-FFF2-40B4-BE49-F238E27FC236}">
+                  <a16:creationId xmlns:a16="http://schemas.microsoft.com/office/drawing/2014/main" id="{7EF6879B-C176-4A43-B8A0-38508F3BFACD}"/>
+                </a:ext>
+              </a:extLst>
+            </p:cNvPr>
+            <p:cNvCxnSpPr>
+              <a:cxnSpLocks/>
+            </p:cNvCxnSpPr>
+            <p:nvPr/>
+          </p:nvCxnSpPr>
+          <p:spPr>
+            <a:xfrm>
+              <a:off x="3694127" y="4710377"/>
+              <a:ext cx="780176" cy="1"/>
+            </a:xfrm>
+            <a:prstGeom prst="line">
+              <a:avLst/>
+            </a:prstGeom>
+          </p:spPr>
+          <p:style>
+            <a:lnRef idx="1">
+              <a:schemeClr val="accent1"/>
+            </a:lnRef>
+            <a:fillRef idx="0">
+              <a:schemeClr val="accent1"/>
+            </a:fillRef>
+            <a:effectRef idx="0">
+              <a:schemeClr val="accent1"/>
+            </a:effectRef>
+            <a:fontRef idx="minor">
+              <a:schemeClr val="tx1"/>
+            </a:fontRef>
+          </p:style>
+        </p:cxnSp>
+      </p:grpSp>
+      <p:sp>
+        <p:nvSpPr>
+          <p:cNvPr id="33" name="Rechteck 32">
+            <a:extLst>
+              <a:ext uri="{FF2B5EF4-FFF2-40B4-BE49-F238E27FC236}">
+                <a16:creationId xmlns:a16="http://schemas.microsoft.com/office/drawing/2014/main" id="{201370D3-615E-4C7E-AF99-4D1471345E41}"/>
+              </a:ext>
+            </a:extLst>
+          </p:cNvPr>
+          <p:cNvSpPr/>
+          <p:nvPr/>
+        </p:nvSpPr>
+        <p:spPr>
+          <a:xfrm>
+            <a:off x="5625905" y="3111336"/>
+            <a:ext cx="1693708" cy="639667"/>
+          </a:xfrm>
+          <a:prstGeom prst="rect">
+            <a:avLst/>
+          </a:prstGeom>
+          <a:solidFill>
+            <a:schemeClr val="bg1"/>
+          </a:solidFill>
+          <a:ln>
+            <a:solidFill>
+              <a:srgbClr val="3668A0"/>
+            </a:solidFill>
+          </a:ln>
+        </p:spPr>
+        <p:style>
+          <a:lnRef idx="2">
+            <a:schemeClr val="accent1">
+              <a:shade val="50000"/>
+            </a:schemeClr>
+          </a:lnRef>
+          <a:fillRef idx="1">
+            <a:schemeClr val="accent1"/>
+          </a:fillRef>
+          <a:effectRef idx="0">
+            <a:schemeClr val="accent1"/>
+          </a:effectRef>
+          <a:fontRef idx="minor">
+            <a:schemeClr val="lt1"/>
+          </a:fontRef>
+        </p:style>
+        <p:txBody>
+          <a:bodyPr rtlCol="0" anchor="t"/>
+          <a:lstStyle/>
+          <a:p>
+            <a:pPr algn="ctr"/>
+            <a:r>
+              <a:rPr lang="de-DE" sz="1600" dirty="0">
+                <a:solidFill>
+                  <a:schemeClr val="tx1"/>
+                </a:solidFill>
+              </a:rPr>
+              <a:t>Task Space Inverse Dynamics</a:t>
+            </a:r>
+            <a:endParaRPr lang="en-US" sz="1600" dirty="0">
+              <a:solidFill>
+                <a:schemeClr val="tx1"/>
+              </a:solidFill>
+            </a:endParaRPr>
+          </a:p>
+        </p:txBody>
+      </p:sp>
+      <p:sp>
+        <p:nvSpPr>
+          <p:cNvPr id="35" name="Rechteck 34">
+            <a:extLst>
+              <a:ext uri="{FF2B5EF4-FFF2-40B4-BE49-F238E27FC236}">
+                <a16:creationId xmlns:a16="http://schemas.microsoft.com/office/drawing/2014/main" id="{3075AD94-FD4A-4F01-B035-71C1E10CF578}"/>
+              </a:ext>
+            </a:extLst>
+          </p:cNvPr>
+          <p:cNvSpPr/>
+          <p:nvPr/>
+        </p:nvSpPr>
+        <p:spPr>
+          <a:xfrm>
+            <a:off x="8216672" y="3109515"/>
+            <a:ext cx="1693708" cy="639667"/>
+          </a:xfrm>
+          <a:prstGeom prst="rect">
+            <a:avLst/>
+          </a:prstGeom>
+          <a:solidFill>
+            <a:schemeClr val="bg1"/>
+          </a:solidFill>
+          <a:ln>
+            <a:solidFill>
+              <a:srgbClr val="3668A0"/>
+            </a:solidFill>
+          </a:ln>
+        </p:spPr>
+        <p:style>
+          <a:lnRef idx="2">
+            <a:schemeClr val="accent1">
+              <a:shade val="50000"/>
+            </a:schemeClr>
+          </a:lnRef>
+          <a:fillRef idx="1">
+            <a:schemeClr val="accent1"/>
+          </a:fillRef>
+          <a:effectRef idx="0">
+            <a:schemeClr val="accent1"/>
+          </a:effectRef>
+          <a:fontRef idx="minor">
+            <a:schemeClr val="lt1"/>
+          </a:fontRef>
+        </p:style>
+        <p:txBody>
+          <a:bodyPr rtlCol="0" anchor="t"/>
+          <a:lstStyle/>
+          <a:p>
+            <a:pPr algn="ctr"/>
+            <a:r>
+              <a:rPr lang="de-DE" sz="1600" dirty="0">
+                <a:solidFill>
+                  <a:schemeClr val="tx1"/>
+                </a:solidFill>
+              </a:rPr>
+              <a:t>Low-Level </a:t>
+            </a:r>
+            <a:r>
+              <a:rPr lang="de-DE" sz="1600" dirty="0" err="1">
+                <a:solidFill>
+                  <a:schemeClr val="tx1"/>
+                </a:solidFill>
+              </a:rPr>
+              <a:t>Actuator</a:t>
+            </a:r>
+            <a:r>
+              <a:rPr lang="de-DE" sz="1600" dirty="0">
+                <a:solidFill>
+                  <a:schemeClr val="tx1"/>
+                </a:solidFill>
+              </a:rPr>
+              <a:t> Control</a:t>
+            </a:r>
+            <a:endParaRPr lang="en-US" sz="1600" dirty="0">
+              <a:solidFill>
+                <a:schemeClr val="tx1"/>
+              </a:solidFill>
+            </a:endParaRPr>
+          </a:p>
+        </p:txBody>
+      </p:sp>
+      <p:grpSp>
+        <p:nvGrpSpPr>
+          <p:cNvPr id="4" name="Gruppieren 3">
+            <a:extLst>
+              <a:ext uri="{FF2B5EF4-FFF2-40B4-BE49-F238E27FC236}">
+                <a16:creationId xmlns:a16="http://schemas.microsoft.com/office/drawing/2014/main" id="{6987762C-2EE3-4B5B-9079-843C392C90FE}"/>
+              </a:ext>
+            </a:extLst>
+          </p:cNvPr>
+          <p:cNvGrpSpPr/>
+          <p:nvPr/>
+        </p:nvGrpSpPr>
+        <p:grpSpPr>
+          <a:xfrm>
+            <a:off x="9482182" y="5395673"/>
+            <a:ext cx="2136319" cy="1281791"/>
+            <a:chOff x="9251323" y="798770"/>
+            <a:chExt cx="2136319" cy="1281791"/>
+          </a:xfrm>
+        </p:grpSpPr>
+        <p:sp>
+          <p:nvSpPr>
+            <p:cNvPr id="46" name="Rechteck: abgerundete Ecken 45">
+              <a:extLst>
+                <a:ext uri="{FF2B5EF4-FFF2-40B4-BE49-F238E27FC236}">
+                  <a16:creationId xmlns:a16="http://schemas.microsoft.com/office/drawing/2014/main" id="{EB6DF762-1276-4505-AC32-6723C1A61BC4}"/>
+                </a:ext>
+              </a:extLst>
+            </p:cNvPr>
+            <p:cNvSpPr/>
+            <p:nvPr/>
+          </p:nvSpPr>
+          <p:spPr>
+            <a:xfrm>
+              <a:off x="9251323" y="798770"/>
+              <a:ext cx="2136319" cy="1281791"/>
+            </a:xfrm>
+            <a:prstGeom prst="roundRect">
+              <a:avLst>
+                <a:gd name="adj" fmla="val 10000"/>
+              </a:avLst>
+            </a:prstGeom>
+            <a:solidFill>
+              <a:srgbClr val="3668A0"/>
+            </a:solidFill>
+            <a:ln>
+              <a:solidFill>
+                <a:srgbClr val="3668A0"/>
+              </a:solidFill>
+            </a:ln>
+          </p:spPr>
+          <p:style>
+            <a:lnRef idx="2">
+              <a:scrgbClr r="0" g="0" b="0"/>
+            </a:lnRef>
+            <a:fillRef idx="1">
+              <a:scrgbClr r="0" g="0" b="0"/>
+            </a:fillRef>
+            <a:effectRef idx="0">
+              <a:schemeClr val="accent1">
+                <a:hueOff val="0"/>
+                <a:satOff val="0"/>
+                <a:lumOff val="0"/>
+                <a:alphaOff val="0"/>
+              </a:schemeClr>
+            </a:effectRef>
+            <a:fontRef idx="minor">
+              <a:schemeClr val="lt1"/>
+            </a:fontRef>
+          </p:style>
+        </p:sp>
+        <p:sp>
+          <p:nvSpPr>
+            <p:cNvPr id="48" name="Rechteck: abgerundete Ecken 4">
+              <a:extLst>
+                <a:ext uri="{FF2B5EF4-FFF2-40B4-BE49-F238E27FC236}">
+                  <a16:creationId xmlns:a16="http://schemas.microsoft.com/office/drawing/2014/main" id="{E573B448-B446-46D2-B3C2-E06D493C8E78}"/>
+                </a:ext>
+              </a:extLst>
+            </p:cNvPr>
+            <p:cNvSpPr txBox="1"/>
+            <p:nvPr/>
+          </p:nvSpPr>
+          <p:spPr>
+            <a:xfrm>
+              <a:off x="9288865" y="836312"/>
+              <a:ext cx="2061235" cy="1206707"/>
+            </a:xfrm>
+            <a:prstGeom prst="rect">
+              <a:avLst/>
+            </a:prstGeom>
+          </p:spPr>
+          <p:style>
+            <a:lnRef idx="0">
+              <a:scrgbClr r="0" g="0" b="0"/>
+            </a:lnRef>
+            <a:fillRef idx="0">
+              <a:scrgbClr r="0" g="0" b="0"/>
+            </a:fillRef>
+            <a:effectRef idx="0">
+              <a:scrgbClr r="0" g="0" b="0"/>
+            </a:effectRef>
+            <a:fontRef idx="minor">
+              <a:schemeClr val="lt1"/>
+            </a:fontRef>
+          </p:style>
+          <p:txBody>
+            <a:bodyPr spcFirstLastPara="0" vert="horz" wrap="square" lIns="106680" tIns="106680" rIns="106680" bIns="106680" numCol="1" spcCol="1270" anchor="ctr" anchorCtr="0">
+              <a:noAutofit/>
+            </a:bodyPr>
+            <a:lstStyle/>
+            <a:p>
+              <a:pPr marL="0" lvl="0" indent="0" algn="ctr" defTabSz="1244600">
+                <a:lnSpc>
+                  <a:spcPct val="90000"/>
+                </a:lnSpc>
+                <a:spcBef>
+                  <a:spcPct val="0"/>
+                </a:spcBef>
+                <a:spcAft>
+                  <a:spcPct val="35000"/>
+                </a:spcAft>
+                <a:buNone/>
+              </a:pPr>
+              <a:r>
+                <a:rPr lang="de-DE" sz="2800" kern="1200" dirty="0"/>
+                <a:t>Actuator Control</a:t>
+              </a:r>
+            </a:p>
+          </p:txBody>
+        </p:sp>
+      </p:grpSp>
+    </p:spTree>
+    <p:extLst>
+      <p:ext uri="{BB962C8B-B14F-4D97-AF65-F5344CB8AC3E}">
+        <p14:creationId xmlns:p14="http://schemas.microsoft.com/office/powerpoint/2010/main" val="4191141702"/>
+      </p:ext>
+    </p:extLst>
+  </p:cSld>
+  <p:clrMapOvr>
+    <a:masterClrMapping/>
+  </p:clrMapOvr>
+</p:sld>
+</file>
+
+<file path=ppt/slides/slide6.xml><?xml version="1.0" encoding="utf-8"?>
+<p:sld xmlns:a="http://schemas.openxmlformats.org/drawingml/2006/main" xmlns:r="http://schemas.openxmlformats.org/officeDocument/2006/relationships" xmlns:p="http://schemas.openxmlformats.org/presentationml/2006/main">
+  <p:cSld>
+    <p:spTree>
+      <p:nvGrpSpPr>
+        <p:cNvPr id="1" name=""/>
+        <p:cNvGrpSpPr/>
+        <p:nvPr/>
+      </p:nvGrpSpPr>
+      <p:grpSpPr>
+        <a:xfrm>
+          <a:off x="0" y="0"/>
+          <a:ext cx="0" cy="0"/>
+          <a:chOff x="0" y="0"/>
+          <a:chExt cx="0" cy="0"/>
+        </a:xfrm>
+      </p:grpSpPr>
+      <p:sp>
+        <p:nvSpPr>
+          <p:cNvPr id="4" name="Rechteck 3">
+            <a:extLst>
+              <a:ext uri="{FF2B5EF4-FFF2-40B4-BE49-F238E27FC236}">
+                <a16:creationId xmlns:a16="http://schemas.microsoft.com/office/drawing/2014/main" id="{4D880AAB-7C26-4466-A794-626D7C86C1ED}"/>
+              </a:ext>
+            </a:extLst>
+          </p:cNvPr>
+          <p:cNvSpPr/>
+          <p:nvPr/>
+        </p:nvSpPr>
+        <p:spPr>
+          <a:xfrm>
+            <a:off x="5324474" y="813439"/>
+            <a:ext cx="1543050" cy="434340"/>
+          </a:xfrm>
+          <a:prstGeom prst="rect">
+            <a:avLst/>
+          </a:prstGeom>
+          <a:noFill/>
+          <a:ln w="19050">
+            <a:solidFill>
+              <a:schemeClr val="tx1"/>
+            </a:solidFill>
+          </a:ln>
+        </p:spPr>
+        <p:style>
+          <a:lnRef idx="2">
+            <a:schemeClr val="accent1">
+              <a:shade val="50000"/>
+            </a:schemeClr>
+          </a:lnRef>
+          <a:fillRef idx="1">
+            <a:schemeClr val="accent1"/>
+          </a:fillRef>
+          <a:effectRef idx="0">
+            <a:schemeClr val="accent1"/>
+          </a:effectRef>
+          <a:fontRef idx="minor">
+            <a:schemeClr val="lt1"/>
+          </a:fontRef>
+        </p:style>
+        <p:txBody>
+          <a:bodyPr rtlCol="0" anchor="ctr"/>
+          <a:lstStyle/>
+          <a:p>
+            <a:pPr algn="ctr"/>
+            <a:r>
+              <a:rPr lang="de-DE" b="1" dirty="0">
+                <a:solidFill>
+                  <a:schemeClr val="tx1"/>
+                </a:solidFill>
+              </a:rPr>
+              <a:t>Introduction</a:t>
+            </a:r>
+          </a:p>
+        </p:txBody>
+      </p:sp>
+      <p:sp>
+        <p:nvSpPr>
+          <p:cNvPr id="6" name="Rechteck 5">
+            <a:extLst>
+              <a:ext uri="{FF2B5EF4-FFF2-40B4-BE49-F238E27FC236}">
+                <a16:creationId xmlns:a16="http://schemas.microsoft.com/office/drawing/2014/main" id="{3D63AD59-56F6-4669-8701-84D285A1810A}"/>
+              </a:ext>
+            </a:extLst>
+          </p:cNvPr>
+          <p:cNvSpPr/>
+          <p:nvPr/>
+        </p:nvSpPr>
+        <p:spPr>
+          <a:xfrm>
+            <a:off x="5046344" y="1718311"/>
+            <a:ext cx="2099310" cy="582932"/>
+          </a:xfrm>
+          <a:prstGeom prst="rect">
+            <a:avLst/>
+          </a:prstGeom>
+          <a:noFill/>
+          <a:ln w="19050">
+            <a:solidFill>
+              <a:schemeClr val="tx1"/>
+            </a:solidFill>
+          </a:ln>
+        </p:spPr>
+        <p:style>
+          <a:lnRef idx="2">
+            <a:schemeClr val="accent1">
+              <a:shade val="50000"/>
+            </a:schemeClr>
+          </a:lnRef>
+          <a:fillRef idx="1">
+            <a:schemeClr val="accent1"/>
+          </a:fillRef>
+          <a:effectRef idx="0">
+            <a:schemeClr val="accent1"/>
+          </a:effectRef>
+          <a:fontRef idx="minor">
+            <a:schemeClr val="lt1"/>
+          </a:fontRef>
+        </p:style>
+        <p:txBody>
+          <a:bodyPr rtlCol="0" anchor="ctr"/>
+          <a:lstStyle/>
+          <a:p>
+            <a:pPr algn="ctr"/>
+            <a:r>
+              <a:rPr lang="de-DE" b="1" dirty="0">
+                <a:solidFill>
+                  <a:schemeClr val="tx1"/>
+                </a:solidFill>
+              </a:rPr>
+              <a:t>Chapter 2</a:t>
+            </a:r>
+          </a:p>
+          <a:p>
+            <a:pPr algn="ctr"/>
+            <a:r>
+              <a:rPr lang="de-DE" sz="1200" dirty="0" err="1">
+                <a:solidFill>
+                  <a:schemeClr val="tx1"/>
+                </a:solidFill>
+              </a:rPr>
+              <a:t>Mathematical</a:t>
+            </a:r>
+            <a:r>
+              <a:rPr lang="de-DE" sz="1200" dirty="0">
+                <a:solidFill>
+                  <a:schemeClr val="tx1"/>
+                </a:solidFill>
+              </a:rPr>
+              <a:t> Background</a:t>
+            </a:r>
+            <a:endParaRPr lang="de-DE" sz="1100" dirty="0">
+              <a:solidFill>
+                <a:schemeClr val="tx1"/>
+              </a:solidFill>
+            </a:endParaRPr>
+          </a:p>
+        </p:txBody>
+      </p:sp>
+      <p:cxnSp>
+        <p:nvCxnSpPr>
+          <p:cNvPr id="8" name="Gerade Verbindung mit Pfeil 7">
+            <a:extLst>
+              <a:ext uri="{FF2B5EF4-FFF2-40B4-BE49-F238E27FC236}">
+                <a16:creationId xmlns:a16="http://schemas.microsoft.com/office/drawing/2014/main" id="{B2544344-ED1E-4291-AE89-A9834B4AA6EB}"/>
+              </a:ext>
+            </a:extLst>
+          </p:cNvPr>
+          <p:cNvCxnSpPr>
+            <a:cxnSpLocks/>
+            <a:stCxn id="4" idx="2"/>
+            <a:endCxn id="6" idx="0"/>
+          </p:cNvCxnSpPr>
+          <p:nvPr/>
+        </p:nvCxnSpPr>
+        <p:spPr>
+          <a:xfrm>
+            <a:off x="6095999" y="1247779"/>
+            <a:ext cx="0" cy="470532"/>
+          </a:xfrm>
+          <a:prstGeom prst="straightConnector1">
+            <a:avLst/>
+          </a:prstGeom>
+          <a:ln w="19050">
+            <a:solidFill>
+              <a:schemeClr val="tx1"/>
+            </a:solidFill>
+            <a:tailEnd type="arrow"/>
+          </a:ln>
+        </p:spPr>
+        <p:style>
+          <a:lnRef idx="1">
+            <a:schemeClr val="accent1"/>
+          </a:lnRef>
+          <a:fillRef idx="0">
+            <a:schemeClr val="accent1"/>
+          </a:fillRef>
+          <a:effectRef idx="0">
+            <a:schemeClr val="accent1"/>
+          </a:effectRef>
+          <a:fontRef idx="minor">
+            <a:schemeClr val="tx1"/>
+          </a:fontRef>
+        </p:style>
+      </p:cxnSp>
+      <p:sp>
+        <p:nvSpPr>
+          <p:cNvPr id="10" name="Rechteck 9">
+            <a:extLst>
+              <a:ext uri="{FF2B5EF4-FFF2-40B4-BE49-F238E27FC236}">
+                <a16:creationId xmlns:a16="http://schemas.microsoft.com/office/drawing/2014/main" id="{F4D45E8E-D12F-4387-A9AD-C551B4977E73}"/>
+              </a:ext>
+            </a:extLst>
+          </p:cNvPr>
+          <p:cNvSpPr/>
+          <p:nvPr/>
+        </p:nvSpPr>
+        <p:spPr>
+          <a:xfrm>
+            <a:off x="4937760" y="2771775"/>
+            <a:ext cx="2316480" cy="582932"/>
+          </a:xfrm>
+          <a:prstGeom prst="rect">
+            <a:avLst/>
+          </a:prstGeom>
+          <a:noFill/>
+          <a:ln w="19050">
+            <a:solidFill>
+              <a:schemeClr val="tx1"/>
+            </a:solidFill>
+          </a:ln>
+        </p:spPr>
+        <p:style>
+          <a:lnRef idx="2">
+            <a:schemeClr val="accent1">
+              <a:shade val="50000"/>
+            </a:schemeClr>
+          </a:lnRef>
+          <a:fillRef idx="1">
+            <a:schemeClr val="accent1"/>
+          </a:fillRef>
+          <a:effectRef idx="0">
+            <a:schemeClr val="accent1"/>
+          </a:effectRef>
+          <a:fontRef idx="minor">
+            <a:schemeClr val="lt1"/>
+          </a:fontRef>
+        </p:style>
+        <p:txBody>
+          <a:bodyPr rtlCol="0" anchor="ctr"/>
+          <a:lstStyle/>
+          <a:p>
+            <a:pPr algn="ctr"/>
+            <a:r>
+              <a:rPr lang="de-DE" b="1" dirty="0">
+                <a:solidFill>
+                  <a:schemeClr val="tx1"/>
+                </a:solidFill>
+              </a:rPr>
+              <a:t>Chapter 3</a:t>
+            </a:r>
+          </a:p>
+          <a:p>
+            <a:pPr algn="ctr"/>
+            <a:r>
+              <a:rPr lang="de-DE" sz="1200" dirty="0">
+                <a:solidFill>
+                  <a:schemeClr val="tx1"/>
+                </a:solidFill>
+              </a:rPr>
+              <a:t>Contact </a:t>
+            </a:r>
+            <a:r>
+              <a:rPr lang="de-DE" sz="1200" dirty="0" err="1">
+                <a:solidFill>
+                  <a:schemeClr val="tx1"/>
+                </a:solidFill>
+              </a:rPr>
+              <a:t>Stability</a:t>
+            </a:r>
+            <a:r>
+              <a:rPr lang="de-DE" sz="1200" dirty="0">
+                <a:solidFill>
+                  <a:schemeClr val="tx1"/>
+                </a:solidFill>
+              </a:rPr>
+              <a:t> </a:t>
+            </a:r>
+            <a:r>
+              <a:rPr lang="de-DE" sz="1200" dirty="0" err="1">
+                <a:solidFill>
+                  <a:schemeClr val="tx1"/>
+                </a:solidFill>
+              </a:rPr>
+              <a:t>Constrained</a:t>
+            </a:r>
+            <a:r>
+              <a:rPr lang="de-DE" sz="1200" dirty="0">
+                <a:solidFill>
+                  <a:schemeClr val="tx1"/>
+                </a:solidFill>
+              </a:rPr>
+              <a:t> DDP</a:t>
+            </a:r>
+            <a:endParaRPr lang="de-DE" sz="1100" dirty="0">
+              <a:solidFill>
+                <a:schemeClr val="tx1"/>
+              </a:solidFill>
+            </a:endParaRPr>
+          </a:p>
+        </p:txBody>
+      </p:sp>
+      <p:sp>
+        <p:nvSpPr>
+          <p:cNvPr id="14" name="Rechteck 13">
+            <a:extLst>
+              <a:ext uri="{FF2B5EF4-FFF2-40B4-BE49-F238E27FC236}">
+                <a16:creationId xmlns:a16="http://schemas.microsoft.com/office/drawing/2014/main" id="{714D6279-F38F-41F8-B2D6-D9BC240666C0}"/>
+              </a:ext>
+            </a:extLst>
+          </p:cNvPr>
+          <p:cNvSpPr/>
+          <p:nvPr/>
+        </p:nvSpPr>
+        <p:spPr>
+          <a:xfrm>
+            <a:off x="3947160" y="3825239"/>
+            <a:ext cx="1981199" cy="582932"/>
+          </a:xfrm>
+          <a:prstGeom prst="rect">
+            <a:avLst/>
+          </a:prstGeom>
+          <a:noFill/>
+          <a:ln w="19050">
+            <a:solidFill>
+              <a:schemeClr val="tx1"/>
+            </a:solidFill>
+          </a:ln>
+        </p:spPr>
+        <p:style>
+          <a:lnRef idx="2">
+            <a:schemeClr val="accent1">
+              <a:shade val="50000"/>
+            </a:schemeClr>
+          </a:lnRef>
+          <a:fillRef idx="1">
+            <a:schemeClr val="accent1"/>
+          </a:fillRef>
+          <a:effectRef idx="0">
+            <a:schemeClr val="accent1"/>
+          </a:effectRef>
+          <a:fontRef idx="minor">
+            <a:schemeClr val="lt1"/>
+          </a:fontRef>
+        </p:style>
+        <p:txBody>
+          <a:bodyPr rtlCol="0" anchor="ctr"/>
+          <a:lstStyle/>
+          <a:p>
+            <a:pPr algn="ctr"/>
+            <a:r>
+              <a:rPr lang="de-DE" b="1" dirty="0">
+                <a:solidFill>
+                  <a:schemeClr val="tx1"/>
+                </a:solidFill>
+              </a:rPr>
+              <a:t>Chapter 4</a:t>
+            </a:r>
+          </a:p>
+          <a:p>
+            <a:pPr algn="ctr"/>
+            <a:r>
+              <a:rPr lang="de-DE" sz="1200" dirty="0" err="1">
+                <a:solidFill>
+                  <a:schemeClr val="tx1"/>
+                </a:solidFill>
+              </a:rPr>
+              <a:t>Bipedal</a:t>
+            </a:r>
+            <a:r>
+              <a:rPr lang="de-DE" sz="1200" dirty="0">
+                <a:solidFill>
+                  <a:schemeClr val="tx1"/>
+                </a:solidFill>
+              </a:rPr>
+              <a:t> Walking </a:t>
+            </a:r>
+            <a:r>
+              <a:rPr lang="de-DE" sz="1200" dirty="0" err="1">
+                <a:solidFill>
+                  <a:schemeClr val="tx1"/>
+                </a:solidFill>
+              </a:rPr>
+              <a:t>Variants</a:t>
+            </a:r>
+            <a:endParaRPr lang="de-DE" sz="1100" dirty="0">
+              <a:solidFill>
+                <a:schemeClr val="tx1"/>
+              </a:solidFill>
+            </a:endParaRPr>
+          </a:p>
+        </p:txBody>
+      </p:sp>
+      <p:sp>
+        <p:nvSpPr>
+          <p:cNvPr id="16" name="Rechteck 15">
+            <a:extLst>
+              <a:ext uri="{FF2B5EF4-FFF2-40B4-BE49-F238E27FC236}">
+                <a16:creationId xmlns:a16="http://schemas.microsoft.com/office/drawing/2014/main" id="{34C686A2-03E1-406C-B2F9-7D890DC28CC8}"/>
+              </a:ext>
+            </a:extLst>
+          </p:cNvPr>
+          <p:cNvSpPr/>
+          <p:nvPr/>
+        </p:nvSpPr>
+        <p:spPr>
+          <a:xfrm>
+            <a:off x="6263640" y="3825239"/>
+            <a:ext cx="1981199" cy="582932"/>
+          </a:xfrm>
+          <a:prstGeom prst="rect">
+            <a:avLst/>
+          </a:prstGeom>
+          <a:noFill/>
+          <a:ln w="19050">
+            <a:solidFill>
+              <a:schemeClr val="tx1"/>
+            </a:solidFill>
+          </a:ln>
+        </p:spPr>
+        <p:style>
+          <a:lnRef idx="2">
+            <a:schemeClr val="accent1">
+              <a:shade val="50000"/>
+            </a:schemeClr>
+          </a:lnRef>
+          <a:fillRef idx="1">
+            <a:schemeClr val="accent1"/>
+          </a:fillRef>
+          <a:effectRef idx="0">
+            <a:schemeClr val="accent1"/>
+          </a:effectRef>
+          <a:fontRef idx="minor">
+            <a:schemeClr val="lt1"/>
+          </a:fontRef>
+        </p:style>
+        <p:txBody>
+          <a:bodyPr rtlCol="0" anchor="ctr"/>
+          <a:lstStyle/>
+          <a:p>
+            <a:pPr algn="ctr"/>
+            <a:r>
+              <a:rPr lang="de-DE" b="1" dirty="0">
+                <a:solidFill>
+                  <a:schemeClr val="tx1"/>
+                </a:solidFill>
+              </a:rPr>
+              <a:t>Chapter 5</a:t>
+            </a:r>
+          </a:p>
+          <a:p>
+            <a:pPr algn="ctr"/>
+            <a:r>
+              <a:rPr lang="de-DE" sz="1200" dirty="0" err="1">
+                <a:solidFill>
+                  <a:schemeClr val="tx1"/>
+                </a:solidFill>
+              </a:rPr>
+              <a:t>Highly</a:t>
+            </a:r>
+            <a:r>
+              <a:rPr lang="de-DE" sz="1200" dirty="0">
+                <a:solidFill>
+                  <a:schemeClr val="tx1"/>
+                </a:solidFill>
+              </a:rPr>
+              <a:t>-Dynamic </a:t>
+            </a:r>
+            <a:r>
+              <a:rPr lang="de-DE" sz="1200" dirty="0" err="1">
+                <a:solidFill>
+                  <a:schemeClr val="tx1"/>
+                </a:solidFill>
+              </a:rPr>
+              <a:t>Movements</a:t>
+            </a:r>
+            <a:endParaRPr lang="de-DE" sz="1100" dirty="0">
+              <a:solidFill>
+                <a:schemeClr val="tx1"/>
+              </a:solidFill>
+            </a:endParaRPr>
+          </a:p>
+        </p:txBody>
+      </p:sp>
+      <p:sp>
+        <p:nvSpPr>
+          <p:cNvPr id="18" name="Rechteck 17">
+            <a:extLst>
+              <a:ext uri="{FF2B5EF4-FFF2-40B4-BE49-F238E27FC236}">
+                <a16:creationId xmlns:a16="http://schemas.microsoft.com/office/drawing/2014/main" id="{9B5664D5-C88B-4A49-B931-1902D6656029}"/>
+              </a:ext>
+            </a:extLst>
+          </p:cNvPr>
+          <p:cNvSpPr/>
+          <p:nvPr/>
+        </p:nvSpPr>
+        <p:spPr>
+          <a:xfrm>
+            <a:off x="4647246" y="4878703"/>
+            <a:ext cx="2897505" cy="582932"/>
+          </a:xfrm>
+          <a:prstGeom prst="rect">
+            <a:avLst/>
+          </a:prstGeom>
+          <a:noFill/>
+          <a:ln w="19050">
+            <a:solidFill>
+              <a:schemeClr val="tx1"/>
+            </a:solidFill>
+          </a:ln>
+        </p:spPr>
+        <p:style>
+          <a:lnRef idx="2">
+            <a:schemeClr val="accent1">
+              <a:shade val="50000"/>
+            </a:schemeClr>
+          </a:lnRef>
+          <a:fillRef idx="1">
+            <a:schemeClr val="accent1"/>
+          </a:fillRef>
+          <a:effectRef idx="0">
+            <a:schemeClr val="accent1"/>
+          </a:effectRef>
+          <a:fontRef idx="minor">
+            <a:schemeClr val="lt1"/>
+          </a:fontRef>
+        </p:style>
+        <p:txBody>
+          <a:bodyPr rtlCol="0" anchor="ctr"/>
+          <a:lstStyle/>
+          <a:p>
+            <a:pPr algn="ctr"/>
+            <a:r>
+              <a:rPr lang="de-DE" b="1" dirty="0">
+                <a:solidFill>
+                  <a:schemeClr val="tx1"/>
+                </a:solidFill>
+              </a:rPr>
+              <a:t>Chapter 6</a:t>
+            </a:r>
+          </a:p>
+          <a:p>
+            <a:pPr algn="ctr"/>
+            <a:r>
+              <a:rPr lang="de-DE" sz="1200" dirty="0">
+                <a:solidFill>
+                  <a:schemeClr val="tx1"/>
+                </a:solidFill>
+              </a:rPr>
+              <a:t>Online </a:t>
+            </a:r>
+            <a:r>
+              <a:rPr lang="de-DE" sz="1200" dirty="0" err="1">
+                <a:solidFill>
+                  <a:schemeClr val="tx1"/>
+                </a:solidFill>
+              </a:rPr>
+              <a:t>Stabilization</a:t>
+            </a:r>
+            <a:r>
+              <a:rPr lang="de-DE" sz="1200" dirty="0">
+                <a:solidFill>
+                  <a:schemeClr val="tx1"/>
+                </a:solidFill>
+              </a:rPr>
+              <a:t> </a:t>
+            </a:r>
+            <a:r>
+              <a:rPr lang="de-DE" sz="1200" dirty="0" err="1">
+                <a:solidFill>
+                  <a:schemeClr val="tx1"/>
+                </a:solidFill>
+              </a:rPr>
+              <a:t>of</a:t>
+            </a:r>
+            <a:r>
+              <a:rPr lang="de-DE" sz="1200" dirty="0">
+                <a:solidFill>
+                  <a:schemeClr val="tx1"/>
+                </a:solidFill>
+              </a:rPr>
+              <a:t> the </a:t>
+            </a:r>
+            <a:r>
+              <a:rPr lang="de-DE" sz="1200" dirty="0" err="1">
+                <a:solidFill>
+                  <a:schemeClr val="tx1"/>
+                </a:solidFill>
+              </a:rPr>
+              <a:t>Planned</a:t>
+            </a:r>
+            <a:r>
+              <a:rPr lang="de-DE" sz="1200" dirty="0">
+                <a:solidFill>
+                  <a:schemeClr val="tx1"/>
+                </a:solidFill>
+              </a:rPr>
+              <a:t> </a:t>
+            </a:r>
+            <a:r>
+              <a:rPr lang="de-DE" sz="1200" dirty="0" err="1">
+                <a:solidFill>
+                  <a:schemeClr val="tx1"/>
+                </a:solidFill>
+              </a:rPr>
+              <a:t>Motions</a:t>
+            </a:r>
+            <a:endParaRPr lang="de-DE" sz="1100" dirty="0">
+              <a:solidFill>
+                <a:schemeClr val="tx1"/>
+              </a:solidFill>
+            </a:endParaRPr>
+          </a:p>
+        </p:txBody>
+      </p:sp>
+      <p:cxnSp>
+        <p:nvCxnSpPr>
+          <p:cNvPr id="24" name="Gerade Verbindung mit Pfeil 23">
+            <a:extLst>
+              <a:ext uri="{FF2B5EF4-FFF2-40B4-BE49-F238E27FC236}">
+                <a16:creationId xmlns:a16="http://schemas.microsoft.com/office/drawing/2014/main" id="{9D0F6451-1784-45C3-8DC4-7015B41D92BF}"/>
+              </a:ext>
+            </a:extLst>
+          </p:cNvPr>
+          <p:cNvCxnSpPr>
+            <a:cxnSpLocks/>
+            <a:stCxn id="6" idx="2"/>
+            <a:endCxn id="10" idx="0"/>
+          </p:cNvCxnSpPr>
+          <p:nvPr/>
+        </p:nvCxnSpPr>
+        <p:spPr>
+          <a:xfrm>
+            <a:off x="6095999" y="2301243"/>
+            <a:ext cx="1" cy="470532"/>
+          </a:xfrm>
+          <a:prstGeom prst="straightConnector1">
+            <a:avLst/>
+          </a:prstGeom>
+          <a:ln w="19050">
+            <a:solidFill>
+              <a:schemeClr val="tx1"/>
+            </a:solidFill>
+            <a:tailEnd type="arrow"/>
+          </a:ln>
+        </p:spPr>
+        <p:style>
+          <a:lnRef idx="1">
+            <a:schemeClr val="accent1"/>
+          </a:lnRef>
+          <a:fillRef idx="0">
+            <a:schemeClr val="accent1"/>
+          </a:fillRef>
+          <a:effectRef idx="0">
+            <a:schemeClr val="accent1"/>
+          </a:effectRef>
+          <a:fontRef idx="minor">
+            <a:schemeClr val="tx1"/>
+          </a:fontRef>
+        </p:style>
+      </p:cxnSp>
+      <p:cxnSp>
+        <p:nvCxnSpPr>
+          <p:cNvPr id="28" name="Gerade Verbindung mit Pfeil 27">
+            <a:extLst>
+              <a:ext uri="{FF2B5EF4-FFF2-40B4-BE49-F238E27FC236}">
+                <a16:creationId xmlns:a16="http://schemas.microsoft.com/office/drawing/2014/main" id="{206FD2DB-E182-401C-88C8-DDD72A14BA5E}"/>
+              </a:ext>
+            </a:extLst>
+          </p:cNvPr>
+          <p:cNvCxnSpPr>
+            <a:cxnSpLocks/>
+            <a:stCxn id="18" idx="2"/>
+            <a:endCxn id="104" idx="0"/>
+          </p:cNvCxnSpPr>
+          <p:nvPr/>
+        </p:nvCxnSpPr>
+        <p:spPr>
+          <a:xfrm>
+            <a:off x="6095999" y="5461635"/>
+            <a:ext cx="1" cy="470532"/>
+          </a:xfrm>
+          <a:prstGeom prst="straightConnector1">
+            <a:avLst/>
+          </a:prstGeom>
+          <a:ln w="19050">
+            <a:solidFill>
+              <a:schemeClr val="tx1"/>
+            </a:solidFill>
+            <a:tailEnd type="arrow"/>
+          </a:ln>
+        </p:spPr>
+        <p:style>
+          <a:lnRef idx="1">
+            <a:schemeClr val="accent1"/>
+          </a:lnRef>
+          <a:fillRef idx="0">
+            <a:schemeClr val="accent1"/>
+          </a:fillRef>
+          <a:effectRef idx="0">
+            <a:schemeClr val="accent1"/>
+          </a:effectRef>
+          <a:fontRef idx="minor">
+            <a:schemeClr val="tx1"/>
+          </a:fontRef>
+        </p:style>
+      </p:cxnSp>
+      <p:cxnSp>
+        <p:nvCxnSpPr>
+          <p:cNvPr id="30" name="Gerade Verbindung mit Pfeil 29">
+            <a:extLst>
+              <a:ext uri="{FF2B5EF4-FFF2-40B4-BE49-F238E27FC236}">
+                <a16:creationId xmlns:a16="http://schemas.microsoft.com/office/drawing/2014/main" id="{B0D025E9-17F7-4334-ACE8-632D2456FC1E}"/>
+              </a:ext>
+            </a:extLst>
+          </p:cNvPr>
+          <p:cNvCxnSpPr>
+            <a:cxnSpLocks/>
+            <a:stCxn id="16" idx="2"/>
+            <a:endCxn id="18" idx="0"/>
+          </p:cNvCxnSpPr>
+          <p:nvPr/>
+        </p:nvCxnSpPr>
+        <p:spPr>
+          <a:xfrm flipH="1">
+            <a:off x="6095999" y="4408171"/>
+            <a:ext cx="1158241" cy="470532"/>
+          </a:xfrm>
+          <a:prstGeom prst="straightConnector1">
+            <a:avLst/>
+          </a:prstGeom>
+          <a:ln w="19050">
+            <a:solidFill>
+              <a:schemeClr val="tx1"/>
+            </a:solidFill>
+            <a:tailEnd type="arrow"/>
+          </a:ln>
+        </p:spPr>
+        <p:style>
+          <a:lnRef idx="1">
+            <a:schemeClr val="accent1"/>
+          </a:lnRef>
+          <a:fillRef idx="0">
+            <a:schemeClr val="accent1"/>
+          </a:fillRef>
+          <a:effectRef idx="0">
+            <a:schemeClr val="accent1"/>
+          </a:effectRef>
+          <a:fontRef idx="minor">
+            <a:schemeClr val="tx1"/>
+          </a:fontRef>
+        </p:style>
+      </p:cxnSp>
+      <p:cxnSp>
+        <p:nvCxnSpPr>
+          <p:cNvPr id="32" name="Gerade Verbindung mit Pfeil 31">
+            <a:extLst>
+              <a:ext uri="{FF2B5EF4-FFF2-40B4-BE49-F238E27FC236}">
+                <a16:creationId xmlns:a16="http://schemas.microsoft.com/office/drawing/2014/main" id="{53DC722D-1F83-46B6-B0C6-ACDD09B298A8}"/>
+              </a:ext>
+            </a:extLst>
+          </p:cNvPr>
+          <p:cNvCxnSpPr>
+            <a:cxnSpLocks/>
+            <a:stCxn id="14" idx="2"/>
+            <a:endCxn id="18" idx="0"/>
+          </p:cNvCxnSpPr>
+          <p:nvPr/>
+        </p:nvCxnSpPr>
+        <p:spPr>
+          <a:xfrm>
+            <a:off x="4937760" y="4408171"/>
+            <a:ext cx="1158239" cy="470532"/>
+          </a:xfrm>
+          <a:prstGeom prst="straightConnector1">
+            <a:avLst/>
+          </a:prstGeom>
+          <a:ln w="19050">
+            <a:solidFill>
+              <a:schemeClr val="tx1"/>
+            </a:solidFill>
+            <a:tailEnd type="arrow"/>
+          </a:ln>
+        </p:spPr>
+        <p:style>
+          <a:lnRef idx="1">
+            <a:schemeClr val="accent1"/>
+          </a:lnRef>
+          <a:fillRef idx="0">
+            <a:schemeClr val="accent1"/>
+          </a:fillRef>
+          <a:effectRef idx="0">
+            <a:schemeClr val="accent1"/>
+          </a:effectRef>
+          <a:fontRef idx="minor">
+            <a:schemeClr val="tx1"/>
+          </a:fontRef>
+        </p:style>
+      </p:cxnSp>
+      <p:cxnSp>
+        <p:nvCxnSpPr>
+          <p:cNvPr id="34" name="Gerade Verbindung mit Pfeil 33">
+            <a:extLst>
+              <a:ext uri="{FF2B5EF4-FFF2-40B4-BE49-F238E27FC236}">
+                <a16:creationId xmlns:a16="http://schemas.microsoft.com/office/drawing/2014/main" id="{C15B0359-4BC0-448C-84AD-6408F3ACDC0F}"/>
+              </a:ext>
+            </a:extLst>
+          </p:cNvPr>
+          <p:cNvCxnSpPr>
+            <a:cxnSpLocks/>
+            <a:stCxn id="10" idx="2"/>
+            <a:endCxn id="16" idx="0"/>
+          </p:cNvCxnSpPr>
+          <p:nvPr/>
+        </p:nvCxnSpPr>
+        <p:spPr>
+          <a:xfrm>
+            <a:off x="6096000" y="3354707"/>
+            <a:ext cx="1158240" cy="470532"/>
+          </a:xfrm>
+          <a:prstGeom prst="straightConnector1">
+            <a:avLst/>
+          </a:prstGeom>
+          <a:ln w="19050">
+            <a:solidFill>
+              <a:schemeClr val="tx1"/>
+            </a:solidFill>
+            <a:tailEnd type="arrow"/>
+          </a:ln>
+        </p:spPr>
+        <p:style>
+          <a:lnRef idx="1">
+            <a:schemeClr val="accent1"/>
+          </a:lnRef>
+          <a:fillRef idx="0">
+            <a:schemeClr val="accent1"/>
+          </a:fillRef>
+          <a:effectRef idx="0">
+            <a:schemeClr val="accent1"/>
+          </a:effectRef>
+          <a:fontRef idx="minor">
+            <a:schemeClr val="tx1"/>
+          </a:fontRef>
+        </p:style>
+      </p:cxnSp>
+      <p:cxnSp>
+        <p:nvCxnSpPr>
+          <p:cNvPr id="36" name="Gerade Verbindung mit Pfeil 35">
+            <a:extLst>
+              <a:ext uri="{FF2B5EF4-FFF2-40B4-BE49-F238E27FC236}">
+                <a16:creationId xmlns:a16="http://schemas.microsoft.com/office/drawing/2014/main" id="{25783B4C-7760-48B4-9BDC-6DFC8423E726}"/>
+              </a:ext>
+            </a:extLst>
+          </p:cNvPr>
+          <p:cNvCxnSpPr>
+            <a:cxnSpLocks/>
+            <a:stCxn id="10" idx="2"/>
+            <a:endCxn id="14" idx="0"/>
+          </p:cNvCxnSpPr>
+          <p:nvPr/>
+        </p:nvCxnSpPr>
+        <p:spPr>
+          <a:xfrm flipH="1">
+            <a:off x="4937760" y="3354707"/>
+            <a:ext cx="1158240" cy="470532"/>
+          </a:xfrm>
+          <a:prstGeom prst="straightConnector1">
+            <a:avLst/>
+          </a:prstGeom>
+          <a:ln w="19050">
+            <a:solidFill>
+              <a:schemeClr val="tx1"/>
+            </a:solidFill>
+            <a:tailEnd type="arrow"/>
+          </a:ln>
+        </p:spPr>
+        <p:style>
+          <a:lnRef idx="1">
+            <a:schemeClr val="accent1"/>
+          </a:lnRef>
+          <a:fillRef idx="0">
+            <a:schemeClr val="accent1"/>
+          </a:fillRef>
+          <a:effectRef idx="0">
+            <a:schemeClr val="accent1"/>
+          </a:effectRef>
+          <a:fontRef idx="minor">
+            <a:schemeClr val="tx1"/>
+          </a:fontRef>
+        </p:style>
+      </p:cxnSp>
+      <p:sp>
+        <p:nvSpPr>
+          <p:cNvPr id="104" name="Rechteck 103">
+            <a:extLst>
+              <a:ext uri="{FF2B5EF4-FFF2-40B4-BE49-F238E27FC236}">
+                <a16:creationId xmlns:a16="http://schemas.microsoft.com/office/drawing/2014/main" id="{9A7C9294-10B6-4736-AD68-B36FCAF45476}"/>
+              </a:ext>
+            </a:extLst>
+          </p:cNvPr>
+          <p:cNvSpPr/>
+          <p:nvPr/>
+        </p:nvSpPr>
+        <p:spPr>
+          <a:xfrm>
+            <a:off x="5324475" y="5932167"/>
+            <a:ext cx="1543050" cy="434340"/>
+          </a:xfrm>
+          <a:prstGeom prst="rect">
+            <a:avLst/>
+          </a:prstGeom>
+          <a:noFill/>
+          <a:ln w="19050">
+            <a:solidFill>
+              <a:schemeClr val="tx1"/>
+            </a:solidFill>
+          </a:ln>
+        </p:spPr>
+        <p:style>
+          <a:lnRef idx="2">
+            <a:schemeClr val="accent1">
+              <a:shade val="50000"/>
+            </a:schemeClr>
+          </a:lnRef>
+          <a:fillRef idx="1">
+            <a:schemeClr val="accent1"/>
+          </a:fillRef>
+          <a:effectRef idx="0">
+            <a:schemeClr val="accent1"/>
+          </a:effectRef>
+          <a:fontRef idx="minor">
+            <a:schemeClr val="lt1"/>
+          </a:fontRef>
+        </p:style>
+        <p:txBody>
+          <a:bodyPr rtlCol="0" anchor="ctr"/>
+          <a:lstStyle/>
+          <a:p>
+            <a:pPr algn="ctr"/>
+            <a:r>
+              <a:rPr lang="de-DE" b="1" dirty="0" err="1">
+                <a:solidFill>
+                  <a:schemeClr val="tx1"/>
+                </a:solidFill>
+              </a:rPr>
+              <a:t>Conclusion</a:t>
+            </a:r>
+            <a:endParaRPr lang="de-DE" b="1" dirty="0">
+              <a:solidFill>
+                <a:schemeClr val="tx1"/>
+              </a:solidFill>
+            </a:endParaRPr>
+          </a:p>
+        </p:txBody>
+      </p:sp>
+    </p:spTree>
+    <p:extLst>
+      <p:ext uri="{BB962C8B-B14F-4D97-AF65-F5344CB8AC3E}">
+        <p14:creationId xmlns:p14="http://schemas.microsoft.com/office/powerpoint/2010/main" val="1418973290"/>
+      </p:ext>
+    </p:extLst>
+  </p:cSld>
+  <p:clrMapOvr>
+    <a:masterClrMapping/>
+  </p:clrMapOvr>
+</p:sld>
+</file>
+
+<file path=ppt/slides/slide7.xml><?xml version="1.0" encoding="utf-8"?>
+<p:sld xmlns:a="http://schemas.openxmlformats.org/drawingml/2006/main" xmlns:r="http://schemas.openxmlformats.org/officeDocument/2006/relationships" xmlns:p="http://schemas.openxmlformats.org/presentationml/2006/main">
+  <p:cSld>
+    <p:spTree>
+      <p:nvGrpSpPr>
+        <p:cNvPr id="1" name=""/>
+        <p:cNvGrpSpPr/>
+        <p:nvPr/>
+      </p:nvGrpSpPr>
+      <p:grpSpPr>
+        <a:xfrm>
+          <a:off x="0" y="0"/>
+          <a:ext cx="0" cy="0"/>
+          <a:chOff x="0" y="0"/>
+          <a:chExt cx="0" cy="0"/>
+        </a:xfrm>
+      </p:grpSpPr>
+      <p:sp>
+        <p:nvSpPr>
+          <p:cNvPr id="4" name="Rechteck 3">
+            <a:extLst>
+              <a:ext uri="{FF2B5EF4-FFF2-40B4-BE49-F238E27FC236}">
+                <a16:creationId xmlns:a16="http://schemas.microsoft.com/office/drawing/2014/main" id="{4D880AAB-7C26-4466-A794-626D7C86C1ED}"/>
+              </a:ext>
+            </a:extLst>
+          </p:cNvPr>
+          <p:cNvSpPr/>
+          <p:nvPr/>
+        </p:nvSpPr>
+        <p:spPr>
+          <a:xfrm>
+            <a:off x="5324474" y="992505"/>
+            <a:ext cx="1543050" cy="434340"/>
+          </a:xfrm>
+          <a:prstGeom prst="rect">
+            <a:avLst/>
+          </a:prstGeom>
+          <a:noFill/>
+          <a:ln w="19050">
+            <a:solidFill>
+              <a:schemeClr val="tx1"/>
+            </a:solidFill>
+          </a:ln>
+        </p:spPr>
+        <p:style>
+          <a:lnRef idx="2">
+            <a:schemeClr val="accent1">
+              <a:shade val="50000"/>
+            </a:schemeClr>
+          </a:lnRef>
+          <a:fillRef idx="1">
+            <a:schemeClr val="accent1"/>
+          </a:fillRef>
+          <a:effectRef idx="0">
+            <a:schemeClr val="accent1"/>
+          </a:effectRef>
+          <a:fontRef idx="minor">
+            <a:schemeClr val="lt1"/>
+          </a:fontRef>
+        </p:style>
+        <p:txBody>
+          <a:bodyPr rtlCol="0" anchor="ctr"/>
+          <a:lstStyle/>
+          <a:p>
+            <a:pPr algn="ctr"/>
+            <a:r>
+              <a:rPr lang="de-DE" sz="1400" b="1" dirty="0">
+                <a:solidFill>
+                  <a:schemeClr val="tx1"/>
+                </a:solidFill>
+              </a:rPr>
+              <a:t>1 Introduction</a:t>
+            </a:r>
+          </a:p>
+        </p:txBody>
+      </p:sp>
+      <p:sp>
+        <p:nvSpPr>
+          <p:cNvPr id="6" name="Rechteck 5">
+            <a:extLst>
+              <a:ext uri="{FF2B5EF4-FFF2-40B4-BE49-F238E27FC236}">
+                <a16:creationId xmlns:a16="http://schemas.microsoft.com/office/drawing/2014/main" id="{3D63AD59-56F6-4669-8701-84D285A1810A}"/>
+              </a:ext>
+            </a:extLst>
+          </p:cNvPr>
+          <p:cNvSpPr/>
+          <p:nvPr/>
+        </p:nvSpPr>
+        <p:spPr>
+          <a:xfrm>
+            <a:off x="5207315" y="1840228"/>
+            <a:ext cx="1777366" cy="582932"/>
+          </a:xfrm>
+          <a:prstGeom prst="rect">
+            <a:avLst/>
+          </a:prstGeom>
+          <a:noFill/>
+          <a:ln w="19050">
+            <a:solidFill>
+              <a:schemeClr val="tx1"/>
+            </a:solidFill>
+          </a:ln>
+        </p:spPr>
+        <p:style>
+          <a:lnRef idx="2">
+            <a:schemeClr val="accent1">
+              <a:shade val="50000"/>
+            </a:schemeClr>
+          </a:lnRef>
+          <a:fillRef idx="1">
+            <a:schemeClr val="accent1"/>
+          </a:fillRef>
+          <a:effectRef idx="0">
+            <a:schemeClr val="accent1"/>
+          </a:effectRef>
+          <a:fontRef idx="minor">
+            <a:schemeClr val="lt1"/>
+          </a:fontRef>
+        </p:style>
+        <p:txBody>
+          <a:bodyPr rtlCol="0" anchor="ctr"/>
+          <a:lstStyle/>
+          <a:p>
+            <a:pPr algn="ctr"/>
+            <a:r>
+              <a:rPr lang="de-DE" sz="1400" b="1" dirty="0">
+                <a:solidFill>
+                  <a:schemeClr val="tx1"/>
+                </a:solidFill>
+              </a:rPr>
+              <a:t>2 </a:t>
+            </a:r>
+            <a:r>
+              <a:rPr lang="de-DE" sz="1400" b="1" dirty="0" err="1">
+                <a:solidFill>
+                  <a:schemeClr val="tx1"/>
+                </a:solidFill>
+              </a:rPr>
+              <a:t>Mathematical</a:t>
+            </a:r>
+            <a:r>
+              <a:rPr lang="de-DE" sz="1400" b="1" dirty="0">
+                <a:solidFill>
+                  <a:schemeClr val="tx1"/>
+                </a:solidFill>
+              </a:rPr>
+              <a:t> Background</a:t>
+            </a:r>
+          </a:p>
+        </p:txBody>
+      </p:sp>
+      <p:cxnSp>
+        <p:nvCxnSpPr>
+          <p:cNvPr id="8" name="Gerade Verbindung mit Pfeil 7">
+            <a:extLst>
+              <a:ext uri="{FF2B5EF4-FFF2-40B4-BE49-F238E27FC236}">
+                <a16:creationId xmlns:a16="http://schemas.microsoft.com/office/drawing/2014/main" id="{B2544344-ED1E-4291-AE89-A9834B4AA6EB}"/>
+              </a:ext>
+            </a:extLst>
+          </p:cNvPr>
+          <p:cNvCxnSpPr>
+            <a:cxnSpLocks/>
+            <a:stCxn id="4" idx="2"/>
+            <a:endCxn id="6" idx="0"/>
+          </p:cNvCxnSpPr>
+          <p:nvPr/>
+        </p:nvCxnSpPr>
+        <p:spPr>
+          <a:xfrm flipH="1">
+            <a:off x="6095998" y="1426845"/>
+            <a:ext cx="1" cy="413383"/>
+          </a:xfrm>
+          <a:prstGeom prst="straightConnector1">
+            <a:avLst/>
+          </a:prstGeom>
+          <a:ln w="19050">
+            <a:solidFill>
+              <a:schemeClr val="tx1"/>
+            </a:solidFill>
+            <a:tailEnd type="arrow"/>
+          </a:ln>
+        </p:spPr>
+        <p:style>
+          <a:lnRef idx="1">
+            <a:schemeClr val="accent1"/>
+          </a:lnRef>
+          <a:fillRef idx="0">
+            <a:schemeClr val="accent1"/>
+          </a:fillRef>
+          <a:effectRef idx="0">
+            <a:schemeClr val="accent1"/>
+          </a:effectRef>
+          <a:fontRef idx="minor">
+            <a:schemeClr val="tx1"/>
+          </a:fontRef>
+        </p:style>
+      </p:cxnSp>
+      <p:sp>
+        <p:nvSpPr>
+          <p:cNvPr id="10" name="Rechteck 9">
+            <a:extLst>
+              <a:ext uri="{FF2B5EF4-FFF2-40B4-BE49-F238E27FC236}">
+                <a16:creationId xmlns:a16="http://schemas.microsoft.com/office/drawing/2014/main" id="{F4D45E8E-D12F-4387-A9AD-C551B4977E73}"/>
+              </a:ext>
+            </a:extLst>
+          </p:cNvPr>
+          <p:cNvSpPr/>
+          <p:nvPr/>
+        </p:nvSpPr>
+        <p:spPr>
+          <a:xfrm>
+            <a:off x="5207317" y="2836543"/>
+            <a:ext cx="1777365" cy="582932"/>
+          </a:xfrm>
+          <a:prstGeom prst="rect">
+            <a:avLst/>
+          </a:prstGeom>
+          <a:noFill/>
+          <a:ln w="19050">
+            <a:solidFill>
+              <a:schemeClr val="tx1"/>
+            </a:solidFill>
+          </a:ln>
+        </p:spPr>
+        <p:style>
+          <a:lnRef idx="2">
+            <a:schemeClr val="accent1">
+              <a:shade val="50000"/>
+            </a:schemeClr>
+          </a:lnRef>
+          <a:fillRef idx="1">
+            <a:schemeClr val="accent1"/>
+          </a:fillRef>
+          <a:effectRef idx="0">
+            <a:schemeClr val="accent1"/>
+          </a:effectRef>
+          <a:fontRef idx="minor">
+            <a:schemeClr val="lt1"/>
+          </a:fontRef>
+        </p:style>
+        <p:txBody>
+          <a:bodyPr rtlCol="0" anchor="ctr"/>
+          <a:lstStyle/>
+          <a:p>
+            <a:pPr algn="ctr"/>
+            <a:r>
+              <a:rPr lang="de-DE" sz="1400" b="1" dirty="0">
+                <a:solidFill>
+                  <a:schemeClr val="tx1"/>
+                </a:solidFill>
+              </a:rPr>
+              <a:t>3 Contact </a:t>
+            </a:r>
+            <a:r>
+              <a:rPr lang="de-DE" sz="1400" b="1" dirty="0" err="1">
+                <a:solidFill>
+                  <a:schemeClr val="tx1"/>
+                </a:solidFill>
+              </a:rPr>
+              <a:t>Stability</a:t>
+            </a:r>
+            <a:r>
+              <a:rPr lang="de-DE" sz="1400" b="1" dirty="0">
+                <a:solidFill>
+                  <a:schemeClr val="tx1"/>
+                </a:solidFill>
+              </a:rPr>
+              <a:t> </a:t>
+            </a:r>
+            <a:r>
+              <a:rPr lang="de-DE" sz="1400" b="1" dirty="0" err="1">
+                <a:solidFill>
+                  <a:schemeClr val="tx1"/>
+                </a:solidFill>
+              </a:rPr>
+              <a:t>Constrained</a:t>
+            </a:r>
+            <a:r>
+              <a:rPr lang="de-DE" sz="1400" b="1" dirty="0">
+                <a:solidFill>
+                  <a:schemeClr val="tx1"/>
+                </a:solidFill>
+              </a:rPr>
+              <a:t> DDP</a:t>
+            </a:r>
+            <a:endParaRPr lang="de-DE" sz="1400" dirty="0">
+              <a:solidFill>
+                <a:schemeClr val="tx1"/>
+              </a:solidFill>
+            </a:endParaRPr>
+          </a:p>
+        </p:txBody>
+      </p:sp>
+      <p:sp>
+        <p:nvSpPr>
+          <p:cNvPr id="14" name="Rechteck 13">
+            <a:extLst>
+              <a:ext uri="{FF2B5EF4-FFF2-40B4-BE49-F238E27FC236}">
+                <a16:creationId xmlns:a16="http://schemas.microsoft.com/office/drawing/2014/main" id="{714D6279-F38F-41F8-B2D6-D9BC240666C0}"/>
+              </a:ext>
+            </a:extLst>
+          </p:cNvPr>
+          <p:cNvSpPr/>
+          <p:nvPr/>
+        </p:nvSpPr>
+        <p:spPr>
+          <a:xfrm>
+            <a:off x="3947160" y="3829047"/>
+            <a:ext cx="1777365" cy="582932"/>
+          </a:xfrm>
+          <a:prstGeom prst="rect">
+            <a:avLst/>
+          </a:prstGeom>
+          <a:noFill/>
+          <a:ln w="19050">
+            <a:solidFill>
+              <a:schemeClr val="tx1"/>
+            </a:solidFill>
+          </a:ln>
+        </p:spPr>
+        <p:style>
+          <a:lnRef idx="2">
+            <a:schemeClr val="accent1">
+              <a:shade val="50000"/>
+            </a:schemeClr>
+          </a:lnRef>
+          <a:fillRef idx="1">
+            <a:schemeClr val="accent1"/>
+          </a:fillRef>
+          <a:effectRef idx="0">
+            <a:schemeClr val="accent1"/>
+          </a:effectRef>
+          <a:fontRef idx="minor">
+            <a:schemeClr val="lt1"/>
+          </a:fontRef>
+        </p:style>
+        <p:txBody>
+          <a:bodyPr rtlCol="0" anchor="ctr"/>
+          <a:lstStyle/>
+          <a:p>
+            <a:pPr algn="ctr"/>
+            <a:r>
+              <a:rPr lang="de-DE" sz="1400" b="1" dirty="0">
+                <a:solidFill>
+                  <a:schemeClr val="tx1"/>
+                </a:solidFill>
+              </a:rPr>
+              <a:t>4 </a:t>
+            </a:r>
+            <a:r>
+              <a:rPr lang="de-DE" sz="1400" b="1" dirty="0" err="1">
+                <a:solidFill>
+                  <a:schemeClr val="tx1"/>
+                </a:solidFill>
+              </a:rPr>
+              <a:t>Bipedal</a:t>
+            </a:r>
+            <a:r>
+              <a:rPr lang="de-DE" sz="1400" b="1" dirty="0">
+                <a:solidFill>
+                  <a:schemeClr val="tx1"/>
+                </a:solidFill>
+              </a:rPr>
+              <a:t> Walking </a:t>
+            </a:r>
+            <a:r>
+              <a:rPr lang="de-DE" sz="1400" b="1" dirty="0" err="1">
+                <a:solidFill>
+                  <a:schemeClr val="tx1"/>
+                </a:solidFill>
+              </a:rPr>
+              <a:t>Variants</a:t>
+            </a:r>
+            <a:endParaRPr lang="de-DE" sz="1400" dirty="0">
+              <a:solidFill>
+                <a:schemeClr val="tx1"/>
+              </a:solidFill>
+            </a:endParaRPr>
+          </a:p>
+        </p:txBody>
+      </p:sp>
+      <p:sp>
+        <p:nvSpPr>
+          <p:cNvPr id="16" name="Rechteck 15">
+            <a:extLst>
+              <a:ext uri="{FF2B5EF4-FFF2-40B4-BE49-F238E27FC236}">
+                <a16:creationId xmlns:a16="http://schemas.microsoft.com/office/drawing/2014/main" id="{34C686A2-03E1-406C-B2F9-7D890DC28CC8}"/>
+              </a:ext>
+            </a:extLst>
+          </p:cNvPr>
+          <p:cNvSpPr/>
+          <p:nvPr/>
+        </p:nvSpPr>
+        <p:spPr>
+          <a:xfrm>
+            <a:off x="6467476" y="3832858"/>
+            <a:ext cx="1777366" cy="582932"/>
+          </a:xfrm>
+          <a:prstGeom prst="rect">
+            <a:avLst/>
+          </a:prstGeom>
+          <a:noFill/>
+          <a:ln w="19050">
+            <a:solidFill>
+              <a:schemeClr val="tx1"/>
+            </a:solidFill>
+          </a:ln>
+        </p:spPr>
+        <p:style>
+          <a:lnRef idx="2">
+            <a:schemeClr val="accent1">
+              <a:shade val="50000"/>
+            </a:schemeClr>
+          </a:lnRef>
+          <a:fillRef idx="1">
+            <a:schemeClr val="accent1"/>
+          </a:fillRef>
+          <a:effectRef idx="0">
+            <a:schemeClr val="accent1"/>
+          </a:effectRef>
+          <a:fontRef idx="minor">
+            <a:schemeClr val="lt1"/>
+          </a:fontRef>
+        </p:style>
+        <p:txBody>
+          <a:bodyPr rtlCol="0" anchor="ctr"/>
+          <a:lstStyle/>
+          <a:p>
+            <a:pPr algn="ctr"/>
+            <a:r>
+              <a:rPr lang="de-DE" sz="1400" b="1" dirty="0">
+                <a:solidFill>
+                  <a:schemeClr val="tx1"/>
+                </a:solidFill>
+              </a:rPr>
+              <a:t>5 </a:t>
+            </a:r>
+            <a:r>
+              <a:rPr lang="de-DE" sz="1400" b="1" dirty="0" err="1">
+                <a:solidFill>
+                  <a:schemeClr val="tx1"/>
+                </a:solidFill>
+              </a:rPr>
+              <a:t>Highly</a:t>
+            </a:r>
+            <a:r>
+              <a:rPr lang="de-DE" sz="1400" b="1" dirty="0">
+                <a:solidFill>
+                  <a:schemeClr val="tx1"/>
+                </a:solidFill>
+              </a:rPr>
+              <a:t> Dynamic </a:t>
+            </a:r>
+            <a:r>
+              <a:rPr lang="de-DE" sz="1400" b="1" dirty="0" err="1">
+                <a:solidFill>
+                  <a:schemeClr val="tx1"/>
+                </a:solidFill>
+              </a:rPr>
+              <a:t>Movements</a:t>
+            </a:r>
+            <a:endParaRPr lang="de-DE" sz="1400" dirty="0">
+              <a:solidFill>
+                <a:schemeClr val="tx1"/>
+              </a:solidFill>
+            </a:endParaRPr>
+          </a:p>
+        </p:txBody>
+      </p:sp>
+      <p:sp>
+        <p:nvSpPr>
+          <p:cNvPr id="18" name="Rechteck 17">
+            <a:extLst>
+              <a:ext uri="{FF2B5EF4-FFF2-40B4-BE49-F238E27FC236}">
+                <a16:creationId xmlns:a16="http://schemas.microsoft.com/office/drawing/2014/main" id="{9B5664D5-C88B-4A49-B931-1902D6656029}"/>
+              </a:ext>
+            </a:extLst>
+          </p:cNvPr>
+          <p:cNvSpPr/>
+          <p:nvPr/>
+        </p:nvSpPr>
+        <p:spPr>
+          <a:xfrm>
+            <a:off x="4927282" y="4829173"/>
+            <a:ext cx="2337435" cy="582932"/>
+          </a:xfrm>
+          <a:prstGeom prst="rect">
+            <a:avLst/>
+          </a:prstGeom>
+          <a:noFill/>
+          <a:ln w="19050">
+            <a:solidFill>
+              <a:schemeClr val="tx1"/>
+            </a:solidFill>
+          </a:ln>
+        </p:spPr>
+        <p:style>
+          <a:lnRef idx="2">
+            <a:schemeClr val="accent1">
+              <a:shade val="50000"/>
+            </a:schemeClr>
+          </a:lnRef>
+          <a:fillRef idx="1">
+            <a:schemeClr val="accent1"/>
+          </a:fillRef>
+          <a:effectRef idx="0">
+            <a:schemeClr val="accent1"/>
+          </a:effectRef>
+          <a:fontRef idx="minor">
+            <a:schemeClr val="lt1"/>
+          </a:fontRef>
+        </p:style>
+        <p:txBody>
+          <a:bodyPr rtlCol="0" anchor="ctr"/>
+          <a:lstStyle/>
+          <a:p>
+            <a:pPr algn="ctr"/>
+            <a:r>
+              <a:rPr lang="de-DE" sz="1400" b="1" dirty="0">
+                <a:solidFill>
+                  <a:schemeClr val="tx1"/>
+                </a:solidFill>
+              </a:rPr>
+              <a:t>6 Online </a:t>
+            </a:r>
+            <a:r>
+              <a:rPr lang="de-DE" sz="1400" b="1" dirty="0" err="1">
+                <a:solidFill>
+                  <a:schemeClr val="tx1"/>
+                </a:solidFill>
+              </a:rPr>
+              <a:t>Stabilization</a:t>
+            </a:r>
+            <a:r>
+              <a:rPr lang="de-DE" sz="1400" b="1" dirty="0">
+                <a:solidFill>
+                  <a:schemeClr val="tx1"/>
+                </a:solidFill>
+              </a:rPr>
+              <a:t> </a:t>
+            </a:r>
+            <a:r>
+              <a:rPr lang="de-DE" sz="1400" b="1" dirty="0" err="1">
+                <a:solidFill>
+                  <a:schemeClr val="tx1"/>
+                </a:solidFill>
+              </a:rPr>
+              <a:t>of</a:t>
+            </a:r>
+            <a:r>
+              <a:rPr lang="de-DE" sz="1400" b="1" dirty="0">
+                <a:solidFill>
+                  <a:schemeClr val="tx1"/>
+                </a:solidFill>
+              </a:rPr>
+              <a:t> the </a:t>
+            </a:r>
+            <a:r>
+              <a:rPr lang="de-DE" sz="1400" b="1" dirty="0" err="1">
+                <a:solidFill>
+                  <a:schemeClr val="tx1"/>
+                </a:solidFill>
+              </a:rPr>
+              <a:t>Planned</a:t>
+            </a:r>
+            <a:r>
+              <a:rPr lang="de-DE" sz="1400" b="1" dirty="0">
+                <a:solidFill>
+                  <a:schemeClr val="tx1"/>
+                </a:solidFill>
+              </a:rPr>
+              <a:t> </a:t>
+            </a:r>
+            <a:r>
+              <a:rPr lang="de-DE" sz="1400" b="1" dirty="0" err="1">
+                <a:solidFill>
+                  <a:schemeClr val="tx1"/>
+                </a:solidFill>
+              </a:rPr>
+              <a:t>Motions</a:t>
+            </a:r>
+            <a:endParaRPr lang="de-DE" sz="1400" dirty="0">
+              <a:solidFill>
+                <a:schemeClr val="tx1"/>
+              </a:solidFill>
+            </a:endParaRPr>
+          </a:p>
+        </p:txBody>
+      </p:sp>
+      <p:cxnSp>
+        <p:nvCxnSpPr>
+          <p:cNvPr id="24" name="Gerade Verbindung mit Pfeil 23">
+            <a:extLst>
+              <a:ext uri="{FF2B5EF4-FFF2-40B4-BE49-F238E27FC236}">
+                <a16:creationId xmlns:a16="http://schemas.microsoft.com/office/drawing/2014/main" id="{9D0F6451-1784-45C3-8DC4-7015B41D92BF}"/>
+              </a:ext>
+            </a:extLst>
+          </p:cNvPr>
+          <p:cNvCxnSpPr>
+            <a:cxnSpLocks/>
+            <a:stCxn id="6" idx="2"/>
+            <a:endCxn id="10" idx="0"/>
+          </p:cNvCxnSpPr>
+          <p:nvPr/>
+        </p:nvCxnSpPr>
+        <p:spPr>
+          <a:xfrm>
+            <a:off x="6095998" y="2423160"/>
+            <a:ext cx="2" cy="413383"/>
+          </a:xfrm>
+          <a:prstGeom prst="straightConnector1">
+            <a:avLst/>
+          </a:prstGeom>
+          <a:ln w="19050">
+            <a:solidFill>
+              <a:schemeClr val="tx1"/>
+            </a:solidFill>
+            <a:tailEnd type="arrow"/>
+          </a:ln>
+        </p:spPr>
+        <p:style>
+          <a:lnRef idx="1">
+            <a:schemeClr val="accent1"/>
+          </a:lnRef>
+          <a:fillRef idx="0">
+            <a:schemeClr val="accent1"/>
+          </a:fillRef>
+          <a:effectRef idx="0">
+            <a:schemeClr val="accent1"/>
+          </a:effectRef>
+          <a:fontRef idx="minor">
+            <a:schemeClr val="tx1"/>
+          </a:fontRef>
+        </p:style>
+      </p:cxnSp>
+      <p:cxnSp>
+        <p:nvCxnSpPr>
+          <p:cNvPr id="28" name="Gerade Verbindung mit Pfeil 27">
+            <a:extLst>
+              <a:ext uri="{FF2B5EF4-FFF2-40B4-BE49-F238E27FC236}">
+                <a16:creationId xmlns:a16="http://schemas.microsoft.com/office/drawing/2014/main" id="{206FD2DB-E182-401C-88C8-DDD72A14BA5E}"/>
+              </a:ext>
+            </a:extLst>
+          </p:cNvPr>
+          <p:cNvCxnSpPr>
+            <a:cxnSpLocks/>
+            <a:stCxn id="18" idx="2"/>
+            <a:endCxn id="104" idx="0"/>
+          </p:cNvCxnSpPr>
+          <p:nvPr/>
+        </p:nvCxnSpPr>
+        <p:spPr>
+          <a:xfrm>
+            <a:off x="6096000" y="5412105"/>
+            <a:ext cx="0" cy="413382"/>
+          </a:xfrm>
+          <a:prstGeom prst="straightConnector1">
+            <a:avLst/>
+          </a:prstGeom>
+          <a:ln w="19050">
+            <a:solidFill>
+              <a:schemeClr val="tx1"/>
+            </a:solidFill>
+            <a:tailEnd type="arrow"/>
+          </a:ln>
+        </p:spPr>
+        <p:style>
+          <a:lnRef idx="1">
+            <a:schemeClr val="accent1"/>
+          </a:lnRef>
+          <a:fillRef idx="0">
+            <a:schemeClr val="accent1"/>
+          </a:fillRef>
+          <a:effectRef idx="0">
+            <a:schemeClr val="accent1"/>
+          </a:effectRef>
+          <a:fontRef idx="minor">
+            <a:schemeClr val="tx1"/>
+          </a:fontRef>
+        </p:style>
+      </p:cxnSp>
+      <p:cxnSp>
+        <p:nvCxnSpPr>
+          <p:cNvPr id="30" name="Gerade Verbindung mit Pfeil 29">
+            <a:extLst>
+              <a:ext uri="{FF2B5EF4-FFF2-40B4-BE49-F238E27FC236}">
+                <a16:creationId xmlns:a16="http://schemas.microsoft.com/office/drawing/2014/main" id="{B0D025E9-17F7-4334-ACE8-632D2456FC1E}"/>
+              </a:ext>
+            </a:extLst>
+          </p:cNvPr>
+          <p:cNvCxnSpPr>
+            <a:cxnSpLocks/>
+            <a:stCxn id="16" idx="2"/>
+            <a:endCxn id="18" idx="0"/>
+          </p:cNvCxnSpPr>
+          <p:nvPr/>
+        </p:nvCxnSpPr>
+        <p:spPr>
+          <a:xfrm flipH="1">
+            <a:off x="6096000" y="4415790"/>
+            <a:ext cx="1260159" cy="413383"/>
+          </a:xfrm>
+          <a:prstGeom prst="straightConnector1">
+            <a:avLst/>
+          </a:prstGeom>
+          <a:ln w="19050">
+            <a:solidFill>
+              <a:schemeClr val="tx1"/>
+            </a:solidFill>
+            <a:tailEnd type="arrow"/>
+          </a:ln>
+        </p:spPr>
+        <p:style>
+          <a:lnRef idx="1">
+            <a:schemeClr val="accent1"/>
+          </a:lnRef>
+          <a:fillRef idx="0">
+            <a:schemeClr val="accent1"/>
+          </a:fillRef>
+          <a:effectRef idx="0">
+            <a:schemeClr val="accent1"/>
+          </a:effectRef>
+          <a:fontRef idx="minor">
+            <a:schemeClr val="tx1"/>
+          </a:fontRef>
+        </p:style>
+      </p:cxnSp>
+      <p:cxnSp>
+        <p:nvCxnSpPr>
+          <p:cNvPr id="32" name="Gerade Verbindung mit Pfeil 31">
+            <a:extLst>
+              <a:ext uri="{FF2B5EF4-FFF2-40B4-BE49-F238E27FC236}">
+                <a16:creationId xmlns:a16="http://schemas.microsoft.com/office/drawing/2014/main" id="{53DC722D-1F83-46B6-B0C6-ACDD09B298A8}"/>
+              </a:ext>
+            </a:extLst>
+          </p:cNvPr>
+          <p:cNvCxnSpPr>
+            <a:cxnSpLocks/>
+            <a:stCxn id="14" idx="2"/>
+            <a:endCxn id="18" idx="0"/>
+          </p:cNvCxnSpPr>
+          <p:nvPr/>
+        </p:nvCxnSpPr>
+        <p:spPr>
+          <a:xfrm>
+            <a:off x="4835843" y="4411979"/>
+            <a:ext cx="1260157" cy="417194"/>
+          </a:xfrm>
+          <a:prstGeom prst="straightConnector1">
+            <a:avLst/>
+          </a:prstGeom>
+          <a:ln w="19050">
+            <a:solidFill>
+              <a:schemeClr val="tx1"/>
+            </a:solidFill>
+            <a:tailEnd type="arrow"/>
+          </a:ln>
+        </p:spPr>
+        <p:style>
+          <a:lnRef idx="1">
+            <a:schemeClr val="accent1"/>
+          </a:lnRef>
+          <a:fillRef idx="0">
+            <a:schemeClr val="accent1"/>
+          </a:fillRef>
+          <a:effectRef idx="0">
+            <a:schemeClr val="accent1"/>
+          </a:effectRef>
+          <a:fontRef idx="minor">
+            <a:schemeClr val="tx1"/>
+          </a:fontRef>
+        </p:style>
+      </p:cxnSp>
+      <p:cxnSp>
+        <p:nvCxnSpPr>
+          <p:cNvPr id="34" name="Gerade Verbindung mit Pfeil 33">
+            <a:extLst>
+              <a:ext uri="{FF2B5EF4-FFF2-40B4-BE49-F238E27FC236}">
+                <a16:creationId xmlns:a16="http://schemas.microsoft.com/office/drawing/2014/main" id="{C15B0359-4BC0-448C-84AD-6408F3ACDC0F}"/>
+              </a:ext>
+            </a:extLst>
+          </p:cNvPr>
+          <p:cNvCxnSpPr>
+            <a:cxnSpLocks/>
+            <a:stCxn id="10" idx="2"/>
+            <a:endCxn id="16" idx="0"/>
+          </p:cNvCxnSpPr>
+          <p:nvPr/>
+        </p:nvCxnSpPr>
+        <p:spPr>
+          <a:xfrm>
+            <a:off x="6096000" y="3419475"/>
+            <a:ext cx="1260159" cy="413383"/>
+          </a:xfrm>
+          <a:prstGeom prst="straightConnector1">
+            <a:avLst/>
+          </a:prstGeom>
+          <a:ln w="19050">
+            <a:solidFill>
+              <a:schemeClr val="tx1"/>
+            </a:solidFill>
+            <a:tailEnd type="arrow"/>
+          </a:ln>
+        </p:spPr>
+        <p:style>
+          <a:lnRef idx="1">
+            <a:schemeClr val="accent1"/>
+          </a:lnRef>
+          <a:fillRef idx="0">
+            <a:schemeClr val="accent1"/>
+          </a:fillRef>
+          <a:effectRef idx="0">
+            <a:schemeClr val="accent1"/>
+          </a:effectRef>
+          <a:fontRef idx="minor">
+            <a:schemeClr val="tx1"/>
+          </a:fontRef>
+        </p:style>
+      </p:cxnSp>
+      <p:cxnSp>
+        <p:nvCxnSpPr>
+          <p:cNvPr id="36" name="Gerade Verbindung mit Pfeil 35">
+            <a:extLst>
+              <a:ext uri="{FF2B5EF4-FFF2-40B4-BE49-F238E27FC236}">
+                <a16:creationId xmlns:a16="http://schemas.microsoft.com/office/drawing/2014/main" id="{25783B4C-7760-48B4-9BDC-6DFC8423E726}"/>
+              </a:ext>
+            </a:extLst>
+          </p:cNvPr>
+          <p:cNvCxnSpPr>
+            <a:cxnSpLocks/>
+            <a:stCxn id="10" idx="2"/>
+            <a:endCxn id="14" idx="0"/>
+          </p:cNvCxnSpPr>
+          <p:nvPr/>
+        </p:nvCxnSpPr>
+        <p:spPr>
+          <a:xfrm flipH="1">
+            <a:off x="4835843" y="3419475"/>
+            <a:ext cx="1260157" cy="409572"/>
+          </a:xfrm>
+          <a:prstGeom prst="straightConnector1">
+            <a:avLst/>
+          </a:prstGeom>
+          <a:ln w="19050">
+            <a:solidFill>
+              <a:schemeClr val="tx1"/>
+            </a:solidFill>
+            <a:tailEnd type="arrow"/>
+          </a:ln>
+        </p:spPr>
+        <p:style>
+          <a:lnRef idx="1">
+            <a:schemeClr val="accent1"/>
+          </a:lnRef>
+          <a:fillRef idx="0">
+            <a:schemeClr val="accent1"/>
+          </a:fillRef>
+          <a:effectRef idx="0">
+            <a:schemeClr val="accent1"/>
+          </a:effectRef>
+          <a:fontRef idx="minor">
+            <a:schemeClr val="tx1"/>
+          </a:fontRef>
+        </p:style>
+      </p:cxnSp>
+      <p:sp>
+        <p:nvSpPr>
+          <p:cNvPr id="104" name="Rechteck 103">
+            <a:extLst>
+              <a:ext uri="{FF2B5EF4-FFF2-40B4-BE49-F238E27FC236}">
+                <a16:creationId xmlns:a16="http://schemas.microsoft.com/office/drawing/2014/main" id="{9A7C9294-10B6-4736-AD68-B36FCAF45476}"/>
+              </a:ext>
+            </a:extLst>
+          </p:cNvPr>
+          <p:cNvSpPr/>
+          <p:nvPr/>
+        </p:nvSpPr>
+        <p:spPr>
+          <a:xfrm>
+            <a:off x="5324475" y="5825487"/>
+            <a:ext cx="1543050" cy="434340"/>
+          </a:xfrm>
+          <a:prstGeom prst="rect">
+            <a:avLst/>
+          </a:prstGeom>
+          <a:noFill/>
+          <a:ln w="19050">
+            <a:solidFill>
+              <a:schemeClr val="tx1"/>
+            </a:solidFill>
+          </a:ln>
+        </p:spPr>
+        <p:style>
+          <a:lnRef idx="2">
+            <a:schemeClr val="accent1">
+              <a:shade val="50000"/>
+            </a:schemeClr>
+          </a:lnRef>
+          <a:fillRef idx="1">
+            <a:schemeClr val="accent1"/>
+          </a:fillRef>
+          <a:effectRef idx="0">
+            <a:schemeClr val="accent1"/>
+          </a:effectRef>
+          <a:fontRef idx="minor">
+            <a:schemeClr val="lt1"/>
+          </a:fontRef>
+        </p:style>
+        <p:txBody>
+          <a:bodyPr rtlCol="0" anchor="ctr"/>
+          <a:lstStyle/>
+          <a:p>
+            <a:pPr algn="ctr"/>
+            <a:r>
+              <a:rPr lang="de-DE" sz="1400" b="1" dirty="0">
+                <a:solidFill>
+                  <a:schemeClr val="tx1"/>
+                </a:solidFill>
+              </a:rPr>
+              <a:t>7 </a:t>
+            </a:r>
+            <a:r>
+              <a:rPr lang="de-DE" sz="1400" b="1" dirty="0" err="1">
+                <a:solidFill>
+                  <a:schemeClr val="tx1"/>
+                </a:solidFill>
+              </a:rPr>
+              <a:t>Conclusion</a:t>
+            </a:r>
+            <a:endParaRPr lang="de-DE" sz="1400" b="1" dirty="0">
+              <a:solidFill>
+                <a:schemeClr val="tx1"/>
+              </a:solidFill>
+            </a:endParaRPr>
+          </a:p>
+        </p:txBody>
+      </p:sp>
+    </p:spTree>
+    <p:extLst>
+      <p:ext uri="{BB962C8B-B14F-4D97-AF65-F5344CB8AC3E}">
+        <p14:creationId xmlns:p14="http://schemas.microsoft.com/office/powerpoint/2010/main" val="1175136530"/>
+      </p:ext>
+    </p:extLst>
+  </p:cSld>
+  <p:clrMapOvr>
+    <a:masterClrMapping/>
+  </p:clrMapOvr>
+</p:sld>
+</file>
+
+<file path=ppt/slides/slide8.xml><?xml version="1.0" encoding="utf-8"?>
+<p:sld xmlns:a="http://schemas.openxmlformats.org/drawingml/2006/main" xmlns:r="http://schemas.openxmlformats.org/officeDocument/2006/relationships" xmlns:p="http://schemas.openxmlformats.org/presentationml/2006/main">
+  <p:cSld>
+    <p:spTree>
+      <p:nvGrpSpPr>
+        <p:cNvPr id="1" name=""/>
+        <p:cNvGrpSpPr/>
+        <p:nvPr/>
+      </p:nvGrpSpPr>
+      <p:grpSpPr>
+        <a:xfrm>
+          <a:off x="0" y="0"/>
+          <a:ext cx="0" cy="0"/>
+          <a:chOff x="0" y="0"/>
+          <a:chExt cx="0" cy="0"/>
+        </a:xfrm>
+      </p:grpSpPr>
+      <p:sp>
+        <p:nvSpPr>
+          <p:cNvPr id="4" name="Rechteck 3">
+            <a:extLst>
+              <a:ext uri="{FF2B5EF4-FFF2-40B4-BE49-F238E27FC236}">
+                <a16:creationId xmlns:a16="http://schemas.microsoft.com/office/drawing/2014/main" id="{4D880AAB-7C26-4466-A794-626D7C86C1ED}"/>
+              </a:ext>
+            </a:extLst>
+          </p:cNvPr>
+          <p:cNvSpPr/>
+          <p:nvPr/>
+        </p:nvSpPr>
+        <p:spPr>
+          <a:xfrm>
+            <a:off x="3947162" y="1396865"/>
+            <a:ext cx="1883184" cy="582932"/>
+          </a:xfrm>
+          <a:prstGeom prst="rect">
+            <a:avLst/>
+          </a:prstGeom>
+          <a:solidFill>
+            <a:schemeClr val="bg1">
+              <a:lumMod val="85000"/>
+            </a:schemeClr>
+          </a:solidFill>
+          <a:ln w="19050">
+            <a:solidFill>
+              <a:schemeClr val="tx1"/>
+            </a:solidFill>
+          </a:ln>
+        </p:spPr>
+        <p:style>
+          <a:lnRef idx="2">
+            <a:schemeClr val="accent1">
+              <a:shade val="50000"/>
+            </a:schemeClr>
+          </a:lnRef>
+          <a:fillRef idx="1">
+            <a:schemeClr val="accent1"/>
+          </a:fillRef>
+          <a:effectRef idx="0">
+            <a:schemeClr val="accent1"/>
+          </a:effectRef>
+          <a:fontRef idx="minor">
+            <a:schemeClr val="lt1"/>
+          </a:fontRef>
+        </p:style>
+        <p:txBody>
+          <a:bodyPr rtlCol="0" anchor="ctr"/>
+          <a:lstStyle/>
+          <a:p>
+            <a:pPr algn="ctr"/>
+            <a:r>
+              <a:rPr lang="de-DE" b="1" dirty="0">
+                <a:solidFill>
+                  <a:schemeClr val="tx1"/>
+                </a:solidFill>
+              </a:rPr>
+              <a:t>1</a:t>
+            </a:r>
+            <a:r>
+              <a:rPr lang="de-DE" dirty="0">
+                <a:solidFill>
+                  <a:schemeClr val="tx1"/>
+                </a:solidFill>
+              </a:rPr>
+              <a:t> Introduction</a:t>
+            </a:r>
+          </a:p>
+        </p:txBody>
+      </p:sp>
+      <p:sp>
+        <p:nvSpPr>
+          <p:cNvPr id="6" name="Rechteck 5">
+            <a:extLst>
+              <a:ext uri="{FF2B5EF4-FFF2-40B4-BE49-F238E27FC236}">
+                <a16:creationId xmlns:a16="http://schemas.microsoft.com/office/drawing/2014/main" id="{3D63AD59-56F6-4669-8701-84D285A1810A}"/>
+              </a:ext>
+            </a:extLst>
+          </p:cNvPr>
+          <p:cNvSpPr/>
+          <p:nvPr/>
+        </p:nvSpPr>
+        <p:spPr>
+          <a:xfrm>
+            <a:off x="6357699" y="1395926"/>
+            <a:ext cx="1887140" cy="582932"/>
+          </a:xfrm>
+          <a:prstGeom prst="rect">
+            <a:avLst/>
+          </a:prstGeom>
+          <a:solidFill>
+            <a:schemeClr val="bg1">
+              <a:lumMod val="85000"/>
+            </a:schemeClr>
+          </a:solidFill>
+          <a:ln w="19050">
+            <a:solidFill>
+              <a:schemeClr val="tx1"/>
+            </a:solidFill>
+          </a:ln>
+        </p:spPr>
+        <p:style>
+          <a:lnRef idx="2">
+            <a:schemeClr val="accent1">
+              <a:shade val="50000"/>
+            </a:schemeClr>
+          </a:lnRef>
+          <a:fillRef idx="1">
+            <a:schemeClr val="accent1"/>
+          </a:fillRef>
+          <a:effectRef idx="0">
+            <a:schemeClr val="accent1"/>
+          </a:effectRef>
+          <a:fontRef idx="minor">
+            <a:schemeClr val="lt1"/>
+          </a:fontRef>
+        </p:style>
+        <p:txBody>
+          <a:bodyPr rtlCol="0" anchor="ctr"/>
+          <a:lstStyle/>
+          <a:p>
+            <a:pPr algn="ctr"/>
+            <a:r>
+              <a:rPr lang="de-DE" b="1" dirty="0">
+                <a:solidFill>
+                  <a:schemeClr val="tx1"/>
+                </a:solidFill>
+              </a:rPr>
+              <a:t>2</a:t>
+            </a:r>
+            <a:r>
+              <a:rPr lang="de-DE" dirty="0">
+                <a:solidFill>
+                  <a:schemeClr val="tx1"/>
+                </a:solidFill>
+              </a:rPr>
+              <a:t> Background</a:t>
+            </a:r>
+            <a:endParaRPr lang="de-DE" sz="1100" dirty="0">
+              <a:solidFill>
+                <a:schemeClr val="tx1"/>
+              </a:solidFill>
+            </a:endParaRPr>
+          </a:p>
+        </p:txBody>
+      </p:sp>
+      <p:cxnSp>
+        <p:nvCxnSpPr>
+          <p:cNvPr id="8" name="Gerade Verbindung mit Pfeil 7">
+            <a:extLst>
+              <a:ext uri="{FF2B5EF4-FFF2-40B4-BE49-F238E27FC236}">
+                <a16:creationId xmlns:a16="http://schemas.microsoft.com/office/drawing/2014/main" id="{B2544344-ED1E-4291-AE89-A9834B4AA6EB}"/>
+              </a:ext>
+            </a:extLst>
+          </p:cNvPr>
+          <p:cNvCxnSpPr>
+            <a:cxnSpLocks/>
+            <a:stCxn id="4" idx="3"/>
+            <a:endCxn id="6" idx="1"/>
+          </p:cNvCxnSpPr>
+          <p:nvPr/>
+        </p:nvCxnSpPr>
+        <p:spPr>
+          <a:xfrm flipV="1">
+            <a:off x="5830346" y="1687392"/>
+            <a:ext cx="527353" cy="939"/>
+          </a:xfrm>
+          <a:prstGeom prst="straightConnector1">
+            <a:avLst/>
+          </a:prstGeom>
+          <a:ln w="19050">
+            <a:solidFill>
+              <a:schemeClr val="tx1"/>
+            </a:solidFill>
+            <a:tailEnd type="arrow"/>
+          </a:ln>
+        </p:spPr>
+        <p:style>
+          <a:lnRef idx="1">
+            <a:schemeClr val="accent1"/>
+          </a:lnRef>
+          <a:fillRef idx="0">
+            <a:schemeClr val="accent1"/>
+          </a:fillRef>
+          <a:effectRef idx="0">
+            <a:schemeClr val="accent1"/>
+          </a:effectRef>
+          <a:fontRef idx="minor">
+            <a:schemeClr val="tx1"/>
+          </a:fontRef>
+        </p:style>
+      </p:cxnSp>
+      <p:sp>
+        <p:nvSpPr>
+          <p:cNvPr id="10" name="Rechteck 9">
+            <a:extLst>
+              <a:ext uri="{FF2B5EF4-FFF2-40B4-BE49-F238E27FC236}">
+                <a16:creationId xmlns:a16="http://schemas.microsoft.com/office/drawing/2014/main" id="{F4D45E8E-D12F-4387-A9AD-C551B4977E73}"/>
+              </a:ext>
+            </a:extLst>
+          </p:cNvPr>
+          <p:cNvSpPr/>
+          <p:nvPr/>
+        </p:nvSpPr>
+        <p:spPr>
+          <a:xfrm>
+            <a:off x="4937760" y="2477856"/>
+            <a:ext cx="2316480" cy="582932"/>
+          </a:xfrm>
+          <a:prstGeom prst="rect">
+            <a:avLst/>
+          </a:prstGeom>
+          <a:solidFill>
+            <a:schemeClr val="bg1">
+              <a:lumMod val="85000"/>
+            </a:schemeClr>
+          </a:solidFill>
+          <a:ln w="19050">
+            <a:solidFill>
+              <a:schemeClr val="tx1"/>
+            </a:solidFill>
+          </a:ln>
+        </p:spPr>
+        <p:style>
+          <a:lnRef idx="2">
+            <a:schemeClr val="accent1">
+              <a:shade val="50000"/>
+            </a:schemeClr>
+          </a:lnRef>
+          <a:fillRef idx="1">
+            <a:schemeClr val="accent1"/>
+          </a:fillRef>
+          <a:effectRef idx="0">
+            <a:schemeClr val="accent1"/>
+          </a:effectRef>
+          <a:fontRef idx="minor">
+            <a:schemeClr val="lt1"/>
+          </a:fontRef>
+        </p:style>
+        <p:txBody>
+          <a:bodyPr rtlCol="0" anchor="ctr"/>
+          <a:lstStyle/>
+          <a:p>
+            <a:pPr algn="ctr"/>
+            <a:r>
+              <a:rPr lang="de-DE" b="1" dirty="0">
+                <a:solidFill>
+                  <a:schemeClr val="tx1"/>
+                </a:solidFill>
+              </a:rPr>
+              <a:t>3</a:t>
+            </a:r>
+            <a:r>
+              <a:rPr lang="de-DE" dirty="0">
+                <a:solidFill>
+                  <a:schemeClr val="tx1"/>
+                </a:solidFill>
+              </a:rPr>
+              <a:t> Contact </a:t>
+            </a:r>
+            <a:r>
+              <a:rPr lang="de-DE" dirty="0" err="1">
+                <a:solidFill>
+                  <a:schemeClr val="tx1"/>
+                </a:solidFill>
+              </a:rPr>
+              <a:t>Stability</a:t>
+            </a:r>
+            <a:r>
+              <a:rPr lang="de-DE" dirty="0">
+                <a:solidFill>
+                  <a:schemeClr val="tx1"/>
+                </a:solidFill>
+              </a:rPr>
+              <a:t> </a:t>
+            </a:r>
+            <a:r>
+              <a:rPr lang="de-DE" dirty="0" err="1">
+                <a:solidFill>
+                  <a:schemeClr val="tx1"/>
+                </a:solidFill>
+              </a:rPr>
+              <a:t>Constrained</a:t>
+            </a:r>
+            <a:r>
+              <a:rPr lang="de-DE" dirty="0">
+                <a:solidFill>
+                  <a:schemeClr val="tx1"/>
+                </a:solidFill>
+              </a:rPr>
+              <a:t> DDP</a:t>
+            </a:r>
+            <a:endParaRPr lang="de-DE" sz="1100" dirty="0">
+              <a:solidFill>
+                <a:schemeClr val="tx1"/>
+              </a:solidFill>
+            </a:endParaRPr>
+          </a:p>
+        </p:txBody>
+      </p:sp>
+      <p:sp>
+        <p:nvSpPr>
+          <p:cNvPr id="14" name="Rechteck 13">
+            <a:extLst>
+              <a:ext uri="{FF2B5EF4-FFF2-40B4-BE49-F238E27FC236}">
+                <a16:creationId xmlns:a16="http://schemas.microsoft.com/office/drawing/2014/main" id="{714D6279-F38F-41F8-B2D6-D9BC240666C0}"/>
+              </a:ext>
+            </a:extLst>
+          </p:cNvPr>
+          <p:cNvSpPr/>
+          <p:nvPr/>
+        </p:nvSpPr>
+        <p:spPr>
+          <a:xfrm>
+            <a:off x="3947162" y="3545392"/>
+            <a:ext cx="1883186" cy="582932"/>
+          </a:xfrm>
+          <a:prstGeom prst="rect">
+            <a:avLst/>
+          </a:prstGeom>
+          <a:solidFill>
+            <a:schemeClr val="bg1">
+              <a:lumMod val="85000"/>
+            </a:schemeClr>
+          </a:solidFill>
+          <a:ln w="19050">
+            <a:solidFill>
+              <a:schemeClr val="tx1"/>
+            </a:solidFill>
+          </a:ln>
+        </p:spPr>
+        <p:style>
+          <a:lnRef idx="2">
+            <a:schemeClr val="accent1">
+              <a:shade val="50000"/>
+            </a:schemeClr>
+          </a:lnRef>
+          <a:fillRef idx="1">
+            <a:schemeClr val="accent1"/>
+          </a:fillRef>
+          <a:effectRef idx="0">
+            <a:schemeClr val="accent1"/>
+          </a:effectRef>
+          <a:fontRef idx="minor">
+            <a:schemeClr val="lt1"/>
+          </a:fontRef>
+        </p:style>
+        <p:txBody>
+          <a:bodyPr rtlCol="0" anchor="ctr"/>
+          <a:lstStyle/>
+          <a:p>
+            <a:pPr algn="ctr"/>
+            <a:r>
+              <a:rPr lang="de-DE" b="1" dirty="0">
+                <a:solidFill>
+                  <a:schemeClr val="tx1"/>
+                </a:solidFill>
+              </a:rPr>
+              <a:t>4</a:t>
+            </a:r>
+            <a:r>
+              <a:rPr lang="de-DE" dirty="0">
+                <a:solidFill>
+                  <a:schemeClr val="tx1"/>
+                </a:solidFill>
+              </a:rPr>
+              <a:t> </a:t>
+            </a:r>
+            <a:r>
+              <a:rPr lang="de-DE" dirty="0" err="1">
+                <a:solidFill>
+                  <a:schemeClr val="tx1"/>
+                </a:solidFill>
+              </a:rPr>
+              <a:t>Bipedal</a:t>
+            </a:r>
+            <a:r>
+              <a:rPr lang="de-DE" dirty="0">
+                <a:solidFill>
+                  <a:schemeClr val="tx1"/>
+                </a:solidFill>
+              </a:rPr>
+              <a:t> Walking </a:t>
+            </a:r>
+            <a:r>
+              <a:rPr lang="de-DE" dirty="0" err="1">
+                <a:solidFill>
+                  <a:schemeClr val="tx1"/>
+                </a:solidFill>
+              </a:rPr>
+              <a:t>Variants</a:t>
+            </a:r>
+            <a:endParaRPr lang="de-DE" sz="1100" dirty="0">
+              <a:solidFill>
+                <a:schemeClr val="tx1"/>
+              </a:solidFill>
+            </a:endParaRPr>
+          </a:p>
+        </p:txBody>
+      </p:sp>
+      <p:sp>
+        <p:nvSpPr>
+          <p:cNvPr id="16" name="Rechteck 15">
+            <a:extLst>
+              <a:ext uri="{FF2B5EF4-FFF2-40B4-BE49-F238E27FC236}">
+                <a16:creationId xmlns:a16="http://schemas.microsoft.com/office/drawing/2014/main" id="{34C686A2-03E1-406C-B2F9-7D890DC28CC8}"/>
+              </a:ext>
+            </a:extLst>
+          </p:cNvPr>
+          <p:cNvSpPr/>
+          <p:nvPr/>
+        </p:nvSpPr>
+        <p:spPr>
+          <a:xfrm>
+            <a:off x="6357699" y="3545392"/>
+            <a:ext cx="1883183" cy="582932"/>
+          </a:xfrm>
+          <a:prstGeom prst="rect">
+            <a:avLst/>
+          </a:prstGeom>
+          <a:solidFill>
+            <a:schemeClr val="bg1">
+              <a:lumMod val="85000"/>
+            </a:schemeClr>
+          </a:solidFill>
+          <a:ln w="19050">
+            <a:solidFill>
+              <a:schemeClr val="tx1"/>
+            </a:solidFill>
+          </a:ln>
+        </p:spPr>
+        <p:style>
+          <a:lnRef idx="2">
+            <a:schemeClr val="accent1">
+              <a:shade val="50000"/>
+            </a:schemeClr>
+          </a:lnRef>
+          <a:fillRef idx="1">
+            <a:schemeClr val="accent1"/>
+          </a:fillRef>
+          <a:effectRef idx="0">
+            <a:schemeClr val="accent1"/>
+          </a:effectRef>
+          <a:fontRef idx="minor">
+            <a:schemeClr val="lt1"/>
+          </a:fontRef>
+        </p:style>
+        <p:txBody>
+          <a:bodyPr rtlCol="0" anchor="ctr"/>
+          <a:lstStyle/>
+          <a:p>
+            <a:pPr algn="ctr"/>
+            <a:r>
+              <a:rPr lang="de-DE" b="1" dirty="0">
+                <a:solidFill>
+                  <a:schemeClr val="tx1"/>
+                </a:solidFill>
+              </a:rPr>
+              <a:t>5</a:t>
+            </a:r>
+            <a:r>
+              <a:rPr lang="de-DE" dirty="0">
+                <a:solidFill>
+                  <a:schemeClr val="tx1"/>
+                </a:solidFill>
+              </a:rPr>
+              <a:t> </a:t>
+            </a:r>
+            <a:r>
+              <a:rPr lang="de-DE" dirty="0" err="1">
+                <a:solidFill>
+                  <a:schemeClr val="tx1"/>
+                </a:solidFill>
+              </a:rPr>
+              <a:t>Highly</a:t>
+            </a:r>
+            <a:r>
+              <a:rPr lang="de-DE" dirty="0">
+                <a:solidFill>
+                  <a:schemeClr val="tx1"/>
+                </a:solidFill>
+              </a:rPr>
+              <a:t> Dynamic </a:t>
+            </a:r>
+            <a:r>
+              <a:rPr lang="de-DE" dirty="0" err="1">
+                <a:solidFill>
+                  <a:schemeClr val="tx1"/>
+                </a:solidFill>
+              </a:rPr>
+              <a:t>Movements</a:t>
+            </a:r>
+            <a:endParaRPr lang="de-DE" sz="1100" dirty="0">
+              <a:solidFill>
+                <a:schemeClr val="tx1"/>
+              </a:solidFill>
+            </a:endParaRPr>
+          </a:p>
+        </p:txBody>
+      </p:sp>
+      <p:sp>
+        <p:nvSpPr>
+          <p:cNvPr id="18" name="Rechteck 17">
+            <a:extLst>
+              <a:ext uri="{FF2B5EF4-FFF2-40B4-BE49-F238E27FC236}">
+                <a16:creationId xmlns:a16="http://schemas.microsoft.com/office/drawing/2014/main" id="{9B5664D5-C88B-4A49-B931-1902D6656029}"/>
+              </a:ext>
+            </a:extLst>
+          </p:cNvPr>
+          <p:cNvSpPr/>
+          <p:nvPr/>
+        </p:nvSpPr>
+        <p:spPr>
+          <a:xfrm>
+            <a:off x="4647247" y="4616926"/>
+            <a:ext cx="2897505" cy="582932"/>
+          </a:xfrm>
+          <a:prstGeom prst="rect">
+            <a:avLst/>
+          </a:prstGeom>
+          <a:solidFill>
+            <a:schemeClr val="bg1">
+              <a:lumMod val="85000"/>
+            </a:schemeClr>
+          </a:solidFill>
+          <a:ln w="19050">
+            <a:solidFill>
+              <a:schemeClr val="tx1"/>
+            </a:solidFill>
+          </a:ln>
+        </p:spPr>
+        <p:style>
+          <a:lnRef idx="2">
+            <a:schemeClr val="accent1">
+              <a:shade val="50000"/>
+            </a:schemeClr>
+          </a:lnRef>
+          <a:fillRef idx="1">
+            <a:schemeClr val="accent1"/>
+          </a:fillRef>
+          <a:effectRef idx="0">
+            <a:schemeClr val="accent1"/>
+          </a:effectRef>
+          <a:fontRef idx="minor">
+            <a:schemeClr val="lt1"/>
+          </a:fontRef>
+        </p:style>
+        <p:txBody>
+          <a:bodyPr rtlCol="0" anchor="ctr"/>
+          <a:lstStyle/>
+          <a:p>
+            <a:pPr algn="ctr"/>
+            <a:r>
+              <a:rPr lang="de-DE" b="1" dirty="0">
+                <a:solidFill>
+                  <a:schemeClr val="tx1"/>
+                </a:solidFill>
+              </a:rPr>
+              <a:t>6</a:t>
+            </a:r>
+            <a:r>
+              <a:rPr lang="de-DE" dirty="0">
+                <a:solidFill>
+                  <a:schemeClr val="tx1"/>
+                </a:solidFill>
+              </a:rPr>
+              <a:t> Online </a:t>
+            </a:r>
+            <a:r>
+              <a:rPr lang="de-DE" dirty="0" err="1">
+                <a:solidFill>
+                  <a:schemeClr val="tx1"/>
+                </a:solidFill>
+              </a:rPr>
+              <a:t>Stabilization</a:t>
+            </a:r>
+            <a:r>
+              <a:rPr lang="de-DE" dirty="0">
+                <a:solidFill>
+                  <a:schemeClr val="tx1"/>
+                </a:solidFill>
+              </a:rPr>
+              <a:t> </a:t>
+            </a:r>
+            <a:r>
+              <a:rPr lang="de-DE" dirty="0" err="1">
+                <a:solidFill>
+                  <a:schemeClr val="tx1"/>
+                </a:solidFill>
+              </a:rPr>
+              <a:t>of</a:t>
+            </a:r>
+            <a:r>
+              <a:rPr lang="de-DE" dirty="0">
+                <a:solidFill>
+                  <a:schemeClr val="tx1"/>
+                </a:solidFill>
+              </a:rPr>
+              <a:t> the </a:t>
+            </a:r>
+            <a:r>
+              <a:rPr lang="de-DE" dirty="0" err="1">
+                <a:solidFill>
+                  <a:schemeClr val="tx1"/>
+                </a:solidFill>
+              </a:rPr>
+              <a:t>Planned</a:t>
+            </a:r>
+            <a:r>
+              <a:rPr lang="de-DE" dirty="0">
+                <a:solidFill>
+                  <a:schemeClr val="tx1"/>
+                </a:solidFill>
+              </a:rPr>
+              <a:t> </a:t>
+            </a:r>
+            <a:r>
+              <a:rPr lang="de-DE" dirty="0" err="1">
+                <a:solidFill>
+                  <a:schemeClr val="tx1"/>
+                </a:solidFill>
+              </a:rPr>
+              <a:t>Motions</a:t>
+            </a:r>
+            <a:endParaRPr lang="de-DE" sz="1100" dirty="0">
+              <a:solidFill>
+                <a:schemeClr val="tx1"/>
+              </a:solidFill>
+            </a:endParaRPr>
+          </a:p>
+        </p:txBody>
+      </p:sp>
+      <p:cxnSp>
+        <p:nvCxnSpPr>
+          <p:cNvPr id="24" name="Gerade Verbindung mit Pfeil 23">
+            <a:extLst>
+              <a:ext uri="{FF2B5EF4-FFF2-40B4-BE49-F238E27FC236}">
+                <a16:creationId xmlns:a16="http://schemas.microsoft.com/office/drawing/2014/main" id="{9D0F6451-1784-45C3-8DC4-7015B41D92BF}"/>
+              </a:ext>
+            </a:extLst>
+          </p:cNvPr>
+          <p:cNvCxnSpPr>
+            <a:cxnSpLocks/>
+          </p:cNvCxnSpPr>
+          <p:nvPr/>
+        </p:nvCxnSpPr>
+        <p:spPr>
+          <a:xfrm>
+            <a:off x="7369969" y="2100598"/>
+            <a:ext cx="0" cy="280035"/>
+          </a:xfrm>
+          <a:prstGeom prst="straightConnector1">
+            <a:avLst/>
+          </a:prstGeom>
+          <a:ln w="19050">
+            <a:solidFill>
+              <a:schemeClr val="tx1"/>
+            </a:solidFill>
+            <a:tailEnd type="arrow"/>
+          </a:ln>
+        </p:spPr>
+        <p:style>
+          <a:lnRef idx="1">
+            <a:schemeClr val="accent1"/>
+          </a:lnRef>
+          <a:fillRef idx="0">
+            <a:schemeClr val="accent1"/>
+          </a:fillRef>
+          <a:effectRef idx="0">
+            <a:schemeClr val="accent1"/>
+          </a:effectRef>
+          <a:fontRef idx="minor">
+            <a:schemeClr val="tx1"/>
+          </a:fontRef>
+        </p:style>
+      </p:cxnSp>
+      <p:cxnSp>
+        <p:nvCxnSpPr>
+          <p:cNvPr id="28" name="Gerade Verbindung mit Pfeil 27">
+            <a:extLst>
+              <a:ext uri="{FF2B5EF4-FFF2-40B4-BE49-F238E27FC236}">
+                <a16:creationId xmlns:a16="http://schemas.microsoft.com/office/drawing/2014/main" id="{206FD2DB-E182-401C-88C8-DDD72A14BA5E}"/>
+              </a:ext>
+            </a:extLst>
+          </p:cNvPr>
+          <p:cNvCxnSpPr>
+            <a:cxnSpLocks/>
+          </p:cNvCxnSpPr>
+          <p:nvPr/>
+        </p:nvCxnSpPr>
+        <p:spPr>
+          <a:xfrm>
+            <a:off x="6096000" y="5306538"/>
+            <a:ext cx="0" cy="266080"/>
+          </a:xfrm>
+          <a:prstGeom prst="straightConnector1">
+            <a:avLst/>
+          </a:prstGeom>
+          <a:ln w="19050">
+            <a:solidFill>
+              <a:schemeClr val="tx1"/>
+            </a:solidFill>
+            <a:tailEnd type="arrow"/>
+          </a:ln>
+        </p:spPr>
+        <p:style>
+          <a:lnRef idx="1">
+            <a:schemeClr val="accent1"/>
+          </a:lnRef>
+          <a:fillRef idx="0">
+            <a:schemeClr val="accent1"/>
+          </a:fillRef>
+          <a:effectRef idx="0">
+            <a:schemeClr val="accent1"/>
+          </a:effectRef>
+          <a:fontRef idx="minor">
+            <a:schemeClr val="tx1"/>
+          </a:fontRef>
+        </p:style>
+      </p:cxnSp>
+      <p:cxnSp>
+        <p:nvCxnSpPr>
+          <p:cNvPr id="30" name="Gerade Verbindung mit Pfeil 29">
+            <a:extLst>
+              <a:ext uri="{FF2B5EF4-FFF2-40B4-BE49-F238E27FC236}">
+                <a16:creationId xmlns:a16="http://schemas.microsoft.com/office/drawing/2014/main" id="{B0D025E9-17F7-4334-ACE8-632D2456FC1E}"/>
+              </a:ext>
+            </a:extLst>
+          </p:cNvPr>
+          <p:cNvCxnSpPr>
+            <a:cxnSpLocks/>
+          </p:cNvCxnSpPr>
+          <p:nvPr/>
+        </p:nvCxnSpPr>
+        <p:spPr>
+          <a:xfrm>
+            <a:off x="7369969" y="4235118"/>
+            <a:ext cx="0" cy="275129"/>
+          </a:xfrm>
+          <a:prstGeom prst="straightConnector1">
+            <a:avLst/>
+          </a:prstGeom>
+          <a:ln w="19050">
+            <a:solidFill>
+              <a:schemeClr val="tx1"/>
+            </a:solidFill>
+            <a:tailEnd type="arrow"/>
+          </a:ln>
+        </p:spPr>
+        <p:style>
+          <a:lnRef idx="1">
+            <a:schemeClr val="accent1"/>
+          </a:lnRef>
+          <a:fillRef idx="0">
+            <a:schemeClr val="accent1"/>
+          </a:fillRef>
+          <a:effectRef idx="0">
+            <a:schemeClr val="accent1"/>
+          </a:effectRef>
+          <a:fontRef idx="minor">
+            <a:schemeClr val="tx1"/>
+          </a:fontRef>
+        </p:style>
+      </p:cxnSp>
+      <p:cxnSp>
+        <p:nvCxnSpPr>
+          <p:cNvPr id="32" name="Gerade Verbindung mit Pfeil 31">
+            <a:extLst>
+              <a:ext uri="{FF2B5EF4-FFF2-40B4-BE49-F238E27FC236}">
+                <a16:creationId xmlns:a16="http://schemas.microsoft.com/office/drawing/2014/main" id="{53DC722D-1F83-46B6-B0C6-ACDD09B298A8}"/>
+              </a:ext>
+            </a:extLst>
+          </p:cNvPr>
+          <p:cNvCxnSpPr>
+            <a:cxnSpLocks/>
+          </p:cNvCxnSpPr>
+          <p:nvPr/>
+        </p:nvCxnSpPr>
+        <p:spPr>
+          <a:xfrm>
+            <a:off x="4798282" y="4244167"/>
+            <a:ext cx="0" cy="266080"/>
+          </a:xfrm>
+          <a:prstGeom prst="straightConnector1">
+            <a:avLst/>
+          </a:prstGeom>
+          <a:ln w="19050">
+            <a:solidFill>
+              <a:schemeClr val="tx1"/>
+            </a:solidFill>
+            <a:tailEnd type="arrow"/>
+          </a:ln>
+        </p:spPr>
+        <p:style>
+          <a:lnRef idx="1">
+            <a:schemeClr val="accent1"/>
+          </a:lnRef>
+          <a:fillRef idx="0">
+            <a:schemeClr val="accent1"/>
+          </a:fillRef>
+          <a:effectRef idx="0">
+            <a:schemeClr val="accent1"/>
+          </a:effectRef>
+          <a:fontRef idx="minor">
+            <a:schemeClr val="tx1"/>
+          </a:fontRef>
+        </p:style>
+      </p:cxnSp>
+      <p:cxnSp>
+        <p:nvCxnSpPr>
+          <p:cNvPr id="34" name="Gerade Verbindung mit Pfeil 33">
+            <a:extLst>
+              <a:ext uri="{FF2B5EF4-FFF2-40B4-BE49-F238E27FC236}">
+                <a16:creationId xmlns:a16="http://schemas.microsoft.com/office/drawing/2014/main" id="{C15B0359-4BC0-448C-84AD-6408F3ACDC0F}"/>
+              </a:ext>
+            </a:extLst>
+          </p:cNvPr>
+          <p:cNvCxnSpPr>
+            <a:cxnSpLocks/>
+          </p:cNvCxnSpPr>
+          <p:nvPr/>
+        </p:nvCxnSpPr>
+        <p:spPr>
+          <a:xfrm>
+            <a:off x="7369969" y="3181543"/>
+            <a:ext cx="1" cy="257170"/>
+          </a:xfrm>
+          <a:prstGeom prst="straightConnector1">
+            <a:avLst/>
+          </a:prstGeom>
+          <a:ln w="19050">
+            <a:solidFill>
+              <a:schemeClr val="tx1"/>
+            </a:solidFill>
+            <a:tailEnd type="arrow"/>
+          </a:ln>
+        </p:spPr>
+        <p:style>
+          <a:lnRef idx="1">
+            <a:schemeClr val="accent1"/>
+          </a:lnRef>
+          <a:fillRef idx="0">
+            <a:schemeClr val="accent1"/>
+          </a:fillRef>
+          <a:effectRef idx="0">
+            <a:schemeClr val="accent1"/>
+          </a:effectRef>
+          <a:fontRef idx="minor">
+            <a:schemeClr val="tx1"/>
+          </a:fontRef>
+        </p:style>
+      </p:cxnSp>
+      <p:cxnSp>
+        <p:nvCxnSpPr>
+          <p:cNvPr id="36" name="Gerade Verbindung mit Pfeil 35">
+            <a:extLst>
+              <a:ext uri="{FF2B5EF4-FFF2-40B4-BE49-F238E27FC236}">
+                <a16:creationId xmlns:a16="http://schemas.microsoft.com/office/drawing/2014/main" id="{25783B4C-7760-48B4-9BDC-6DFC8423E726}"/>
+              </a:ext>
+            </a:extLst>
+          </p:cNvPr>
+          <p:cNvCxnSpPr>
+            <a:cxnSpLocks/>
+          </p:cNvCxnSpPr>
+          <p:nvPr/>
+        </p:nvCxnSpPr>
+        <p:spPr>
+          <a:xfrm>
+            <a:off x="4801639" y="3181543"/>
+            <a:ext cx="0" cy="264797"/>
+          </a:xfrm>
+          <a:prstGeom prst="straightConnector1">
+            <a:avLst/>
+          </a:prstGeom>
+          <a:ln w="19050">
+            <a:solidFill>
+              <a:schemeClr val="tx1"/>
+            </a:solidFill>
+            <a:tailEnd type="arrow"/>
+          </a:ln>
+        </p:spPr>
+        <p:style>
+          <a:lnRef idx="1">
+            <a:schemeClr val="accent1"/>
+          </a:lnRef>
+          <a:fillRef idx="0">
+            <a:schemeClr val="accent1"/>
+          </a:fillRef>
+          <a:effectRef idx="0">
+            <a:schemeClr val="accent1"/>
+          </a:effectRef>
+          <a:fontRef idx="minor">
+            <a:schemeClr val="tx1"/>
+          </a:fontRef>
+        </p:style>
+      </p:cxnSp>
+      <p:sp>
+        <p:nvSpPr>
+          <p:cNvPr id="104" name="Rechteck 103">
+            <a:extLst>
+              <a:ext uri="{FF2B5EF4-FFF2-40B4-BE49-F238E27FC236}">
+                <a16:creationId xmlns:a16="http://schemas.microsoft.com/office/drawing/2014/main" id="{9A7C9294-10B6-4736-AD68-B36FCAF45476}"/>
+              </a:ext>
+            </a:extLst>
+          </p:cNvPr>
+          <p:cNvSpPr/>
+          <p:nvPr/>
+        </p:nvSpPr>
+        <p:spPr>
+          <a:xfrm>
+            <a:off x="5074183" y="5676516"/>
+            <a:ext cx="1883183" cy="581993"/>
+          </a:xfrm>
+          <a:prstGeom prst="rect">
+            <a:avLst/>
+          </a:prstGeom>
+          <a:solidFill>
+            <a:schemeClr val="bg1">
+              <a:lumMod val="85000"/>
+            </a:schemeClr>
+          </a:solidFill>
+          <a:ln w="19050">
+            <a:solidFill>
+              <a:schemeClr val="tx1"/>
+            </a:solidFill>
+          </a:ln>
+        </p:spPr>
+        <p:style>
+          <a:lnRef idx="2">
+            <a:schemeClr val="accent1">
+              <a:shade val="50000"/>
+            </a:schemeClr>
+          </a:lnRef>
+          <a:fillRef idx="1">
+            <a:schemeClr val="accent1"/>
+          </a:fillRef>
+          <a:effectRef idx="0">
+            <a:schemeClr val="accent1"/>
+          </a:effectRef>
+          <a:fontRef idx="minor">
+            <a:schemeClr val="lt1"/>
+          </a:fontRef>
+        </p:style>
+        <p:txBody>
+          <a:bodyPr rtlCol="0" anchor="ctr"/>
+          <a:lstStyle/>
+          <a:p>
+            <a:pPr algn="ctr"/>
+            <a:r>
+              <a:rPr lang="de-DE" b="1" dirty="0">
+                <a:solidFill>
+                  <a:schemeClr val="tx1"/>
+                </a:solidFill>
+              </a:rPr>
+              <a:t>7 </a:t>
+            </a:r>
+            <a:r>
+              <a:rPr lang="de-DE" dirty="0" err="1">
+                <a:solidFill>
+                  <a:schemeClr val="tx1"/>
+                </a:solidFill>
+              </a:rPr>
+              <a:t>Conclusion</a:t>
+            </a:r>
+            <a:endParaRPr lang="de-DE" dirty="0">
+              <a:solidFill>
+                <a:schemeClr val="tx1"/>
+              </a:solidFill>
+            </a:endParaRPr>
+          </a:p>
+        </p:txBody>
+      </p:sp>
+      <p:sp>
+        <p:nvSpPr>
+          <p:cNvPr id="123" name="Rechteck 122">
+            <a:extLst>
+              <a:ext uri="{FF2B5EF4-FFF2-40B4-BE49-F238E27FC236}">
+                <a16:creationId xmlns:a16="http://schemas.microsoft.com/office/drawing/2014/main" id="{4AB9F450-A5AB-49CE-B304-66370177C652}"/>
+              </a:ext>
+            </a:extLst>
+          </p:cNvPr>
+          <p:cNvSpPr/>
+          <p:nvPr/>
+        </p:nvSpPr>
+        <p:spPr>
+          <a:xfrm>
+            <a:off x="2647950" y="3441721"/>
+            <a:ext cx="5734050" cy="796291"/>
+          </a:xfrm>
+          <a:prstGeom prst="rect">
+            <a:avLst/>
+          </a:prstGeom>
+          <a:noFill/>
+          <a:ln w="19050">
+            <a:solidFill>
+              <a:schemeClr val="tx1"/>
+            </a:solidFill>
+          </a:ln>
+        </p:spPr>
+        <p:style>
+          <a:lnRef idx="2">
+            <a:schemeClr val="accent1">
+              <a:shade val="50000"/>
+            </a:schemeClr>
+          </a:lnRef>
+          <a:fillRef idx="1">
+            <a:schemeClr val="accent1"/>
+          </a:fillRef>
+          <a:effectRef idx="0">
+            <a:schemeClr val="accent1"/>
+          </a:effectRef>
+          <a:fontRef idx="minor">
+            <a:schemeClr val="lt1"/>
+          </a:fontRef>
+        </p:style>
+        <p:txBody>
+          <a:bodyPr rtlCol="0" anchor="ctr"/>
+          <a:lstStyle/>
+          <a:p>
+            <a:r>
+              <a:rPr lang="de-DE" dirty="0" err="1">
+                <a:solidFill>
+                  <a:schemeClr val="tx1"/>
+                </a:solidFill>
+              </a:rPr>
+              <a:t>Planning</a:t>
+            </a:r>
+            <a:endParaRPr lang="de-DE" dirty="0">
+              <a:solidFill>
+                <a:schemeClr val="tx1"/>
+              </a:solidFill>
+            </a:endParaRPr>
+          </a:p>
+        </p:txBody>
+      </p:sp>
+      <p:sp>
+        <p:nvSpPr>
+          <p:cNvPr id="125" name="Rechteck 124">
+            <a:extLst>
+              <a:ext uri="{FF2B5EF4-FFF2-40B4-BE49-F238E27FC236}">
+                <a16:creationId xmlns:a16="http://schemas.microsoft.com/office/drawing/2014/main" id="{640E39D3-2F67-43CE-AACB-CBBD06B83170}"/>
+              </a:ext>
+            </a:extLst>
+          </p:cNvPr>
+          <p:cNvSpPr/>
+          <p:nvPr/>
+        </p:nvSpPr>
+        <p:spPr>
+          <a:xfrm>
+            <a:off x="2647950" y="4510247"/>
+            <a:ext cx="5734050" cy="796291"/>
+          </a:xfrm>
+          <a:prstGeom prst="rect">
+            <a:avLst/>
+          </a:prstGeom>
+          <a:noFill/>
+          <a:ln w="19050">
+            <a:solidFill>
+              <a:schemeClr val="tx1"/>
+            </a:solidFill>
+          </a:ln>
+        </p:spPr>
+        <p:style>
+          <a:lnRef idx="2">
+            <a:schemeClr val="accent1">
+              <a:shade val="50000"/>
+            </a:schemeClr>
+          </a:lnRef>
+          <a:fillRef idx="1">
+            <a:schemeClr val="accent1"/>
+          </a:fillRef>
+          <a:effectRef idx="0">
+            <a:schemeClr val="accent1"/>
+          </a:effectRef>
+          <a:fontRef idx="minor">
+            <a:schemeClr val="lt1"/>
+          </a:fontRef>
+        </p:style>
+        <p:txBody>
+          <a:bodyPr rtlCol="0" anchor="ctr"/>
+          <a:lstStyle/>
+          <a:p>
+            <a:r>
+              <a:rPr lang="de-DE" dirty="0">
+                <a:solidFill>
+                  <a:schemeClr val="tx1"/>
+                </a:solidFill>
+              </a:rPr>
+              <a:t>Control</a:t>
+            </a:r>
+          </a:p>
+        </p:txBody>
+      </p:sp>
+      <p:sp>
+        <p:nvSpPr>
+          <p:cNvPr id="127" name="Rechteck 126">
+            <a:extLst>
+              <a:ext uri="{FF2B5EF4-FFF2-40B4-BE49-F238E27FC236}">
+                <a16:creationId xmlns:a16="http://schemas.microsoft.com/office/drawing/2014/main" id="{D5A8F084-967E-46E8-9116-E70C933ADB67}"/>
+              </a:ext>
+            </a:extLst>
+          </p:cNvPr>
+          <p:cNvSpPr/>
+          <p:nvPr/>
+        </p:nvSpPr>
+        <p:spPr>
+          <a:xfrm>
+            <a:off x="2647950" y="2371177"/>
+            <a:ext cx="5734050" cy="796291"/>
+          </a:xfrm>
+          <a:prstGeom prst="rect">
+            <a:avLst/>
+          </a:prstGeom>
+          <a:noFill/>
+          <a:ln w="19050">
+            <a:solidFill>
+              <a:schemeClr val="tx1"/>
+            </a:solidFill>
+          </a:ln>
+        </p:spPr>
+        <p:style>
+          <a:lnRef idx="2">
+            <a:schemeClr val="accent1">
+              <a:shade val="50000"/>
+            </a:schemeClr>
+          </a:lnRef>
+          <a:fillRef idx="1">
+            <a:schemeClr val="accent1"/>
+          </a:fillRef>
+          <a:effectRef idx="0">
+            <a:schemeClr val="accent1"/>
+          </a:effectRef>
+          <a:fontRef idx="minor">
+            <a:schemeClr val="lt1"/>
+          </a:fontRef>
+        </p:style>
+        <p:txBody>
+          <a:bodyPr rtlCol="0" anchor="ctr"/>
+          <a:lstStyle/>
+          <a:p>
+            <a:r>
+              <a:rPr lang="de-DE" dirty="0">
+                <a:solidFill>
+                  <a:schemeClr val="tx1"/>
+                </a:solidFill>
+              </a:rPr>
+              <a:t>Approach</a:t>
+            </a:r>
+            <a:endParaRPr lang="de-DE" sz="1100" dirty="0">
+              <a:solidFill>
+                <a:schemeClr val="tx1"/>
+              </a:solidFill>
+            </a:endParaRPr>
+          </a:p>
+        </p:txBody>
+      </p:sp>
+      <p:sp>
+        <p:nvSpPr>
+          <p:cNvPr id="17" name="Rechteck 16">
+            <a:extLst>
+              <a:ext uri="{FF2B5EF4-FFF2-40B4-BE49-F238E27FC236}">
+                <a16:creationId xmlns:a16="http://schemas.microsoft.com/office/drawing/2014/main" id="{F5F2B274-EAD7-45C6-96E9-A0A430356AC2}"/>
+              </a:ext>
+            </a:extLst>
+          </p:cNvPr>
+          <p:cNvSpPr/>
+          <p:nvPr/>
+        </p:nvSpPr>
+        <p:spPr>
+          <a:xfrm>
+            <a:off x="2647950" y="1304307"/>
+            <a:ext cx="5734050" cy="796291"/>
+          </a:xfrm>
+          <a:prstGeom prst="rect">
+            <a:avLst/>
+          </a:prstGeom>
+          <a:noFill/>
+          <a:ln w="19050">
+            <a:solidFill>
+              <a:schemeClr val="tx1"/>
+            </a:solidFill>
+          </a:ln>
+        </p:spPr>
+        <p:style>
+          <a:lnRef idx="2">
+            <a:schemeClr val="accent1">
+              <a:shade val="50000"/>
+            </a:schemeClr>
+          </a:lnRef>
+          <a:fillRef idx="1">
+            <a:schemeClr val="accent1"/>
+          </a:fillRef>
+          <a:effectRef idx="0">
+            <a:schemeClr val="accent1"/>
+          </a:effectRef>
+          <a:fontRef idx="minor">
+            <a:schemeClr val="lt1"/>
+          </a:fontRef>
+        </p:style>
+        <p:txBody>
+          <a:bodyPr rtlCol="0" anchor="ctr"/>
+          <a:lstStyle/>
+          <a:p>
+            <a:r>
+              <a:rPr lang="de-DE" dirty="0">
+                <a:solidFill>
+                  <a:schemeClr val="tx1"/>
+                </a:solidFill>
+              </a:rPr>
+              <a:t>Research</a:t>
+            </a:r>
+            <a:endParaRPr lang="de-DE" sz="1100" dirty="0">
+              <a:solidFill>
+                <a:schemeClr val="tx1"/>
+              </a:solidFill>
+            </a:endParaRPr>
+          </a:p>
+        </p:txBody>
+      </p:sp>
+      <p:cxnSp>
+        <p:nvCxnSpPr>
+          <p:cNvPr id="38" name="Gerade Verbindung mit Pfeil 37">
+            <a:extLst>
+              <a:ext uri="{FF2B5EF4-FFF2-40B4-BE49-F238E27FC236}">
+                <a16:creationId xmlns:a16="http://schemas.microsoft.com/office/drawing/2014/main" id="{EECD36D5-5FC7-4897-A323-3281EDB92929}"/>
+              </a:ext>
+            </a:extLst>
+          </p:cNvPr>
+          <p:cNvCxnSpPr>
+            <a:cxnSpLocks/>
+          </p:cNvCxnSpPr>
+          <p:nvPr/>
+        </p:nvCxnSpPr>
+        <p:spPr>
+          <a:xfrm flipH="1">
+            <a:off x="4821773" y="2091142"/>
+            <a:ext cx="1" cy="280035"/>
+          </a:xfrm>
+          <a:prstGeom prst="straightConnector1">
+            <a:avLst/>
+          </a:prstGeom>
+          <a:ln w="19050">
+            <a:solidFill>
+              <a:schemeClr val="tx1"/>
+            </a:solidFill>
+            <a:tailEnd type="arrow"/>
+          </a:ln>
+        </p:spPr>
+        <p:style>
+          <a:lnRef idx="1">
+            <a:schemeClr val="accent1"/>
+          </a:lnRef>
+          <a:fillRef idx="0">
+            <a:schemeClr val="accent1"/>
+          </a:fillRef>
+          <a:effectRef idx="0">
+            <a:schemeClr val="accent1"/>
+          </a:effectRef>
+          <a:fontRef idx="minor">
+            <a:schemeClr val="tx1"/>
+          </a:fontRef>
+        </p:style>
+      </p:cxnSp>
+      <p:cxnSp>
+        <p:nvCxnSpPr>
+          <p:cNvPr id="12" name="Gerade Verbindung mit Pfeil 11">
+            <a:extLst>
+              <a:ext uri="{FF2B5EF4-FFF2-40B4-BE49-F238E27FC236}">
+                <a16:creationId xmlns:a16="http://schemas.microsoft.com/office/drawing/2014/main" id="{B33D3872-9D5E-4FDC-9AB1-DB08D72AE104}"/>
+              </a:ext>
+            </a:extLst>
+          </p:cNvPr>
+          <p:cNvCxnSpPr>
+            <a:cxnSpLocks/>
+            <a:stCxn id="14" idx="3"/>
+            <a:endCxn id="16" idx="1"/>
+          </p:cNvCxnSpPr>
+          <p:nvPr/>
+        </p:nvCxnSpPr>
+        <p:spPr>
+          <a:xfrm>
+            <a:off x="5830348" y="3836858"/>
+            <a:ext cx="527351" cy="0"/>
+          </a:xfrm>
+          <a:prstGeom prst="straightConnector1">
+            <a:avLst/>
+          </a:prstGeom>
+          <a:ln w="19050">
+            <a:solidFill>
+              <a:schemeClr val="tx1"/>
+            </a:solidFill>
+            <a:tailEnd type="arrow"/>
+          </a:ln>
+        </p:spPr>
+        <p:style>
+          <a:lnRef idx="1">
+            <a:schemeClr val="accent1"/>
+          </a:lnRef>
+          <a:fillRef idx="0">
+            <a:schemeClr val="accent1"/>
+          </a:fillRef>
+          <a:effectRef idx="0">
+            <a:schemeClr val="accent1"/>
+          </a:effectRef>
+          <a:fontRef idx="minor">
+            <a:schemeClr val="tx1"/>
+          </a:fontRef>
+        </p:style>
+      </p:cxnSp>
+      <p:sp>
+        <p:nvSpPr>
+          <p:cNvPr id="21" name="Rechteck 20">
+            <a:extLst>
+              <a:ext uri="{FF2B5EF4-FFF2-40B4-BE49-F238E27FC236}">
+                <a16:creationId xmlns:a16="http://schemas.microsoft.com/office/drawing/2014/main" id="{61DFCBF2-B2A5-429E-B2E1-3C89ACCA4C69}"/>
+              </a:ext>
+            </a:extLst>
+          </p:cNvPr>
+          <p:cNvSpPr/>
+          <p:nvPr/>
+        </p:nvSpPr>
+        <p:spPr>
+          <a:xfrm>
+            <a:off x="2647950" y="5572618"/>
+            <a:ext cx="5734050" cy="796291"/>
+          </a:xfrm>
+          <a:prstGeom prst="rect">
+            <a:avLst/>
+          </a:prstGeom>
+          <a:noFill/>
+          <a:ln w="19050">
+            <a:solidFill>
+              <a:schemeClr val="tx1"/>
+            </a:solidFill>
+          </a:ln>
+        </p:spPr>
+        <p:style>
+          <a:lnRef idx="2">
+            <a:schemeClr val="accent1">
+              <a:shade val="50000"/>
+            </a:schemeClr>
+          </a:lnRef>
+          <a:fillRef idx="1">
+            <a:schemeClr val="accent1"/>
+          </a:fillRef>
+          <a:effectRef idx="0">
+            <a:schemeClr val="accent1"/>
+          </a:effectRef>
+          <a:fontRef idx="minor">
+            <a:schemeClr val="lt1"/>
+          </a:fontRef>
+        </p:style>
+        <p:txBody>
+          <a:bodyPr rtlCol="0" anchor="ctr"/>
+          <a:lstStyle/>
+          <a:p>
+            <a:r>
+              <a:rPr lang="de-DE" dirty="0" err="1">
+                <a:solidFill>
+                  <a:schemeClr val="tx1"/>
+                </a:solidFill>
+              </a:rPr>
+              <a:t>Conclusion</a:t>
+            </a:r>
+            <a:endParaRPr lang="de-DE" dirty="0">
+              <a:solidFill>
+                <a:schemeClr val="tx1"/>
+              </a:solidFill>
+            </a:endParaRPr>
+          </a:p>
+        </p:txBody>
+      </p:sp>
+      <p:sp>
+        <p:nvSpPr>
+          <p:cNvPr id="22" name="Rechteck 21">
+            <a:extLst>
+              <a:ext uri="{FF2B5EF4-FFF2-40B4-BE49-F238E27FC236}">
+                <a16:creationId xmlns:a16="http://schemas.microsoft.com/office/drawing/2014/main" id="{F54B648E-DD07-4296-BDDF-0ED35F7A1C92}"/>
+              </a:ext>
+            </a:extLst>
+          </p:cNvPr>
+          <p:cNvSpPr/>
+          <p:nvPr/>
+        </p:nvSpPr>
+        <p:spPr>
+          <a:xfrm>
+            <a:off x="8778951" y="2371177"/>
+            <a:ext cx="2300767" cy="2935361"/>
+          </a:xfrm>
+          <a:prstGeom prst="rect">
+            <a:avLst/>
+          </a:prstGeom>
+          <a:noFill/>
+          <a:ln w="19050">
+            <a:solidFill>
+              <a:schemeClr val="tx1"/>
+            </a:solidFill>
+          </a:ln>
+        </p:spPr>
+        <p:style>
+          <a:lnRef idx="2">
+            <a:schemeClr val="accent1">
+              <a:shade val="50000"/>
+            </a:schemeClr>
+          </a:lnRef>
+          <a:fillRef idx="1">
+            <a:schemeClr val="accent1"/>
+          </a:fillRef>
+          <a:effectRef idx="0">
+            <a:schemeClr val="accent1"/>
+          </a:effectRef>
+          <a:fontRef idx="minor">
+            <a:schemeClr val="lt1"/>
+          </a:fontRef>
+        </p:style>
+        <p:txBody>
+          <a:bodyPr rtlCol="0" anchor="ctr"/>
+          <a:lstStyle/>
+          <a:p>
+            <a:pPr algn="ctr"/>
+            <a:endParaRPr lang="de-DE" sz="1400" dirty="0">
+              <a:solidFill>
+                <a:schemeClr val="tx1"/>
+              </a:solidFill>
+            </a:endParaRPr>
+          </a:p>
+          <a:p>
+            <a:pPr algn="ctr"/>
+            <a:r>
+              <a:rPr lang="de-DE" dirty="0">
+                <a:solidFill>
+                  <a:schemeClr val="tx1"/>
+                </a:solidFill>
+              </a:rPr>
+              <a:t>Appendix</a:t>
+            </a:r>
+            <a:endParaRPr lang="de-DE" sz="1400" dirty="0">
+              <a:solidFill>
+                <a:schemeClr val="tx1"/>
+              </a:solidFill>
+            </a:endParaRPr>
+          </a:p>
+        </p:txBody>
+      </p:sp>
+      <p:sp>
+        <p:nvSpPr>
+          <p:cNvPr id="26" name="Rechteck 25">
+            <a:extLst>
+              <a:ext uri="{FF2B5EF4-FFF2-40B4-BE49-F238E27FC236}">
+                <a16:creationId xmlns:a16="http://schemas.microsoft.com/office/drawing/2014/main" id="{6D70A845-5B55-402B-A6DD-7679D24C01D3}"/>
+              </a:ext>
+            </a:extLst>
+          </p:cNvPr>
+          <p:cNvSpPr/>
+          <p:nvPr/>
+        </p:nvSpPr>
+        <p:spPr>
+          <a:xfrm>
+            <a:off x="8891796" y="2480310"/>
+            <a:ext cx="2072613" cy="582932"/>
+          </a:xfrm>
+          <a:prstGeom prst="rect">
+            <a:avLst/>
+          </a:prstGeom>
+          <a:solidFill>
+            <a:schemeClr val="bg1">
+              <a:lumMod val="85000"/>
+            </a:schemeClr>
+          </a:solidFill>
+          <a:ln w="19050">
+            <a:solidFill>
+              <a:schemeClr val="tx1"/>
+            </a:solidFill>
+          </a:ln>
+        </p:spPr>
+        <p:style>
+          <a:lnRef idx="2">
+            <a:schemeClr val="accent1">
+              <a:shade val="50000"/>
+            </a:schemeClr>
+          </a:lnRef>
+          <a:fillRef idx="1">
+            <a:schemeClr val="accent1"/>
+          </a:fillRef>
+          <a:effectRef idx="0">
+            <a:schemeClr val="accent1"/>
+          </a:effectRef>
+          <a:fontRef idx="minor">
+            <a:schemeClr val="lt1"/>
+          </a:fontRef>
+        </p:style>
+        <p:txBody>
+          <a:bodyPr rtlCol="0" anchor="ctr"/>
+          <a:lstStyle/>
+          <a:p>
+            <a:pPr algn="ctr"/>
+            <a:r>
+              <a:rPr lang="de-DE" b="1" dirty="0">
+                <a:solidFill>
+                  <a:schemeClr val="tx1"/>
+                </a:solidFill>
+              </a:rPr>
+              <a:t>A1, A2 </a:t>
+            </a:r>
+            <a:r>
+              <a:rPr lang="de-DE" dirty="0">
+                <a:solidFill>
+                  <a:schemeClr val="tx1"/>
+                </a:solidFill>
+              </a:rPr>
+              <a:t>Open-Source </a:t>
+            </a:r>
+            <a:r>
+              <a:rPr lang="de-DE" dirty="0" err="1">
+                <a:solidFill>
+                  <a:schemeClr val="tx1"/>
+                </a:solidFill>
+              </a:rPr>
+              <a:t>Contributions</a:t>
+            </a:r>
+            <a:endParaRPr lang="de-DE" sz="1100" dirty="0">
+              <a:solidFill>
+                <a:schemeClr val="tx1"/>
+              </a:solidFill>
+            </a:endParaRPr>
+          </a:p>
+        </p:txBody>
+      </p:sp>
+      <p:sp>
+        <p:nvSpPr>
+          <p:cNvPr id="29" name="Rechteck 28">
+            <a:extLst>
+              <a:ext uri="{FF2B5EF4-FFF2-40B4-BE49-F238E27FC236}">
+                <a16:creationId xmlns:a16="http://schemas.microsoft.com/office/drawing/2014/main" id="{ABD02D76-D0F4-48E3-81E5-9FAFF5912B64}"/>
+              </a:ext>
+            </a:extLst>
+          </p:cNvPr>
+          <p:cNvSpPr/>
+          <p:nvPr/>
+        </p:nvSpPr>
+        <p:spPr>
+          <a:xfrm>
+            <a:off x="8891796" y="4611518"/>
+            <a:ext cx="2072613" cy="582932"/>
+          </a:xfrm>
+          <a:prstGeom prst="rect">
+            <a:avLst/>
+          </a:prstGeom>
+          <a:solidFill>
+            <a:schemeClr val="bg1">
+              <a:lumMod val="85000"/>
+            </a:schemeClr>
+          </a:solidFill>
+          <a:ln w="19050">
+            <a:solidFill>
+              <a:schemeClr val="tx1"/>
+            </a:solidFill>
+          </a:ln>
+        </p:spPr>
+        <p:style>
+          <a:lnRef idx="2">
+            <a:schemeClr val="accent1">
+              <a:shade val="50000"/>
+            </a:schemeClr>
+          </a:lnRef>
+          <a:fillRef idx="1">
+            <a:schemeClr val="accent1"/>
+          </a:fillRef>
+          <a:effectRef idx="0">
+            <a:schemeClr val="accent1"/>
+          </a:effectRef>
+          <a:fontRef idx="minor">
+            <a:schemeClr val="lt1"/>
+          </a:fontRef>
+        </p:style>
+        <p:txBody>
+          <a:bodyPr rtlCol="0" anchor="ctr"/>
+          <a:lstStyle/>
+          <a:p>
+            <a:pPr algn="ctr"/>
+            <a:r>
+              <a:rPr lang="de-DE" b="1" dirty="0">
+                <a:solidFill>
+                  <a:schemeClr val="tx1"/>
+                </a:solidFill>
+              </a:rPr>
+              <a:t>A3 </a:t>
+            </a:r>
+            <a:r>
+              <a:rPr lang="de-DE" dirty="0">
+                <a:solidFill>
+                  <a:schemeClr val="tx1"/>
+                </a:solidFill>
+              </a:rPr>
+              <a:t>Framework Consistency</a:t>
+            </a:r>
+            <a:endParaRPr lang="de-DE" sz="1100" dirty="0">
+              <a:solidFill>
+                <a:schemeClr val="tx1"/>
+              </a:solidFill>
+            </a:endParaRPr>
+          </a:p>
+        </p:txBody>
+      </p:sp>
+      <p:cxnSp>
+        <p:nvCxnSpPr>
+          <p:cNvPr id="31" name="Gerade Verbindung mit Pfeil 30">
+            <a:extLst>
+              <a:ext uri="{FF2B5EF4-FFF2-40B4-BE49-F238E27FC236}">
+                <a16:creationId xmlns:a16="http://schemas.microsoft.com/office/drawing/2014/main" id="{D6181618-E9B6-4317-9E10-BEAB318891CD}"/>
+              </a:ext>
+            </a:extLst>
+          </p:cNvPr>
+          <p:cNvCxnSpPr>
+            <a:cxnSpLocks/>
+            <a:endCxn id="125" idx="3"/>
+          </p:cNvCxnSpPr>
+          <p:nvPr/>
+        </p:nvCxnSpPr>
+        <p:spPr>
+          <a:xfrm flipH="1">
+            <a:off x="8382000" y="4902984"/>
+            <a:ext cx="396951" cy="5409"/>
+          </a:xfrm>
+          <a:prstGeom prst="straightConnector1">
+            <a:avLst/>
+          </a:prstGeom>
+          <a:ln w="19050">
+            <a:solidFill>
+              <a:schemeClr val="tx1"/>
+            </a:solidFill>
+            <a:tailEnd type="arrow"/>
+          </a:ln>
+        </p:spPr>
+        <p:style>
+          <a:lnRef idx="1">
+            <a:schemeClr val="accent1"/>
+          </a:lnRef>
+          <a:fillRef idx="0">
+            <a:schemeClr val="accent1"/>
+          </a:fillRef>
+          <a:effectRef idx="0">
+            <a:schemeClr val="accent1"/>
+          </a:effectRef>
+          <a:fontRef idx="minor">
+            <a:schemeClr val="tx1"/>
+          </a:fontRef>
+        </p:style>
+      </p:cxnSp>
+      <p:cxnSp>
+        <p:nvCxnSpPr>
+          <p:cNvPr id="43" name="Gerade Verbindung mit Pfeil 42">
+            <a:extLst>
+              <a:ext uri="{FF2B5EF4-FFF2-40B4-BE49-F238E27FC236}">
+                <a16:creationId xmlns:a16="http://schemas.microsoft.com/office/drawing/2014/main" id="{398600D3-B40D-4DB2-961B-7FD2748DDCA4}"/>
+              </a:ext>
+            </a:extLst>
+          </p:cNvPr>
+          <p:cNvCxnSpPr>
+            <a:cxnSpLocks/>
+            <a:endCxn id="127" idx="3"/>
+          </p:cNvCxnSpPr>
+          <p:nvPr/>
+        </p:nvCxnSpPr>
+        <p:spPr>
+          <a:xfrm flipH="1">
+            <a:off x="8382000" y="2769323"/>
+            <a:ext cx="396951" cy="0"/>
+          </a:xfrm>
+          <a:prstGeom prst="straightConnector1">
+            <a:avLst/>
+          </a:prstGeom>
+          <a:ln w="19050">
+            <a:solidFill>
+              <a:schemeClr val="tx1"/>
+            </a:solidFill>
+            <a:tailEnd type="arrow"/>
+          </a:ln>
+        </p:spPr>
+        <p:style>
+          <a:lnRef idx="1">
+            <a:schemeClr val="accent1"/>
+          </a:lnRef>
+          <a:fillRef idx="0">
+            <a:schemeClr val="accent1"/>
+          </a:fillRef>
+          <a:effectRef idx="0">
+            <a:schemeClr val="accent1"/>
+          </a:effectRef>
+          <a:fontRef idx="minor">
+            <a:schemeClr val="tx1"/>
+          </a:fontRef>
+        </p:style>
+      </p:cxnSp>
+    </p:spTree>
+    <p:extLst>
+      <p:ext uri="{BB962C8B-B14F-4D97-AF65-F5344CB8AC3E}">
+        <p14:creationId xmlns:p14="http://schemas.microsoft.com/office/powerpoint/2010/main" val="1775215435"/>
+      </p:ext>
+    </p:extLst>
+  </p:cSld>
+  <p:clrMapOvr>
+    <a:masterClrMapping/>
+  </p:clrMapOvr>
+</p:sld>
+</file>
+
 <file path=ppt/tags/tag1.xml><?xml version="1.0" encoding="utf-8"?>
 <p:tagLst xmlns:a="http://schemas.openxmlformats.org/drawingml/2006/main" xmlns:r="http://schemas.openxmlformats.org/officeDocument/2006/relationships" xmlns:p="http://schemas.openxmlformats.org/presentationml/2006/main">
   <p:tag name="OUTPUTDPI" val="1200"/>
@@ -7878,6 +14752,82 @@
 </p:tagLst>
 </file>
 
+<file path=ppt/tags/tag10.xml><?xml version="1.0" encoding="utf-8"?>
+<p:tagLst xmlns:a="http://schemas.openxmlformats.org/drawingml/2006/main" xmlns:r="http://schemas.openxmlformats.org/officeDocument/2006/relationships" xmlns:p="http://schemas.openxmlformats.org/presentationml/2006/main">
+  <p:tag name="OUTPUTDPI" val="1200"/>
+  <p:tag name="ORIGINALHEIGHT" val="125,2343"/>
+  <p:tag name="ORIGINALWIDTH" val="557,1803"/>
+  <p:tag name="LATEXADDIN" val="\documentclass{article}&#10;\usepackage{amsmath}&#10;\usepackage{bm}&#10;\newcommand{\myM}[1]{\bm{\mathit{#1}}}&#10;\pagestyle{empty}&#10;\begin{document}&#10;&#10;$$&#10;(\mathbf{q},\dot{\mathbf{q}}, \ddot{\mathbf{q}})_{\text{des}}&#10;$$&#10;&#10;&#10;\end{document}"/>
+  <p:tag name="IGUANATEXSIZE" val="12"/>
+  <p:tag name="IGUANATEXCURSOR" val="199"/>
+  <p:tag name="TRANSPARENCY" val="Wahr"/>
+  <p:tag name="FILENAME" val=""/>
+  <p:tag name="LATEXENGINEID" val="0"/>
+  <p:tag name="TEMPFOLDER" val="c:\temp\"/>
+  <p:tag name="LATEXFORMHEIGHT" val="312"/>
+  <p:tag name="LATEXFORMWIDTH" val="384"/>
+  <p:tag name="LATEXFORMWRAP" val="Wahr"/>
+  <p:tag name="BITMAPVECTOR" val="0"/>
+</p:tagLst>
+</file>
+
+<file path=ppt/tags/tag11.xml><?xml version="1.0" encoding="utf-8"?>
+<p:tagLst xmlns:a="http://schemas.openxmlformats.org/drawingml/2006/main" xmlns:r="http://schemas.openxmlformats.org/officeDocument/2006/relationships" xmlns:p="http://schemas.openxmlformats.org/presentationml/2006/main">
+  <p:tag name="OUTPUTDPI" val="1200"/>
+  <p:tag name="ORIGINALHEIGHT" val="125,2343"/>
+  <p:tag name="ORIGINALWIDTH" val="503,1871"/>
+  <p:tag name="LATEXADDIN" val="\documentclass{article}&#10;\usepackage{amsmath}&#10;\usepackage{bm}&#10;\newcommand{\myM}[1]{\bm{\mathit{#1}}}&#10;\pagestyle{empty}&#10;\begin{document}&#10;&#10;$$&#10;(\mathbf{q},\dot{\mathbf{q}})_{\text{meas}}&#10;$$&#10;&#10;&#10;\end{document}"/>
+  <p:tag name="IGUANATEXSIZE" val="12"/>
+  <p:tag name="IGUANATEXCURSOR" val="168"/>
+  <p:tag name="TRANSPARENCY" val="Wahr"/>
+  <p:tag name="FILENAME" val=""/>
+  <p:tag name="LATEXENGINEID" val="0"/>
+  <p:tag name="TEMPFOLDER" val="c:\temp\"/>
+  <p:tag name="LATEXFORMHEIGHT" val="312"/>
+  <p:tag name="LATEXFORMWIDTH" val="384"/>
+  <p:tag name="LATEXFORMWRAP" val="Wahr"/>
+  <p:tag name="BITMAPVECTOR" val="0"/>
+</p:tagLst>
+</file>
+
+<file path=ppt/tags/tag12.xml><?xml version="1.0" encoding="utf-8"?>
+<p:tagLst xmlns:a="http://schemas.openxmlformats.org/drawingml/2006/main" xmlns:r="http://schemas.openxmlformats.org/officeDocument/2006/relationships" xmlns:p="http://schemas.openxmlformats.org/presentationml/2006/main">
+  <p:tag name="OUTPUTDPI" val="1200"/>
+  <p:tag name="ORIGINALHEIGHT" val="108,7364"/>
+  <p:tag name="ORIGINALWIDTH" val="383,952"/>
+  <p:tag name="LATEXADDIN" val="\documentclass{article}&#10;\usepackage{amsmath}&#10;\usepackage{bm}&#10;\newcommand{\myM}[1]{\bm{\mathit{#1}}}&#10;\pagestyle{empty}&#10;\begin{document}&#10;&#10;$$&#10;\mathbf{u},\dot{\mathbf{u}}, \bm{\tau}_u&#10;$$&#10;&#10;&#10;\end{document}"/>
+  <p:tag name="IGUANATEXSIZE" val="12"/>
+  <p:tag name="IGUANATEXCURSOR" val="171"/>
+  <p:tag name="TRANSPARENCY" val="Wahr"/>
+  <p:tag name="FILENAME" val=""/>
+  <p:tag name="LATEXENGINEID" val="0"/>
+  <p:tag name="TEMPFOLDER" val="c:\temp\"/>
+  <p:tag name="LATEXFORMHEIGHT" val="312"/>
+  <p:tag name="LATEXFORMWIDTH" val="384"/>
+  <p:tag name="LATEXFORMWRAP" val="Wahr"/>
+  <p:tag name="BITMAPVECTOR" val="0"/>
+</p:tagLst>
+</file>
+
+<file path=ppt/tags/tag13.xml><?xml version="1.0" encoding="utf-8"?>
+<p:tagLst xmlns:a="http://schemas.openxmlformats.org/drawingml/2006/main" xmlns:r="http://schemas.openxmlformats.org/officeDocument/2006/relationships" xmlns:p="http://schemas.openxmlformats.org/presentationml/2006/main">
+  <p:tag name="OUTPUTDPI" val="1200"/>
+  <p:tag name="ORIGINALHEIGHT" val="366,7042"/>
+  <p:tag name="ORIGINALWIDTH" val="1676,79"/>
+  <p:tag name="LATEXADDIN" val="\documentclass{article}&#10;\usepackage{amsmath}&#10;\usepackage{bm}&#10;\newcommand{\myM}[1]{\bm{\mathit{#1}}}&#10;\pagestyle{empty}&#10;\begin{document}&#10;&#10;$$&#10;\myM{X}^*,\myM{U}^*= &#10;\arg\min_{\mathbf{X},\mathbf{U}} &#10;\sum_{k=0}^{N-1} l_k(\mathbf{x},\mathbf{u}). &#10;$$&#10;&#10;&#10;\end{document}"/>
+  <p:tag name="IGUANATEXSIZE" val="12"/>
+  <p:tag name="IGUANATEXCURSOR" val="215"/>
+  <p:tag name="TRANSPARENCY" val="Wahr"/>
+  <p:tag name="FILENAME" val=""/>
+  <p:tag name="LATEXENGINEID" val="0"/>
+  <p:tag name="TEMPFOLDER" val="c:\temp\"/>
+  <p:tag name="LATEXFORMHEIGHT" val="312"/>
+  <p:tag name="LATEXFORMWIDTH" val="384"/>
+  <p:tag name="LATEXFORMWRAP" val="Wahr"/>
+  <p:tag name="BITMAPVECTOR" val="0"/>
+</p:tagLst>
+</file>
+
 <file path=ppt/tags/tag2.xml><?xml version="1.0" encoding="utf-8"?>
 <p:tagLst xmlns:a="http://schemas.openxmlformats.org/drawingml/2006/main" xmlns:r="http://schemas.openxmlformats.org/officeDocument/2006/relationships" xmlns:p="http://schemas.openxmlformats.org/presentationml/2006/main">
   <p:tag name="OUTPUTDPI" val="1200"/>
@@ -7886,6 +14836,139 @@
   <p:tag name="LATEXADDIN" val="\documentclass{article}&#10;\usepackage{amsmath}&#10;\usepackage{bm}&#10;\newcommand{\myM}[1]{\bm{\mathit{#1}}}&#10;\pagestyle{empty}&#10;\begin{document}&#10;&#10;$$&#10;\mathbf{X}^*,\mathbf{U}^*, \mathbf{F}_{ext}^*&#10;$$&#10;&#10;&#10;\end{document}"/>
   <p:tag name="IGUANATEXSIZE" val="12"/>
   <p:tag name="IGUANATEXCURSOR" val="182"/>
+  <p:tag name="TRANSPARENCY" val="Wahr"/>
+  <p:tag name="FILENAME" val=""/>
+  <p:tag name="LATEXENGINEID" val="0"/>
+  <p:tag name="TEMPFOLDER" val="c:\temp\"/>
+  <p:tag name="LATEXFORMHEIGHT" val="312"/>
+  <p:tag name="LATEXFORMWIDTH" val="384"/>
+  <p:tag name="LATEXFORMWRAP" val="Wahr"/>
+  <p:tag name="BITMAPVECTOR" val="0"/>
+</p:tagLst>
+</file>
+
+<file path=ppt/tags/tag3.xml><?xml version="1.0" encoding="utf-8"?>
+<p:tagLst xmlns:a="http://schemas.openxmlformats.org/drawingml/2006/main" xmlns:r="http://schemas.openxmlformats.org/officeDocument/2006/relationships" xmlns:p="http://schemas.openxmlformats.org/presentationml/2006/main">
+  <p:tag name="OUTPUTDPI" val="1200"/>
+  <p:tag name="ORIGINALHEIGHT" val="125,2343"/>
+  <p:tag name="ORIGINALWIDTH" val="557,1803"/>
+  <p:tag name="LATEXADDIN" val="\documentclass{article}&#10;\usepackage{amsmath}&#10;\usepackage{bm}&#10;\newcommand{\myM}[1]{\bm{\mathit{#1}}}&#10;\pagestyle{empty}&#10;\begin{document}&#10;&#10;$$&#10;(\mathbf{q},\dot{\mathbf{q}}, \ddot{\mathbf{q}})_{\text{des}}&#10;$$&#10;&#10;&#10;\end{document}"/>
+  <p:tag name="IGUANATEXSIZE" val="12"/>
+  <p:tag name="IGUANATEXCURSOR" val="199"/>
+  <p:tag name="TRANSPARENCY" val="Wahr"/>
+  <p:tag name="FILENAME" val=""/>
+  <p:tag name="LATEXENGINEID" val="0"/>
+  <p:tag name="TEMPFOLDER" val="c:\temp\"/>
+  <p:tag name="LATEXFORMHEIGHT" val="312"/>
+  <p:tag name="LATEXFORMWIDTH" val="384"/>
+  <p:tag name="LATEXFORMWRAP" val="Wahr"/>
+  <p:tag name="BITMAPVECTOR" val="0"/>
+</p:tagLst>
+</file>
+
+<file path=ppt/tags/tag4.xml><?xml version="1.0" encoding="utf-8"?>
+<p:tagLst xmlns:a="http://schemas.openxmlformats.org/drawingml/2006/main" xmlns:r="http://schemas.openxmlformats.org/officeDocument/2006/relationships" xmlns:p="http://schemas.openxmlformats.org/presentationml/2006/main">
+  <p:tag name="OUTPUTDPI" val="1200"/>
+  <p:tag name="ORIGINALHEIGHT" val="366,7042"/>
+  <p:tag name="ORIGINALWIDTH" val="1676,79"/>
+  <p:tag name="LATEXADDIN" val="\documentclass{article}&#10;\usepackage{amsmath}&#10;\usepackage{bm}&#10;\newcommand{\myM}[1]{\bm{\mathit{#1}}}&#10;\pagestyle{empty}&#10;\begin{document}&#10;&#10;$$&#10;\myM{X}^*,\myM{U}^*= &#10;\arg\min_{\mathbf{X},\mathbf{U}} &#10;\sum_{k=0}^{N-1} l_k(\mathbf{x},\mathbf{u}). &#10;$$&#10;&#10;&#10;\end{document}"/>
+  <p:tag name="IGUANATEXSIZE" val="12"/>
+  <p:tag name="IGUANATEXCURSOR" val="215"/>
+  <p:tag name="TRANSPARENCY" val="Wahr"/>
+  <p:tag name="FILENAME" val=""/>
+  <p:tag name="LATEXENGINEID" val="0"/>
+  <p:tag name="TEMPFOLDER" val="c:\temp\"/>
+  <p:tag name="LATEXFORMHEIGHT" val="312"/>
+  <p:tag name="LATEXFORMWIDTH" val="384"/>
+  <p:tag name="LATEXFORMWRAP" val="Wahr"/>
+  <p:tag name="BITMAPVECTOR" val="0"/>
+</p:tagLst>
+</file>
+
+<file path=ppt/tags/tag5.xml><?xml version="1.0" encoding="utf-8"?>
+<p:tagLst xmlns:a="http://schemas.openxmlformats.org/drawingml/2006/main" xmlns:r="http://schemas.openxmlformats.org/officeDocument/2006/relationships" xmlns:p="http://schemas.openxmlformats.org/presentationml/2006/main">
+  <p:tag name="OUTPUTDPI" val="1200"/>
+  <p:tag name="ORIGINALHEIGHT" val="123,7346"/>
+  <p:tag name="ORIGINALWIDTH" val="659,9175"/>
+  <p:tag name="LATEXADDIN" val="\documentclass{article}&#10;\usepackage{amsmath}&#10;\usepackage{bm}&#10;\newcommand{\myM}[1]{\bm{\mathit{#1}}}&#10;\pagestyle{empty}&#10;\begin{document}&#10;&#10;$$&#10;\mathbf{X}^*,\mathbf{U}^*, \mathbf{F}_{\text{ext}}^*&#10;$$&#10;&#10;&#10;\end{document}"/>
+  <p:tag name="IGUANATEXSIZE" val="12"/>
+  <p:tag name="IGUANATEXCURSOR" val="187"/>
+  <p:tag name="TRANSPARENCY" val="Wahr"/>
+  <p:tag name="FILENAME" val=""/>
+  <p:tag name="LATEXENGINEID" val="0"/>
+  <p:tag name="TEMPFOLDER" val="c:\temp\"/>
+  <p:tag name="LATEXFORMHEIGHT" val="312"/>
+  <p:tag name="LATEXFORMWIDTH" val="384"/>
+  <p:tag name="LATEXFORMWRAP" val="Wahr"/>
+  <p:tag name="BITMAPVECTOR" val="0"/>
+</p:tagLst>
+</file>
+
+<file path=ppt/tags/tag6.xml><?xml version="1.0" encoding="utf-8"?>
+<p:tagLst xmlns:a="http://schemas.openxmlformats.org/drawingml/2006/main" xmlns:r="http://schemas.openxmlformats.org/officeDocument/2006/relationships" xmlns:p="http://schemas.openxmlformats.org/presentationml/2006/main">
+  <p:tag name="OUTPUTDPI" val="1200"/>
+  <p:tag name="ORIGINALHEIGHT" val="108,7364"/>
+  <p:tag name="ORIGINALWIDTH" val="757,4053"/>
+  <p:tag name="LATEXADDIN" val="\documentclass{article}&#10;\usepackage{amsmath}&#10;\usepackage{bm}&#10;\newcommand{\myM}[1]{\bm{\mathit{#1}}}&#10;\pagestyle{empty}&#10;\begin{document}&#10;&#10;$$&#10;\mathbf{q}_{\text{des}},\dot{\mathbf{q}}_{\text{des}}, \ddot{\mathbf{q}}_{\text{des}}&#10;$$&#10;&#10;&#10;\end{document}"/>
+  <p:tag name="IGUANATEXSIZE" val="12"/>
+  <p:tag name="IGUANATEXCURSOR" val="223"/>
+  <p:tag name="TRANSPARENCY" val="Wahr"/>
+  <p:tag name="FILENAME" val=""/>
+  <p:tag name="LATEXENGINEID" val="0"/>
+  <p:tag name="TEMPFOLDER" val="c:\temp\"/>
+  <p:tag name="LATEXFORMHEIGHT" val="312"/>
+  <p:tag name="LATEXFORMWIDTH" val="384"/>
+  <p:tag name="LATEXFORMWRAP" val="Wahr"/>
+  <p:tag name="BITMAPVECTOR" val="0"/>
+</p:tagLst>
+</file>
+
+<file path=ppt/tags/tag7.xml><?xml version="1.0" encoding="utf-8"?>
+<p:tagLst xmlns:a="http://schemas.openxmlformats.org/drawingml/2006/main" xmlns:r="http://schemas.openxmlformats.org/officeDocument/2006/relationships" xmlns:p="http://schemas.openxmlformats.org/presentationml/2006/main">
+  <p:tag name="OUTPUTDPI" val="1200"/>
+  <p:tag name="ORIGINALHEIGHT" val="125,2343"/>
+  <p:tag name="ORIGINALWIDTH" val="503,1871"/>
+  <p:tag name="LATEXADDIN" val="\documentclass{article}&#10;\usepackage{amsmath}&#10;\usepackage{bm}&#10;\newcommand{\myM}[1]{\bm{\mathit{#1}}}&#10;\pagestyle{empty}&#10;\begin{document}&#10;&#10;$$&#10;(\mathbf{q},\dot{\mathbf{q}})_{\text{meas}}&#10;$$&#10;&#10;&#10;\end{document}"/>
+  <p:tag name="IGUANATEXSIZE" val="12"/>
+  <p:tag name="IGUANATEXCURSOR" val="168"/>
+  <p:tag name="TRANSPARENCY" val="Wahr"/>
+  <p:tag name="FILENAME" val=""/>
+  <p:tag name="LATEXENGINEID" val="0"/>
+  <p:tag name="TEMPFOLDER" val="c:\temp\"/>
+  <p:tag name="LATEXFORMHEIGHT" val="312"/>
+  <p:tag name="LATEXFORMWIDTH" val="384"/>
+  <p:tag name="LATEXFORMWRAP" val="Wahr"/>
+  <p:tag name="BITMAPVECTOR" val="0"/>
+</p:tagLst>
+</file>
+
+<file path=ppt/tags/tag8.xml><?xml version="1.0" encoding="utf-8"?>
+<p:tagLst xmlns:a="http://schemas.openxmlformats.org/drawingml/2006/main" xmlns:r="http://schemas.openxmlformats.org/officeDocument/2006/relationships" xmlns:p="http://schemas.openxmlformats.org/presentationml/2006/main">
+  <p:tag name="OUTPUTDPI" val="1200"/>
+  <p:tag name="ORIGINALHEIGHT" val="108,7364"/>
+  <p:tag name="ORIGINALWIDTH" val="383,952"/>
+  <p:tag name="LATEXADDIN" val="\documentclass{article}&#10;\usepackage{amsmath}&#10;\usepackage{bm}&#10;\newcommand{\myM}[1]{\bm{\mathit{#1}}}&#10;\pagestyle{empty}&#10;\begin{document}&#10;&#10;$$&#10;\mathbf{u},\dot{\mathbf{u}}, \bm{\tau}_u&#10;$$&#10;&#10;&#10;\end{document}"/>
+  <p:tag name="IGUANATEXSIZE" val="12"/>
+  <p:tag name="IGUANATEXCURSOR" val="171"/>
+  <p:tag name="TRANSPARENCY" val="Wahr"/>
+  <p:tag name="FILENAME" val=""/>
+  <p:tag name="LATEXENGINEID" val="0"/>
+  <p:tag name="TEMPFOLDER" val="c:\temp\"/>
+  <p:tag name="LATEXFORMHEIGHT" val="312"/>
+  <p:tag name="LATEXFORMWIDTH" val="384"/>
+  <p:tag name="LATEXFORMWRAP" val="Wahr"/>
+  <p:tag name="BITMAPVECTOR" val="0"/>
+</p:tagLst>
+</file>
+
+<file path=ppt/tags/tag9.xml><?xml version="1.0" encoding="utf-8"?>
+<p:tagLst xmlns:a="http://schemas.openxmlformats.org/drawingml/2006/main" xmlns:r="http://schemas.openxmlformats.org/officeDocument/2006/relationships" xmlns:p="http://schemas.openxmlformats.org/presentationml/2006/main">
+  <p:tag name="OUTPUTDPI" val="1200"/>
+  <p:tag name="ORIGINALHEIGHT" val="125,2343"/>
+  <p:tag name="ORIGINALWIDTH" val="503,1871"/>
+  <p:tag name="LATEXADDIN" val="\documentclass{article}&#10;\usepackage{amsmath}&#10;\usepackage{bm}&#10;\newcommand{\myM}[1]{\bm{\mathit{#1}}}&#10;\pagestyle{empty}&#10;\begin{document}&#10;&#10;$$&#10;(\mathbf{q},\dot{\mathbf{q}})_{\text{meas}}&#10;$$&#10;&#10;&#10;\end{document}"/>
+  <p:tag name="IGUANATEXSIZE" val="12"/>
+  <p:tag name="IGUANATEXCURSOR" val="168"/>
   <p:tag name="TRANSPARENCY" val="Wahr"/>
   <p:tag name="FILENAME" val=""/>
   <p:tag name="LATEXENGINEID" val="0"/>

--- a/img/pptGraphs.pptx
+++ b/img/pptGraphs.pptx
@@ -13,6 +13,7 @@
     <p:sldId id="261" r:id="rId7"/>
     <p:sldId id="262" r:id="rId8"/>
     <p:sldId id="263" r:id="rId9"/>
+    <p:sldId id="264" r:id="rId10"/>
   </p:sldIdLst>
   <p:sldSz cx="12192000" cy="6858000"/>
   <p:notesSz cx="6858000" cy="9144000"/>
@@ -3027,7 +3028,7 @@
           <a:p>
             <a:fld id="{0652E80E-B1F5-4805-9AD7-A46BA932CB10}" type="datetimeFigureOut">
               <a:rPr lang="de-DE" smtClean="0"/>
-              <a:t>15.09.2020</a:t>
+              <a:t>16.09.2020</a:t>
             </a:fld>
             <a:endParaRPr lang="de-DE"/>
           </a:p>
@@ -3225,7 +3226,7 @@
           <a:p>
             <a:fld id="{0652E80E-B1F5-4805-9AD7-A46BA932CB10}" type="datetimeFigureOut">
               <a:rPr lang="de-DE" smtClean="0"/>
-              <a:t>15.09.2020</a:t>
+              <a:t>16.09.2020</a:t>
             </a:fld>
             <a:endParaRPr lang="de-DE"/>
           </a:p>
@@ -3433,7 +3434,7 @@
           <a:p>
             <a:fld id="{0652E80E-B1F5-4805-9AD7-A46BA932CB10}" type="datetimeFigureOut">
               <a:rPr lang="de-DE" smtClean="0"/>
-              <a:t>15.09.2020</a:t>
+              <a:t>16.09.2020</a:t>
             </a:fld>
             <a:endParaRPr lang="de-DE"/>
           </a:p>
@@ -3631,7 +3632,7 @@
           <a:p>
             <a:fld id="{0652E80E-B1F5-4805-9AD7-A46BA932CB10}" type="datetimeFigureOut">
               <a:rPr lang="de-DE" smtClean="0"/>
-              <a:t>15.09.2020</a:t>
+              <a:t>16.09.2020</a:t>
             </a:fld>
             <a:endParaRPr lang="de-DE"/>
           </a:p>
@@ -3906,7 +3907,7 @@
           <a:p>
             <a:fld id="{0652E80E-B1F5-4805-9AD7-A46BA932CB10}" type="datetimeFigureOut">
               <a:rPr lang="de-DE" smtClean="0"/>
-              <a:t>15.09.2020</a:t>
+              <a:t>16.09.2020</a:t>
             </a:fld>
             <a:endParaRPr lang="de-DE"/>
           </a:p>
@@ -4171,7 +4172,7 @@
           <a:p>
             <a:fld id="{0652E80E-B1F5-4805-9AD7-A46BA932CB10}" type="datetimeFigureOut">
               <a:rPr lang="de-DE" smtClean="0"/>
-              <a:t>15.09.2020</a:t>
+              <a:t>16.09.2020</a:t>
             </a:fld>
             <a:endParaRPr lang="de-DE"/>
           </a:p>
@@ -4583,7 +4584,7 @@
           <a:p>
             <a:fld id="{0652E80E-B1F5-4805-9AD7-A46BA932CB10}" type="datetimeFigureOut">
               <a:rPr lang="de-DE" smtClean="0"/>
-              <a:t>15.09.2020</a:t>
+              <a:t>16.09.2020</a:t>
             </a:fld>
             <a:endParaRPr lang="de-DE"/>
           </a:p>
@@ -4724,7 +4725,7 @@
           <a:p>
             <a:fld id="{0652E80E-B1F5-4805-9AD7-A46BA932CB10}" type="datetimeFigureOut">
               <a:rPr lang="de-DE" smtClean="0"/>
-              <a:t>15.09.2020</a:t>
+              <a:t>16.09.2020</a:t>
             </a:fld>
             <a:endParaRPr lang="de-DE"/>
           </a:p>
@@ -4837,7 +4838,7 @@
           <a:p>
             <a:fld id="{0652E80E-B1F5-4805-9AD7-A46BA932CB10}" type="datetimeFigureOut">
               <a:rPr lang="de-DE" smtClean="0"/>
-              <a:t>15.09.2020</a:t>
+              <a:t>16.09.2020</a:t>
             </a:fld>
             <a:endParaRPr lang="de-DE"/>
           </a:p>
@@ -5148,7 +5149,7 @@
           <a:p>
             <a:fld id="{0652E80E-B1F5-4805-9AD7-A46BA932CB10}" type="datetimeFigureOut">
               <a:rPr lang="de-DE" smtClean="0"/>
-              <a:t>15.09.2020</a:t>
+              <a:t>16.09.2020</a:t>
             </a:fld>
             <a:endParaRPr lang="de-DE"/>
           </a:p>
@@ -5436,7 +5437,7 @@
           <a:p>
             <a:fld id="{0652E80E-B1F5-4805-9AD7-A46BA932CB10}" type="datetimeFigureOut">
               <a:rPr lang="de-DE" smtClean="0"/>
-              <a:t>15.09.2020</a:t>
+              <a:t>16.09.2020</a:t>
             </a:fld>
             <a:endParaRPr lang="de-DE"/>
           </a:p>
@@ -5677,7 +5678,7 @@
           <a:p>
             <a:fld id="{0652E80E-B1F5-4805-9AD7-A46BA932CB10}" type="datetimeFigureOut">
               <a:rPr lang="de-DE" smtClean="0"/>
-              <a:t>15.09.2020</a:t>
+              <a:t>16.09.2020</a:t>
             </a:fld>
             <a:endParaRPr lang="de-DE"/>
           </a:p>
@@ -13592,7 +13593,7 @@
                   <a:schemeClr val="tx1"/>
                 </a:solidFill>
               </a:rPr>
-              <a:t> Online </a:t>
+              <a:t> Validation </a:t>
             </a:r>
             <a:r>
               <a:rPr lang="de-DE" dirty="0" err="1">
@@ -13600,7 +13601,7 @@
                   <a:schemeClr val="tx1"/>
                 </a:solidFill>
               </a:rPr>
-              <a:t>Stabilization</a:t>
+              <a:t>of</a:t>
             </a:r>
             <a:r>
               <a:rPr lang="de-DE" dirty="0">
@@ -13609,22 +13610,6 @@
                 </a:solidFill>
               </a:rPr>
               <a:t> </a:t>
-            </a:r>
-            <a:r>
-              <a:rPr lang="de-DE" dirty="0" err="1">
-                <a:solidFill>
-                  <a:schemeClr val="tx1"/>
-                </a:solidFill>
-              </a:rPr>
-              <a:t>of</a:t>
-            </a:r>
-            <a:r>
-              <a:rPr lang="de-DE" dirty="0">
-                <a:solidFill>
-                  <a:schemeClr val="tx1"/>
-                </a:solidFill>
-              </a:rPr>
-              <a:t> the </a:t>
             </a:r>
             <a:r>
               <a:rPr lang="de-DE" dirty="0" err="1">
@@ -14724,6 +14709,1721 @@
     <p:extLst>
       <p:ext uri="{BB962C8B-B14F-4D97-AF65-F5344CB8AC3E}">
         <p14:creationId xmlns:p14="http://schemas.microsoft.com/office/powerpoint/2010/main" val="1775215435"/>
+      </p:ext>
+    </p:extLst>
+  </p:cSld>
+  <p:clrMapOvr>
+    <a:masterClrMapping/>
+  </p:clrMapOvr>
+</p:sld>
+</file>
+
+<file path=ppt/slides/slide9.xml><?xml version="1.0" encoding="utf-8"?>
+<p:sld xmlns:a="http://schemas.openxmlformats.org/drawingml/2006/main" xmlns:r="http://schemas.openxmlformats.org/officeDocument/2006/relationships" xmlns:p="http://schemas.openxmlformats.org/presentationml/2006/main">
+  <p:cSld>
+    <p:spTree>
+      <p:nvGrpSpPr>
+        <p:cNvPr id="1" name=""/>
+        <p:cNvGrpSpPr/>
+        <p:nvPr/>
+      </p:nvGrpSpPr>
+      <p:grpSpPr>
+        <a:xfrm>
+          <a:off x="0" y="0"/>
+          <a:ext cx="0" cy="0"/>
+          <a:chOff x="0" y="0"/>
+          <a:chExt cx="0" cy="0"/>
+        </a:xfrm>
+      </p:grpSpPr>
+      <p:sp>
+        <p:nvSpPr>
+          <p:cNvPr id="123" name="Rechteck 122">
+            <a:extLst>
+              <a:ext uri="{FF2B5EF4-FFF2-40B4-BE49-F238E27FC236}">
+                <a16:creationId xmlns:a16="http://schemas.microsoft.com/office/drawing/2014/main" id="{4AB9F450-A5AB-49CE-B304-66370177C652}"/>
+              </a:ext>
+            </a:extLst>
+          </p:cNvPr>
+          <p:cNvSpPr/>
+          <p:nvPr/>
+        </p:nvSpPr>
+        <p:spPr>
+          <a:xfrm>
+            <a:off x="2647950" y="3441721"/>
+            <a:ext cx="5734050" cy="796291"/>
+          </a:xfrm>
+          <a:prstGeom prst="rect">
+            <a:avLst/>
+          </a:prstGeom>
+          <a:solidFill>
+            <a:schemeClr val="bg1">
+              <a:lumMod val="85000"/>
+            </a:schemeClr>
+          </a:solidFill>
+          <a:ln w="19050">
+            <a:solidFill>
+              <a:schemeClr val="tx1"/>
+            </a:solidFill>
+          </a:ln>
+        </p:spPr>
+        <p:style>
+          <a:lnRef idx="2">
+            <a:schemeClr val="accent1">
+              <a:shade val="50000"/>
+            </a:schemeClr>
+          </a:lnRef>
+          <a:fillRef idx="1">
+            <a:schemeClr val="accent1"/>
+          </a:fillRef>
+          <a:effectRef idx="0">
+            <a:schemeClr val="accent1"/>
+          </a:effectRef>
+          <a:fontRef idx="minor">
+            <a:schemeClr val="lt1"/>
+          </a:fontRef>
+        </p:style>
+        <p:txBody>
+          <a:bodyPr rtlCol="0" anchor="ctr"/>
+          <a:lstStyle/>
+          <a:p>
+            <a:r>
+              <a:rPr lang="de-DE" dirty="0" err="1">
+                <a:solidFill>
+                  <a:schemeClr val="tx1"/>
+                </a:solidFill>
+              </a:rPr>
+              <a:t>Planning</a:t>
+            </a:r>
+            <a:endParaRPr lang="de-DE" dirty="0">
+              <a:solidFill>
+                <a:schemeClr val="tx1"/>
+              </a:solidFill>
+            </a:endParaRPr>
+          </a:p>
+        </p:txBody>
+      </p:sp>
+      <p:sp>
+        <p:nvSpPr>
+          <p:cNvPr id="125" name="Rechteck 124">
+            <a:extLst>
+              <a:ext uri="{FF2B5EF4-FFF2-40B4-BE49-F238E27FC236}">
+                <a16:creationId xmlns:a16="http://schemas.microsoft.com/office/drawing/2014/main" id="{640E39D3-2F67-43CE-AACB-CBBD06B83170}"/>
+              </a:ext>
+            </a:extLst>
+          </p:cNvPr>
+          <p:cNvSpPr/>
+          <p:nvPr/>
+        </p:nvSpPr>
+        <p:spPr>
+          <a:xfrm>
+            <a:off x="2647950" y="4510247"/>
+            <a:ext cx="5734050" cy="796291"/>
+          </a:xfrm>
+          <a:prstGeom prst="rect">
+            <a:avLst/>
+          </a:prstGeom>
+          <a:solidFill>
+            <a:schemeClr val="bg1">
+              <a:lumMod val="85000"/>
+            </a:schemeClr>
+          </a:solidFill>
+          <a:ln w="19050">
+            <a:solidFill>
+              <a:schemeClr val="tx1"/>
+            </a:solidFill>
+          </a:ln>
+        </p:spPr>
+        <p:style>
+          <a:lnRef idx="2">
+            <a:schemeClr val="accent1">
+              <a:shade val="50000"/>
+            </a:schemeClr>
+          </a:lnRef>
+          <a:fillRef idx="1">
+            <a:schemeClr val="accent1"/>
+          </a:fillRef>
+          <a:effectRef idx="0">
+            <a:schemeClr val="accent1"/>
+          </a:effectRef>
+          <a:fontRef idx="minor">
+            <a:schemeClr val="lt1"/>
+          </a:fontRef>
+        </p:style>
+        <p:txBody>
+          <a:bodyPr rtlCol="0" anchor="ctr"/>
+          <a:lstStyle/>
+          <a:p>
+            <a:r>
+              <a:rPr lang="de-DE" dirty="0">
+                <a:solidFill>
+                  <a:schemeClr val="tx1"/>
+                </a:solidFill>
+              </a:rPr>
+              <a:t>Control</a:t>
+            </a:r>
+          </a:p>
+        </p:txBody>
+      </p:sp>
+      <p:sp>
+        <p:nvSpPr>
+          <p:cNvPr id="127" name="Rechteck 126">
+            <a:extLst>
+              <a:ext uri="{FF2B5EF4-FFF2-40B4-BE49-F238E27FC236}">
+                <a16:creationId xmlns:a16="http://schemas.microsoft.com/office/drawing/2014/main" id="{D5A8F084-967E-46E8-9116-E70C933ADB67}"/>
+              </a:ext>
+            </a:extLst>
+          </p:cNvPr>
+          <p:cNvSpPr/>
+          <p:nvPr/>
+        </p:nvSpPr>
+        <p:spPr>
+          <a:xfrm>
+            <a:off x="2647950" y="2371177"/>
+            <a:ext cx="5734050" cy="796291"/>
+          </a:xfrm>
+          <a:prstGeom prst="rect">
+            <a:avLst/>
+          </a:prstGeom>
+          <a:solidFill>
+            <a:schemeClr val="bg1">
+              <a:lumMod val="85000"/>
+            </a:schemeClr>
+          </a:solidFill>
+          <a:ln w="19050">
+            <a:solidFill>
+              <a:schemeClr val="tx1"/>
+            </a:solidFill>
+          </a:ln>
+        </p:spPr>
+        <p:style>
+          <a:lnRef idx="2">
+            <a:schemeClr val="accent1">
+              <a:shade val="50000"/>
+            </a:schemeClr>
+          </a:lnRef>
+          <a:fillRef idx="1">
+            <a:schemeClr val="accent1"/>
+          </a:fillRef>
+          <a:effectRef idx="0">
+            <a:schemeClr val="accent1"/>
+          </a:effectRef>
+          <a:fontRef idx="minor">
+            <a:schemeClr val="lt1"/>
+          </a:fontRef>
+        </p:style>
+        <p:txBody>
+          <a:bodyPr rtlCol="0" anchor="ctr"/>
+          <a:lstStyle/>
+          <a:p>
+            <a:r>
+              <a:rPr lang="de-DE" dirty="0">
+                <a:solidFill>
+                  <a:schemeClr val="tx1"/>
+                </a:solidFill>
+              </a:rPr>
+              <a:t>Approach</a:t>
+            </a:r>
+            <a:endParaRPr lang="de-DE" sz="1100" dirty="0">
+              <a:solidFill>
+                <a:schemeClr val="tx1"/>
+              </a:solidFill>
+            </a:endParaRPr>
+          </a:p>
+        </p:txBody>
+      </p:sp>
+      <p:sp>
+        <p:nvSpPr>
+          <p:cNvPr id="17" name="Rechteck 16">
+            <a:extLst>
+              <a:ext uri="{FF2B5EF4-FFF2-40B4-BE49-F238E27FC236}">
+                <a16:creationId xmlns:a16="http://schemas.microsoft.com/office/drawing/2014/main" id="{F5F2B274-EAD7-45C6-96E9-A0A430356AC2}"/>
+              </a:ext>
+            </a:extLst>
+          </p:cNvPr>
+          <p:cNvSpPr/>
+          <p:nvPr/>
+        </p:nvSpPr>
+        <p:spPr>
+          <a:xfrm>
+            <a:off x="2647950" y="1304307"/>
+            <a:ext cx="5734050" cy="796291"/>
+          </a:xfrm>
+          <a:prstGeom prst="rect">
+            <a:avLst/>
+          </a:prstGeom>
+          <a:solidFill>
+            <a:schemeClr val="bg1">
+              <a:lumMod val="85000"/>
+            </a:schemeClr>
+          </a:solidFill>
+          <a:ln w="19050">
+            <a:solidFill>
+              <a:schemeClr val="tx1"/>
+            </a:solidFill>
+          </a:ln>
+        </p:spPr>
+        <p:style>
+          <a:lnRef idx="2">
+            <a:schemeClr val="accent1">
+              <a:shade val="50000"/>
+            </a:schemeClr>
+          </a:lnRef>
+          <a:fillRef idx="1">
+            <a:schemeClr val="accent1"/>
+          </a:fillRef>
+          <a:effectRef idx="0">
+            <a:schemeClr val="accent1"/>
+          </a:effectRef>
+          <a:fontRef idx="minor">
+            <a:schemeClr val="lt1"/>
+          </a:fontRef>
+        </p:style>
+        <p:txBody>
+          <a:bodyPr rtlCol="0" anchor="ctr"/>
+          <a:lstStyle/>
+          <a:p>
+            <a:r>
+              <a:rPr lang="de-DE" dirty="0">
+                <a:solidFill>
+                  <a:schemeClr val="tx1"/>
+                </a:solidFill>
+              </a:rPr>
+              <a:t>Research</a:t>
+            </a:r>
+            <a:endParaRPr lang="de-DE" sz="1100" dirty="0">
+              <a:solidFill>
+                <a:schemeClr val="tx1"/>
+              </a:solidFill>
+            </a:endParaRPr>
+          </a:p>
+        </p:txBody>
+      </p:sp>
+      <p:sp>
+        <p:nvSpPr>
+          <p:cNvPr id="21" name="Rechteck 20">
+            <a:extLst>
+              <a:ext uri="{FF2B5EF4-FFF2-40B4-BE49-F238E27FC236}">
+                <a16:creationId xmlns:a16="http://schemas.microsoft.com/office/drawing/2014/main" id="{61DFCBF2-B2A5-429E-B2E1-3C89ACCA4C69}"/>
+              </a:ext>
+            </a:extLst>
+          </p:cNvPr>
+          <p:cNvSpPr/>
+          <p:nvPr/>
+        </p:nvSpPr>
+        <p:spPr>
+          <a:xfrm>
+            <a:off x="2647950" y="5572618"/>
+            <a:ext cx="5734050" cy="796291"/>
+          </a:xfrm>
+          <a:prstGeom prst="rect">
+            <a:avLst/>
+          </a:prstGeom>
+          <a:solidFill>
+            <a:schemeClr val="bg1">
+              <a:lumMod val="85000"/>
+            </a:schemeClr>
+          </a:solidFill>
+          <a:ln w="19050">
+            <a:solidFill>
+              <a:schemeClr val="tx1"/>
+            </a:solidFill>
+          </a:ln>
+        </p:spPr>
+        <p:style>
+          <a:lnRef idx="2">
+            <a:schemeClr val="accent1">
+              <a:shade val="50000"/>
+            </a:schemeClr>
+          </a:lnRef>
+          <a:fillRef idx="1">
+            <a:schemeClr val="accent1"/>
+          </a:fillRef>
+          <a:effectRef idx="0">
+            <a:schemeClr val="accent1"/>
+          </a:effectRef>
+          <a:fontRef idx="minor">
+            <a:schemeClr val="lt1"/>
+          </a:fontRef>
+        </p:style>
+        <p:txBody>
+          <a:bodyPr rtlCol="0" anchor="ctr"/>
+          <a:lstStyle/>
+          <a:p>
+            <a:r>
+              <a:rPr lang="de-DE" dirty="0" err="1">
+                <a:solidFill>
+                  <a:schemeClr val="tx1"/>
+                </a:solidFill>
+              </a:rPr>
+              <a:t>Conclusion</a:t>
+            </a:r>
+            <a:endParaRPr lang="de-DE" dirty="0">
+              <a:solidFill>
+                <a:schemeClr val="tx1"/>
+              </a:solidFill>
+            </a:endParaRPr>
+          </a:p>
+        </p:txBody>
+      </p:sp>
+      <p:sp>
+        <p:nvSpPr>
+          <p:cNvPr id="22" name="Rechteck 21">
+            <a:extLst>
+              <a:ext uri="{FF2B5EF4-FFF2-40B4-BE49-F238E27FC236}">
+                <a16:creationId xmlns:a16="http://schemas.microsoft.com/office/drawing/2014/main" id="{F54B648E-DD07-4296-BDDF-0ED35F7A1C92}"/>
+              </a:ext>
+            </a:extLst>
+          </p:cNvPr>
+          <p:cNvSpPr/>
+          <p:nvPr/>
+        </p:nvSpPr>
+        <p:spPr>
+          <a:xfrm>
+            <a:off x="8778951" y="2371177"/>
+            <a:ext cx="2300767" cy="2935361"/>
+          </a:xfrm>
+          <a:prstGeom prst="rect">
+            <a:avLst/>
+          </a:prstGeom>
+          <a:solidFill>
+            <a:schemeClr val="bg1">
+              <a:lumMod val="85000"/>
+            </a:schemeClr>
+          </a:solidFill>
+          <a:ln w="19050">
+            <a:solidFill>
+              <a:schemeClr val="tx1"/>
+            </a:solidFill>
+          </a:ln>
+        </p:spPr>
+        <p:style>
+          <a:lnRef idx="2">
+            <a:schemeClr val="accent1">
+              <a:shade val="50000"/>
+            </a:schemeClr>
+          </a:lnRef>
+          <a:fillRef idx="1">
+            <a:schemeClr val="accent1"/>
+          </a:fillRef>
+          <a:effectRef idx="0">
+            <a:schemeClr val="accent1"/>
+          </a:effectRef>
+          <a:fontRef idx="minor">
+            <a:schemeClr val="lt1"/>
+          </a:fontRef>
+        </p:style>
+        <p:txBody>
+          <a:bodyPr rtlCol="0" anchor="ctr"/>
+          <a:lstStyle/>
+          <a:p>
+            <a:pPr algn="ctr"/>
+            <a:endParaRPr lang="de-DE" sz="1400" dirty="0">
+              <a:solidFill>
+                <a:schemeClr val="tx1"/>
+              </a:solidFill>
+            </a:endParaRPr>
+          </a:p>
+          <a:p>
+            <a:pPr algn="ctr"/>
+            <a:r>
+              <a:rPr lang="de-DE" dirty="0">
+                <a:solidFill>
+                  <a:schemeClr val="tx1"/>
+                </a:solidFill>
+              </a:rPr>
+              <a:t>Appendix</a:t>
+            </a:r>
+            <a:endParaRPr lang="de-DE" sz="1400" dirty="0">
+              <a:solidFill>
+                <a:schemeClr val="tx1"/>
+              </a:solidFill>
+            </a:endParaRPr>
+          </a:p>
+        </p:txBody>
+      </p:sp>
+      <p:sp>
+        <p:nvSpPr>
+          <p:cNvPr id="4" name="Rechteck 3">
+            <a:extLst>
+              <a:ext uri="{FF2B5EF4-FFF2-40B4-BE49-F238E27FC236}">
+                <a16:creationId xmlns:a16="http://schemas.microsoft.com/office/drawing/2014/main" id="{4D880AAB-7C26-4466-A794-626D7C86C1ED}"/>
+              </a:ext>
+            </a:extLst>
+          </p:cNvPr>
+          <p:cNvSpPr/>
+          <p:nvPr/>
+        </p:nvSpPr>
+        <p:spPr>
+          <a:xfrm>
+            <a:off x="3947162" y="1396865"/>
+            <a:ext cx="1883184" cy="582932"/>
+          </a:xfrm>
+          <a:prstGeom prst="rect">
+            <a:avLst/>
+          </a:prstGeom>
+          <a:solidFill>
+            <a:schemeClr val="bg1"/>
+          </a:solidFill>
+          <a:ln w="19050">
+            <a:solidFill>
+              <a:schemeClr val="tx1"/>
+            </a:solidFill>
+          </a:ln>
+        </p:spPr>
+        <p:style>
+          <a:lnRef idx="2">
+            <a:schemeClr val="accent1">
+              <a:shade val="50000"/>
+            </a:schemeClr>
+          </a:lnRef>
+          <a:fillRef idx="1">
+            <a:schemeClr val="accent1"/>
+          </a:fillRef>
+          <a:effectRef idx="0">
+            <a:schemeClr val="accent1"/>
+          </a:effectRef>
+          <a:fontRef idx="minor">
+            <a:schemeClr val="lt1"/>
+          </a:fontRef>
+        </p:style>
+        <p:txBody>
+          <a:bodyPr rtlCol="0" anchor="ctr"/>
+          <a:lstStyle/>
+          <a:p>
+            <a:pPr algn="ctr"/>
+            <a:r>
+              <a:rPr lang="de-DE" b="1" dirty="0">
+                <a:solidFill>
+                  <a:schemeClr val="tx1"/>
+                </a:solidFill>
+              </a:rPr>
+              <a:t>1</a:t>
+            </a:r>
+            <a:r>
+              <a:rPr lang="de-DE" dirty="0">
+                <a:solidFill>
+                  <a:schemeClr val="tx1"/>
+                </a:solidFill>
+              </a:rPr>
+              <a:t> Introduction</a:t>
+            </a:r>
+          </a:p>
+        </p:txBody>
+      </p:sp>
+      <p:sp>
+        <p:nvSpPr>
+          <p:cNvPr id="6" name="Rechteck 5">
+            <a:extLst>
+              <a:ext uri="{FF2B5EF4-FFF2-40B4-BE49-F238E27FC236}">
+                <a16:creationId xmlns:a16="http://schemas.microsoft.com/office/drawing/2014/main" id="{3D63AD59-56F6-4669-8701-84D285A1810A}"/>
+              </a:ext>
+            </a:extLst>
+          </p:cNvPr>
+          <p:cNvSpPr/>
+          <p:nvPr/>
+        </p:nvSpPr>
+        <p:spPr>
+          <a:xfrm>
+            <a:off x="6357699" y="1395926"/>
+            <a:ext cx="1887140" cy="582932"/>
+          </a:xfrm>
+          <a:prstGeom prst="rect">
+            <a:avLst/>
+          </a:prstGeom>
+          <a:solidFill>
+            <a:schemeClr val="bg1"/>
+          </a:solidFill>
+          <a:ln w="19050">
+            <a:solidFill>
+              <a:schemeClr val="tx1"/>
+            </a:solidFill>
+          </a:ln>
+        </p:spPr>
+        <p:style>
+          <a:lnRef idx="2">
+            <a:schemeClr val="accent1">
+              <a:shade val="50000"/>
+            </a:schemeClr>
+          </a:lnRef>
+          <a:fillRef idx="1">
+            <a:schemeClr val="accent1"/>
+          </a:fillRef>
+          <a:effectRef idx="0">
+            <a:schemeClr val="accent1"/>
+          </a:effectRef>
+          <a:fontRef idx="minor">
+            <a:schemeClr val="lt1"/>
+          </a:fontRef>
+        </p:style>
+        <p:txBody>
+          <a:bodyPr rtlCol="0" anchor="ctr"/>
+          <a:lstStyle/>
+          <a:p>
+            <a:pPr algn="ctr"/>
+            <a:r>
+              <a:rPr lang="de-DE" b="1" dirty="0">
+                <a:solidFill>
+                  <a:schemeClr val="tx1"/>
+                </a:solidFill>
+              </a:rPr>
+              <a:t>2</a:t>
+            </a:r>
+            <a:r>
+              <a:rPr lang="de-DE" dirty="0">
+                <a:solidFill>
+                  <a:schemeClr val="tx1"/>
+                </a:solidFill>
+              </a:rPr>
+              <a:t> Background</a:t>
+            </a:r>
+            <a:endParaRPr lang="de-DE" sz="1100" dirty="0">
+              <a:solidFill>
+                <a:schemeClr val="tx1"/>
+              </a:solidFill>
+            </a:endParaRPr>
+          </a:p>
+        </p:txBody>
+      </p:sp>
+      <p:cxnSp>
+        <p:nvCxnSpPr>
+          <p:cNvPr id="8" name="Gerade Verbindung mit Pfeil 7">
+            <a:extLst>
+              <a:ext uri="{FF2B5EF4-FFF2-40B4-BE49-F238E27FC236}">
+                <a16:creationId xmlns:a16="http://schemas.microsoft.com/office/drawing/2014/main" id="{B2544344-ED1E-4291-AE89-A9834B4AA6EB}"/>
+              </a:ext>
+            </a:extLst>
+          </p:cNvPr>
+          <p:cNvCxnSpPr>
+            <a:cxnSpLocks/>
+            <a:stCxn id="4" idx="3"/>
+            <a:endCxn id="6" idx="1"/>
+          </p:cNvCxnSpPr>
+          <p:nvPr/>
+        </p:nvCxnSpPr>
+        <p:spPr>
+          <a:xfrm flipV="1">
+            <a:off x="5830346" y="1687392"/>
+            <a:ext cx="527353" cy="939"/>
+          </a:xfrm>
+          <a:prstGeom prst="straightConnector1">
+            <a:avLst/>
+          </a:prstGeom>
+          <a:ln w="19050">
+            <a:solidFill>
+              <a:schemeClr val="tx1"/>
+            </a:solidFill>
+            <a:tailEnd type="arrow"/>
+          </a:ln>
+        </p:spPr>
+        <p:style>
+          <a:lnRef idx="1">
+            <a:schemeClr val="accent1"/>
+          </a:lnRef>
+          <a:fillRef idx="0">
+            <a:schemeClr val="accent1"/>
+          </a:fillRef>
+          <a:effectRef idx="0">
+            <a:schemeClr val="accent1"/>
+          </a:effectRef>
+          <a:fontRef idx="minor">
+            <a:schemeClr val="tx1"/>
+          </a:fontRef>
+        </p:style>
+      </p:cxnSp>
+      <p:sp>
+        <p:nvSpPr>
+          <p:cNvPr id="10" name="Rechteck 9">
+            <a:extLst>
+              <a:ext uri="{FF2B5EF4-FFF2-40B4-BE49-F238E27FC236}">
+                <a16:creationId xmlns:a16="http://schemas.microsoft.com/office/drawing/2014/main" id="{F4D45E8E-D12F-4387-A9AD-C551B4977E73}"/>
+              </a:ext>
+            </a:extLst>
+          </p:cNvPr>
+          <p:cNvSpPr/>
+          <p:nvPr/>
+        </p:nvSpPr>
+        <p:spPr>
+          <a:xfrm>
+            <a:off x="4937760" y="2477856"/>
+            <a:ext cx="2316480" cy="582932"/>
+          </a:xfrm>
+          <a:prstGeom prst="rect">
+            <a:avLst/>
+          </a:prstGeom>
+          <a:solidFill>
+            <a:schemeClr val="bg1"/>
+          </a:solidFill>
+          <a:ln w="19050">
+            <a:solidFill>
+              <a:schemeClr val="tx1"/>
+            </a:solidFill>
+          </a:ln>
+        </p:spPr>
+        <p:style>
+          <a:lnRef idx="2">
+            <a:schemeClr val="accent1">
+              <a:shade val="50000"/>
+            </a:schemeClr>
+          </a:lnRef>
+          <a:fillRef idx="1">
+            <a:schemeClr val="accent1"/>
+          </a:fillRef>
+          <a:effectRef idx="0">
+            <a:schemeClr val="accent1"/>
+          </a:effectRef>
+          <a:fontRef idx="minor">
+            <a:schemeClr val="lt1"/>
+          </a:fontRef>
+        </p:style>
+        <p:txBody>
+          <a:bodyPr rtlCol="0" anchor="ctr"/>
+          <a:lstStyle/>
+          <a:p>
+            <a:pPr algn="ctr"/>
+            <a:r>
+              <a:rPr lang="de-DE" b="1" dirty="0">
+                <a:solidFill>
+                  <a:schemeClr val="tx1"/>
+                </a:solidFill>
+              </a:rPr>
+              <a:t>3</a:t>
+            </a:r>
+            <a:r>
+              <a:rPr lang="de-DE" dirty="0">
+                <a:solidFill>
+                  <a:schemeClr val="tx1"/>
+                </a:solidFill>
+              </a:rPr>
+              <a:t> Contact </a:t>
+            </a:r>
+            <a:r>
+              <a:rPr lang="de-DE" dirty="0" err="1">
+                <a:solidFill>
+                  <a:schemeClr val="tx1"/>
+                </a:solidFill>
+              </a:rPr>
+              <a:t>Stability</a:t>
+            </a:r>
+            <a:r>
+              <a:rPr lang="de-DE" dirty="0">
+                <a:solidFill>
+                  <a:schemeClr val="tx1"/>
+                </a:solidFill>
+              </a:rPr>
+              <a:t> </a:t>
+            </a:r>
+            <a:r>
+              <a:rPr lang="de-DE" dirty="0" err="1">
+                <a:solidFill>
+                  <a:schemeClr val="tx1"/>
+                </a:solidFill>
+              </a:rPr>
+              <a:t>Constrained</a:t>
+            </a:r>
+            <a:r>
+              <a:rPr lang="de-DE" dirty="0">
+                <a:solidFill>
+                  <a:schemeClr val="tx1"/>
+                </a:solidFill>
+              </a:rPr>
+              <a:t> DDP</a:t>
+            </a:r>
+            <a:endParaRPr lang="de-DE" sz="1100" dirty="0">
+              <a:solidFill>
+                <a:schemeClr val="tx1"/>
+              </a:solidFill>
+            </a:endParaRPr>
+          </a:p>
+        </p:txBody>
+      </p:sp>
+      <p:sp>
+        <p:nvSpPr>
+          <p:cNvPr id="14" name="Rechteck 13">
+            <a:extLst>
+              <a:ext uri="{FF2B5EF4-FFF2-40B4-BE49-F238E27FC236}">
+                <a16:creationId xmlns:a16="http://schemas.microsoft.com/office/drawing/2014/main" id="{714D6279-F38F-41F8-B2D6-D9BC240666C0}"/>
+              </a:ext>
+            </a:extLst>
+          </p:cNvPr>
+          <p:cNvSpPr/>
+          <p:nvPr/>
+        </p:nvSpPr>
+        <p:spPr>
+          <a:xfrm>
+            <a:off x="3947162" y="3545392"/>
+            <a:ext cx="1883186" cy="582932"/>
+          </a:xfrm>
+          <a:prstGeom prst="rect">
+            <a:avLst/>
+          </a:prstGeom>
+          <a:solidFill>
+            <a:schemeClr val="bg1"/>
+          </a:solidFill>
+          <a:ln w="19050">
+            <a:solidFill>
+              <a:schemeClr val="tx1"/>
+            </a:solidFill>
+          </a:ln>
+        </p:spPr>
+        <p:style>
+          <a:lnRef idx="2">
+            <a:schemeClr val="accent1">
+              <a:shade val="50000"/>
+            </a:schemeClr>
+          </a:lnRef>
+          <a:fillRef idx="1">
+            <a:schemeClr val="accent1"/>
+          </a:fillRef>
+          <a:effectRef idx="0">
+            <a:schemeClr val="accent1"/>
+          </a:effectRef>
+          <a:fontRef idx="minor">
+            <a:schemeClr val="lt1"/>
+          </a:fontRef>
+        </p:style>
+        <p:txBody>
+          <a:bodyPr rtlCol="0" anchor="ctr"/>
+          <a:lstStyle/>
+          <a:p>
+            <a:pPr algn="ctr"/>
+            <a:r>
+              <a:rPr lang="de-DE" b="1" dirty="0">
+                <a:solidFill>
+                  <a:schemeClr val="tx1"/>
+                </a:solidFill>
+              </a:rPr>
+              <a:t>4</a:t>
+            </a:r>
+            <a:r>
+              <a:rPr lang="de-DE" dirty="0">
+                <a:solidFill>
+                  <a:schemeClr val="tx1"/>
+                </a:solidFill>
+              </a:rPr>
+              <a:t> </a:t>
+            </a:r>
+            <a:r>
+              <a:rPr lang="de-DE" dirty="0" err="1">
+                <a:solidFill>
+                  <a:schemeClr val="tx1"/>
+                </a:solidFill>
+              </a:rPr>
+              <a:t>Bipedal</a:t>
+            </a:r>
+            <a:r>
+              <a:rPr lang="de-DE" dirty="0">
+                <a:solidFill>
+                  <a:schemeClr val="tx1"/>
+                </a:solidFill>
+              </a:rPr>
+              <a:t> Walking </a:t>
+            </a:r>
+            <a:r>
+              <a:rPr lang="de-DE" dirty="0" err="1">
+                <a:solidFill>
+                  <a:schemeClr val="tx1"/>
+                </a:solidFill>
+              </a:rPr>
+              <a:t>Variants</a:t>
+            </a:r>
+            <a:endParaRPr lang="de-DE" sz="1100" dirty="0">
+              <a:solidFill>
+                <a:schemeClr val="tx1"/>
+              </a:solidFill>
+            </a:endParaRPr>
+          </a:p>
+        </p:txBody>
+      </p:sp>
+      <p:sp>
+        <p:nvSpPr>
+          <p:cNvPr id="16" name="Rechteck 15">
+            <a:extLst>
+              <a:ext uri="{FF2B5EF4-FFF2-40B4-BE49-F238E27FC236}">
+                <a16:creationId xmlns:a16="http://schemas.microsoft.com/office/drawing/2014/main" id="{34C686A2-03E1-406C-B2F9-7D890DC28CC8}"/>
+              </a:ext>
+            </a:extLst>
+          </p:cNvPr>
+          <p:cNvSpPr/>
+          <p:nvPr/>
+        </p:nvSpPr>
+        <p:spPr>
+          <a:xfrm>
+            <a:off x="6357699" y="3545392"/>
+            <a:ext cx="1883183" cy="582932"/>
+          </a:xfrm>
+          <a:prstGeom prst="rect">
+            <a:avLst/>
+          </a:prstGeom>
+          <a:solidFill>
+            <a:schemeClr val="bg1"/>
+          </a:solidFill>
+          <a:ln w="19050">
+            <a:solidFill>
+              <a:schemeClr val="tx1"/>
+            </a:solidFill>
+          </a:ln>
+        </p:spPr>
+        <p:style>
+          <a:lnRef idx="2">
+            <a:schemeClr val="accent1">
+              <a:shade val="50000"/>
+            </a:schemeClr>
+          </a:lnRef>
+          <a:fillRef idx="1">
+            <a:schemeClr val="accent1"/>
+          </a:fillRef>
+          <a:effectRef idx="0">
+            <a:schemeClr val="accent1"/>
+          </a:effectRef>
+          <a:fontRef idx="minor">
+            <a:schemeClr val="lt1"/>
+          </a:fontRef>
+        </p:style>
+        <p:txBody>
+          <a:bodyPr rtlCol="0" anchor="ctr"/>
+          <a:lstStyle/>
+          <a:p>
+            <a:pPr algn="ctr"/>
+            <a:r>
+              <a:rPr lang="de-DE" b="1" dirty="0">
+                <a:solidFill>
+                  <a:schemeClr val="tx1"/>
+                </a:solidFill>
+              </a:rPr>
+              <a:t>5</a:t>
+            </a:r>
+            <a:r>
+              <a:rPr lang="de-DE" dirty="0">
+                <a:solidFill>
+                  <a:schemeClr val="tx1"/>
+                </a:solidFill>
+              </a:rPr>
+              <a:t> </a:t>
+            </a:r>
+            <a:r>
+              <a:rPr lang="de-DE" dirty="0" err="1">
+                <a:solidFill>
+                  <a:schemeClr val="tx1"/>
+                </a:solidFill>
+              </a:rPr>
+              <a:t>Highly</a:t>
+            </a:r>
+            <a:r>
+              <a:rPr lang="de-DE" dirty="0">
+                <a:solidFill>
+                  <a:schemeClr val="tx1"/>
+                </a:solidFill>
+              </a:rPr>
+              <a:t> Dynamic </a:t>
+            </a:r>
+            <a:r>
+              <a:rPr lang="de-DE" dirty="0" err="1">
+                <a:solidFill>
+                  <a:schemeClr val="tx1"/>
+                </a:solidFill>
+              </a:rPr>
+              <a:t>Movements</a:t>
+            </a:r>
+            <a:endParaRPr lang="de-DE" sz="1100" dirty="0">
+              <a:solidFill>
+                <a:schemeClr val="tx1"/>
+              </a:solidFill>
+            </a:endParaRPr>
+          </a:p>
+        </p:txBody>
+      </p:sp>
+      <p:sp>
+        <p:nvSpPr>
+          <p:cNvPr id="18" name="Rechteck 17">
+            <a:extLst>
+              <a:ext uri="{FF2B5EF4-FFF2-40B4-BE49-F238E27FC236}">
+                <a16:creationId xmlns:a16="http://schemas.microsoft.com/office/drawing/2014/main" id="{9B5664D5-C88B-4A49-B931-1902D6656029}"/>
+              </a:ext>
+            </a:extLst>
+          </p:cNvPr>
+          <p:cNvSpPr/>
+          <p:nvPr/>
+        </p:nvSpPr>
+        <p:spPr>
+          <a:xfrm>
+            <a:off x="4647247" y="4616926"/>
+            <a:ext cx="2897505" cy="582932"/>
+          </a:xfrm>
+          <a:prstGeom prst="rect">
+            <a:avLst/>
+          </a:prstGeom>
+          <a:solidFill>
+            <a:schemeClr val="bg1"/>
+          </a:solidFill>
+          <a:ln w="19050">
+            <a:solidFill>
+              <a:schemeClr val="tx1"/>
+            </a:solidFill>
+          </a:ln>
+        </p:spPr>
+        <p:style>
+          <a:lnRef idx="2">
+            <a:schemeClr val="accent1">
+              <a:shade val="50000"/>
+            </a:schemeClr>
+          </a:lnRef>
+          <a:fillRef idx="1">
+            <a:schemeClr val="accent1"/>
+          </a:fillRef>
+          <a:effectRef idx="0">
+            <a:schemeClr val="accent1"/>
+          </a:effectRef>
+          <a:fontRef idx="minor">
+            <a:schemeClr val="lt1"/>
+          </a:fontRef>
+        </p:style>
+        <p:txBody>
+          <a:bodyPr rtlCol="0" anchor="ctr"/>
+          <a:lstStyle/>
+          <a:p>
+            <a:pPr algn="ctr"/>
+            <a:r>
+              <a:rPr lang="de-DE" b="1" dirty="0">
+                <a:solidFill>
+                  <a:schemeClr val="tx1"/>
+                </a:solidFill>
+              </a:rPr>
+              <a:t>6</a:t>
+            </a:r>
+            <a:r>
+              <a:rPr lang="de-DE" dirty="0">
+                <a:solidFill>
+                  <a:schemeClr val="tx1"/>
+                </a:solidFill>
+              </a:rPr>
+              <a:t> Validation </a:t>
+            </a:r>
+            <a:r>
+              <a:rPr lang="de-DE" dirty="0" err="1">
+                <a:solidFill>
+                  <a:schemeClr val="tx1"/>
+                </a:solidFill>
+              </a:rPr>
+              <a:t>of</a:t>
+            </a:r>
+            <a:r>
+              <a:rPr lang="de-DE" dirty="0">
+                <a:solidFill>
+                  <a:schemeClr val="tx1"/>
+                </a:solidFill>
+              </a:rPr>
+              <a:t> </a:t>
+            </a:r>
+            <a:r>
+              <a:rPr lang="de-DE" dirty="0" err="1">
+                <a:solidFill>
+                  <a:schemeClr val="tx1"/>
+                </a:solidFill>
+              </a:rPr>
+              <a:t>Planned</a:t>
+            </a:r>
+            <a:r>
+              <a:rPr lang="de-DE" dirty="0">
+                <a:solidFill>
+                  <a:schemeClr val="tx1"/>
+                </a:solidFill>
+              </a:rPr>
+              <a:t> </a:t>
+            </a:r>
+            <a:r>
+              <a:rPr lang="de-DE" dirty="0" err="1">
+                <a:solidFill>
+                  <a:schemeClr val="tx1"/>
+                </a:solidFill>
+              </a:rPr>
+              <a:t>Motions</a:t>
+            </a:r>
+            <a:endParaRPr lang="de-DE" sz="1100" dirty="0">
+              <a:solidFill>
+                <a:schemeClr val="tx1"/>
+              </a:solidFill>
+            </a:endParaRPr>
+          </a:p>
+        </p:txBody>
+      </p:sp>
+      <p:cxnSp>
+        <p:nvCxnSpPr>
+          <p:cNvPr id="24" name="Gerade Verbindung mit Pfeil 23">
+            <a:extLst>
+              <a:ext uri="{FF2B5EF4-FFF2-40B4-BE49-F238E27FC236}">
+                <a16:creationId xmlns:a16="http://schemas.microsoft.com/office/drawing/2014/main" id="{9D0F6451-1784-45C3-8DC4-7015B41D92BF}"/>
+              </a:ext>
+            </a:extLst>
+          </p:cNvPr>
+          <p:cNvCxnSpPr>
+            <a:cxnSpLocks/>
+          </p:cNvCxnSpPr>
+          <p:nvPr/>
+        </p:nvCxnSpPr>
+        <p:spPr>
+          <a:xfrm>
+            <a:off x="7369969" y="2100598"/>
+            <a:ext cx="0" cy="280035"/>
+          </a:xfrm>
+          <a:prstGeom prst="straightConnector1">
+            <a:avLst/>
+          </a:prstGeom>
+          <a:ln w="19050">
+            <a:solidFill>
+              <a:schemeClr val="tx1"/>
+            </a:solidFill>
+            <a:tailEnd type="arrow"/>
+          </a:ln>
+        </p:spPr>
+        <p:style>
+          <a:lnRef idx="1">
+            <a:schemeClr val="accent1"/>
+          </a:lnRef>
+          <a:fillRef idx="0">
+            <a:schemeClr val="accent1"/>
+          </a:fillRef>
+          <a:effectRef idx="0">
+            <a:schemeClr val="accent1"/>
+          </a:effectRef>
+          <a:fontRef idx="minor">
+            <a:schemeClr val="tx1"/>
+          </a:fontRef>
+        </p:style>
+      </p:cxnSp>
+      <p:cxnSp>
+        <p:nvCxnSpPr>
+          <p:cNvPr id="28" name="Gerade Verbindung mit Pfeil 27">
+            <a:extLst>
+              <a:ext uri="{FF2B5EF4-FFF2-40B4-BE49-F238E27FC236}">
+                <a16:creationId xmlns:a16="http://schemas.microsoft.com/office/drawing/2014/main" id="{206FD2DB-E182-401C-88C8-DDD72A14BA5E}"/>
+              </a:ext>
+            </a:extLst>
+          </p:cNvPr>
+          <p:cNvCxnSpPr>
+            <a:cxnSpLocks/>
+          </p:cNvCxnSpPr>
+          <p:nvPr/>
+        </p:nvCxnSpPr>
+        <p:spPr>
+          <a:xfrm>
+            <a:off x="6096000" y="5306538"/>
+            <a:ext cx="0" cy="266080"/>
+          </a:xfrm>
+          <a:prstGeom prst="straightConnector1">
+            <a:avLst/>
+          </a:prstGeom>
+          <a:ln w="19050">
+            <a:solidFill>
+              <a:schemeClr val="tx1"/>
+            </a:solidFill>
+            <a:tailEnd type="arrow"/>
+          </a:ln>
+        </p:spPr>
+        <p:style>
+          <a:lnRef idx="1">
+            <a:schemeClr val="accent1"/>
+          </a:lnRef>
+          <a:fillRef idx="0">
+            <a:schemeClr val="accent1"/>
+          </a:fillRef>
+          <a:effectRef idx="0">
+            <a:schemeClr val="accent1"/>
+          </a:effectRef>
+          <a:fontRef idx="minor">
+            <a:schemeClr val="tx1"/>
+          </a:fontRef>
+        </p:style>
+      </p:cxnSp>
+      <p:cxnSp>
+        <p:nvCxnSpPr>
+          <p:cNvPr id="30" name="Gerade Verbindung mit Pfeil 29">
+            <a:extLst>
+              <a:ext uri="{FF2B5EF4-FFF2-40B4-BE49-F238E27FC236}">
+                <a16:creationId xmlns:a16="http://schemas.microsoft.com/office/drawing/2014/main" id="{B0D025E9-17F7-4334-ACE8-632D2456FC1E}"/>
+              </a:ext>
+            </a:extLst>
+          </p:cNvPr>
+          <p:cNvCxnSpPr>
+            <a:cxnSpLocks/>
+          </p:cNvCxnSpPr>
+          <p:nvPr/>
+        </p:nvCxnSpPr>
+        <p:spPr>
+          <a:xfrm>
+            <a:off x="7369969" y="4235118"/>
+            <a:ext cx="0" cy="275129"/>
+          </a:xfrm>
+          <a:prstGeom prst="straightConnector1">
+            <a:avLst/>
+          </a:prstGeom>
+          <a:ln w="19050">
+            <a:solidFill>
+              <a:schemeClr val="tx1"/>
+            </a:solidFill>
+            <a:tailEnd type="arrow"/>
+          </a:ln>
+        </p:spPr>
+        <p:style>
+          <a:lnRef idx="1">
+            <a:schemeClr val="accent1"/>
+          </a:lnRef>
+          <a:fillRef idx="0">
+            <a:schemeClr val="accent1"/>
+          </a:fillRef>
+          <a:effectRef idx="0">
+            <a:schemeClr val="accent1"/>
+          </a:effectRef>
+          <a:fontRef idx="minor">
+            <a:schemeClr val="tx1"/>
+          </a:fontRef>
+        </p:style>
+      </p:cxnSp>
+      <p:cxnSp>
+        <p:nvCxnSpPr>
+          <p:cNvPr id="32" name="Gerade Verbindung mit Pfeil 31">
+            <a:extLst>
+              <a:ext uri="{FF2B5EF4-FFF2-40B4-BE49-F238E27FC236}">
+                <a16:creationId xmlns:a16="http://schemas.microsoft.com/office/drawing/2014/main" id="{53DC722D-1F83-46B6-B0C6-ACDD09B298A8}"/>
+              </a:ext>
+            </a:extLst>
+          </p:cNvPr>
+          <p:cNvCxnSpPr>
+            <a:cxnSpLocks/>
+          </p:cNvCxnSpPr>
+          <p:nvPr/>
+        </p:nvCxnSpPr>
+        <p:spPr>
+          <a:xfrm>
+            <a:off x="4798282" y="4244167"/>
+            <a:ext cx="0" cy="266080"/>
+          </a:xfrm>
+          <a:prstGeom prst="straightConnector1">
+            <a:avLst/>
+          </a:prstGeom>
+          <a:ln w="19050">
+            <a:solidFill>
+              <a:schemeClr val="tx1"/>
+            </a:solidFill>
+            <a:tailEnd type="arrow"/>
+          </a:ln>
+        </p:spPr>
+        <p:style>
+          <a:lnRef idx="1">
+            <a:schemeClr val="accent1"/>
+          </a:lnRef>
+          <a:fillRef idx="0">
+            <a:schemeClr val="accent1"/>
+          </a:fillRef>
+          <a:effectRef idx="0">
+            <a:schemeClr val="accent1"/>
+          </a:effectRef>
+          <a:fontRef idx="minor">
+            <a:schemeClr val="tx1"/>
+          </a:fontRef>
+        </p:style>
+      </p:cxnSp>
+      <p:cxnSp>
+        <p:nvCxnSpPr>
+          <p:cNvPr id="34" name="Gerade Verbindung mit Pfeil 33">
+            <a:extLst>
+              <a:ext uri="{FF2B5EF4-FFF2-40B4-BE49-F238E27FC236}">
+                <a16:creationId xmlns:a16="http://schemas.microsoft.com/office/drawing/2014/main" id="{C15B0359-4BC0-448C-84AD-6408F3ACDC0F}"/>
+              </a:ext>
+            </a:extLst>
+          </p:cNvPr>
+          <p:cNvCxnSpPr>
+            <a:cxnSpLocks/>
+          </p:cNvCxnSpPr>
+          <p:nvPr/>
+        </p:nvCxnSpPr>
+        <p:spPr>
+          <a:xfrm>
+            <a:off x="7369969" y="3181543"/>
+            <a:ext cx="1" cy="257170"/>
+          </a:xfrm>
+          <a:prstGeom prst="straightConnector1">
+            <a:avLst/>
+          </a:prstGeom>
+          <a:ln w="19050">
+            <a:solidFill>
+              <a:schemeClr val="tx1"/>
+            </a:solidFill>
+            <a:tailEnd type="arrow"/>
+          </a:ln>
+        </p:spPr>
+        <p:style>
+          <a:lnRef idx="1">
+            <a:schemeClr val="accent1"/>
+          </a:lnRef>
+          <a:fillRef idx="0">
+            <a:schemeClr val="accent1"/>
+          </a:fillRef>
+          <a:effectRef idx="0">
+            <a:schemeClr val="accent1"/>
+          </a:effectRef>
+          <a:fontRef idx="minor">
+            <a:schemeClr val="tx1"/>
+          </a:fontRef>
+        </p:style>
+      </p:cxnSp>
+      <p:cxnSp>
+        <p:nvCxnSpPr>
+          <p:cNvPr id="36" name="Gerade Verbindung mit Pfeil 35">
+            <a:extLst>
+              <a:ext uri="{FF2B5EF4-FFF2-40B4-BE49-F238E27FC236}">
+                <a16:creationId xmlns:a16="http://schemas.microsoft.com/office/drawing/2014/main" id="{25783B4C-7760-48B4-9BDC-6DFC8423E726}"/>
+              </a:ext>
+            </a:extLst>
+          </p:cNvPr>
+          <p:cNvCxnSpPr>
+            <a:cxnSpLocks/>
+          </p:cNvCxnSpPr>
+          <p:nvPr/>
+        </p:nvCxnSpPr>
+        <p:spPr>
+          <a:xfrm>
+            <a:off x="4801639" y="3181543"/>
+            <a:ext cx="0" cy="264797"/>
+          </a:xfrm>
+          <a:prstGeom prst="straightConnector1">
+            <a:avLst/>
+          </a:prstGeom>
+          <a:ln w="19050">
+            <a:solidFill>
+              <a:schemeClr val="tx1"/>
+            </a:solidFill>
+            <a:tailEnd type="arrow"/>
+          </a:ln>
+        </p:spPr>
+        <p:style>
+          <a:lnRef idx="1">
+            <a:schemeClr val="accent1"/>
+          </a:lnRef>
+          <a:fillRef idx="0">
+            <a:schemeClr val="accent1"/>
+          </a:fillRef>
+          <a:effectRef idx="0">
+            <a:schemeClr val="accent1"/>
+          </a:effectRef>
+          <a:fontRef idx="minor">
+            <a:schemeClr val="tx1"/>
+          </a:fontRef>
+        </p:style>
+      </p:cxnSp>
+      <p:sp>
+        <p:nvSpPr>
+          <p:cNvPr id="104" name="Rechteck 103">
+            <a:extLst>
+              <a:ext uri="{FF2B5EF4-FFF2-40B4-BE49-F238E27FC236}">
+                <a16:creationId xmlns:a16="http://schemas.microsoft.com/office/drawing/2014/main" id="{9A7C9294-10B6-4736-AD68-B36FCAF45476}"/>
+              </a:ext>
+            </a:extLst>
+          </p:cNvPr>
+          <p:cNvSpPr/>
+          <p:nvPr/>
+        </p:nvSpPr>
+        <p:spPr>
+          <a:xfrm>
+            <a:off x="5074183" y="5676516"/>
+            <a:ext cx="1883183" cy="581993"/>
+          </a:xfrm>
+          <a:prstGeom prst="rect">
+            <a:avLst/>
+          </a:prstGeom>
+          <a:solidFill>
+            <a:schemeClr val="bg1"/>
+          </a:solidFill>
+          <a:ln w="19050">
+            <a:solidFill>
+              <a:schemeClr val="tx1"/>
+            </a:solidFill>
+          </a:ln>
+        </p:spPr>
+        <p:style>
+          <a:lnRef idx="2">
+            <a:schemeClr val="accent1">
+              <a:shade val="50000"/>
+            </a:schemeClr>
+          </a:lnRef>
+          <a:fillRef idx="1">
+            <a:schemeClr val="accent1"/>
+          </a:fillRef>
+          <a:effectRef idx="0">
+            <a:schemeClr val="accent1"/>
+          </a:effectRef>
+          <a:fontRef idx="minor">
+            <a:schemeClr val="lt1"/>
+          </a:fontRef>
+        </p:style>
+        <p:txBody>
+          <a:bodyPr rtlCol="0" anchor="ctr"/>
+          <a:lstStyle/>
+          <a:p>
+            <a:pPr algn="ctr"/>
+            <a:r>
+              <a:rPr lang="de-DE" b="1" dirty="0">
+                <a:solidFill>
+                  <a:schemeClr val="tx1"/>
+                </a:solidFill>
+              </a:rPr>
+              <a:t>7 </a:t>
+            </a:r>
+            <a:r>
+              <a:rPr lang="de-DE" dirty="0" err="1">
+                <a:solidFill>
+                  <a:schemeClr val="tx1"/>
+                </a:solidFill>
+              </a:rPr>
+              <a:t>Conclusion</a:t>
+            </a:r>
+            <a:endParaRPr lang="de-DE" dirty="0">
+              <a:solidFill>
+                <a:schemeClr val="tx1"/>
+              </a:solidFill>
+            </a:endParaRPr>
+          </a:p>
+        </p:txBody>
+      </p:sp>
+      <p:cxnSp>
+        <p:nvCxnSpPr>
+          <p:cNvPr id="38" name="Gerade Verbindung mit Pfeil 37">
+            <a:extLst>
+              <a:ext uri="{FF2B5EF4-FFF2-40B4-BE49-F238E27FC236}">
+                <a16:creationId xmlns:a16="http://schemas.microsoft.com/office/drawing/2014/main" id="{EECD36D5-5FC7-4897-A323-3281EDB92929}"/>
+              </a:ext>
+            </a:extLst>
+          </p:cNvPr>
+          <p:cNvCxnSpPr>
+            <a:cxnSpLocks/>
+          </p:cNvCxnSpPr>
+          <p:nvPr/>
+        </p:nvCxnSpPr>
+        <p:spPr>
+          <a:xfrm flipH="1">
+            <a:off x="4821773" y="2091142"/>
+            <a:ext cx="1" cy="280035"/>
+          </a:xfrm>
+          <a:prstGeom prst="straightConnector1">
+            <a:avLst/>
+          </a:prstGeom>
+          <a:ln w="19050">
+            <a:solidFill>
+              <a:schemeClr val="tx1"/>
+            </a:solidFill>
+            <a:tailEnd type="arrow"/>
+          </a:ln>
+        </p:spPr>
+        <p:style>
+          <a:lnRef idx="1">
+            <a:schemeClr val="accent1"/>
+          </a:lnRef>
+          <a:fillRef idx="0">
+            <a:schemeClr val="accent1"/>
+          </a:fillRef>
+          <a:effectRef idx="0">
+            <a:schemeClr val="accent1"/>
+          </a:effectRef>
+          <a:fontRef idx="minor">
+            <a:schemeClr val="tx1"/>
+          </a:fontRef>
+        </p:style>
+      </p:cxnSp>
+      <p:cxnSp>
+        <p:nvCxnSpPr>
+          <p:cNvPr id="12" name="Gerade Verbindung mit Pfeil 11">
+            <a:extLst>
+              <a:ext uri="{FF2B5EF4-FFF2-40B4-BE49-F238E27FC236}">
+                <a16:creationId xmlns:a16="http://schemas.microsoft.com/office/drawing/2014/main" id="{B33D3872-9D5E-4FDC-9AB1-DB08D72AE104}"/>
+              </a:ext>
+            </a:extLst>
+          </p:cNvPr>
+          <p:cNvCxnSpPr>
+            <a:cxnSpLocks/>
+            <a:stCxn id="14" idx="3"/>
+            <a:endCxn id="16" idx="1"/>
+          </p:cNvCxnSpPr>
+          <p:nvPr/>
+        </p:nvCxnSpPr>
+        <p:spPr>
+          <a:xfrm>
+            <a:off x="5830348" y="3836858"/>
+            <a:ext cx="527351" cy="0"/>
+          </a:xfrm>
+          <a:prstGeom prst="straightConnector1">
+            <a:avLst/>
+          </a:prstGeom>
+          <a:ln w="19050">
+            <a:solidFill>
+              <a:schemeClr val="tx1"/>
+            </a:solidFill>
+            <a:tailEnd type="arrow"/>
+          </a:ln>
+        </p:spPr>
+        <p:style>
+          <a:lnRef idx="1">
+            <a:schemeClr val="accent1"/>
+          </a:lnRef>
+          <a:fillRef idx="0">
+            <a:schemeClr val="accent1"/>
+          </a:fillRef>
+          <a:effectRef idx="0">
+            <a:schemeClr val="accent1"/>
+          </a:effectRef>
+          <a:fontRef idx="minor">
+            <a:schemeClr val="tx1"/>
+          </a:fontRef>
+        </p:style>
+      </p:cxnSp>
+      <p:sp>
+        <p:nvSpPr>
+          <p:cNvPr id="26" name="Rechteck 25">
+            <a:extLst>
+              <a:ext uri="{FF2B5EF4-FFF2-40B4-BE49-F238E27FC236}">
+                <a16:creationId xmlns:a16="http://schemas.microsoft.com/office/drawing/2014/main" id="{6D70A845-5B55-402B-A6DD-7679D24C01D3}"/>
+              </a:ext>
+            </a:extLst>
+          </p:cNvPr>
+          <p:cNvSpPr/>
+          <p:nvPr/>
+        </p:nvSpPr>
+        <p:spPr>
+          <a:xfrm>
+            <a:off x="8891796" y="2480310"/>
+            <a:ext cx="2072613" cy="582932"/>
+          </a:xfrm>
+          <a:prstGeom prst="rect">
+            <a:avLst/>
+          </a:prstGeom>
+          <a:solidFill>
+            <a:schemeClr val="bg1"/>
+          </a:solidFill>
+          <a:ln w="19050">
+            <a:solidFill>
+              <a:schemeClr val="tx1"/>
+            </a:solidFill>
+          </a:ln>
+        </p:spPr>
+        <p:style>
+          <a:lnRef idx="2">
+            <a:schemeClr val="accent1">
+              <a:shade val="50000"/>
+            </a:schemeClr>
+          </a:lnRef>
+          <a:fillRef idx="1">
+            <a:schemeClr val="accent1"/>
+          </a:fillRef>
+          <a:effectRef idx="0">
+            <a:schemeClr val="accent1"/>
+          </a:effectRef>
+          <a:fontRef idx="minor">
+            <a:schemeClr val="lt1"/>
+          </a:fontRef>
+        </p:style>
+        <p:txBody>
+          <a:bodyPr rtlCol="0" anchor="ctr"/>
+          <a:lstStyle/>
+          <a:p>
+            <a:pPr algn="ctr"/>
+            <a:r>
+              <a:rPr lang="de-DE" b="1" dirty="0">
+                <a:solidFill>
+                  <a:schemeClr val="tx1"/>
+                </a:solidFill>
+              </a:rPr>
+              <a:t>A1, A2 </a:t>
+            </a:r>
+            <a:r>
+              <a:rPr lang="de-DE" dirty="0">
+                <a:solidFill>
+                  <a:schemeClr val="tx1"/>
+                </a:solidFill>
+              </a:rPr>
+              <a:t>Open-Source </a:t>
+            </a:r>
+            <a:r>
+              <a:rPr lang="de-DE" dirty="0" err="1">
+                <a:solidFill>
+                  <a:schemeClr val="tx1"/>
+                </a:solidFill>
+              </a:rPr>
+              <a:t>Contributions</a:t>
+            </a:r>
+            <a:endParaRPr lang="de-DE" sz="1100" dirty="0">
+              <a:solidFill>
+                <a:schemeClr val="tx1"/>
+              </a:solidFill>
+            </a:endParaRPr>
+          </a:p>
+        </p:txBody>
+      </p:sp>
+      <p:sp>
+        <p:nvSpPr>
+          <p:cNvPr id="29" name="Rechteck 28">
+            <a:extLst>
+              <a:ext uri="{FF2B5EF4-FFF2-40B4-BE49-F238E27FC236}">
+                <a16:creationId xmlns:a16="http://schemas.microsoft.com/office/drawing/2014/main" id="{ABD02D76-D0F4-48E3-81E5-9FAFF5912B64}"/>
+              </a:ext>
+            </a:extLst>
+          </p:cNvPr>
+          <p:cNvSpPr/>
+          <p:nvPr/>
+        </p:nvSpPr>
+        <p:spPr>
+          <a:xfrm>
+            <a:off x="8891796" y="4611518"/>
+            <a:ext cx="2072613" cy="582932"/>
+          </a:xfrm>
+          <a:prstGeom prst="rect">
+            <a:avLst/>
+          </a:prstGeom>
+          <a:solidFill>
+            <a:schemeClr val="bg1"/>
+          </a:solidFill>
+          <a:ln w="19050">
+            <a:solidFill>
+              <a:schemeClr val="tx1"/>
+            </a:solidFill>
+          </a:ln>
+        </p:spPr>
+        <p:style>
+          <a:lnRef idx="2">
+            <a:schemeClr val="accent1">
+              <a:shade val="50000"/>
+            </a:schemeClr>
+          </a:lnRef>
+          <a:fillRef idx="1">
+            <a:schemeClr val="accent1"/>
+          </a:fillRef>
+          <a:effectRef idx="0">
+            <a:schemeClr val="accent1"/>
+          </a:effectRef>
+          <a:fontRef idx="minor">
+            <a:schemeClr val="lt1"/>
+          </a:fontRef>
+        </p:style>
+        <p:txBody>
+          <a:bodyPr rtlCol="0" anchor="ctr"/>
+          <a:lstStyle/>
+          <a:p>
+            <a:pPr algn="ctr"/>
+            <a:r>
+              <a:rPr lang="de-DE" b="1" dirty="0">
+                <a:solidFill>
+                  <a:schemeClr val="tx1"/>
+                </a:solidFill>
+              </a:rPr>
+              <a:t>A3 </a:t>
+            </a:r>
+            <a:r>
+              <a:rPr lang="de-DE" dirty="0">
+                <a:solidFill>
+                  <a:schemeClr val="tx1"/>
+                </a:solidFill>
+              </a:rPr>
+              <a:t>Framework Consistency</a:t>
+            </a:r>
+            <a:endParaRPr lang="de-DE" sz="1100" dirty="0">
+              <a:solidFill>
+                <a:schemeClr val="tx1"/>
+              </a:solidFill>
+            </a:endParaRPr>
+          </a:p>
+        </p:txBody>
+      </p:sp>
+      <p:cxnSp>
+        <p:nvCxnSpPr>
+          <p:cNvPr id="31" name="Gerade Verbindung mit Pfeil 30">
+            <a:extLst>
+              <a:ext uri="{FF2B5EF4-FFF2-40B4-BE49-F238E27FC236}">
+                <a16:creationId xmlns:a16="http://schemas.microsoft.com/office/drawing/2014/main" id="{D6181618-E9B6-4317-9E10-BEAB318891CD}"/>
+              </a:ext>
+            </a:extLst>
+          </p:cNvPr>
+          <p:cNvCxnSpPr>
+            <a:cxnSpLocks/>
+            <a:endCxn id="125" idx="3"/>
+          </p:cNvCxnSpPr>
+          <p:nvPr/>
+        </p:nvCxnSpPr>
+        <p:spPr>
+          <a:xfrm flipH="1">
+            <a:off x="8382000" y="4902984"/>
+            <a:ext cx="396951" cy="5409"/>
+          </a:xfrm>
+          <a:prstGeom prst="straightConnector1">
+            <a:avLst/>
+          </a:prstGeom>
+          <a:ln w="19050">
+            <a:solidFill>
+              <a:schemeClr val="tx1"/>
+            </a:solidFill>
+            <a:tailEnd type="arrow"/>
+          </a:ln>
+        </p:spPr>
+        <p:style>
+          <a:lnRef idx="1">
+            <a:schemeClr val="accent1"/>
+          </a:lnRef>
+          <a:fillRef idx="0">
+            <a:schemeClr val="accent1"/>
+          </a:fillRef>
+          <a:effectRef idx="0">
+            <a:schemeClr val="accent1"/>
+          </a:effectRef>
+          <a:fontRef idx="minor">
+            <a:schemeClr val="tx1"/>
+          </a:fontRef>
+        </p:style>
+      </p:cxnSp>
+      <p:cxnSp>
+        <p:nvCxnSpPr>
+          <p:cNvPr id="43" name="Gerade Verbindung mit Pfeil 42">
+            <a:extLst>
+              <a:ext uri="{FF2B5EF4-FFF2-40B4-BE49-F238E27FC236}">
+                <a16:creationId xmlns:a16="http://schemas.microsoft.com/office/drawing/2014/main" id="{398600D3-B40D-4DB2-961B-7FD2748DDCA4}"/>
+              </a:ext>
+            </a:extLst>
+          </p:cNvPr>
+          <p:cNvCxnSpPr>
+            <a:cxnSpLocks/>
+            <a:endCxn id="127" idx="3"/>
+          </p:cNvCxnSpPr>
+          <p:nvPr/>
+        </p:nvCxnSpPr>
+        <p:spPr>
+          <a:xfrm flipH="1">
+            <a:off x="8382000" y="2769323"/>
+            <a:ext cx="396951" cy="0"/>
+          </a:xfrm>
+          <a:prstGeom prst="straightConnector1">
+            <a:avLst/>
+          </a:prstGeom>
+          <a:ln w="19050">
+            <a:solidFill>
+              <a:schemeClr val="tx1"/>
+            </a:solidFill>
+            <a:tailEnd type="arrow"/>
+          </a:ln>
+        </p:spPr>
+        <p:style>
+          <a:lnRef idx="1">
+            <a:schemeClr val="accent1"/>
+          </a:lnRef>
+          <a:fillRef idx="0">
+            <a:schemeClr val="accent1"/>
+          </a:fillRef>
+          <a:effectRef idx="0">
+            <a:schemeClr val="accent1"/>
+          </a:effectRef>
+          <a:fontRef idx="minor">
+            <a:schemeClr val="tx1"/>
+          </a:fontRef>
+        </p:style>
+      </p:cxnSp>
+    </p:spTree>
+    <p:extLst>
+      <p:ext uri="{BB962C8B-B14F-4D97-AF65-F5344CB8AC3E}">
+        <p14:creationId xmlns:p14="http://schemas.microsoft.com/office/powerpoint/2010/main" val="3938771773"/>
       </p:ext>
     </p:extLst>
   </p:cSld>

--- a/img/pptGraphs.pptx
+++ b/img/pptGraphs.pptx
@@ -6,14 +6,10 @@
   </p:sldMasterIdLst>
   <p:sldIdLst>
     <p:sldId id="256" r:id="rId2"/>
-    <p:sldId id="257" r:id="rId3"/>
-    <p:sldId id="258" r:id="rId4"/>
-    <p:sldId id="259" r:id="rId5"/>
-    <p:sldId id="260" r:id="rId6"/>
-    <p:sldId id="261" r:id="rId7"/>
-    <p:sldId id="262" r:id="rId8"/>
-    <p:sldId id="263" r:id="rId9"/>
-    <p:sldId id="264" r:id="rId10"/>
+    <p:sldId id="267" r:id="rId3"/>
+    <p:sldId id="266" r:id="rId4"/>
+    <p:sldId id="263" r:id="rId5"/>
+    <p:sldId id="264" r:id="rId6"/>
   </p:sldIdLst>
   <p:sldSz cx="12192000" cy="6858000"/>
   <p:notesSz cx="6858000" cy="9144000"/>
@@ -3028,7 +3024,7 @@
           <a:p>
             <a:fld id="{0652E80E-B1F5-4805-9AD7-A46BA932CB10}" type="datetimeFigureOut">
               <a:rPr lang="de-DE" smtClean="0"/>
-              <a:t>16.09.2020</a:t>
+              <a:t>18.09.2020</a:t>
             </a:fld>
             <a:endParaRPr lang="de-DE"/>
           </a:p>
@@ -3226,7 +3222,7 @@
           <a:p>
             <a:fld id="{0652E80E-B1F5-4805-9AD7-A46BA932CB10}" type="datetimeFigureOut">
               <a:rPr lang="de-DE" smtClean="0"/>
-              <a:t>16.09.2020</a:t>
+              <a:t>18.09.2020</a:t>
             </a:fld>
             <a:endParaRPr lang="de-DE"/>
           </a:p>
@@ -3434,7 +3430,7 @@
           <a:p>
             <a:fld id="{0652E80E-B1F5-4805-9AD7-A46BA932CB10}" type="datetimeFigureOut">
               <a:rPr lang="de-DE" smtClean="0"/>
-              <a:t>16.09.2020</a:t>
+              <a:t>18.09.2020</a:t>
             </a:fld>
             <a:endParaRPr lang="de-DE"/>
           </a:p>
@@ -3632,7 +3628,7 @@
           <a:p>
             <a:fld id="{0652E80E-B1F5-4805-9AD7-A46BA932CB10}" type="datetimeFigureOut">
               <a:rPr lang="de-DE" smtClean="0"/>
-              <a:t>16.09.2020</a:t>
+              <a:t>18.09.2020</a:t>
             </a:fld>
             <a:endParaRPr lang="de-DE"/>
           </a:p>
@@ -3907,7 +3903,7 @@
           <a:p>
             <a:fld id="{0652E80E-B1F5-4805-9AD7-A46BA932CB10}" type="datetimeFigureOut">
               <a:rPr lang="de-DE" smtClean="0"/>
-              <a:t>16.09.2020</a:t>
+              <a:t>18.09.2020</a:t>
             </a:fld>
             <a:endParaRPr lang="de-DE"/>
           </a:p>
@@ -4172,7 +4168,7 @@
           <a:p>
             <a:fld id="{0652E80E-B1F5-4805-9AD7-A46BA932CB10}" type="datetimeFigureOut">
               <a:rPr lang="de-DE" smtClean="0"/>
-              <a:t>16.09.2020</a:t>
+              <a:t>18.09.2020</a:t>
             </a:fld>
             <a:endParaRPr lang="de-DE"/>
           </a:p>
@@ -4584,7 +4580,7 @@
           <a:p>
             <a:fld id="{0652E80E-B1F5-4805-9AD7-A46BA932CB10}" type="datetimeFigureOut">
               <a:rPr lang="de-DE" smtClean="0"/>
-              <a:t>16.09.2020</a:t>
+              <a:t>18.09.2020</a:t>
             </a:fld>
             <a:endParaRPr lang="de-DE"/>
           </a:p>
@@ -4725,7 +4721,7 @@
           <a:p>
             <a:fld id="{0652E80E-B1F5-4805-9AD7-A46BA932CB10}" type="datetimeFigureOut">
               <a:rPr lang="de-DE" smtClean="0"/>
-              <a:t>16.09.2020</a:t>
+              <a:t>18.09.2020</a:t>
             </a:fld>
             <a:endParaRPr lang="de-DE"/>
           </a:p>
@@ -4838,7 +4834,7 @@
           <a:p>
             <a:fld id="{0652E80E-B1F5-4805-9AD7-A46BA932CB10}" type="datetimeFigureOut">
               <a:rPr lang="de-DE" smtClean="0"/>
-              <a:t>16.09.2020</a:t>
+              <a:t>18.09.2020</a:t>
             </a:fld>
             <a:endParaRPr lang="de-DE"/>
           </a:p>
@@ -5149,7 +5145,7 @@
           <a:p>
             <a:fld id="{0652E80E-B1F5-4805-9AD7-A46BA932CB10}" type="datetimeFigureOut">
               <a:rPr lang="de-DE" smtClean="0"/>
-              <a:t>16.09.2020</a:t>
+              <a:t>18.09.2020</a:t>
             </a:fld>
             <a:endParaRPr lang="de-DE"/>
           </a:p>
@@ -5437,7 +5433,7 @@
           <a:p>
             <a:fld id="{0652E80E-B1F5-4805-9AD7-A46BA932CB10}" type="datetimeFigureOut">
               <a:rPr lang="de-DE" smtClean="0"/>
-              <a:t>16.09.2020</a:t>
+              <a:t>18.09.2020</a:t>
             </a:fld>
             <a:endParaRPr lang="de-DE"/>
           </a:p>
@@ -5678,7 +5674,7 @@
           <a:p>
             <a:fld id="{0652E80E-B1F5-4805-9AD7-A46BA932CB10}" type="datetimeFigureOut">
               <a:rPr lang="de-DE" smtClean="0"/>
-              <a:t>16.09.2020</a:t>
+              <a:t>18.09.2020</a:t>
             </a:fld>
             <a:endParaRPr lang="de-DE"/>
           </a:p>
@@ -6235,517 +6231,422 @@
           <a:chExt cx="0" cy="0"/>
         </a:xfrm>
       </p:grpSpPr>
-      <p:grpSp>
-        <p:nvGrpSpPr>
-          <p:cNvPr id="4" name="Gruppieren 3">
-            <a:extLst>
-              <a:ext uri="{FF2B5EF4-FFF2-40B4-BE49-F238E27FC236}">
-                <a16:creationId xmlns:a16="http://schemas.microsoft.com/office/drawing/2014/main" id="{4858C1F2-B6E2-42E7-B55B-D74321BBCC0C}"/>
-              </a:ext>
-            </a:extLst>
-          </p:cNvPr>
-          <p:cNvGrpSpPr/>
+      <p:sp>
+        <p:nvSpPr>
+          <p:cNvPr id="7" name="Textfeld 6">
+            <a:extLst>
+              <a:ext uri="{FF2B5EF4-FFF2-40B4-BE49-F238E27FC236}">
+                <a16:creationId xmlns:a16="http://schemas.microsoft.com/office/drawing/2014/main" id="{34569DBB-C4C7-4C3C-8B5D-D05235224ECD}"/>
+              </a:ext>
+            </a:extLst>
+          </p:cNvPr>
+          <p:cNvSpPr txBox="1"/>
           <p:nvPr/>
-        </p:nvGrpSpPr>
-        <p:grpSpPr>
+        </p:nvSpPr>
+        <p:spPr>
           <a:xfrm>
-            <a:off x="3291824" y="2838058"/>
-            <a:ext cx="5608351" cy="1305436"/>
-            <a:chOff x="1690038" y="2924944"/>
-            <a:chExt cx="5608351" cy="1305436"/>
+            <a:off x="5882397" y="3770326"/>
+            <a:ext cx="588623" cy="369332"/>
           </a:xfrm>
-        </p:grpSpPr>
-        <p:cxnSp>
-          <p:nvCxnSpPr>
-            <p:cNvPr id="5" name="Gerade Verbindung mit Pfeil 4">
-              <a:extLst>
-                <a:ext uri="{FF2B5EF4-FFF2-40B4-BE49-F238E27FC236}">
-                  <a16:creationId xmlns:a16="http://schemas.microsoft.com/office/drawing/2014/main" id="{06F26BDA-3071-4A37-9120-308D5D8BDF4B}"/>
-                </a:ext>
-              </a:extLst>
-            </p:cNvPr>
-            <p:cNvCxnSpPr>
-              <a:cxnSpLocks/>
-            </p:cNvCxnSpPr>
-            <p:nvPr/>
-          </p:nvCxnSpPr>
-          <p:spPr>
-            <a:xfrm>
-              <a:off x="1691680" y="3236919"/>
-              <a:ext cx="1688545" cy="0"/>
-            </a:xfrm>
-            <a:prstGeom prst="straightConnector1">
-              <a:avLst/>
-            </a:prstGeom>
-            <a:ln w="38100">
-              <a:solidFill>
-                <a:srgbClr val="DBEBF8"/>
-              </a:solidFill>
-              <a:tailEnd type="triangle"/>
-            </a:ln>
-          </p:spPr>
-          <p:style>
-            <a:lnRef idx="1">
-              <a:schemeClr val="accent1"/>
-            </a:lnRef>
-            <a:fillRef idx="0">
-              <a:schemeClr val="accent1"/>
-            </a:fillRef>
-            <a:effectRef idx="0">
-              <a:schemeClr val="accent1"/>
-            </a:effectRef>
-            <a:fontRef idx="minor">
-              <a:schemeClr val="tx1"/>
-            </a:fontRef>
-          </p:style>
-        </p:cxnSp>
-        <p:cxnSp>
-          <p:nvCxnSpPr>
-            <p:cNvPr id="6" name="Gerade Verbindung mit Pfeil 5">
-              <a:extLst>
-                <a:ext uri="{FF2B5EF4-FFF2-40B4-BE49-F238E27FC236}">
-                  <a16:creationId xmlns:a16="http://schemas.microsoft.com/office/drawing/2014/main" id="{210888DB-925C-430D-8B9F-2B691061427B}"/>
-                </a:ext>
-              </a:extLst>
-            </p:cNvPr>
-            <p:cNvCxnSpPr>
-              <a:cxnSpLocks/>
-            </p:cNvCxnSpPr>
-            <p:nvPr/>
-          </p:nvCxnSpPr>
-          <p:spPr>
-            <a:xfrm>
-              <a:off x="1695972" y="3645024"/>
-              <a:ext cx="1688545" cy="0"/>
-            </a:xfrm>
-            <a:prstGeom prst="straightConnector1">
-              <a:avLst/>
-            </a:prstGeom>
-            <a:ln w="38100">
-              <a:solidFill>
-                <a:srgbClr val="DBEBF8"/>
-              </a:solidFill>
-              <a:tailEnd type="triangle"/>
-            </a:ln>
-          </p:spPr>
-          <p:style>
-            <a:lnRef idx="1">
-              <a:schemeClr val="accent1"/>
-            </a:lnRef>
-            <a:fillRef idx="0">
-              <a:schemeClr val="accent1"/>
-            </a:fillRef>
-            <a:effectRef idx="0">
-              <a:schemeClr val="accent1"/>
-            </a:effectRef>
-            <a:fontRef idx="minor">
-              <a:schemeClr val="tx1"/>
-            </a:fontRef>
-          </p:style>
-        </p:cxnSp>
-        <p:sp>
-          <p:nvSpPr>
-            <p:cNvPr id="7" name="Textfeld 6">
-              <a:extLst>
-                <a:ext uri="{FF2B5EF4-FFF2-40B4-BE49-F238E27FC236}">
-                  <a16:creationId xmlns:a16="http://schemas.microsoft.com/office/drawing/2014/main" id="{34569DBB-C4C7-4C3C-8B5D-D05235224ECD}"/>
-                </a:ext>
-              </a:extLst>
-            </p:cNvPr>
-            <p:cNvSpPr txBox="1"/>
-            <p:nvPr/>
-          </p:nvSpPr>
-          <p:spPr>
-            <a:xfrm>
-              <a:off x="4260061" y="3861048"/>
-              <a:ext cx="671979" cy="369332"/>
-            </a:xfrm>
-            <a:prstGeom prst="rect">
-              <a:avLst/>
-            </a:prstGeom>
-            <a:noFill/>
-          </p:spPr>
-          <p:txBody>
-            <a:bodyPr wrap="none" rtlCol="0">
-              <a:spAutoFit/>
-            </a:bodyPr>
-            <a:lstStyle/>
-            <a:p>
-              <a:r>
-                <a:rPr lang="de-DE" dirty="0">
-                  <a:solidFill>
-                    <a:srgbClr val="DA1F3D"/>
-                  </a:solidFill>
-                </a:rPr>
-                <a:t>DDP</a:t>
-              </a:r>
-              <a:endParaRPr lang="en-US" dirty="0">
+          <a:prstGeom prst="rect">
+            <a:avLst/>
+          </a:prstGeom>
+          <a:noFill/>
+        </p:spPr>
+        <p:txBody>
+          <a:bodyPr wrap="none" rtlCol="0">
+            <a:spAutoFit/>
+          </a:bodyPr>
+          <a:lstStyle/>
+          <a:p>
+            <a:r>
+              <a:rPr lang="de-DE" dirty="0">
                 <a:solidFill>
-                  <a:srgbClr val="DA1F3D"/>
+                  <a:srgbClr val="3668A0"/>
                 </a:solidFill>
-              </a:endParaRPr>
-            </a:p>
-          </p:txBody>
-        </p:sp>
-        <p:sp>
-          <p:nvSpPr>
-            <p:cNvPr id="8" name="Textfeld 7">
-              <a:extLst>
-                <a:ext uri="{FF2B5EF4-FFF2-40B4-BE49-F238E27FC236}">
-                  <a16:creationId xmlns:a16="http://schemas.microsoft.com/office/drawing/2014/main" id="{F8CEAFA3-A186-4C7A-8F92-BE482AC83C0C}"/>
-                </a:ext>
-              </a:extLst>
-            </p:cNvPr>
-            <p:cNvSpPr txBox="1"/>
-            <p:nvPr/>
-          </p:nvSpPr>
-          <p:spPr>
-            <a:xfrm>
-              <a:off x="1690038" y="2924944"/>
-              <a:ext cx="1657826" cy="307777"/>
-            </a:xfrm>
-            <a:prstGeom prst="rect">
-              <a:avLst/>
-            </a:prstGeom>
-            <a:noFill/>
-          </p:spPr>
-          <p:txBody>
-            <a:bodyPr wrap="none" rtlCol="0">
-              <a:spAutoFit/>
-            </a:bodyPr>
-            <a:lstStyle/>
-            <a:p>
-              <a:r>
-                <a:rPr lang="de-DE" sz="1400" dirty="0"/>
-                <a:t>Contact </a:t>
-              </a:r>
-              <a:r>
-                <a:rPr lang="de-DE" sz="1400" dirty="0" err="1"/>
-                <a:t>Sequence</a:t>
-              </a:r>
-              <a:endParaRPr lang="en-US" sz="1400" dirty="0"/>
-            </a:p>
-          </p:txBody>
-        </p:sp>
-        <p:sp>
-          <p:nvSpPr>
-            <p:cNvPr id="9" name="Textfeld 8">
-              <a:extLst>
-                <a:ext uri="{FF2B5EF4-FFF2-40B4-BE49-F238E27FC236}">
-                  <a16:creationId xmlns:a16="http://schemas.microsoft.com/office/drawing/2014/main" id="{473F2448-0209-4336-9EF6-DD77EDE4C352}"/>
-                </a:ext>
-              </a:extLst>
-            </p:cNvPr>
-            <p:cNvSpPr txBox="1"/>
-            <p:nvPr/>
-          </p:nvSpPr>
-          <p:spPr>
-            <a:xfrm>
-              <a:off x="5759153" y="3140968"/>
-              <a:ext cx="973087" cy="307777"/>
-            </a:xfrm>
-            <a:prstGeom prst="rect">
-              <a:avLst/>
-            </a:prstGeom>
-            <a:noFill/>
-          </p:spPr>
-          <p:txBody>
-            <a:bodyPr wrap="none" rtlCol="0">
-              <a:spAutoFit/>
-            </a:bodyPr>
-            <a:lstStyle/>
-            <a:p>
-              <a:r>
-                <a:rPr lang="de-DE" sz="1400" dirty="0"/>
-                <a:t>Trajectory</a:t>
-              </a:r>
-              <a:endParaRPr lang="en-US" sz="1400" dirty="0"/>
-            </a:p>
-          </p:txBody>
-        </p:sp>
-        <p:sp>
-          <p:nvSpPr>
-            <p:cNvPr id="10" name="Textfeld 9">
-              <a:extLst>
-                <a:ext uri="{FF2B5EF4-FFF2-40B4-BE49-F238E27FC236}">
-                  <a16:creationId xmlns:a16="http://schemas.microsoft.com/office/drawing/2014/main" id="{21876EDB-444D-4248-A45C-C79F7BB4E92F}"/>
-                </a:ext>
-              </a:extLst>
-            </p:cNvPr>
-            <p:cNvSpPr txBox="1"/>
-            <p:nvPr/>
-          </p:nvSpPr>
-          <p:spPr>
-            <a:xfrm>
-              <a:off x="1982197" y="3337247"/>
-              <a:ext cx="1090363" cy="307777"/>
-            </a:xfrm>
-            <a:prstGeom prst="rect">
-              <a:avLst/>
-            </a:prstGeom>
-            <a:noFill/>
-          </p:spPr>
-          <p:txBody>
-            <a:bodyPr wrap="none" rtlCol="0">
-              <a:spAutoFit/>
-            </a:bodyPr>
-            <a:lstStyle/>
-            <a:p>
-              <a:r>
-                <a:rPr lang="de-DE" sz="1400" dirty="0" err="1"/>
-                <a:t>Constraints</a:t>
-              </a:r>
-              <a:endParaRPr lang="en-US" sz="1400" dirty="0"/>
-            </a:p>
-          </p:txBody>
-        </p:sp>
-        <p:pic>
-          <p:nvPicPr>
-            <p:cNvPr id="11" name="Grafik 10">
-              <a:extLst>
-                <a:ext uri="{FF2B5EF4-FFF2-40B4-BE49-F238E27FC236}">
-                  <a16:creationId xmlns:a16="http://schemas.microsoft.com/office/drawing/2014/main" id="{791B808E-04B4-4E17-AEA2-37DCFFBF5F37}"/>
-                </a:ext>
-              </a:extLst>
-            </p:cNvPr>
-            <p:cNvPicPr>
-              <a:picLocks noChangeAspect="1"/>
-            </p:cNvPicPr>
-            <p:nvPr>
-              <p:custDataLst>
-                <p:tags r:id="rId1"/>
-              </p:custDataLst>
-            </p:nvPr>
-          </p:nvPicPr>
-          <p:blipFill>
-            <a:blip r:embed="rId3">
-              <a:extLst>
-                <a:ext uri="{28A0092B-C50C-407E-A947-70E740481C1C}">
-                  <a14:useLocalDpi xmlns:a14="http://schemas.microsoft.com/office/drawing/2010/main" val="0"/>
-                </a:ext>
-              </a:extLst>
-            </a:blip>
-            <a:stretch>
-              <a:fillRect/>
-            </a:stretch>
-          </p:blipFill>
-          <p:spPr>
-            <a:xfrm>
-              <a:off x="6711047" y="3222848"/>
-              <a:ext cx="526933" cy="165333"/>
-            </a:xfrm>
-            <a:prstGeom prst="rect">
-              <a:avLst/>
-            </a:prstGeom>
-          </p:spPr>
-        </p:pic>
-        <p:cxnSp>
-          <p:nvCxnSpPr>
-            <p:cNvPr id="12" name="Gerade Verbindung mit Pfeil 11">
-              <a:extLst>
-                <a:ext uri="{FF2B5EF4-FFF2-40B4-BE49-F238E27FC236}">
-                  <a16:creationId xmlns:a16="http://schemas.microsoft.com/office/drawing/2014/main" id="{43DBE80C-94E5-4EEB-990B-D2BBBF9FD12A}"/>
-                </a:ext>
-              </a:extLst>
-            </p:cNvPr>
-            <p:cNvCxnSpPr>
-              <a:cxnSpLocks/>
-            </p:cNvCxnSpPr>
-            <p:nvPr/>
-          </p:nvCxnSpPr>
-          <p:spPr>
-            <a:xfrm>
-              <a:off x="5769621" y="3429000"/>
-              <a:ext cx="1528768" cy="0"/>
-            </a:xfrm>
-            <a:prstGeom prst="straightConnector1">
-              <a:avLst/>
-            </a:prstGeom>
-            <a:ln w="38100">
-              <a:solidFill>
-                <a:srgbClr val="DBEBF8"/>
-              </a:solidFill>
-              <a:tailEnd type="triangle"/>
-            </a:ln>
-          </p:spPr>
-          <p:style>
-            <a:lnRef idx="1">
-              <a:schemeClr val="accent1"/>
-            </a:lnRef>
-            <a:fillRef idx="0">
-              <a:schemeClr val="accent1"/>
-            </a:fillRef>
-            <a:effectRef idx="0">
-              <a:schemeClr val="accent1"/>
-            </a:effectRef>
-            <a:fontRef idx="minor">
-              <a:schemeClr val="tx1"/>
-            </a:fontRef>
-          </p:style>
-        </p:cxnSp>
-        <p:sp>
-          <p:nvSpPr>
-            <p:cNvPr id="13" name="Rechteck: abgerundete Ecken 12">
-              <a:extLst>
-                <a:ext uri="{FF2B5EF4-FFF2-40B4-BE49-F238E27FC236}">
-                  <a16:creationId xmlns:a16="http://schemas.microsoft.com/office/drawing/2014/main" id="{B5748E98-F16F-4FC5-B746-FE85BD85D579}"/>
-                </a:ext>
-              </a:extLst>
-            </p:cNvPr>
-            <p:cNvSpPr/>
-            <p:nvPr/>
-          </p:nvSpPr>
-          <p:spPr>
-            <a:xfrm>
-              <a:off x="3380225" y="3014714"/>
-              <a:ext cx="2389396" cy="828572"/>
-            </a:xfrm>
-            <a:prstGeom prst="roundRect">
-              <a:avLst/>
-            </a:prstGeom>
-            <a:solidFill>
-              <a:schemeClr val="bg1"/>
-            </a:solidFill>
-            <a:ln>
+              </a:rPr>
+              <a:t>DDP</a:t>
+            </a:r>
+            <a:endParaRPr lang="en-US" dirty="0">
               <a:solidFill>
                 <a:srgbClr val="3668A0"/>
               </a:solidFill>
-            </a:ln>
-          </p:spPr>
-          <p:style>
-            <a:lnRef idx="2">
-              <a:schemeClr val="accent1">
-                <a:shade val="50000"/>
-              </a:schemeClr>
-            </a:lnRef>
-            <a:fillRef idx="1">
-              <a:schemeClr val="accent1"/>
-            </a:fillRef>
-            <a:effectRef idx="0">
-              <a:schemeClr val="accent1"/>
-            </a:effectRef>
-            <a:fontRef idx="minor">
-              <a:schemeClr val="lt1"/>
-            </a:fontRef>
-          </p:style>
-          <p:txBody>
-            <a:bodyPr rtlCol="0" anchor="ctr"/>
-            <a:lstStyle/>
-            <a:p>
-              <a:pPr algn="ctr"/>
-              <a:r>
-                <a:rPr lang="de-DE" sz="1600" dirty="0">
-                  <a:solidFill>
-                    <a:schemeClr val="tx1"/>
-                  </a:solidFill>
-                </a:rPr>
-                <a:t>Whole-Body </a:t>
-              </a:r>
-            </a:p>
-            <a:p>
-              <a:pPr algn="ctr"/>
-              <a:r>
-                <a:rPr lang="de-DE" sz="1600" dirty="0">
-                  <a:solidFill>
-                    <a:schemeClr val="tx1"/>
-                  </a:solidFill>
-                </a:rPr>
-                <a:t>Trajectory Optimization</a:t>
-              </a:r>
-              <a:endParaRPr lang="en-US" sz="1600" dirty="0">
+            </a:endParaRPr>
+          </a:p>
+        </p:txBody>
+      </p:sp>
+      <p:sp>
+        <p:nvSpPr>
+          <p:cNvPr id="8" name="Textfeld 7">
+            <a:extLst>
+              <a:ext uri="{FF2B5EF4-FFF2-40B4-BE49-F238E27FC236}">
+                <a16:creationId xmlns:a16="http://schemas.microsoft.com/office/drawing/2014/main" id="{F8CEAFA3-A186-4C7A-8F92-BE482AC83C0C}"/>
+              </a:ext>
+            </a:extLst>
+          </p:cNvPr>
+          <p:cNvSpPr txBox="1"/>
+          <p:nvPr/>
+        </p:nvSpPr>
+        <p:spPr>
+          <a:xfrm>
+            <a:off x="3384654" y="2868411"/>
+            <a:ext cx="1657826" cy="307777"/>
+          </a:xfrm>
+          <a:prstGeom prst="rect">
+            <a:avLst/>
+          </a:prstGeom>
+          <a:noFill/>
+        </p:spPr>
+        <p:txBody>
+          <a:bodyPr wrap="none" rtlCol="0">
+            <a:spAutoFit/>
+          </a:bodyPr>
+          <a:lstStyle/>
+          <a:p>
+            <a:r>
+              <a:rPr lang="de-DE" sz="1400" dirty="0"/>
+              <a:t>Contact </a:t>
+            </a:r>
+            <a:r>
+              <a:rPr lang="de-DE" sz="1400" dirty="0" err="1"/>
+              <a:t>Sequence</a:t>
+            </a:r>
+            <a:endParaRPr lang="en-US" sz="1400" dirty="0"/>
+          </a:p>
+        </p:txBody>
+      </p:sp>
+      <p:sp>
+        <p:nvSpPr>
+          <p:cNvPr id="9" name="Textfeld 8">
+            <a:extLst>
+              <a:ext uri="{FF2B5EF4-FFF2-40B4-BE49-F238E27FC236}">
+                <a16:creationId xmlns:a16="http://schemas.microsoft.com/office/drawing/2014/main" id="{473F2448-0209-4336-9EF6-DD77EDE4C352}"/>
+              </a:ext>
+            </a:extLst>
+          </p:cNvPr>
+          <p:cNvSpPr txBox="1"/>
+          <p:nvPr/>
+        </p:nvSpPr>
+        <p:spPr>
+          <a:xfrm>
+            <a:off x="7398075" y="3054082"/>
+            <a:ext cx="973087" cy="307777"/>
+          </a:xfrm>
+          <a:prstGeom prst="rect">
+            <a:avLst/>
+          </a:prstGeom>
+          <a:noFill/>
+        </p:spPr>
+        <p:txBody>
+          <a:bodyPr wrap="none" rtlCol="0">
+            <a:spAutoFit/>
+          </a:bodyPr>
+          <a:lstStyle/>
+          <a:p>
+            <a:r>
+              <a:rPr lang="de-DE" sz="1400" dirty="0"/>
+              <a:t>Trajectory</a:t>
+            </a:r>
+            <a:endParaRPr lang="en-US" sz="1400" dirty="0"/>
+          </a:p>
+        </p:txBody>
+      </p:sp>
+      <p:sp>
+        <p:nvSpPr>
+          <p:cNvPr id="10" name="Textfeld 9">
+            <a:extLst>
+              <a:ext uri="{FF2B5EF4-FFF2-40B4-BE49-F238E27FC236}">
+                <a16:creationId xmlns:a16="http://schemas.microsoft.com/office/drawing/2014/main" id="{21876EDB-444D-4248-A45C-C79F7BB4E92F}"/>
+              </a:ext>
+            </a:extLst>
+          </p:cNvPr>
+          <p:cNvSpPr txBox="1"/>
+          <p:nvPr/>
+        </p:nvSpPr>
+        <p:spPr>
+          <a:xfrm>
+            <a:off x="3665546" y="3316163"/>
+            <a:ext cx="1090363" cy="307777"/>
+          </a:xfrm>
+          <a:prstGeom prst="rect">
+            <a:avLst/>
+          </a:prstGeom>
+          <a:noFill/>
+        </p:spPr>
+        <p:txBody>
+          <a:bodyPr wrap="none" rtlCol="0">
+            <a:spAutoFit/>
+          </a:bodyPr>
+          <a:lstStyle/>
+          <a:p>
+            <a:r>
+              <a:rPr lang="de-DE" sz="1400" dirty="0" err="1"/>
+              <a:t>Constraints</a:t>
+            </a:r>
+            <a:endParaRPr lang="en-US" sz="1400" dirty="0"/>
+          </a:p>
+        </p:txBody>
+      </p:sp>
+      <p:pic>
+        <p:nvPicPr>
+          <p:cNvPr id="11" name="Grafik 10">
+            <a:extLst>
+              <a:ext uri="{FF2B5EF4-FFF2-40B4-BE49-F238E27FC236}">
+                <a16:creationId xmlns:a16="http://schemas.microsoft.com/office/drawing/2014/main" id="{791B808E-04B4-4E17-AEA2-37DCFFBF5F37}"/>
+              </a:ext>
+            </a:extLst>
+          </p:cNvPr>
+          <p:cNvPicPr>
+            <a:picLocks noChangeAspect="1"/>
+          </p:cNvPicPr>
+          <p:nvPr>
+            <p:custDataLst>
+              <p:tags r:id="rId1"/>
+            </p:custDataLst>
+          </p:nvPr>
+        </p:nvPicPr>
+        <p:blipFill>
+          <a:blip r:embed="rId3">
+            <a:extLst>
+              <a:ext uri="{28A0092B-C50C-407E-A947-70E740481C1C}">
+                <a14:useLocalDpi xmlns:a14="http://schemas.microsoft.com/office/drawing/2010/main" val="0"/>
+              </a:ext>
+            </a:extLst>
+          </a:blip>
+          <a:stretch>
+            <a:fillRect/>
+          </a:stretch>
+        </p:blipFill>
+        <p:spPr>
+          <a:xfrm>
+            <a:off x="8345327" y="3140604"/>
+            <a:ext cx="526933" cy="165333"/>
+          </a:xfrm>
+          <a:prstGeom prst="rect">
+            <a:avLst/>
+          </a:prstGeom>
+        </p:spPr>
+      </p:pic>
+      <p:sp>
+        <p:nvSpPr>
+          <p:cNvPr id="13" name="Rechteck 12">
+            <a:extLst>
+              <a:ext uri="{FF2B5EF4-FFF2-40B4-BE49-F238E27FC236}">
+                <a16:creationId xmlns:a16="http://schemas.microsoft.com/office/drawing/2014/main" id="{B5748E98-F16F-4FC5-B746-FE85BD85D579}"/>
+              </a:ext>
+            </a:extLst>
+          </p:cNvPr>
+          <p:cNvSpPr/>
+          <p:nvPr/>
+        </p:nvSpPr>
+        <p:spPr>
+          <a:xfrm>
+            <a:off x="4982011" y="2927828"/>
+            <a:ext cx="2389396" cy="828572"/>
+          </a:xfrm>
+          <a:prstGeom prst="rect">
+            <a:avLst/>
+          </a:prstGeom>
+          <a:solidFill>
+            <a:schemeClr val="bg1"/>
+          </a:solidFill>
+          <a:ln w="19050">
+            <a:solidFill>
+              <a:schemeClr val="tx1"/>
+            </a:solidFill>
+          </a:ln>
+        </p:spPr>
+        <p:style>
+          <a:lnRef idx="2">
+            <a:schemeClr val="accent1">
+              <a:shade val="50000"/>
+            </a:schemeClr>
+          </a:lnRef>
+          <a:fillRef idx="1">
+            <a:schemeClr val="accent1"/>
+          </a:fillRef>
+          <a:effectRef idx="0">
+            <a:schemeClr val="accent1"/>
+          </a:effectRef>
+          <a:fontRef idx="minor">
+            <a:schemeClr val="lt1"/>
+          </a:fontRef>
+        </p:style>
+        <p:txBody>
+          <a:bodyPr rtlCol="0" anchor="ctr"/>
+          <a:lstStyle/>
+          <a:p>
+            <a:pPr algn="ctr"/>
+            <a:r>
+              <a:rPr lang="de-DE" sz="1600" dirty="0">
                 <a:solidFill>
                   <a:schemeClr val="tx1"/>
                 </a:solidFill>
-              </a:endParaRPr>
-            </a:p>
-          </p:txBody>
-        </p:sp>
-      </p:grpSp>
+              </a:rPr>
+              <a:t>Whole-Body </a:t>
+            </a:r>
+          </a:p>
+          <a:p>
+            <a:pPr algn="ctr"/>
+            <a:r>
+              <a:rPr lang="de-DE" sz="1600" dirty="0">
+                <a:solidFill>
+                  <a:schemeClr val="tx1"/>
+                </a:solidFill>
+              </a:rPr>
+              <a:t>Trajectory Optimization</a:t>
+            </a:r>
+            <a:endParaRPr lang="en-US" sz="1600" dirty="0">
+              <a:solidFill>
+                <a:schemeClr val="tx1"/>
+              </a:solidFill>
+            </a:endParaRPr>
+          </a:p>
+        </p:txBody>
+      </p:sp>
+      <p:cxnSp>
+        <p:nvCxnSpPr>
+          <p:cNvPr id="2" name="Gerade Verbindung mit Pfeil 1">
+            <a:extLst>
+              <a:ext uri="{FF2B5EF4-FFF2-40B4-BE49-F238E27FC236}">
+                <a16:creationId xmlns:a16="http://schemas.microsoft.com/office/drawing/2014/main" id="{E279FC62-1025-4A5A-AB9E-9811A6BFB4AD}"/>
+              </a:ext>
+            </a:extLst>
+          </p:cNvPr>
+          <p:cNvCxnSpPr>
+            <a:cxnSpLocks/>
+          </p:cNvCxnSpPr>
+          <p:nvPr/>
+        </p:nvCxnSpPr>
+        <p:spPr>
+          <a:xfrm>
+            <a:off x="3439444" y="3584200"/>
+            <a:ext cx="1542567" cy="0"/>
+          </a:xfrm>
+          <a:prstGeom prst="straightConnector1">
+            <a:avLst/>
+          </a:prstGeom>
+          <a:ln w="19050">
+            <a:solidFill>
+              <a:schemeClr val="tx1"/>
+            </a:solidFill>
+            <a:tailEnd type="stealth" w="lg" len="lg"/>
+          </a:ln>
+        </p:spPr>
+        <p:style>
+          <a:lnRef idx="1">
+            <a:schemeClr val="accent1"/>
+          </a:lnRef>
+          <a:fillRef idx="0">
+            <a:schemeClr val="accent1"/>
+          </a:fillRef>
+          <a:effectRef idx="0">
+            <a:schemeClr val="accent1"/>
+          </a:effectRef>
+          <a:fontRef idx="minor">
+            <a:schemeClr val="tx1"/>
+          </a:fontRef>
+        </p:style>
+      </p:cxnSp>
+      <p:cxnSp>
+        <p:nvCxnSpPr>
+          <p:cNvPr id="16" name="Gerade Verbindung mit Pfeil 15">
+            <a:extLst>
+              <a:ext uri="{FF2B5EF4-FFF2-40B4-BE49-F238E27FC236}">
+                <a16:creationId xmlns:a16="http://schemas.microsoft.com/office/drawing/2014/main" id="{7C194B65-A94D-4E80-A4EC-9386C95D4029}"/>
+              </a:ext>
+            </a:extLst>
+          </p:cNvPr>
+          <p:cNvCxnSpPr>
+            <a:cxnSpLocks/>
+          </p:cNvCxnSpPr>
+          <p:nvPr/>
+        </p:nvCxnSpPr>
+        <p:spPr>
+          <a:xfrm>
+            <a:off x="3439444" y="3140604"/>
+            <a:ext cx="1542567" cy="0"/>
+          </a:xfrm>
+          <a:prstGeom prst="straightConnector1">
+            <a:avLst/>
+          </a:prstGeom>
+          <a:ln w="19050">
+            <a:solidFill>
+              <a:schemeClr val="tx1"/>
+            </a:solidFill>
+            <a:tailEnd type="stealth" w="lg" len="lg"/>
+          </a:ln>
+        </p:spPr>
+        <p:style>
+          <a:lnRef idx="1">
+            <a:schemeClr val="accent1"/>
+          </a:lnRef>
+          <a:fillRef idx="0">
+            <a:schemeClr val="accent1"/>
+          </a:fillRef>
+          <a:effectRef idx="0">
+            <a:schemeClr val="accent1"/>
+          </a:effectRef>
+          <a:fontRef idx="minor">
+            <a:schemeClr val="tx1"/>
+          </a:fontRef>
+        </p:style>
+      </p:cxnSp>
+      <p:cxnSp>
+        <p:nvCxnSpPr>
+          <p:cNvPr id="18" name="Gerade Verbindung mit Pfeil 17">
+            <a:extLst>
+              <a:ext uri="{FF2B5EF4-FFF2-40B4-BE49-F238E27FC236}">
+                <a16:creationId xmlns:a16="http://schemas.microsoft.com/office/drawing/2014/main" id="{17C38169-E2EA-4457-82AB-13F81A3271C4}"/>
+              </a:ext>
+            </a:extLst>
+          </p:cNvPr>
+          <p:cNvCxnSpPr>
+            <a:cxnSpLocks/>
+            <a:stCxn id="13" idx="3"/>
+          </p:cNvCxnSpPr>
+          <p:nvPr/>
+        </p:nvCxnSpPr>
+        <p:spPr>
+          <a:xfrm>
+            <a:off x="7371407" y="3342114"/>
+            <a:ext cx="1703537" cy="0"/>
+          </a:xfrm>
+          <a:prstGeom prst="straightConnector1">
+            <a:avLst/>
+          </a:prstGeom>
+          <a:ln w="19050">
+            <a:solidFill>
+              <a:schemeClr val="tx1"/>
+            </a:solidFill>
+            <a:tailEnd type="stealth" w="lg" len="lg"/>
+          </a:ln>
+        </p:spPr>
+        <p:style>
+          <a:lnRef idx="1">
+            <a:schemeClr val="accent1"/>
+          </a:lnRef>
+          <a:fillRef idx="0">
+            <a:schemeClr val="accent1"/>
+          </a:fillRef>
+          <a:effectRef idx="0">
+            <a:schemeClr val="accent1"/>
+          </a:effectRef>
+          <a:fontRef idx="minor">
+            <a:schemeClr val="tx1"/>
+          </a:fontRef>
+        </p:style>
+      </p:cxnSp>
     </p:spTree>
     <p:extLst>
       <p:ext uri="{BB962C8B-B14F-4D97-AF65-F5344CB8AC3E}">
-        <p14:creationId xmlns:p14="http://schemas.microsoft.com/office/powerpoint/2010/main" val="2785133222"/>
+        <p14:creationId xmlns:p14="http://schemas.microsoft.com/office/powerpoint/2010/main" val="2793412414"/>
       </p:ext>
     </p:extLst>
   </p:cSld>
   <p:clrMapOvr>
     <a:masterClrMapping/>
   </p:clrMapOvr>
-  <p:timing>
-    <p:tnLst>
-      <p:par>
-        <p:cTn id="1" dur="indefinite" restart="never" nodeType="tmRoot">
-          <p:childTnLst>
-            <p:seq concurrent="1" nextAc="seek">
-              <p:cTn id="2" dur="indefinite" nodeType="mainSeq">
-                <p:childTnLst>
-                  <p:par>
-                    <p:cTn id="3" fill="hold">
-                      <p:stCondLst>
-                        <p:cond delay="indefinite"/>
-                      </p:stCondLst>
-                      <p:childTnLst>
-                        <p:par>
-                          <p:cTn id="4" fill="hold">
-                            <p:stCondLst>
-                              <p:cond delay="0"/>
-                            </p:stCondLst>
-                            <p:childTnLst>
-                              <p:par>
-                                <p:cTn id="5" presetID="1" presetClass="entr" presetSubtype="0" fill="hold" nodeType="clickEffect">
-                                  <p:stCondLst>
-                                    <p:cond delay="0"/>
-                                  </p:stCondLst>
-                                  <p:childTnLst>
-                                    <p:set>
-                                      <p:cBhvr>
-                                        <p:cTn id="6" dur="1" fill="hold">
-                                          <p:stCondLst>
-                                            <p:cond delay="0"/>
-                                          </p:stCondLst>
-                                        </p:cTn>
-                                        <p:tgtEl>
-                                          <p:spTgt spid="4"/>
-                                        </p:tgtEl>
-                                        <p:attrNameLst>
-                                          <p:attrName>style.visibility</p:attrName>
-                                        </p:attrNameLst>
-                                      </p:cBhvr>
-                                      <p:to>
-                                        <p:strVal val="visible"/>
-                                      </p:to>
-                                    </p:set>
-                                  </p:childTnLst>
-                                </p:cTn>
-                              </p:par>
-                            </p:childTnLst>
-                          </p:cTn>
-                        </p:par>
-                      </p:childTnLst>
-                    </p:cTn>
-                  </p:par>
-                </p:childTnLst>
-              </p:cTn>
-              <p:prevCondLst>
-                <p:cond evt="onPrev" delay="0">
-                  <p:tgtEl>
-                    <p:sldTgt/>
-                  </p:tgtEl>
-                </p:cond>
-              </p:prevCondLst>
-              <p:nextCondLst>
-                <p:cond evt="onNext" delay="0">
-                  <p:tgtEl>
-                    <p:sldTgt/>
-                  </p:tgtEl>
-                </p:cond>
-              </p:nextCondLst>
-            </p:seq>
-          </p:childTnLst>
-        </p:cTn>
-      </p:par>
-    </p:tnLst>
-  </p:timing>
 </p:sld>
 </file>
 
@@ -6780,14 +6681,16 @@
         </p:nvSpPr>
         <p:spPr>
           <a:xfrm>
-            <a:off x="167779" y="2283931"/>
-            <a:ext cx="9882188" cy="2290137"/>
+            <a:off x="167778" y="2456837"/>
+            <a:ext cx="9899011" cy="2031263"/>
           </a:xfrm>
           <a:prstGeom prst="rect">
             <a:avLst/>
           </a:prstGeom>
           <a:solidFill>
-            <a:srgbClr val="DBEBF8"/>
+            <a:srgbClr val="B5CCE4">
+              <a:alpha val="69804"/>
+            </a:srgbClr>
           </a:solidFill>
           <a:ln w="12700" cap="flat" cmpd="sng" algn="ctr">
             <a:solidFill>
@@ -6822,16 +6725,14 @@
         </p:nvSpPr>
         <p:spPr>
           <a:xfrm>
-            <a:off x="167779" y="801878"/>
-            <a:ext cx="9882188" cy="1482053"/>
+            <a:off x="167778" y="631371"/>
+            <a:ext cx="9899011" cy="1825466"/>
           </a:xfrm>
           <a:prstGeom prst="rect">
             <a:avLst/>
           </a:prstGeom>
           <a:solidFill>
-            <a:srgbClr val="BFBFBF">
-              <a:alpha val="50196"/>
-            </a:srgbClr>
+            <a:srgbClr val="D9D9D9"/>
           </a:solidFill>
           <a:ln>
             <a:noFill/>
@@ -6862,436 +6763,6 @@
           </a:p>
         </p:txBody>
       </p:sp>
-      <p:grpSp>
-        <p:nvGrpSpPr>
-          <p:cNvPr id="41" name="Gruppieren 40">
-            <a:extLst>
-              <a:ext uri="{FF2B5EF4-FFF2-40B4-BE49-F238E27FC236}">
-                <a16:creationId xmlns:a16="http://schemas.microsoft.com/office/drawing/2014/main" id="{BC5A7F38-BD83-4F6F-B8A6-3452AEB42621}"/>
-              </a:ext>
-            </a:extLst>
-          </p:cNvPr>
-          <p:cNvGrpSpPr/>
-          <p:nvPr/>
-        </p:nvGrpSpPr>
-        <p:grpSpPr>
-          <a:xfrm>
-            <a:off x="3072939" y="2602717"/>
-            <a:ext cx="1133911" cy="1652561"/>
-            <a:chOff x="3458710" y="3435689"/>
-            <a:chExt cx="1251009" cy="1652561"/>
-          </a:xfrm>
-        </p:grpSpPr>
-        <p:sp>
-          <p:nvSpPr>
-            <p:cNvPr id="6" name="Rechteck: abgerundete Ecken 5">
-              <a:extLst>
-                <a:ext uri="{FF2B5EF4-FFF2-40B4-BE49-F238E27FC236}">
-                  <a16:creationId xmlns:a16="http://schemas.microsoft.com/office/drawing/2014/main" id="{C8D94366-EF8C-4028-986B-FE1E3D64A0A6}"/>
-                </a:ext>
-              </a:extLst>
-            </p:cNvPr>
-            <p:cNvSpPr/>
-            <p:nvPr/>
-          </p:nvSpPr>
-          <p:spPr>
-            <a:xfrm>
-              <a:off x="3458710" y="3435689"/>
-              <a:ext cx="1251009" cy="1652561"/>
-            </a:xfrm>
-            <a:prstGeom prst="roundRect">
-              <a:avLst/>
-            </a:prstGeom>
-            <a:solidFill>
-              <a:schemeClr val="bg1"/>
-            </a:solidFill>
-            <a:ln>
-              <a:solidFill>
-                <a:srgbClr val="3668A0"/>
-              </a:solidFill>
-            </a:ln>
-          </p:spPr>
-          <p:style>
-            <a:lnRef idx="2">
-              <a:schemeClr val="accent1">
-                <a:shade val="50000"/>
-              </a:schemeClr>
-            </a:lnRef>
-            <a:fillRef idx="1">
-              <a:schemeClr val="accent1"/>
-            </a:fillRef>
-            <a:effectRef idx="0">
-              <a:schemeClr val="accent1"/>
-            </a:effectRef>
-            <a:fontRef idx="minor">
-              <a:schemeClr val="lt1"/>
-            </a:fontRef>
-          </p:style>
-          <p:txBody>
-            <a:bodyPr rtlCol="0" anchor="t"/>
-            <a:lstStyle/>
-            <a:p>
-              <a:pPr algn="ctr"/>
-              <a:r>
-                <a:rPr lang="de-DE" sz="1600" dirty="0">
-                  <a:solidFill>
-                    <a:schemeClr val="tx1"/>
-                  </a:solidFill>
-                </a:rPr>
-                <a:t>Trajectory File</a:t>
-              </a:r>
-              <a:endParaRPr lang="en-US" sz="1600" dirty="0">
-                <a:solidFill>
-                  <a:schemeClr val="tx1"/>
-                </a:solidFill>
-              </a:endParaRPr>
-            </a:p>
-          </p:txBody>
-        </p:sp>
-        <p:grpSp>
-          <p:nvGrpSpPr>
-            <p:cNvPr id="39" name="Gruppieren 38">
-              <a:extLst>
-                <a:ext uri="{FF2B5EF4-FFF2-40B4-BE49-F238E27FC236}">
-                  <a16:creationId xmlns:a16="http://schemas.microsoft.com/office/drawing/2014/main" id="{A572E544-0DCE-450B-85DE-7904DCA78C56}"/>
-                </a:ext>
-              </a:extLst>
-            </p:cNvPr>
-            <p:cNvGrpSpPr/>
-            <p:nvPr/>
-          </p:nvGrpSpPr>
-          <p:grpSpPr>
-            <a:xfrm>
-              <a:off x="3694127" y="4264394"/>
-              <a:ext cx="780176" cy="597680"/>
-              <a:chOff x="3694127" y="4264395"/>
-              <a:chExt cx="780176" cy="597680"/>
-            </a:xfrm>
-          </p:grpSpPr>
-          <p:cxnSp>
-            <p:nvCxnSpPr>
-              <p:cNvPr id="8" name="Gerader Verbinder 7">
-                <a:extLst>
-                  <a:ext uri="{FF2B5EF4-FFF2-40B4-BE49-F238E27FC236}">
-                    <a16:creationId xmlns:a16="http://schemas.microsoft.com/office/drawing/2014/main" id="{27177B02-3FDD-46E3-836B-3D5B236FC002}"/>
-                  </a:ext>
-                </a:extLst>
-              </p:cNvPr>
-              <p:cNvCxnSpPr>
-                <a:cxnSpLocks/>
-              </p:cNvCxnSpPr>
-              <p:nvPr/>
-            </p:nvCxnSpPr>
-            <p:spPr>
-              <a:xfrm>
-                <a:off x="3694127" y="4264395"/>
-                <a:ext cx="780176" cy="1"/>
-              </a:xfrm>
-              <a:prstGeom prst="line">
-                <a:avLst/>
-              </a:prstGeom>
-            </p:spPr>
-            <p:style>
-              <a:lnRef idx="1">
-                <a:schemeClr val="accent1"/>
-              </a:lnRef>
-              <a:fillRef idx="0">
-                <a:schemeClr val="accent1"/>
-              </a:fillRef>
-              <a:effectRef idx="0">
-                <a:schemeClr val="accent1"/>
-              </a:effectRef>
-              <a:fontRef idx="minor">
-                <a:schemeClr val="tx1"/>
-              </a:fontRef>
-            </p:style>
-          </p:cxnSp>
-          <p:cxnSp>
-            <p:nvCxnSpPr>
-              <p:cNvPr id="10" name="Gerader Verbinder 9">
-                <a:extLst>
-                  <a:ext uri="{FF2B5EF4-FFF2-40B4-BE49-F238E27FC236}">
-                    <a16:creationId xmlns:a16="http://schemas.microsoft.com/office/drawing/2014/main" id="{0BF7CC6C-AC1A-4AA8-BEF4-1E9E4D365500}"/>
-                  </a:ext>
-                </a:extLst>
-              </p:cNvPr>
-              <p:cNvCxnSpPr>
-                <a:cxnSpLocks/>
-              </p:cNvCxnSpPr>
-              <p:nvPr/>
-            </p:nvCxnSpPr>
-            <p:spPr>
-              <a:xfrm>
-                <a:off x="3694127" y="4406980"/>
-                <a:ext cx="780176" cy="1"/>
-              </a:xfrm>
-              <a:prstGeom prst="line">
-                <a:avLst/>
-              </a:prstGeom>
-            </p:spPr>
-            <p:style>
-              <a:lnRef idx="1">
-                <a:schemeClr val="accent1"/>
-              </a:lnRef>
-              <a:fillRef idx="0">
-                <a:schemeClr val="accent1"/>
-              </a:fillRef>
-              <a:effectRef idx="0">
-                <a:schemeClr val="accent1"/>
-              </a:effectRef>
-              <a:fontRef idx="minor">
-                <a:schemeClr val="tx1"/>
-              </a:fontRef>
-            </p:style>
-          </p:cxnSp>
-          <p:cxnSp>
-            <p:nvCxnSpPr>
-              <p:cNvPr id="12" name="Gerader Verbinder 11">
-                <a:extLst>
-                  <a:ext uri="{FF2B5EF4-FFF2-40B4-BE49-F238E27FC236}">
-                    <a16:creationId xmlns:a16="http://schemas.microsoft.com/office/drawing/2014/main" id="{3D0AC4ED-97DF-4127-9440-E5D426EE3358}"/>
-                  </a:ext>
-                </a:extLst>
-              </p:cNvPr>
-              <p:cNvCxnSpPr>
-                <a:cxnSpLocks/>
-              </p:cNvCxnSpPr>
-              <p:nvPr/>
-            </p:nvCxnSpPr>
-            <p:spPr>
-              <a:xfrm>
-                <a:off x="3694127" y="4558679"/>
-                <a:ext cx="780176" cy="1"/>
-              </a:xfrm>
-              <a:prstGeom prst="line">
-                <a:avLst/>
-              </a:prstGeom>
-            </p:spPr>
-            <p:style>
-              <a:lnRef idx="1">
-                <a:schemeClr val="accent1"/>
-              </a:lnRef>
-              <a:fillRef idx="0">
-                <a:schemeClr val="accent1"/>
-              </a:fillRef>
-              <a:effectRef idx="0">
-                <a:schemeClr val="accent1"/>
-              </a:effectRef>
-              <a:fontRef idx="minor">
-                <a:schemeClr val="tx1"/>
-              </a:fontRef>
-            </p:style>
-          </p:cxnSp>
-          <p:cxnSp>
-            <p:nvCxnSpPr>
-              <p:cNvPr id="14" name="Gerader Verbinder 13">
-                <a:extLst>
-                  <a:ext uri="{FF2B5EF4-FFF2-40B4-BE49-F238E27FC236}">
-                    <a16:creationId xmlns:a16="http://schemas.microsoft.com/office/drawing/2014/main" id="{9BB63DBA-5CF8-4F0A-B5EE-B7BAC94ECD8F}"/>
-                  </a:ext>
-                </a:extLst>
-              </p:cNvPr>
-              <p:cNvCxnSpPr>
-                <a:cxnSpLocks/>
-              </p:cNvCxnSpPr>
-              <p:nvPr/>
-            </p:nvCxnSpPr>
-            <p:spPr>
-              <a:xfrm>
-                <a:off x="3694127" y="4710377"/>
-                <a:ext cx="780176" cy="1"/>
-              </a:xfrm>
-              <a:prstGeom prst="line">
-                <a:avLst/>
-              </a:prstGeom>
-            </p:spPr>
-            <p:style>
-              <a:lnRef idx="1">
-                <a:schemeClr val="accent1"/>
-              </a:lnRef>
-              <a:fillRef idx="0">
-                <a:schemeClr val="accent1"/>
-              </a:fillRef>
-              <a:effectRef idx="0">
-                <a:schemeClr val="accent1"/>
-              </a:effectRef>
-              <a:fontRef idx="minor">
-                <a:schemeClr val="tx1"/>
-              </a:fontRef>
-            </p:style>
-          </p:cxnSp>
-          <p:cxnSp>
-            <p:nvCxnSpPr>
-              <p:cNvPr id="16" name="Gerader Verbinder 15">
-                <a:extLst>
-                  <a:ext uri="{FF2B5EF4-FFF2-40B4-BE49-F238E27FC236}">
-                    <a16:creationId xmlns:a16="http://schemas.microsoft.com/office/drawing/2014/main" id="{CB7DC6F7-2771-4678-BFCF-09EAF8B74104}"/>
-                  </a:ext>
-                </a:extLst>
-              </p:cNvPr>
-              <p:cNvCxnSpPr>
-                <a:cxnSpLocks/>
-              </p:cNvCxnSpPr>
-              <p:nvPr/>
-            </p:nvCxnSpPr>
-            <p:spPr>
-              <a:xfrm>
-                <a:off x="3694127" y="4862074"/>
-                <a:ext cx="780176" cy="1"/>
-              </a:xfrm>
-              <a:prstGeom prst="line">
-                <a:avLst/>
-              </a:prstGeom>
-            </p:spPr>
-            <p:style>
-              <a:lnRef idx="1">
-                <a:schemeClr val="accent1"/>
-              </a:lnRef>
-              <a:fillRef idx="0">
-                <a:schemeClr val="accent1"/>
-              </a:fillRef>
-              <a:effectRef idx="0">
-                <a:schemeClr val="accent1"/>
-              </a:effectRef>
-              <a:fontRef idx="minor">
-                <a:schemeClr val="tx1"/>
-              </a:fontRef>
-            </p:style>
-          </p:cxnSp>
-        </p:grpSp>
-      </p:grpSp>
-      <p:sp>
-        <p:nvSpPr>
-          <p:cNvPr id="18" name="Rechteck: abgerundete Ecken 17">
-            <a:extLst>
-              <a:ext uri="{FF2B5EF4-FFF2-40B4-BE49-F238E27FC236}">
-                <a16:creationId xmlns:a16="http://schemas.microsoft.com/office/drawing/2014/main" id="{2BA5E4ED-E5E7-4445-9C49-A39C758DACC4}"/>
-              </a:ext>
-            </a:extLst>
-          </p:cNvPr>
-          <p:cNvSpPr/>
-          <p:nvPr/>
-        </p:nvSpPr>
-        <p:spPr>
-          <a:xfrm>
-            <a:off x="6175249" y="3110211"/>
-            <a:ext cx="1434168" cy="642421"/>
-          </a:xfrm>
-          <a:prstGeom prst="roundRect">
-            <a:avLst/>
-          </a:prstGeom>
-          <a:solidFill>
-            <a:schemeClr val="bg1"/>
-          </a:solidFill>
-          <a:ln>
-            <a:solidFill>
-              <a:srgbClr val="3668A0"/>
-            </a:solidFill>
-          </a:ln>
-        </p:spPr>
-        <p:style>
-          <a:lnRef idx="2">
-            <a:schemeClr val="accent1">
-              <a:shade val="50000"/>
-            </a:schemeClr>
-          </a:lnRef>
-          <a:fillRef idx="1">
-            <a:schemeClr val="accent1"/>
-          </a:fillRef>
-          <a:effectRef idx="0">
-            <a:schemeClr val="accent1"/>
-          </a:effectRef>
-          <a:fontRef idx="minor">
-            <a:schemeClr val="lt1"/>
-          </a:fontRef>
-        </p:style>
-        <p:txBody>
-          <a:bodyPr rtlCol="0" anchor="ctr"/>
-          <a:lstStyle/>
-          <a:p>
-            <a:pPr algn="ctr"/>
-            <a:r>
-              <a:rPr lang="de-DE" sz="1600" dirty="0">
-                <a:solidFill>
-                  <a:schemeClr val="tx1"/>
-                </a:solidFill>
-              </a:rPr>
-              <a:t>HyRoDyn</a:t>
-            </a:r>
-            <a:endParaRPr lang="en-US" sz="1600" dirty="0">
-              <a:solidFill>
-                <a:schemeClr val="tx1"/>
-              </a:solidFill>
-            </a:endParaRPr>
-          </a:p>
-        </p:txBody>
-      </p:sp>
-      <p:sp>
-        <p:nvSpPr>
-          <p:cNvPr id="20" name="Rechteck: abgerundete Ecken 19">
-            <a:extLst>
-              <a:ext uri="{FF2B5EF4-FFF2-40B4-BE49-F238E27FC236}">
-                <a16:creationId xmlns:a16="http://schemas.microsoft.com/office/drawing/2014/main" id="{E4961BAF-1D33-4901-ABD6-71A5146DC497}"/>
-              </a:ext>
-            </a:extLst>
-          </p:cNvPr>
-          <p:cNvSpPr/>
-          <p:nvPr/>
-        </p:nvSpPr>
-        <p:spPr>
-          <a:xfrm>
-            <a:off x="8178186" y="3101577"/>
-            <a:ext cx="1434168" cy="642421"/>
-          </a:xfrm>
-          <a:prstGeom prst="roundRect">
-            <a:avLst/>
-          </a:prstGeom>
-          <a:solidFill>
-            <a:schemeClr val="bg1"/>
-          </a:solidFill>
-          <a:ln>
-            <a:solidFill>
-              <a:srgbClr val="3668A0"/>
-            </a:solidFill>
-          </a:ln>
-        </p:spPr>
-        <p:style>
-          <a:lnRef idx="2">
-            <a:schemeClr val="accent1">
-              <a:shade val="50000"/>
-            </a:schemeClr>
-          </a:lnRef>
-          <a:fillRef idx="1">
-            <a:schemeClr val="accent1"/>
-          </a:fillRef>
-          <a:effectRef idx="0">
-            <a:schemeClr val="accent1"/>
-          </a:effectRef>
-          <a:fontRef idx="minor">
-            <a:schemeClr val="lt1"/>
-          </a:fontRef>
-        </p:style>
-        <p:txBody>
-          <a:bodyPr rtlCol="0" anchor="ctr"/>
-          <a:lstStyle/>
-          <a:p>
-            <a:pPr algn="ctr"/>
-            <a:r>
-              <a:rPr lang="de-DE" sz="1600" dirty="0">
-                <a:solidFill>
-                  <a:schemeClr val="tx1"/>
-                </a:solidFill>
-              </a:rPr>
-              <a:t>Actuator Control</a:t>
-            </a:r>
-            <a:endParaRPr lang="en-US" sz="1600" dirty="0">
-              <a:solidFill>
-                <a:schemeClr val="tx1"/>
-              </a:solidFill>
-            </a:endParaRPr>
-          </a:p>
-        </p:txBody>
-      </p:sp>
       <p:cxnSp>
         <p:nvCxnSpPr>
           <p:cNvPr id="22" name="Gerade Verbindung mit Pfeil 21">
@@ -7303,2223 +6774,24 @@
           </p:cNvPr>
           <p:cNvCxnSpPr>
             <a:cxnSpLocks/>
-            <a:stCxn id="6" idx="3"/>
+            <a:stCxn id="8" idx="3"/>
             <a:endCxn id="40" idx="2"/>
           </p:cNvCxnSpPr>
           <p:nvPr/>
         </p:nvCxnSpPr>
         <p:spPr>
-          <a:xfrm flipV="1">
-            <a:off x="4206850" y="3422787"/>
-            <a:ext cx="1229614" cy="6211"/>
+          <a:xfrm>
+            <a:off x="3934749" y="3431170"/>
+            <a:ext cx="1106101" cy="0"/>
           </a:xfrm>
           <a:prstGeom prst="straightConnector1">
             <a:avLst/>
           </a:prstGeom>
-          <a:ln>
-            <a:tailEnd type="triangle"/>
-          </a:ln>
-        </p:spPr>
-        <p:style>
-          <a:lnRef idx="1">
-            <a:schemeClr val="accent1"/>
-          </a:lnRef>
-          <a:fillRef idx="0">
-            <a:schemeClr val="accent1"/>
-          </a:fillRef>
-          <a:effectRef idx="0">
-            <a:schemeClr val="accent1"/>
-          </a:effectRef>
-          <a:fontRef idx="minor">
-            <a:schemeClr val="tx1"/>
-          </a:fontRef>
-        </p:style>
-      </p:cxnSp>
-      <p:cxnSp>
-        <p:nvCxnSpPr>
-          <p:cNvPr id="24" name="Gerade Verbindung mit Pfeil 23">
-            <a:extLst>
-              <a:ext uri="{FF2B5EF4-FFF2-40B4-BE49-F238E27FC236}">
-                <a16:creationId xmlns:a16="http://schemas.microsoft.com/office/drawing/2014/main" id="{0FCFC532-46B6-4616-B7B0-910551818878}"/>
-              </a:ext>
-            </a:extLst>
-          </p:cNvPr>
-          <p:cNvCxnSpPr>
-            <a:cxnSpLocks/>
-            <a:stCxn id="18" idx="3"/>
-            <a:endCxn id="20" idx="1"/>
-          </p:cNvCxnSpPr>
-          <p:nvPr/>
-        </p:nvCxnSpPr>
-        <p:spPr>
-          <a:xfrm flipV="1">
-            <a:off x="7609417" y="3422788"/>
-            <a:ext cx="568769" cy="8634"/>
-          </a:xfrm>
-          <a:prstGeom prst="straightConnector1">
-            <a:avLst/>
-          </a:prstGeom>
-          <a:ln>
-            <a:tailEnd type="triangle"/>
-          </a:ln>
-        </p:spPr>
-        <p:style>
-          <a:lnRef idx="1">
-            <a:schemeClr val="accent1"/>
-          </a:lnRef>
-          <a:fillRef idx="0">
-            <a:schemeClr val="accent1"/>
-          </a:fillRef>
-          <a:effectRef idx="0">
-            <a:schemeClr val="accent1"/>
-          </a:effectRef>
-          <a:fontRef idx="minor">
-            <a:schemeClr val="tx1"/>
-          </a:fontRef>
-        </p:style>
-      </p:cxnSp>
-      <p:pic>
-        <p:nvPicPr>
-          <p:cNvPr id="64" name="Grafik 63">
-            <a:extLst>
-              <a:ext uri="{FF2B5EF4-FFF2-40B4-BE49-F238E27FC236}">
-                <a16:creationId xmlns:a16="http://schemas.microsoft.com/office/drawing/2014/main" id="{C98F8F32-17B1-4121-A1CD-641D594D28CF}"/>
-              </a:ext>
-            </a:extLst>
-          </p:cNvPr>
-          <p:cNvPicPr>
-            <a:picLocks noChangeAspect="1"/>
-          </p:cNvPicPr>
-          <p:nvPr>
-            <p:custDataLst>
-              <p:tags r:id="rId1"/>
-            </p:custDataLst>
-          </p:nvPr>
-        </p:nvPicPr>
-        <p:blipFill>
-          <a:blip r:embed="rId3">
-            <a:extLst>
-              <a:ext uri="{28A0092B-C50C-407E-A947-70E740481C1C}">
-                <a14:useLocalDpi xmlns:a14="http://schemas.microsoft.com/office/drawing/2010/main" val="0"/>
-              </a:ext>
-            </a:extLst>
-          </a:blip>
-          <a:stretch>
-            <a:fillRect/>
-          </a:stretch>
-        </p:blipFill>
-        <p:spPr>
-          <a:xfrm>
-            <a:off x="4385212" y="3235174"/>
-            <a:ext cx="812800" cy="150857"/>
-          </a:xfrm>
-          <a:prstGeom prst="rect">
-            <a:avLst/>
-          </a:prstGeom>
-        </p:spPr>
-      </p:pic>
-      <p:sp>
-        <p:nvSpPr>
-          <p:cNvPr id="62" name="Rechteck: abgerundete Ecken 61">
-            <a:extLst>
-              <a:ext uri="{FF2B5EF4-FFF2-40B4-BE49-F238E27FC236}">
-                <a16:creationId xmlns:a16="http://schemas.microsoft.com/office/drawing/2014/main" id="{08E9F9A7-C88C-4BAD-94BC-E1B8B75AC0B1}"/>
-              </a:ext>
-            </a:extLst>
-          </p:cNvPr>
-          <p:cNvSpPr/>
-          <p:nvPr/>
-        </p:nvSpPr>
-        <p:spPr>
-          <a:xfrm>
-            <a:off x="2445197" y="1118370"/>
-            <a:ext cx="2389396" cy="828572"/>
-          </a:xfrm>
-          <a:prstGeom prst="roundRect">
-            <a:avLst/>
-          </a:prstGeom>
-          <a:solidFill>
-            <a:schemeClr val="bg1"/>
-          </a:solidFill>
-          <a:ln>
-            <a:solidFill>
-              <a:srgbClr val="3668A0"/>
-            </a:solidFill>
-          </a:ln>
-        </p:spPr>
-        <p:style>
-          <a:lnRef idx="2">
-            <a:schemeClr val="accent1">
-              <a:shade val="50000"/>
-            </a:schemeClr>
-          </a:lnRef>
-          <a:fillRef idx="1">
-            <a:schemeClr val="accent1"/>
-          </a:fillRef>
-          <a:effectRef idx="0">
-            <a:schemeClr val="accent1"/>
-          </a:effectRef>
-          <a:fontRef idx="minor">
-            <a:schemeClr val="lt1"/>
-          </a:fontRef>
-        </p:style>
-        <p:txBody>
-          <a:bodyPr rtlCol="0" anchor="ctr"/>
-          <a:lstStyle/>
-          <a:p>
-            <a:pPr algn="ctr"/>
-            <a:r>
-              <a:rPr lang="de-DE" sz="1600" dirty="0">
-                <a:solidFill>
-                  <a:schemeClr val="tx1"/>
-                </a:solidFill>
-              </a:rPr>
-              <a:t>Whole-Body </a:t>
-            </a:r>
-          </a:p>
-          <a:p>
-            <a:pPr algn="ctr"/>
-            <a:r>
-              <a:rPr lang="de-DE" sz="1600" dirty="0">
-                <a:solidFill>
-                  <a:schemeClr val="tx1"/>
-                </a:solidFill>
-              </a:rPr>
-              <a:t>Trajectory Optimization</a:t>
-            </a:r>
-            <a:endParaRPr lang="en-US" sz="1600" dirty="0">
-              <a:solidFill>
-                <a:schemeClr val="tx1"/>
-              </a:solidFill>
-            </a:endParaRPr>
-          </a:p>
-        </p:txBody>
-      </p:sp>
-      <p:cxnSp>
-        <p:nvCxnSpPr>
-          <p:cNvPr id="25" name="Gerade Verbindung mit Pfeil 24">
-            <a:extLst>
-              <a:ext uri="{FF2B5EF4-FFF2-40B4-BE49-F238E27FC236}">
-                <a16:creationId xmlns:a16="http://schemas.microsoft.com/office/drawing/2014/main" id="{843BAB83-EA30-4897-9DE5-3EC0099701E4}"/>
-              </a:ext>
-            </a:extLst>
-          </p:cNvPr>
-          <p:cNvCxnSpPr>
-            <a:cxnSpLocks/>
-            <a:stCxn id="62" idx="2"/>
-            <a:endCxn id="6" idx="0"/>
-          </p:cNvCxnSpPr>
-          <p:nvPr/>
-        </p:nvCxnSpPr>
-        <p:spPr>
-          <a:xfrm>
-            <a:off x="3639895" y="1946942"/>
-            <a:ext cx="0" cy="655775"/>
-          </a:xfrm>
-          <a:prstGeom prst="straightConnector1">
-            <a:avLst/>
-          </a:prstGeom>
-          <a:ln>
-            <a:tailEnd type="triangle"/>
-          </a:ln>
-        </p:spPr>
-        <p:style>
-          <a:lnRef idx="1">
-            <a:schemeClr val="accent1"/>
-          </a:lnRef>
-          <a:fillRef idx="0">
-            <a:schemeClr val="accent1"/>
-          </a:fillRef>
-          <a:effectRef idx="0">
-            <a:schemeClr val="accent1"/>
-          </a:effectRef>
-          <a:fontRef idx="minor">
-            <a:schemeClr val="tx1"/>
-          </a:fontRef>
-        </p:style>
-      </p:cxnSp>
-      <p:cxnSp>
-        <p:nvCxnSpPr>
-          <p:cNvPr id="37" name="Verbinder: gewinkelt 36">
-            <a:extLst>
-              <a:ext uri="{FF2B5EF4-FFF2-40B4-BE49-F238E27FC236}">
-                <a16:creationId xmlns:a16="http://schemas.microsoft.com/office/drawing/2014/main" id="{400F958C-FE9E-4BFA-A710-515E9D10F83D}"/>
-              </a:ext>
-            </a:extLst>
-          </p:cNvPr>
-          <p:cNvCxnSpPr>
-            <a:cxnSpLocks/>
-            <a:stCxn id="20" idx="2"/>
-            <a:endCxn id="40" idx="4"/>
-          </p:cNvCxnSpPr>
-          <p:nvPr/>
-        </p:nvCxnSpPr>
-        <p:spPr>
-          <a:xfrm rot="5400000" flipH="1">
-            <a:off x="7090399" y="1939127"/>
-            <a:ext cx="237754" cy="3371988"/>
-          </a:xfrm>
-          <a:prstGeom prst="bentConnector3">
-            <a:avLst>
-              <a:gd name="adj1" fmla="val -226702"/>
-            </a:avLst>
-          </a:prstGeom>
-          <a:ln>
-            <a:tailEnd type="triangle"/>
-          </a:ln>
-        </p:spPr>
-        <p:style>
-          <a:lnRef idx="1">
-            <a:schemeClr val="accent1"/>
-          </a:lnRef>
-          <a:fillRef idx="0">
-            <a:schemeClr val="accent1"/>
-          </a:fillRef>
-          <a:effectRef idx="0">
-            <a:schemeClr val="accent1"/>
-          </a:effectRef>
-          <a:fontRef idx="minor">
-            <a:schemeClr val="tx1"/>
-          </a:fontRef>
-        </p:style>
-      </p:cxnSp>
-      <p:sp>
-        <p:nvSpPr>
-          <p:cNvPr id="40" name="Flussdiagramm: Zusammenführung 39">
-            <a:extLst>
-              <a:ext uri="{FF2B5EF4-FFF2-40B4-BE49-F238E27FC236}">
-                <a16:creationId xmlns:a16="http://schemas.microsoft.com/office/drawing/2014/main" id="{05106233-03BD-4F63-B39D-41C8E2B79A3D}"/>
-              </a:ext>
-            </a:extLst>
-          </p:cNvPr>
-          <p:cNvSpPr/>
-          <p:nvPr/>
-        </p:nvSpPr>
-        <p:spPr>
-          <a:xfrm>
-            <a:off x="5436464" y="3339330"/>
-            <a:ext cx="173635" cy="166914"/>
-          </a:xfrm>
-          <a:prstGeom prst="flowChartSummingJunction">
-            <a:avLst/>
-          </a:prstGeom>
-          <a:solidFill>
-            <a:schemeClr val="bg1"/>
-          </a:solidFill>
-          <a:ln>
-            <a:solidFill>
-              <a:srgbClr val="3668A0"/>
-            </a:solidFill>
-          </a:ln>
-        </p:spPr>
-        <p:style>
-          <a:lnRef idx="2">
-            <a:schemeClr val="accent1">
-              <a:shade val="50000"/>
-            </a:schemeClr>
-          </a:lnRef>
-          <a:fillRef idx="1">
-            <a:schemeClr val="accent1"/>
-          </a:fillRef>
-          <a:effectRef idx="0">
-            <a:schemeClr val="accent1"/>
-          </a:effectRef>
-          <a:fontRef idx="minor">
-            <a:schemeClr val="lt1"/>
-          </a:fontRef>
-        </p:style>
-        <p:txBody>
-          <a:bodyPr rtlCol="0" anchor="t"/>
-          <a:lstStyle/>
-          <a:p>
-            <a:pPr algn="ctr"/>
-            <a:endParaRPr lang="de-DE" sz="1600">
-              <a:solidFill>
-                <a:schemeClr val="tx1"/>
-              </a:solidFill>
-            </a:endParaRPr>
-          </a:p>
-        </p:txBody>
-      </p:sp>
-      <p:cxnSp>
-        <p:nvCxnSpPr>
-          <p:cNvPr id="47" name="Gerade Verbindung mit Pfeil 46">
-            <a:extLst>
-              <a:ext uri="{FF2B5EF4-FFF2-40B4-BE49-F238E27FC236}">
-                <a16:creationId xmlns:a16="http://schemas.microsoft.com/office/drawing/2014/main" id="{0AF848A5-F9C6-4E0D-9E76-6399662B43B1}"/>
-              </a:ext>
-            </a:extLst>
-          </p:cNvPr>
-          <p:cNvCxnSpPr>
-            <a:cxnSpLocks/>
-            <a:stCxn id="40" idx="6"/>
-            <a:endCxn id="18" idx="1"/>
-          </p:cNvCxnSpPr>
-          <p:nvPr/>
-        </p:nvCxnSpPr>
-        <p:spPr>
-          <a:xfrm>
-            <a:off x="5610099" y="3422787"/>
-            <a:ext cx="565150" cy="8635"/>
-          </a:xfrm>
-          <a:prstGeom prst="straightConnector1">
-            <a:avLst/>
-          </a:prstGeom>
-          <a:ln>
-            <a:tailEnd type="triangle"/>
-          </a:ln>
-        </p:spPr>
-        <p:style>
-          <a:lnRef idx="1">
-            <a:schemeClr val="accent1"/>
-          </a:lnRef>
-          <a:fillRef idx="0">
-            <a:schemeClr val="accent1"/>
-          </a:fillRef>
-          <a:effectRef idx="0">
-            <a:schemeClr val="accent1"/>
-          </a:effectRef>
-          <a:fontRef idx="minor">
-            <a:schemeClr val="tx1"/>
-          </a:fontRef>
-        </p:style>
-      </p:cxnSp>
-      <p:cxnSp>
-        <p:nvCxnSpPr>
-          <p:cNvPr id="5" name="Gerader Verbinder 4">
-            <a:extLst>
-              <a:ext uri="{FF2B5EF4-FFF2-40B4-BE49-F238E27FC236}">
-                <a16:creationId xmlns:a16="http://schemas.microsoft.com/office/drawing/2014/main" id="{4C4DEF21-6362-4836-9A43-6F653251D75B}"/>
-              </a:ext>
-            </a:extLst>
-          </p:cNvPr>
-          <p:cNvCxnSpPr>
-            <a:cxnSpLocks/>
-          </p:cNvCxnSpPr>
-          <p:nvPr/>
-        </p:nvCxnSpPr>
-        <p:spPr>
-          <a:xfrm flipH="1">
-            <a:off x="167779" y="2283931"/>
-            <a:ext cx="9882188" cy="0"/>
-          </a:xfrm>
-          <a:prstGeom prst="line">
-            <a:avLst/>
-          </a:prstGeom>
-          <a:ln>
+          <a:ln w="19050">
             <a:solidFill>
               <a:schemeClr val="tx1"/>
             </a:solidFill>
-            <a:prstDash val="dash"/>
-          </a:ln>
-        </p:spPr>
-        <p:style>
-          <a:lnRef idx="1">
-            <a:schemeClr val="accent1"/>
-          </a:lnRef>
-          <a:fillRef idx="0">
-            <a:schemeClr val="accent1"/>
-          </a:fillRef>
-          <a:effectRef idx="0">
-            <a:schemeClr val="accent1"/>
-          </a:effectRef>
-          <a:fontRef idx="minor">
-            <a:schemeClr val="tx1"/>
-          </a:fontRef>
-        </p:style>
-      </p:cxnSp>
-      <p:sp>
-        <p:nvSpPr>
-          <p:cNvPr id="32" name="Textfeld 31">
-            <a:extLst>
-              <a:ext uri="{FF2B5EF4-FFF2-40B4-BE49-F238E27FC236}">
-                <a16:creationId xmlns:a16="http://schemas.microsoft.com/office/drawing/2014/main" id="{3A213B45-6765-452C-BDA4-91DE2609C697}"/>
-              </a:ext>
-            </a:extLst>
-          </p:cNvPr>
-          <p:cNvSpPr txBox="1"/>
-          <p:nvPr/>
-        </p:nvSpPr>
-        <p:spPr>
-          <a:xfrm>
-            <a:off x="167779" y="801877"/>
-            <a:ext cx="1812023" cy="276999"/>
-          </a:xfrm>
-          <a:prstGeom prst="rect">
-            <a:avLst/>
-          </a:prstGeom>
-          <a:noFill/>
-        </p:spPr>
-        <p:txBody>
-          <a:bodyPr wrap="square">
-            <a:spAutoFit/>
-          </a:bodyPr>
-          <a:lstStyle/>
-          <a:p>
-            <a:pPr algn="ctr"/>
-            <a:r>
-              <a:rPr lang="de-DE" sz="1200" dirty="0">
-                <a:solidFill>
-                  <a:schemeClr val="tx1">
-                    <a:lumMod val="50000"/>
-                    <a:lumOff val="50000"/>
-                  </a:schemeClr>
-                </a:solidFill>
-              </a:rPr>
-              <a:t>1. Offline Motion </a:t>
-            </a:r>
-            <a:r>
-              <a:rPr lang="de-DE" sz="1200" dirty="0" err="1">
-                <a:solidFill>
-                  <a:schemeClr val="tx1">
-                    <a:lumMod val="50000"/>
-                    <a:lumOff val="50000"/>
-                  </a:schemeClr>
-                </a:solidFill>
-              </a:rPr>
-              <a:t>Planning</a:t>
-            </a:r>
-            <a:endParaRPr lang="de-DE" sz="1200" dirty="0">
-              <a:solidFill>
-                <a:schemeClr val="tx1">
-                  <a:lumMod val="50000"/>
-                  <a:lumOff val="50000"/>
-                </a:schemeClr>
-              </a:solidFill>
-            </a:endParaRPr>
-          </a:p>
-        </p:txBody>
-      </p:sp>
-      <p:sp>
-        <p:nvSpPr>
-          <p:cNvPr id="34" name="Textfeld 33">
-            <a:extLst>
-              <a:ext uri="{FF2B5EF4-FFF2-40B4-BE49-F238E27FC236}">
-                <a16:creationId xmlns:a16="http://schemas.microsoft.com/office/drawing/2014/main" id="{6A894EEE-B617-4069-A813-C182E39A663C}"/>
-              </a:ext>
-            </a:extLst>
-          </p:cNvPr>
-          <p:cNvSpPr txBox="1"/>
-          <p:nvPr/>
-        </p:nvSpPr>
-        <p:spPr>
-          <a:xfrm>
-            <a:off x="167779" y="2277255"/>
-            <a:ext cx="1555066" cy="276999"/>
-          </a:xfrm>
-          <a:prstGeom prst="rect">
-            <a:avLst/>
-          </a:prstGeom>
-          <a:noFill/>
-        </p:spPr>
-        <p:txBody>
-          <a:bodyPr wrap="square">
-            <a:spAutoFit/>
-          </a:bodyPr>
-          <a:lstStyle/>
-          <a:p>
-            <a:pPr algn="ctr"/>
-            <a:r>
-              <a:rPr lang="de-DE" sz="1200" dirty="0">
-                <a:solidFill>
-                  <a:schemeClr val="tx1">
-                    <a:lumMod val="50000"/>
-                    <a:lumOff val="50000"/>
-                  </a:schemeClr>
-                </a:solidFill>
-              </a:rPr>
-              <a:t>2. Online </a:t>
-            </a:r>
-            <a:r>
-              <a:rPr lang="de-DE" sz="1200" dirty="0" err="1">
-                <a:solidFill>
-                  <a:schemeClr val="tx1">
-                    <a:lumMod val="50000"/>
-                    <a:lumOff val="50000"/>
-                  </a:schemeClr>
-                </a:solidFill>
-              </a:rPr>
-              <a:t>Stabilization</a:t>
-            </a:r>
-            <a:endParaRPr lang="de-DE" sz="1200" dirty="0">
-              <a:solidFill>
-                <a:schemeClr val="tx1">
-                  <a:lumMod val="50000"/>
-                  <a:lumOff val="50000"/>
-                </a:schemeClr>
-              </a:solidFill>
-            </a:endParaRPr>
-          </a:p>
-        </p:txBody>
-      </p:sp>
-    </p:spTree>
-    <p:extLst>
-      <p:ext uri="{BB962C8B-B14F-4D97-AF65-F5344CB8AC3E}">
-        <p14:creationId xmlns:p14="http://schemas.microsoft.com/office/powerpoint/2010/main" val="2614060875"/>
-      </p:ext>
-    </p:extLst>
-  </p:cSld>
-  <p:clrMapOvr>
-    <a:masterClrMapping/>
-  </p:clrMapOvr>
-</p:sld>
-</file>
-
-<file path=ppt/slides/slide4.xml><?xml version="1.0" encoding="utf-8"?>
-<p:sld xmlns:a="http://schemas.openxmlformats.org/drawingml/2006/main" xmlns:r="http://schemas.openxmlformats.org/officeDocument/2006/relationships" xmlns:p="http://schemas.openxmlformats.org/presentationml/2006/main">
-  <p:cSld>
-    <p:spTree>
-      <p:nvGrpSpPr>
-        <p:cNvPr id="1" name=""/>
-        <p:cNvGrpSpPr/>
-        <p:nvPr/>
-      </p:nvGrpSpPr>
-      <p:grpSpPr>
-        <a:xfrm>
-          <a:off x="0" y="0"/>
-          <a:ext cx="0" cy="0"/>
-          <a:chOff x="0" y="0"/>
-          <a:chExt cx="0" cy="0"/>
-        </a:xfrm>
-      </p:grpSpPr>
-      <p:sp>
-        <p:nvSpPr>
-          <p:cNvPr id="3" name="Rechteck 2">
-            <a:extLst>
-              <a:ext uri="{FF2B5EF4-FFF2-40B4-BE49-F238E27FC236}">
-                <a16:creationId xmlns:a16="http://schemas.microsoft.com/office/drawing/2014/main" id="{FB9490F0-DF70-4E08-A81A-0B05F111ACBD}"/>
-              </a:ext>
-            </a:extLst>
-          </p:cNvPr>
-          <p:cNvSpPr/>
-          <p:nvPr/>
-        </p:nvSpPr>
-        <p:spPr>
-          <a:xfrm>
-            <a:off x="167778" y="2453584"/>
-            <a:ext cx="10862375" cy="2003032"/>
-          </a:xfrm>
-          <a:prstGeom prst="rect">
-            <a:avLst/>
-          </a:prstGeom>
-          <a:solidFill>
-            <a:srgbClr val="DBEBF8"/>
-          </a:solidFill>
-          <a:ln w="12700" cap="flat" cmpd="sng" algn="ctr">
-            <a:solidFill>
-              <a:srgbClr val="DBEBF8"/>
-            </a:solidFill>
-            <a:prstDash val="solid"/>
-            <a:miter lim="800000"/>
-          </a:ln>
-          <a:effectLst/>
-        </p:spPr>
-        <p:txBody>
-          <a:bodyPr spcFirstLastPara="0" vert="horz" wrap="square" lIns="106680" tIns="106680" rIns="106680" bIns="106680" numCol="1" spcCol="1270" anchor="ctr" anchorCtr="0">
-            <a:noAutofit/>
-          </a:bodyPr>
-          <a:lstStyle/>
-          <a:p>
-            <a:endParaRPr lang="de-DE"/>
-          </a:p>
-        </p:txBody>
-      </p:sp>
-      <p:sp>
-        <p:nvSpPr>
-          <p:cNvPr id="2" name="Rechteck 1">
-            <a:extLst>
-              <a:ext uri="{FF2B5EF4-FFF2-40B4-BE49-F238E27FC236}">
-                <a16:creationId xmlns:a16="http://schemas.microsoft.com/office/drawing/2014/main" id="{F00CBEB0-737B-48F8-97E8-882E26BD2FB4}"/>
-              </a:ext>
-            </a:extLst>
-          </p:cNvPr>
-          <p:cNvSpPr/>
-          <p:nvPr/>
-        </p:nvSpPr>
-        <p:spPr>
-          <a:xfrm>
-            <a:off x="167778" y="631370"/>
-            <a:ext cx="10862375" cy="1827165"/>
-          </a:xfrm>
-          <a:prstGeom prst="rect">
-            <a:avLst/>
-          </a:prstGeom>
-          <a:solidFill>
-            <a:schemeClr val="bg2">
-              <a:lumMod val="75000"/>
-              <a:alpha val="50196"/>
-            </a:schemeClr>
-          </a:solidFill>
-          <a:ln>
-            <a:noFill/>
-          </a:ln>
-        </p:spPr>
-        <p:style>
-          <a:lnRef idx="2">
-            <a:schemeClr val="accent1">
-              <a:shade val="50000"/>
-            </a:schemeClr>
-          </a:lnRef>
-          <a:fillRef idx="1">
-            <a:schemeClr val="accent1"/>
-          </a:fillRef>
-          <a:effectRef idx="0">
-            <a:schemeClr val="accent1"/>
-          </a:effectRef>
-          <a:fontRef idx="minor">
-            <a:schemeClr val="lt1"/>
-          </a:fontRef>
-        </p:style>
-        <p:txBody>
-          <a:bodyPr rtlCol="0" anchor="ctr"/>
-          <a:lstStyle/>
-          <a:p>
-            <a:pPr algn="ctr"/>
-            <a:endParaRPr lang="de-DE"/>
-          </a:p>
-        </p:txBody>
-      </p:sp>
-      <p:sp>
-        <p:nvSpPr>
-          <p:cNvPr id="6" name="Rechteck: abgerundete Ecken 5">
-            <a:extLst>
-              <a:ext uri="{FF2B5EF4-FFF2-40B4-BE49-F238E27FC236}">
-                <a16:creationId xmlns:a16="http://schemas.microsoft.com/office/drawing/2014/main" id="{C8D94366-EF8C-4028-986B-FE1E3D64A0A6}"/>
-              </a:ext>
-            </a:extLst>
-          </p:cNvPr>
-          <p:cNvSpPr/>
-          <p:nvPr/>
-        </p:nvSpPr>
-        <p:spPr>
-          <a:xfrm>
-            <a:off x="2568789" y="2779749"/>
-            <a:ext cx="1133911" cy="1299572"/>
-          </a:xfrm>
-          <a:prstGeom prst="roundRect">
-            <a:avLst/>
-          </a:prstGeom>
-          <a:solidFill>
-            <a:schemeClr val="bg1"/>
-          </a:solidFill>
-          <a:ln>
-            <a:solidFill>
-              <a:srgbClr val="3668A0"/>
-            </a:solidFill>
-          </a:ln>
-        </p:spPr>
-        <p:style>
-          <a:lnRef idx="2">
-            <a:schemeClr val="accent1">
-              <a:shade val="50000"/>
-            </a:schemeClr>
-          </a:lnRef>
-          <a:fillRef idx="1">
-            <a:schemeClr val="accent1"/>
-          </a:fillRef>
-          <a:effectRef idx="0">
-            <a:schemeClr val="accent1"/>
-          </a:effectRef>
-          <a:fontRef idx="minor">
-            <a:schemeClr val="lt1"/>
-          </a:fontRef>
-        </p:style>
-        <p:txBody>
-          <a:bodyPr rtlCol="0" anchor="t"/>
-          <a:lstStyle/>
-          <a:p>
-            <a:pPr algn="ctr"/>
-            <a:r>
-              <a:rPr lang="de-DE" sz="1600" dirty="0">
-                <a:solidFill>
-                  <a:schemeClr val="tx1"/>
-                </a:solidFill>
-              </a:rPr>
-              <a:t>Trajectory File</a:t>
-            </a:r>
-            <a:endParaRPr lang="en-US" sz="1600" dirty="0">
-              <a:solidFill>
-                <a:schemeClr val="tx1"/>
-              </a:solidFill>
-            </a:endParaRPr>
-          </a:p>
-        </p:txBody>
-      </p:sp>
-      <p:grpSp>
-        <p:nvGrpSpPr>
-          <p:cNvPr id="39" name="Gruppieren 38">
-            <a:extLst>
-              <a:ext uri="{FF2B5EF4-FFF2-40B4-BE49-F238E27FC236}">
-                <a16:creationId xmlns:a16="http://schemas.microsoft.com/office/drawing/2014/main" id="{A572E544-0DCE-450B-85DE-7904DCA78C56}"/>
-              </a:ext>
-            </a:extLst>
-          </p:cNvPr>
-          <p:cNvGrpSpPr/>
-          <p:nvPr/>
-        </p:nvGrpSpPr>
-        <p:grpSpPr>
-          <a:xfrm>
-            <a:off x="2783269" y="3430366"/>
-            <a:ext cx="707149" cy="440898"/>
-            <a:chOff x="3694127" y="4264395"/>
-            <a:chExt cx="780176" cy="445983"/>
-          </a:xfrm>
-        </p:grpSpPr>
-        <p:cxnSp>
-          <p:nvCxnSpPr>
-            <p:cNvPr id="8" name="Gerader Verbinder 7">
-              <a:extLst>
-                <a:ext uri="{FF2B5EF4-FFF2-40B4-BE49-F238E27FC236}">
-                  <a16:creationId xmlns:a16="http://schemas.microsoft.com/office/drawing/2014/main" id="{27177B02-3FDD-46E3-836B-3D5B236FC002}"/>
-                </a:ext>
-              </a:extLst>
-            </p:cNvPr>
-            <p:cNvCxnSpPr>
-              <a:cxnSpLocks/>
-            </p:cNvCxnSpPr>
-            <p:nvPr/>
-          </p:nvCxnSpPr>
-          <p:spPr>
-            <a:xfrm>
-              <a:off x="3694127" y="4264395"/>
-              <a:ext cx="780176" cy="1"/>
-            </a:xfrm>
-            <a:prstGeom prst="line">
-              <a:avLst/>
-            </a:prstGeom>
-          </p:spPr>
-          <p:style>
-            <a:lnRef idx="1">
-              <a:schemeClr val="accent1"/>
-            </a:lnRef>
-            <a:fillRef idx="0">
-              <a:schemeClr val="accent1"/>
-            </a:fillRef>
-            <a:effectRef idx="0">
-              <a:schemeClr val="accent1"/>
-            </a:effectRef>
-            <a:fontRef idx="minor">
-              <a:schemeClr val="tx1"/>
-            </a:fontRef>
-          </p:style>
-        </p:cxnSp>
-        <p:cxnSp>
-          <p:nvCxnSpPr>
-            <p:cNvPr id="10" name="Gerader Verbinder 9">
-              <a:extLst>
-                <a:ext uri="{FF2B5EF4-FFF2-40B4-BE49-F238E27FC236}">
-                  <a16:creationId xmlns:a16="http://schemas.microsoft.com/office/drawing/2014/main" id="{0BF7CC6C-AC1A-4AA8-BEF4-1E9E4D365500}"/>
-                </a:ext>
-              </a:extLst>
-            </p:cNvPr>
-            <p:cNvCxnSpPr>
-              <a:cxnSpLocks/>
-            </p:cNvCxnSpPr>
-            <p:nvPr/>
-          </p:nvCxnSpPr>
-          <p:spPr>
-            <a:xfrm>
-              <a:off x="3694127" y="4406980"/>
-              <a:ext cx="780176" cy="1"/>
-            </a:xfrm>
-            <a:prstGeom prst="line">
-              <a:avLst/>
-            </a:prstGeom>
-          </p:spPr>
-          <p:style>
-            <a:lnRef idx="1">
-              <a:schemeClr val="accent1"/>
-            </a:lnRef>
-            <a:fillRef idx="0">
-              <a:schemeClr val="accent1"/>
-            </a:fillRef>
-            <a:effectRef idx="0">
-              <a:schemeClr val="accent1"/>
-            </a:effectRef>
-            <a:fontRef idx="minor">
-              <a:schemeClr val="tx1"/>
-            </a:fontRef>
-          </p:style>
-        </p:cxnSp>
-        <p:cxnSp>
-          <p:nvCxnSpPr>
-            <p:cNvPr id="12" name="Gerader Verbinder 11">
-              <a:extLst>
-                <a:ext uri="{FF2B5EF4-FFF2-40B4-BE49-F238E27FC236}">
-                  <a16:creationId xmlns:a16="http://schemas.microsoft.com/office/drawing/2014/main" id="{3D0AC4ED-97DF-4127-9440-E5D426EE3358}"/>
-                </a:ext>
-              </a:extLst>
-            </p:cNvPr>
-            <p:cNvCxnSpPr>
-              <a:cxnSpLocks/>
-            </p:cNvCxnSpPr>
-            <p:nvPr/>
-          </p:nvCxnSpPr>
-          <p:spPr>
-            <a:xfrm>
-              <a:off x="3694127" y="4558679"/>
-              <a:ext cx="780176" cy="1"/>
-            </a:xfrm>
-            <a:prstGeom prst="line">
-              <a:avLst/>
-            </a:prstGeom>
-          </p:spPr>
-          <p:style>
-            <a:lnRef idx="1">
-              <a:schemeClr val="accent1"/>
-            </a:lnRef>
-            <a:fillRef idx="0">
-              <a:schemeClr val="accent1"/>
-            </a:fillRef>
-            <a:effectRef idx="0">
-              <a:schemeClr val="accent1"/>
-            </a:effectRef>
-            <a:fontRef idx="minor">
-              <a:schemeClr val="tx1"/>
-            </a:fontRef>
-          </p:style>
-        </p:cxnSp>
-        <p:cxnSp>
-          <p:nvCxnSpPr>
-            <p:cNvPr id="14" name="Gerader Verbinder 13">
-              <a:extLst>
-                <a:ext uri="{FF2B5EF4-FFF2-40B4-BE49-F238E27FC236}">
-                  <a16:creationId xmlns:a16="http://schemas.microsoft.com/office/drawing/2014/main" id="{9BB63DBA-5CF8-4F0A-B5EE-B7BAC94ECD8F}"/>
-                </a:ext>
-              </a:extLst>
-            </p:cNvPr>
-            <p:cNvCxnSpPr>
-              <a:cxnSpLocks/>
-            </p:cNvCxnSpPr>
-            <p:nvPr/>
-          </p:nvCxnSpPr>
-          <p:spPr>
-            <a:xfrm>
-              <a:off x="3694127" y="4710377"/>
-              <a:ext cx="780176" cy="1"/>
-            </a:xfrm>
-            <a:prstGeom prst="line">
-              <a:avLst/>
-            </a:prstGeom>
-          </p:spPr>
-          <p:style>
-            <a:lnRef idx="1">
-              <a:schemeClr val="accent1"/>
-            </a:lnRef>
-            <a:fillRef idx="0">
-              <a:schemeClr val="accent1"/>
-            </a:fillRef>
-            <a:effectRef idx="0">
-              <a:schemeClr val="accent1"/>
-            </a:effectRef>
-            <a:fontRef idx="minor">
-              <a:schemeClr val="tx1"/>
-            </a:fontRef>
-          </p:style>
-        </p:cxnSp>
-      </p:grpSp>
-      <p:sp>
-        <p:nvSpPr>
-          <p:cNvPr id="18" name="Rechteck: abgerundete Ecken 17">
-            <a:extLst>
-              <a:ext uri="{FF2B5EF4-FFF2-40B4-BE49-F238E27FC236}">
-                <a16:creationId xmlns:a16="http://schemas.microsoft.com/office/drawing/2014/main" id="{2BA5E4ED-E5E7-4445-9C49-A39C758DACC4}"/>
-              </a:ext>
-            </a:extLst>
-          </p:cNvPr>
-          <p:cNvSpPr/>
-          <p:nvPr/>
-        </p:nvSpPr>
-        <p:spPr>
-          <a:xfrm>
-            <a:off x="5616504" y="3110211"/>
-            <a:ext cx="1686789" cy="642421"/>
-          </a:xfrm>
-          <a:prstGeom prst="roundRect">
-            <a:avLst/>
-          </a:prstGeom>
-          <a:solidFill>
-            <a:schemeClr val="bg1"/>
-          </a:solidFill>
-          <a:ln>
-            <a:solidFill>
-              <a:srgbClr val="3668A0"/>
-            </a:solidFill>
-          </a:ln>
-        </p:spPr>
-        <p:style>
-          <a:lnRef idx="2">
-            <a:schemeClr val="accent1">
-              <a:shade val="50000"/>
-            </a:schemeClr>
-          </a:lnRef>
-          <a:fillRef idx="1">
-            <a:schemeClr val="accent1"/>
-          </a:fillRef>
-          <a:effectRef idx="0">
-            <a:schemeClr val="accent1"/>
-          </a:effectRef>
-          <a:fontRef idx="minor">
-            <a:schemeClr val="lt1"/>
-          </a:fontRef>
-        </p:style>
-        <p:txBody>
-          <a:bodyPr rtlCol="0" anchor="ctr"/>
-          <a:lstStyle/>
-          <a:p>
-            <a:pPr algn="ctr"/>
-            <a:r>
-              <a:rPr lang="de-DE" sz="1600" dirty="0">
-                <a:solidFill>
-                  <a:schemeClr val="tx1"/>
-                </a:solidFill>
-              </a:rPr>
-              <a:t>Task Space Inverse Dynamics</a:t>
-            </a:r>
-            <a:endParaRPr lang="en-US" sz="1600" dirty="0">
-              <a:solidFill>
-                <a:schemeClr val="tx1"/>
-              </a:solidFill>
-            </a:endParaRPr>
-          </a:p>
-        </p:txBody>
-      </p:sp>
-      <p:sp>
-        <p:nvSpPr>
-          <p:cNvPr id="20" name="Rechteck: abgerundete Ecken 19">
-            <a:extLst>
-              <a:ext uri="{FF2B5EF4-FFF2-40B4-BE49-F238E27FC236}">
-                <a16:creationId xmlns:a16="http://schemas.microsoft.com/office/drawing/2014/main" id="{E4961BAF-1D33-4901-ABD6-71A5146DC497}"/>
-              </a:ext>
-            </a:extLst>
-          </p:cNvPr>
-          <p:cNvSpPr/>
-          <p:nvPr/>
-        </p:nvSpPr>
-        <p:spPr>
-          <a:xfrm>
-            <a:off x="8220130" y="3101577"/>
-            <a:ext cx="1686789" cy="642421"/>
-          </a:xfrm>
-          <a:prstGeom prst="roundRect">
-            <a:avLst/>
-          </a:prstGeom>
-          <a:solidFill>
-            <a:schemeClr val="bg1"/>
-          </a:solidFill>
-          <a:ln>
-            <a:solidFill>
-              <a:srgbClr val="3668A0"/>
-            </a:solidFill>
-          </a:ln>
-        </p:spPr>
-        <p:style>
-          <a:lnRef idx="2">
-            <a:schemeClr val="accent1">
-              <a:shade val="50000"/>
-            </a:schemeClr>
-          </a:lnRef>
-          <a:fillRef idx="1">
-            <a:schemeClr val="accent1"/>
-          </a:fillRef>
-          <a:effectRef idx="0">
-            <a:schemeClr val="accent1"/>
-          </a:effectRef>
-          <a:fontRef idx="minor">
-            <a:schemeClr val="lt1"/>
-          </a:fontRef>
-        </p:style>
-        <p:txBody>
-          <a:bodyPr rtlCol="0" anchor="ctr"/>
-          <a:lstStyle/>
-          <a:p>
-            <a:pPr algn="ctr"/>
-            <a:r>
-              <a:rPr lang="de-DE" sz="1600" dirty="0">
-                <a:solidFill>
-                  <a:schemeClr val="tx1"/>
-                </a:solidFill>
-              </a:rPr>
-              <a:t>Low-Level </a:t>
-            </a:r>
-            <a:r>
-              <a:rPr lang="de-DE" sz="1600" dirty="0" err="1">
-                <a:solidFill>
-                  <a:schemeClr val="tx1"/>
-                </a:solidFill>
-              </a:rPr>
-              <a:t>Actuator</a:t>
-            </a:r>
-            <a:r>
-              <a:rPr lang="de-DE" sz="1600" dirty="0">
-                <a:solidFill>
-                  <a:schemeClr val="tx1"/>
-                </a:solidFill>
-              </a:rPr>
-              <a:t> Control</a:t>
-            </a:r>
-            <a:endParaRPr lang="en-US" sz="1600" dirty="0">
-              <a:solidFill>
-                <a:schemeClr val="tx1"/>
-              </a:solidFill>
-            </a:endParaRPr>
-          </a:p>
-        </p:txBody>
-      </p:sp>
-      <p:cxnSp>
-        <p:nvCxnSpPr>
-          <p:cNvPr id="22" name="Gerade Verbindung mit Pfeil 21">
-            <a:extLst>
-              <a:ext uri="{FF2B5EF4-FFF2-40B4-BE49-F238E27FC236}">
-                <a16:creationId xmlns:a16="http://schemas.microsoft.com/office/drawing/2014/main" id="{B28978F1-6AAE-40FC-B682-CF1FCFDF8ABD}"/>
-              </a:ext>
-            </a:extLst>
-          </p:cNvPr>
-          <p:cNvCxnSpPr>
-            <a:cxnSpLocks/>
-            <a:stCxn id="6" idx="3"/>
-            <a:endCxn id="40" idx="2"/>
-          </p:cNvCxnSpPr>
-          <p:nvPr/>
-        </p:nvCxnSpPr>
-        <p:spPr>
-          <a:xfrm flipV="1">
-            <a:off x="3702700" y="3422787"/>
-            <a:ext cx="1279263" cy="6748"/>
-          </a:xfrm>
-          <a:prstGeom prst="straightConnector1">
-            <a:avLst/>
-          </a:prstGeom>
-          <a:ln>
-            <a:tailEnd type="triangle"/>
-          </a:ln>
-        </p:spPr>
-        <p:style>
-          <a:lnRef idx="1">
-            <a:schemeClr val="accent1"/>
-          </a:lnRef>
-          <a:fillRef idx="0">
-            <a:schemeClr val="accent1"/>
-          </a:fillRef>
-          <a:effectRef idx="0">
-            <a:schemeClr val="accent1"/>
-          </a:effectRef>
-          <a:fontRef idx="minor">
-            <a:schemeClr val="tx1"/>
-          </a:fontRef>
-        </p:style>
-      </p:cxnSp>
-      <p:cxnSp>
-        <p:nvCxnSpPr>
-          <p:cNvPr id="24" name="Gerade Verbindung mit Pfeil 23">
-            <a:extLst>
-              <a:ext uri="{FF2B5EF4-FFF2-40B4-BE49-F238E27FC236}">
-                <a16:creationId xmlns:a16="http://schemas.microsoft.com/office/drawing/2014/main" id="{0FCFC532-46B6-4616-B7B0-910551818878}"/>
-              </a:ext>
-            </a:extLst>
-          </p:cNvPr>
-          <p:cNvCxnSpPr>
-            <a:cxnSpLocks/>
-            <a:stCxn id="18" idx="3"/>
-            <a:endCxn id="20" idx="1"/>
-          </p:cNvCxnSpPr>
-          <p:nvPr/>
-        </p:nvCxnSpPr>
-        <p:spPr>
-          <a:xfrm flipV="1">
-            <a:off x="7303293" y="3422788"/>
-            <a:ext cx="916837" cy="8634"/>
-          </a:xfrm>
-          <a:prstGeom prst="straightConnector1">
-            <a:avLst/>
-          </a:prstGeom>
-          <a:ln>
-            <a:tailEnd type="triangle"/>
-          </a:ln>
-        </p:spPr>
-        <p:style>
-          <a:lnRef idx="1">
-            <a:schemeClr val="accent1"/>
-          </a:lnRef>
-          <a:fillRef idx="0">
-            <a:schemeClr val="accent1"/>
-          </a:fillRef>
-          <a:effectRef idx="0">
-            <a:schemeClr val="accent1"/>
-          </a:effectRef>
-          <a:fontRef idx="minor">
-            <a:schemeClr val="tx1"/>
-          </a:fontRef>
-        </p:style>
-      </p:cxnSp>
-      <p:pic>
-        <p:nvPicPr>
-          <p:cNvPr id="86" name="Grafik 85">
-            <a:extLst>
-              <a:ext uri="{FF2B5EF4-FFF2-40B4-BE49-F238E27FC236}">
-                <a16:creationId xmlns:a16="http://schemas.microsoft.com/office/drawing/2014/main" id="{3DBECF09-FF65-4A52-B6A7-30183F6ACB82}"/>
-              </a:ext>
-            </a:extLst>
-          </p:cNvPr>
-          <p:cNvPicPr>
-            <a:picLocks noChangeAspect="1"/>
-          </p:cNvPicPr>
-          <p:nvPr>
-            <p:custDataLst>
-              <p:tags r:id="rId1"/>
-            </p:custDataLst>
-          </p:nvPr>
-        </p:nvPicPr>
-        <p:blipFill>
-          <a:blip r:embed="rId9">
-            <a:extLst>
-              <a:ext uri="{28A0092B-C50C-407E-A947-70E740481C1C}">
-                <a14:useLocalDpi xmlns:a14="http://schemas.microsoft.com/office/drawing/2010/main" val="0"/>
-              </a:ext>
-            </a:extLst>
-          </a:blip>
-          <a:stretch>
-            <a:fillRect/>
-          </a:stretch>
-        </p:blipFill>
-        <p:spPr>
-          <a:xfrm>
-            <a:off x="4002253" y="3231457"/>
-            <a:ext cx="681255" cy="156014"/>
-          </a:xfrm>
-          <a:prstGeom prst="rect">
-            <a:avLst/>
-          </a:prstGeom>
-        </p:spPr>
-      </p:pic>
-      <p:sp>
-        <p:nvSpPr>
-          <p:cNvPr id="62" name="Rechteck: abgerundete Ecken 61">
-            <a:extLst>
-              <a:ext uri="{FF2B5EF4-FFF2-40B4-BE49-F238E27FC236}">
-                <a16:creationId xmlns:a16="http://schemas.microsoft.com/office/drawing/2014/main" id="{08E9F9A7-C88C-4BAD-94BC-E1B8B75AC0B1}"/>
-              </a:ext>
-            </a:extLst>
-          </p:cNvPr>
-          <p:cNvSpPr/>
-          <p:nvPr/>
-        </p:nvSpPr>
-        <p:spPr>
-          <a:xfrm>
-            <a:off x="1940125" y="978572"/>
-            <a:ext cx="2389396" cy="1127810"/>
-          </a:xfrm>
-          <a:prstGeom prst="roundRect">
-            <a:avLst/>
-          </a:prstGeom>
-          <a:solidFill>
-            <a:schemeClr val="bg1"/>
-          </a:solidFill>
-          <a:ln>
-            <a:solidFill>
-              <a:srgbClr val="3668A0"/>
-            </a:solidFill>
-          </a:ln>
-        </p:spPr>
-        <p:style>
-          <a:lnRef idx="2">
-            <a:schemeClr val="accent1">
-              <a:shade val="50000"/>
-            </a:schemeClr>
-          </a:lnRef>
-          <a:fillRef idx="1">
-            <a:schemeClr val="accent1"/>
-          </a:fillRef>
-          <a:effectRef idx="0">
-            <a:schemeClr val="accent1"/>
-          </a:effectRef>
-          <a:fontRef idx="minor">
-            <a:schemeClr val="lt1"/>
-          </a:fontRef>
-        </p:style>
-        <p:txBody>
-          <a:bodyPr rtlCol="0" anchor="t"/>
-          <a:lstStyle/>
-          <a:p>
-            <a:pPr algn="ctr"/>
-            <a:r>
-              <a:rPr lang="de-DE" sz="1600" dirty="0">
-                <a:solidFill>
-                  <a:schemeClr val="tx1"/>
-                </a:solidFill>
-              </a:rPr>
-              <a:t>Whole-Body </a:t>
-            </a:r>
-          </a:p>
-          <a:p>
-            <a:pPr algn="ctr"/>
-            <a:r>
-              <a:rPr lang="de-DE" sz="1600" dirty="0">
-                <a:solidFill>
-                  <a:schemeClr val="tx1"/>
-                </a:solidFill>
-              </a:rPr>
-              <a:t>Trajectory Optimization</a:t>
-            </a:r>
-            <a:endParaRPr lang="en-US" sz="1600" dirty="0">
-              <a:solidFill>
-                <a:schemeClr val="tx1"/>
-              </a:solidFill>
-            </a:endParaRPr>
-          </a:p>
-        </p:txBody>
-      </p:sp>
-      <p:cxnSp>
-        <p:nvCxnSpPr>
-          <p:cNvPr id="25" name="Gerade Verbindung mit Pfeil 24">
-            <a:extLst>
-              <a:ext uri="{FF2B5EF4-FFF2-40B4-BE49-F238E27FC236}">
-                <a16:creationId xmlns:a16="http://schemas.microsoft.com/office/drawing/2014/main" id="{843BAB83-EA30-4897-9DE5-3EC0099701E4}"/>
-              </a:ext>
-            </a:extLst>
-          </p:cNvPr>
-          <p:cNvCxnSpPr>
-            <a:cxnSpLocks/>
-            <a:stCxn id="62" idx="2"/>
-            <a:endCxn id="6" idx="0"/>
-          </p:cNvCxnSpPr>
-          <p:nvPr/>
-        </p:nvCxnSpPr>
-        <p:spPr>
-          <a:xfrm>
-            <a:off x="3134823" y="2106382"/>
-            <a:ext cx="922" cy="673367"/>
-          </a:xfrm>
-          <a:prstGeom prst="straightConnector1">
-            <a:avLst/>
-          </a:prstGeom>
-          <a:ln>
-            <a:tailEnd type="triangle"/>
-          </a:ln>
-        </p:spPr>
-        <p:style>
-          <a:lnRef idx="1">
-            <a:schemeClr val="accent1"/>
-          </a:lnRef>
-          <a:fillRef idx="0">
-            <a:schemeClr val="accent1"/>
-          </a:fillRef>
-          <a:effectRef idx="0">
-            <a:schemeClr val="accent1"/>
-          </a:effectRef>
-          <a:fontRef idx="minor">
-            <a:schemeClr val="tx1"/>
-          </a:fontRef>
-        </p:style>
-      </p:cxnSp>
-      <p:cxnSp>
-        <p:nvCxnSpPr>
-          <p:cNvPr id="37" name="Verbinder: gewinkelt 36">
-            <a:extLst>
-              <a:ext uri="{FF2B5EF4-FFF2-40B4-BE49-F238E27FC236}">
-                <a16:creationId xmlns:a16="http://schemas.microsoft.com/office/drawing/2014/main" id="{400F958C-FE9E-4BFA-A710-515E9D10F83D}"/>
-              </a:ext>
-            </a:extLst>
-          </p:cNvPr>
-          <p:cNvCxnSpPr>
-            <a:cxnSpLocks/>
-            <a:stCxn id="20" idx="2"/>
-            <a:endCxn id="40" idx="4"/>
-          </p:cNvCxnSpPr>
-          <p:nvPr/>
-        </p:nvCxnSpPr>
-        <p:spPr>
-          <a:xfrm rot="5400000" flipH="1">
-            <a:off x="6947276" y="1627749"/>
-            <a:ext cx="237754" cy="3994744"/>
-          </a:xfrm>
-          <a:prstGeom prst="bentConnector3">
-            <a:avLst>
-              <a:gd name="adj1" fmla="val -149076"/>
-            </a:avLst>
-          </a:prstGeom>
-          <a:ln>
-            <a:tailEnd type="triangle"/>
-          </a:ln>
-        </p:spPr>
-        <p:style>
-          <a:lnRef idx="1">
-            <a:schemeClr val="accent1"/>
-          </a:lnRef>
-          <a:fillRef idx="0">
-            <a:schemeClr val="accent1"/>
-          </a:fillRef>
-          <a:effectRef idx="0">
-            <a:schemeClr val="accent1"/>
-          </a:effectRef>
-          <a:fontRef idx="minor">
-            <a:schemeClr val="tx1"/>
-          </a:fontRef>
-        </p:style>
-      </p:cxnSp>
-      <p:sp>
-        <p:nvSpPr>
-          <p:cNvPr id="40" name="Flussdiagramm: Zusammenführung 39">
-            <a:extLst>
-              <a:ext uri="{FF2B5EF4-FFF2-40B4-BE49-F238E27FC236}">
-                <a16:creationId xmlns:a16="http://schemas.microsoft.com/office/drawing/2014/main" id="{05106233-03BD-4F63-B39D-41C8E2B79A3D}"/>
-              </a:ext>
-            </a:extLst>
-          </p:cNvPr>
-          <p:cNvSpPr/>
-          <p:nvPr/>
-        </p:nvSpPr>
-        <p:spPr>
-          <a:xfrm>
-            <a:off x="4981963" y="3339330"/>
-            <a:ext cx="173635" cy="166914"/>
-          </a:xfrm>
-          <a:prstGeom prst="flowChartSummingJunction">
-            <a:avLst/>
-          </a:prstGeom>
-          <a:solidFill>
-            <a:schemeClr val="bg1"/>
-          </a:solidFill>
-          <a:ln>
-            <a:solidFill>
-              <a:srgbClr val="3668A0"/>
-            </a:solidFill>
-          </a:ln>
-        </p:spPr>
-        <p:style>
-          <a:lnRef idx="2">
-            <a:schemeClr val="accent1">
-              <a:shade val="50000"/>
-            </a:schemeClr>
-          </a:lnRef>
-          <a:fillRef idx="1">
-            <a:schemeClr val="accent1"/>
-          </a:fillRef>
-          <a:effectRef idx="0">
-            <a:schemeClr val="accent1"/>
-          </a:effectRef>
-          <a:fontRef idx="minor">
-            <a:schemeClr val="lt1"/>
-          </a:fontRef>
-        </p:style>
-        <p:txBody>
-          <a:bodyPr rtlCol="0" anchor="t"/>
-          <a:lstStyle/>
-          <a:p>
-            <a:pPr algn="ctr"/>
-            <a:endParaRPr lang="de-DE" sz="1600">
-              <a:solidFill>
-                <a:schemeClr val="tx1"/>
-              </a:solidFill>
-            </a:endParaRPr>
-          </a:p>
-        </p:txBody>
-      </p:sp>
-      <p:cxnSp>
-        <p:nvCxnSpPr>
-          <p:cNvPr id="47" name="Gerade Verbindung mit Pfeil 46">
-            <a:extLst>
-              <a:ext uri="{FF2B5EF4-FFF2-40B4-BE49-F238E27FC236}">
-                <a16:creationId xmlns:a16="http://schemas.microsoft.com/office/drawing/2014/main" id="{0AF848A5-F9C6-4E0D-9E76-6399662B43B1}"/>
-              </a:ext>
-            </a:extLst>
-          </p:cNvPr>
-          <p:cNvCxnSpPr>
-            <a:cxnSpLocks/>
-            <a:stCxn id="40" idx="6"/>
-            <a:endCxn id="18" idx="1"/>
-          </p:cNvCxnSpPr>
-          <p:nvPr/>
-        </p:nvCxnSpPr>
-        <p:spPr>
-          <a:xfrm>
-            <a:off x="5155598" y="3422787"/>
-            <a:ext cx="460906" cy="8635"/>
-          </a:xfrm>
-          <a:prstGeom prst="straightConnector1">
-            <a:avLst/>
-          </a:prstGeom>
-          <a:ln>
-            <a:tailEnd type="triangle"/>
-          </a:ln>
-        </p:spPr>
-        <p:style>
-          <a:lnRef idx="1">
-            <a:schemeClr val="accent1"/>
-          </a:lnRef>
-          <a:fillRef idx="0">
-            <a:schemeClr val="accent1"/>
-          </a:fillRef>
-          <a:effectRef idx="0">
-            <a:schemeClr val="accent1"/>
-          </a:effectRef>
-          <a:fontRef idx="minor">
-            <a:schemeClr val="tx1"/>
-          </a:fontRef>
-        </p:style>
-      </p:cxnSp>
-      <p:cxnSp>
-        <p:nvCxnSpPr>
-          <p:cNvPr id="5" name="Gerader Verbinder 4">
-            <a:extLst>
-              <a:ext uri="{FF2B5EF4-FFF2-40B4-BE49-F238E27FC236}">
-                <a16:creationId xmlns:a16="http://schemas.microsoft.com/office/drawing/2014/main" id="{4C4DEF21-6362-4836-9A43-6F653251D75B}"/>
-              </a:ext>
-            </a:extLst>
-          </p:cNvPr>
-          <p:cNvCxnSpPr>
-            <a:cxnSpLocks/>
-          </p:cNvCxnSpPr>
-          <p:nvPr/>
-        </p:nvCxnSpPr>
-        <p:spPr>
-          <a:xfrm>
-            <a:off x="167779" y="2453584"/>
-            <a:ext cx="10862374" cy="0"/>
-          </a:xfrm>
-          <a:prstGeom prst="line">
-            <a:avLst/>
-          </a:prstGeom>
-          <a:ln>
-            <a:solidFill>
-              <a:schemeClr val="tx1"/>
-            </a:solidFill>
-            <a:prstDash val="dash"/>
-          </a:ln>
-        </p:spPr>
-        <p:style>
-          <a:lnRef idx="1">
-            <a:schemeClr val="accent1"/>
-          </a:lnRef>
-          <a:fillRef idx="0">
-            <a:schemeClr val="accent1"/>
-          </a:fillRef>
-          <a:effectRef idx="0">
-            <a:schemeClr val="accent1"/>
-          </a:effectRef>
-          <a:fontRef idx="minor">
-            <a:schemeClr val="tx1"/>
-          </a:fontRef>
-        </p:style>
-      </p:cxnSp>
-      <p:sp>
-        <p:nvSpPr>
-          <p:cNvPr id="32" name="Textfeld 31">
-            <a:extLst>
-              <a:ext uri="{FF2B5EF4-FFF2-40B4-BE49-F238E27FC236}">
-                <a16:creationId xmlns:a16="http://schemas.microsoft.com/office/drawing/2014/main" id="{3A213B45-6765-452C-BDA4-91DE2609C697}"/>
-              </a:ext>
-            </a:extLst>
-          </p:cNvPr>
-          <p:cNvSpPr txBox="1"/>
-          <p:nvPr/>
-        </p:nvSpPr>
-        <p:spPr>
-          <a:xfrm>
-            <a:off x="167779" y="631369"/>
-            <a:ext cx="1812023" cy="276999"/>
-          </a:xfrm>
-          <a:prstGeom prst="rect">
-            <a:avLst/>
-          </a:prstGeom>
-          <a:noFill/>
-        </p:spPr>
-        <p:txBody>
-          <a:bodyPr wrap="square">
-            <a:spAutoFit/>
-          </a:bodyPr>
-          <a:lstStyle/>
-          <a:p>
-            <a:pPr algn="ctr"/>
-            <a:r>
-              <a:rPr lang="de-DE" sz="1200" dirty="0">
-                <a:solidFill>
-                  <a:schemeClr val="tx1">
-                    <a:lumMod val="50000"/>
-                    <a:lumOff val="50000"/>
-                  </a:schemeClr>
-                </a:solidFill>
-              </a:rPr>
-              <a:t>1. Offline Motion </a:t>
-            </a:r>
-            <a:r>
-              <a:rPr lang="de-DE" sz="1200" dirty="0" err="1">
-                <a:solidFill>
-                  <a:schemeClr val="tx1">
-                    <a:lumMod val="50000"/>
-                    <a:lumOff val="50000"/>
-                  </a:schemeClr>
-                </a:solidFill>
-              </a:rPr>
-              <a:t>Planning</a:t>
-            </a:r>
-            <a:endParaRPr lang="de-DE" sz="1200" dirty="0">
-              <a:solidFill>
-                <a:schemeClr val="tx1">
-                  <a:lumMod val="50000"/>
-                  <a:lumOff val="50000"/>
-                </a:schemeClr>
-              </a:solidFill>
-            </a:endParaRPr>
-          </a:p>
-        </p:txBody>
-      </p:sp>
-      <p:sp>
-        <p:nvSpPr>
-          <p:cNvPr id="34" name="Textfeld 33">
-            <a:extLst>
-              <a:ext uri="{FF2B5EF4-FFF2-40B4-BE49-F238E27FC236}">
-                <a16:creationId xmlns:a16="http://schemas.microsoft.com/office/drawing/2014/main" id="{6A894EEE-B617-4069-A813-C182E39A663C}"/>
-              </a:ext>
-            </a:extLst>
-          </p:cNvPr>
-          <p:cNvSpPr txBox="1"/>
-          <p:nvPr/>
-        </p:nvSpPr>
-        <p:spPr>
-          <a:xfrm>
-            <a:off x="167779" y="2461813"/>
-            <a:ext cx="1555066" cy="276999"/>
-          </a:xfrm>
-          <a:prstGeom prst="rect">
-            <a:avLst/>
-          </a:prstGeom>
-          <a:noFill/>
-        </p:spPr>
-        <p:txBody>
-          <a:bodyPr wrap="square">
-            <a:spAutoFit/>
-          </a:bodyPr>
-          <a:lstStyle/>
-          <a:p>
-            <a:pPr algn="ctr"/>
-            <a:r>
-              <a:rPr lang="de-DE" sz="1200" dirty="0">
-                <a:solidFill>
-                  <a:schemeClr val="tx1">
-                    <a:lumMod val="50000"/>
-                    <a:lumOff val="50000"/>
-                  </a:schemeClr>
-                </a:solidFill>
-              </a:rPr>
-              <a:t>2. Online </a:t>
-            </a:r>
-            <a:r>
-              <a:rPr lang="de-DE" sz="1200" dirty="0" err="1">
-                <a:solidFill>
-                  <a:schemeClr val="tx1">
-                    <a:lumMod val="50000"/>
-                    <a:lumOff val="50000"/>
-                  </a:schemeClr>
-                </a:solidFill>
-              </a:rPr>
-              <a:t>Stabilization</a:t>
-            </a:r>
-            <a:endParaRPr lang="de-DE" sz="1200" dirty="0">
-              <a:solidFill>
-                <a:schemeClr val="tx1">
-                  <a:lumMod val="50000"/>
-                  <a:lumOff val="50000"/>
-                </a:schemeClr>
-              </a:solidFill>
-            </a:endParaRPr>
-          </a:p>
-        </p:txBody>
-      </p:sp>
-      <p:pic>
-        <p:nvPicPr>
-          <p:cNvPr id="38" name="Grafik 37">
-            <a:extLst>
-              <a:ext uri="{FF2B5EF4-FFF2-40B4-BE49-F238E27FC236}">
-                <a16:creationId xmlns:a16="http://schemas.microsoft.com/office/drawing/2014/main" id="{A1B9903C-8633-4281-9855-DCABE7CC16FF}"/>
-              </a:ext>
-            </a:extLst>
-          </p:cNvPr>
-          <p:cNvPicPr>
-            <a:picLocks noChangeAspect="1"/>
-          </p:cNvPicPr>
-          <p:nvPr>
-            <p:custDataLst>
-              <p:tags r:id="rId2"/>
-            </p:custDataLst>
-          </p:nvPr>
-        </p:nvPicPr>
-        <p:blipFill>
-          <a:blip r:embed="rId10">
-            <a:extLst>
-              <a:ext uri="{28A0092B-C50C-407E-A947-70E740481C1C}">
-                <a14:useLocalDpi xmlns:a14="http://schemas.microsoft.com/office/drawing/2010/main" val="0"/>
-              </a:ext>
-            </a:extLst>
-          </a:blip>
-          <a:stretch>
-            <a:fillRect/>
-          </a:stretch>
-        </p:blipFill>
-        <p:spPr>
-          <a:xfrm>
-            <a:off x="2112204" y="1607730"/>
-            <a:ext cx="2045238" cy="447946"/>
-          </a:xfrm>
-          <a:prstGeom prst="rect">
-            <a:avLst/>
-          </a:prstGeom>
-        </p:spPr>
-      </p:pic>
-      <p:pic>
-        <p:nvPicPr>
-          <p:cNvPr id="84" name="Grafik 83">
-            <a:extLst>
-              <a:ext uri="{FF2B5EF4-FFF2-40B4-BE49-F238E27FC236}">
-                <a16:creationId xmlns:a16="http://schemas.microsoft.com/office/drawing/2014/main" id="{B3054EF3-76F9-4EC6-B2F2-0BA8A129A720}"/>
-              </a:ext>
-            </a:extLst>
-          </p:cNvPr>
-          <p:cNvPicPr>
-            <a:picLocks noChangeAspect="1"/>
-          </p:cNvPicPr>
-          <p:nvPr>
-            <p:custDataLst>
-              <p:tags r:id="rId3"/>
-            </p:custDataLst>
-          </p:nvPr>
-        </p:nvPicPr>
-        <p:blipFill>
-          <a:blip r:embed="rId11">
-            <a:extLst>
-              <a:ext uri="{28A0092B-C50C-407E-A947-70E740481C1C}">
-                <a14:useLocalDpi xmlns:a14="http://schemas.microsoft.com/office/drawing/2010/main" val="0"/>
-              </a:ext>
-            </a:extLst>
-          </a:blip>
-          <a:stretch>
-            <a:fillRect/>
-          </a:stretch>
-        </p:blipFill>
-        <p:spPr>
-          <a:xfrm>
-            <a:off x="11030154" y="5786320"/>
-            <a:ext cx="805377" cy="151758"/>
-          </a:xfrm>
-          <a:prstGeom prst="rect">
-            <a:avLst/>
-          </a:prstGeom>
-        </p:spPr>
-      </p:pic>
-      <p:pic>
-        <p:nvPicPr>
-          <p:cNvPr id="82" name="Grafik 81">
-            <a:extLst>
-              <a:ext uri="{FF2B5EF4-FFF2-40B4-BE49-F238E27FC236}">
-                <a16:creationId xmlns:a16="http://schemas.microsoft.com/office/drawing/2014/main" id="{CD0A393D-1FE4-4CD4-81A5-DCB9234BD5FD}"/>
-              </a:ext>
-            </a:extLst>
-          </p:cNvPr>
-          <p:cNvPicPr>
-            <a:picLocks noChangeAspect="1"/>
-          </p:cNvPicPr>
-          <p:nvPr>
-            <p:custDataLst>
-              <p:tags r:id="rId4"/>
-            </p:custDataLst>
-          </p:nvPr>
-        </p:nvPicPr>
-        <p:blipFill>
-          <a:blip r:embed="rId12">
-            <a:extLst>
-              <a:ext uri="{28A0092B-C50C-407E-A947-70E740481C1C}">
-                <a14:useLocalDpi xmlns:a14="http://schemas.microsoft.com/office/drawing/2010/main" val="0"/>
-              </a:ext>
-            </a:extLst>
-          </a:blip>
-          <a:stretch>
-            <a:fillRect/>
-          </a:stretch>
-        </p:blipFill>
-        <p:spPr>
-          <a:xfrm>
-            <a:off x="10910045" y="6092996"/>
-            <a:ext cx="925486" cy="134544"/>
-          </a:xfrm>
-          <a:prstGeom prst="rect">
-            <a:avLst/>
-          </a:prstGeom>
-        </p:spPr>
-      </p:pic>
-      <p:pic>
-        <p:nvPicPr>
-          <p:cNvPr id="90" name="Grafik 89">
-            <a:extLst>
-              <a:ext uri="{FF2B5EF4-FFF2-40B4-BE49-F238E27FC236}">
-                <a16:creationId xmlns:a16="http://schemas.microsoft.com/office/drawing/2014/main" id="{7E40F690-9900-49B3-9938-14CC43A89774}"/>
-              </a:ext>
-            </a:extLst>
-          </p:cNvPr>
-          <p:cNvPicPr>
-            <a:picLocks noChangeAspect="1"/>
-          </p:cNvPicPr>
-          <p:nvPr>
-            <p:custDataLst>
-              <p:tags r:id="rId5"/>
-            </p:custDataLst>
-          </p:nvPr>
-        </p:nvPicPr>
-        <p:blipFill>
-          <a:blip r:embed="rId13">
-            <a:extLst>
-              <a:ext uri="{28A0092B-C50C-407E-A947-70E740481C1C}">
-                <a14:useLocalDpi xmlns:a14="http://schemas.microsoft.com/office/drawing/2010/main" val="0"/>
-              </a:ext>
-            </a:extLst>
-          </a:blip>
-          <a:stretch>
-            <a:fillRect/>
-          </a:stretch>
-        </p:blipFill>
-        <p:spPr>
-          <a:xfrm>
-            <a:off x="6756715" y="3896005"/>
-            <a:ext cx="618876" cy="158149"/>
-          </a:xfrm>
-          <a:prstGeom prst="rect">
-            <a:avLst/>
-          </a:prstGeom>
-        </p:spPr>
-      </p:pic>
-      <p:pic>
-        <p:nvPicPr>
-          <p:cNvPr id="80" name="Grafik 79">
-            <a:extLst>
-              <a:ext uri="{FF2B5EF4-FFF2-40B4-BE49-F238E27FC236}">
-                <a16:creationId xmlns:a16="http://schemas.microsoft.com/office/drawing/2014/main" id="{4641B543-26E4-4FF8-A024-A87613FD0A62}"/>
-              </a:ext>
-            </a:extLst>
-          </p:cNvPr>
-          <p:cNvPicPr>
-            <a:picLocks noChangeAspect="1"/>
-          </p:cNvPicPr>
-          <p:nvPr>
-            <p:custDataLst>
-              <p:tags r:id="rId6"/>
-            </p:custDataLst>
-          </p:nvPr>
-        </p:nvPicPr>
-        <p:blipFill>
-          <a:blip r:embed="rId14">
-            <a:extLst>
-              <a:ext uri="{28A0092B-C50C-407E-A947-70E740481C1C}">
-                <a14:useLocalDpi xmlns:a14="http://schemas.microsoft.com/office/drawing/2010/main" val="0"/>
-              </a:ext>
-            </a:extLst>
-          </a:blip>
-          <a:stretch>
-            <a:fillRect/>
-          </a:stretch>
-        </p:blipFill>
-        <p:spPr>
-          <a:xfrm>
-            <a:off x="7526010" y="3248062"/>
-            <a:ext cx="471402" cy="137315"/>
-          </a:xfrm>
-          <a:prstGeom prst="rect">
-            <a:avLst/>
-          </a:prstGeom>
-        </p:spPr>
-      </p:pic>
-      <p:pic>
-        <p:nvPicPr>
-          <p:cNvPr id="95" name="Grafik 94">
-            <a:extLst>
-              <a:ext uri="{FF2B5EF4-FFF2-40B4-BE49-F238E27FC236}">
-                <a16:creationId xmlns:a16="http://schemas.microsoft.com/office/drawing/2014/main" id="{4ABE66F2-2F56-4653-AA64-926B9CE3F8A6}"/>
-              </a:ext>
-            </a:extLst>
-          </p:cNvPr>
-          <p:cNvPicPr>
-            <a:picLocks noChangeAspect="1"/>
-          </p:cNvPicPr>
-          <p:nvPr>
-            <p:custDataLst>
-              <p:tags r:id="rId7"/>
-            </p:custDataLst>
-          </p:nvPr>
-        </p:nvPicPr>
-        <p:blipFill>
-          <a:blip r:embed="rId13">
-            <a:extLst>
-              <a:ext uri="{28A0092B-C50C-407E-A947-70E740481C1C}">
-                <a14:useLocalDpi xmlns:a14="http://schemas.microsoft.com/office/drawing/2010/main" val="0"/>
-              </a:ext>
-            </a:extLst>
-          </a:blip>
-          <a:stretch>
-            <a:fillRect/>
-          </a:stretch>
-        </p:blipFill>
-        <p:spPr>
-          <a:xfrm>
-            <a:off x="10055899" y="3237644"/>
-            <a:ext cx="618876" cy="158149"/>
-          </a:xfrm>
-          <a:prstGeom prst="rect">
-            <a:avLst/>
-          </a:prstGeom>
-        </p:spPr>
-      </p:pic>
-      <p:cxnSp>
-        <p:nvCxnSpPr>
-          <p:cNvPr id="97" name="Gerade Verbindung mit Pfeil 96">
-            <a:extLst>
-              <a:ext uri="{FF2B5EF4-FFF2-40B4-BE49-F238E27FC236}">
-                <a16:creationId xmlns:a16="http://schemas.microsoft.com/office/drawing/2014/main" id="{ED70742B-2754-48AC-9484-220BE4952E6B}"/>
-              </a:ext>
-            </a:extLst>
-          </p:cNvPr>
-          <p:cNvCxnSpPr>
-            <a:cxnSpLocks/>
-          </p:cNvCxnSpPr>
-          <p:nvPr/>
-        </p:nvCxnSpPr>
-        <p:spPr>
-          <a:xfrm>
-            <a:off x="9906919" y="3440055"/>
-            <a:ext cx="916837" cy="0"/>
-          </a:xfrm>
-          <a:prstGeom prst="straightConnector1">
-            <a:avLst/>
-          </a:prstGeom>
-          <a:ln>
-            <a:tailEnd type="triangle"/>
-          </a:ln>
-        </p:spPr>
-        <p:style>
-          <a:lnRef idx="1">
-            <a:schemeClr val="accent1"/>
-          </a:lnRef>
-          <a:fillRef idx="0">
-            <a:schemeClr val="accent1"/>
-          </a:fillRef>
-          <a:effectRef idx="0">
-            <a:schemeClr val="accent1"/>
-          </a:effectRef>
-          <a:fontRef idx="minor">
-            <a:schemeClr val="tx1"/>
-          </a:fontRef>
-        </p:style>
-      </p:cxnSp>
-      <p:cxnSp>
-        <p:nvCxnSpPr>
-          <p:cNvPr id="102" name="Gerade Verbindung mit Pfeil 101">
-            <a:extLst>
-              <a:ext uri="{FF2B5EF4-FFF2-40B4-BE49-F238E27FC236}">
-                <a16:creationId xmlns:a16="http://schemas.microsoft.com/office/drawing/2014/main" id="{A3077063-60B2-466B-8C46-9E2D03B7632F}"/>
-              </a:ext>
-            </a:extLst>
-          </p:cNvPr>
-          <p:cNvCxnSpPr>
-            <a:cxnSpLocks/>
-          </p:cNvCxnSpPr>
-          <p:nvPr/>
-        </p:nvCxnSpPr>
-        <p:spPr>
-          <a:xfrm>
-            <a:off x="630214" y="1370396"/>
-            <a:ext cx="1285012" cy="0"/>
-          </a:xfrm>
-          <a:prstGeom prst="straightConnector1">
-            <a:avLst/>
-          </a:prstGeom>
-          <a:ln>
-            <a:tailEnd type="triangle"/>
-          </a:ln>
-        </p:spPr>
-        <p:style>
-          <a:lnRef idx="1">
-            <a:schemeClr val="accent1"/>
-          </a:lnRef>
-          <a:fillRef idx="0">
-            <a:schemeClr val="accent1"/>
-          </a:fillRef>
-          <a:effectRef idx="0">
-            <a:schemeClr val="accent1"/>
-          </a:effectRef>
-          <a:fontRef idx="minor">
-            <a:schemeClr val="tx1"/>
-          </a:fontRef>
-        </p:style>
-      </p:cxnSp>
-      <p:cxnSp>
-        <p:nvCxnSpPr>
-          <p:cNvPr id="104" name="Gerade Verbindung mit Pfeil 103">
-            <a:extLst>
-              <a:ext uri="{FF2B5EF4-FFF2-40B4-BE49-F238E27FC236}">
-                <a16:creationId xmlns:a16="http://schemas.microsoft.com/office/drawing/2014/main" id="{2F105F08-8346-40C7-BC68-1FCFE4DB4222}"/>
-              </a:ext>
-            </a:extLst>
-          </p:cNvPr>
-          <p:cNvCxnSpPr>
-            <a:cxnSpLocks/>
-          </p:cNvCxnSpPr>
-          <p:nvPr/>
-        </p:nvCxnSpPr>
-        <p:spPr>
-          <a:xfrm>
-            <a:off x="630214" y="1778501"/>
-            <a:ext cx="1289304" cy="0"/>
-          </a:xfrm>
-          <a:prstGeom prst="straightConnector1">
-            <a:avLst/>
-          </a:prstGeom>
-          <a:ln>
-            <a:tailEnd type="triangle"/>
-          </a:ln>
-        </p:spPr>
-        <p:style>
-          <a:lnRef idx="1">
-            <a:schemeClr val="accent1"/>
-          </a:lnRef>
-          <a:fillRef idx="0">
-            <a:schemeClr val="accent1"/>
-          </a:fillRef>
-          <a:effectRef idx="0">
-            <a:schemeClr val="accent1"/>
-          </a:effectRef>
-          <a:fontRef idx="minor">
-            <a:schemeClr val="tx1"/>
-          </a:fontRef>
-        </p:style>
-      </p:cxnSp>
-      <p:sp>
-        <p:nvSpPr>
-          <p:cNvPr id="106" name="Textfeld 105">
-            <a:extLst>
-              <a:ext uri="{FF2B5EF4-FFF2-40B4-BE49-F238E27FC236}">
-                <a16:creationId xmlns:a16="http://schemas.microsoft.com/office/drawing/2014/main" id="{7509008C-341A-4D20-B63E-98FD7E76F17E}"/>
-              </a:ext>
-            </a:extLst>
-          </p:cNvPr>
-          <p:cNvSpPr txBox="1"/>
-          <p:nvPr/>
-        </p:nvSpPr>
-        <p:spPr>
-          <a:xfrm>
-            <a:off x="630214" y="1081844"/>
-            <a:ext cx="1309910" cy="276999"/>
-          </a:xfrm>
-          <a:prstGeom prst="rect">
-            <a:avLst/>
-          </a:prstGeom>
-          <a:noFill/>
-        </p:spPr>
-        <p:txBody>
-          <a:bodyPr wrap="none" rtlCol="0">
-            <a:spAutoFit/>
-          </a:bodyPr>
-          <a:lstStyle/>
-          <a:p>
-            <a:r>
-              <a:rPr lang="de-DE" sz="1200" dirty="0"/>
-              <a:t>Contact </a:t>
-            </a:r>
-            <a:r>
-              <a:rPr lang="de-DE" sz="1200" dirty="0" err="1"/>
-              <a:t>Sequence</a:t>
-            </a:r>
-            <a:endParaRPr lang="en-US" sz="1200" dirty="0"/>
-          </a:p>
-        </p:txBody>
-      </p:sp>
-      <p:sp>
-        <p:nvSpPr>
-          <p:cNvPr id="108" name="Textfeld 107">
-            <a:extLst>
-              <a:ext uri="{FF2B5EF4-FFF2-40B4-BE49-F238E27FC236}">
-                <a16:creationId xmlns:a16="http://schemas.microsoft.com/office/drawing/2014/main" id="{EE1F7C2B-9837-406B-9AE3-6A238479403B}"/>
-              </a:ext>
-            </a:extLst>
-          </p:cNvPr>
-          <p:cNvSpPr txBox="1"/>
-          <p:nvPr/>
-        </p:nvSpPr>
-        <p:spPr>
-          <a:xfrm>
-            <a:off x="834332" y="1494148"/>
-            <a:ext cx="888513" cy="276999"/>
-          </a:xfrm>
-          <a:prstGeom prst="rect">
-            <a:avLst/>
-          </a:prstGeom>
-          <a:noFill/>
-        </p:spPr>
-        <p:txBody>
-          <a:bodyPr wrap="none" rtlCol="0">
-            <a:spAutoFit/>
-          </a:bodyPr>
-          <a:lstStyle/>
-          <a:p>
-            <a:r>
-              <a:rPr lang="de-DE" sz="1200" dirty="0" err="1"/>
-              <a:t>Constraints</a:t>
-            </a:r>
-            <a:endParaRPr lang="en-US" sz="1200" dirty="0"/>
-          </a:p>
-        </p:txBody>
-      </p:sp>
-    </p:spTree>
-    <p:extLst>
-      <p:ext uri="{BB962C8B-B14F-4D97-AF65-F5344CB8AC3E}">
-        <p14:creationId xmlns:p14="http://schemas.microsoft.com/office/powerpoint/2010/main" val="4213286479"/>
-      </p:ext>
-    </p:extLst>
-  </p:cSld>
-  <p:clrMapOvr>
-    <a:masterClrMapping/>
-  </p:clrMapOvr>
-</p:sld>
-</file>
-
-<file path=ppt/slides/slide5.xml><?xml version="1.0" encoding="utf-8"?>
-<p:sld xmlns:a="http://schemas.openxmlformats.org/drawingml/2006/main" xmlns:r="http://schemas.openxmlformats.org/officeDocument/2006/relationships" xmlns:p="http://schemas.openxmlformats.org/presentationml/2006/main">
-  <p:cSld>
-    <p:spTree>
-      <p:nvGrpSpPr>
-        <p:cNvPr id="1" name=""/>
-        <p:cNvGrpSpPr/>
-        <p:nvPr/>
-      </p:nvGrpSpPr>
-      <p:grpSpPr>
-        <a:xfrm>
-          <a:off x="0" y="0"/>
-          <a:ext cx="0" cy="0"/>
-          <a:chOff x="0" y="0"/>
-          <a:chExt cx="0" cy="0"/>
-        </a:xfrm>
-      </p:grpSpPr>
-      <p:sp>
-        <p:nvSpPr>
-          <p:cNvPr id="3" name="Rechteck 2">
-            <a:extLst>
-              <a:ext uri="{FF2B5EF4-FFF2-40B4-BE49-F238E27FC236}">
-                <a16:creationId xmlns:a16="http://schemas.microsoft.com/office/drawing/2014/main" id="{FB9490F0-DF70-4E08-A81A-0B05F111ACBD}"/>
-              </a:ext>
-            </a:extLst>
-          </p:cNvPr>
-          <p:cNvSpPr/>
-          <p:nvPr/>
-        </p:nvSpPr>
-        <p:spPr>
-          <a:xfrm>
-            <a:off x="167778" y="2456837"/>
-            <a:ext cx="9899011" cy="2031263"/>
-          </a:xfrm>
-          <a:prstGeom prst="rect">
-            <a:avLst/>
-          </a:prstGeom>
-          <a:solidFill>
-            <a:srgbClr val="DBEBF8"/>
-          </a:solidFill>
-          <a:ln w="12700" cap="flat" cmpd="sng" algn="ctr">
-            <a:solidFill>
-              <a:srgbClr val="DBEBF8"/>
-            </a:solidFill>
-            <a:prstDash val="solid"/>
-            <a:miter lim="800000"/>
-          </a:ln>
-          <a:effectLst/>
-        </p:spPr>
-        <p:txBody>
-          <a:bodyPr spcFirstLastPara="0" vert="horz" wrap="square" lIns="106680" tIns="106680" rIns="106680" bIns="106680" numCol="1" spcCol="1270" anchor="ctr" anchorCtr="0">
-            <a:noAutofit/>
-          </a:bodyPr>
-          <a:lstStyle/>
-          <a:p>
-            <a:endParaRPr lang="de-DE"/>
-          </a:p>
-        </p:txBody>
-      </p:sp>
-      <p:sp>
-        <p:nvSpPr>
-          <p:cNvPr id="2" name="Rechteck 1">
-            <a:extLst>
-              <a:ext uri="{FF2B5EF4-FFF2-40B4-BE49-F238E27FC236}">
-                <a16:creationId xmlns:a16="http://schemas.microsoft.com/office/drawing/2014/main" id="{F00CBEB0-737B-48F8-97E8-882E26BD2FB4}"/>
-              </a:ext>
-            </a:extLst>
-          </p:cNvPr>
-          <p:cNvSpPr/>
-          <p:nvPr/>
-        </p:nvSpPr>
-        <p:spPr>
-          <a:xfrm>
-            <a:off x="167778" y="631371"/>
-            <a:ext cx="9899011" cy="1825466"/>
-          </a:xfrm>
-          <a:prstGeom prst="rect">
-            <a:avLst/>
-          </a:prstGeom>
-          <a:solidFill>
-            <a:srgbClr val="BFBFBF">
-              <a:alpha val="50196"/>
-            </a:srgbClr>
-          </a:solidFill>
-          <a:ln>
-            <a:noFill/>
-          </a:ln>
-        </p:spPr>
-        <p:style>
-          <a:lnRef idx="2">
-            <a:schemeClr val="accent1">
-              <a:shade val="50000"/>
-            </a:schemeClr>
-          </a:lnRef>
-          <a:fillRef idx="1">
-            <a:schemeClr val="accent1"/>
-          </a:fillRef>
-          <a:effectRef idx="0">
-            <a:schemeClr val="accent1"/>
-          </a:effectRef>
-          <a:fontRef idx="minor">
-            <a:schemeClr val="lt1"/>
-          </a:fontRef>
-        </p:style>
-        <p:txBody>
-          <a:bodyPr rtlCol="0" anchor="ctr"/>
-          <a:lstStyle/>
-          <a:p>
-            <a:pPr algn="ctr"/>
-            <a:endParaRPr lang="de-DE"/>
-          </a:p>
-        </p:txBody>
-      </p:sp>
-      <p:cxnSp>
-        <p:nvCxnSpPr>
-          <p:cNvPr id="22" name="Gerade Verbindung mit Pfeil 21">
-            <a:extLst>
-              <a:ext uri="{FF2B5EF4-FFF2-40B4-BE49-F238E27FC236}">
-                <a16:creationId xmlns:a16="http://schemas.microsoft.com/office/drawing/2014/main" id="{B28978F1-6AAE-40FC-B682-CF1FCFDF8ABD}"/>
-              </a:ext>
-            </a:extLst>
-          </p:cNvPr>
-          <p:cNvCxnSpPr>
-            <a:cxnSpLocks/>
-            <a:stCxn id="7" idx="3"/>
-            <a:endCxn id="40" idx="2"/>
-          </p:cNvCxnSpPr>
-          <p:nvPr/>
-        </p:nvCxnSpPr>
-        <p:spPr>
-          <a:xfrm flipV="1">
-            <a:off x="3660484" y="3422787"/>
-            <a:ext cx="1321479" cy="8451"/>
-          </a:xfrm>
-          <a:prstGeom prst="straightConnector1">
-            <a:avLst/>
-          </a:prstGeom>
-          <a:ln>
-            <a:solidFill>
-              <a:srgbClr val="3668A0"/>
-            </a:solidFill>
-            <a:tailEnd type="triangle"/>
+            <a:tailEnd type="stealth" w="lg" len="lg"/>
           </a:ln>
         </p:spPr>
         <p:style>
@@ -9561,11 +6833,11 @@
           <a:prstGeom prst="straightConnector1">
             <a:avLst/>
           </a:prstGeom>
-          <a:ln>
+          <a:ln w="19050">
             <a:solidFill>
-              <a:srgbClr val="3668A0"/>
+              <a:schemeClr val="tx1"/>
             </a:solidFill>
-            <a:tailEnd type="triangle"/>
+            <a:tailEnd type="stealth" w="lg" len="lg"/>
           </a:ln>
         </p:spPr>
         <p:style>
@@ -9583,46 +6855,6 @@
           </a:fontRef>
         </p:style>
       </p:cxnSp>
-      <p:pic>
-        <p:nvPicPr>
-          <p:cNvPr id="86" name="Grafik 85">
-            <a:extLst>
-              <a:ext uri="{FF2B5EF4-FFF2-40B4-BE49-F238E27FC236}">
-                <a16:creationId xmlns:a16="http://schemas.microsoft.com/office/drawing/2014/main" id="{3DBECF09-FF65-4A52-B6A7-30183F6ACB82}"/>
-              </a:ext>
-            </a:extLst>
-          </p:cNvPr>
-          <p:cNvPicPr>
-            <a:picLocks noChangeAspect="1"/>
-          </p:cNvPicPr>
-          <p:nvPr>
-            <p:custDataLst>
-              <p:tags r:id="rId1"/>
-            </p:custDataLst>
-          </p:nvPr>
-        </p:nvPicPr>
-        <p:blipFill>
-          <a:blip r:embed="rId6">
-            <a:extLst>
-              <a:ext uri="{28A0092B-C50C-407E-A947-70E740481C1C}">
-                <a14:useLocalDpi xmlns:a14="http://schemas.microsoft.com/office/drawing/2010/main" val="0"/>
-              </a:ext>
-            </a:extLst>
-          </a:blip>
-          <a:stretch>
-            <a:fillRect/>
-          </a:stretch>
-        </p:blipFill>
-        <p:spPr>
-          <a:xfrm>
-            <a:off x="4002253" y="3231457"/>
-            <a:ext cx="681255" cy="156014"/>
-          </a:xfrm>
-          <a:prstGeom prst="rect">
-            <a:avLst/>
-          </a:prstGeom>
-        </p:spPr>
-      </p:pic>
       <p:cxnSp>
         <p:nvCxnSpPr>
           <p:cNvPr id="25" name="Gerade Verbindung mit Pfeil 24">
@@ -9635,20 +6867,23 @@
           <p:cNvCxnSpPr>
             <a:cxnSpLocks/>
             <a:stCxn id="120" idx="2"/>
-            <a:endCxn id="7" idx="0"/>
+            <a:endCxn id="8" idx="0"/>
           </p:cNvCxnSpPr>
           <p:nvPr/>
         </p:nvCxnSpPr>
         <p:spPr>
           <a:xfrm flipH="1">
-            <a:off x="3093529" y="2130516"/>
-            <a:ext cx="1" cy="650937"/>
+            <a:off x="3087895" y="2130516"/>
+            <a:ext cx="5635" cy="980820"/>
           </a:xfrm>
           <a:prstGeom prst="straightConnector1">
             <a:avLst/>
           </a:prstGeom>
-          <a:ln>
-            <a:tailEnd type="triangle"/>
+          <a:ln w="19050">
+            <a:solidFill>
+              <a:schemeClr val="tx1"/>
+            </a:solidFill>
+            <a:tailEnd type="stealth" w="lg" len="lg"/>
           </a:ln>
         </p:spPr>
         <p:style>
@@ -9683,7 +6918,7 @@
         </p:nvCxnSpPr>
         <p:spPr>
           <a:xfrm rot="5400000" flipH="1">
-            <a:off x="6947276" y="1627749"/>
+            <a:off x="7006163" y="1636132"/>
             <a:ext cx="237754" cy="3994744"/>
           </a:xfrm>
           <a:prstGeom prst="bentConnector3">
@@ -9691,11 +6926,11 @@
               <a:gd name="adj1" fmla="val -149076"/>
             </a:avLst>
           </a:prstGeom>
-          <a:ln>
+          <a:ln w="19050">
             <a:solidFill>
-              <a:srgbClr val="3668A0"/>
+              <a:schemeClr val="tx1"/>
             </a:solidFill>
-            <a:tailEnd type="triangle"/>
+            <a:tailEnd type="stealth" w="lg" len="lg"/>
           </a:ln>
         </p:spPr>
         <p:style>
@@ -9727,7 +6962,7 @@
         </p:nvSpPr>
         <p:spPr>
           <a:xfrm>
-            <a:off x="4981963" y="3339330"/>
+            <a:off x="5040850" y="3347713"/>
             <a:ext cx="173635" cy="166914"/>
           </a:xfrm>
           <a:prstGeom prst="flowChartSummingJunction">
@@ -9738,7 +6973,7 @@
           </a:solidFill>
           <a:ln>
             <a:solidFill>
-              <a:srgbClr val="3668A0"/>
+              <a:schemeClr val="tx1"/>
             </a:solidFill>
           </a:ln>
         </p:spPr>
@@ -9789,17 +7024,17 @@
         </p:nvCxnSpPr>
         <p:spPr>
           <a:xfrm>
-            <a:off x="5155598" y="3422787"/>
-            <a:ext cx="470307" cy="8383"/>
+            <a:off x="5214485" y="3431170"/>
+            <a:ext cx="411420" cy="0"/>
           </a:xfrm>
           <a:prstGeom prst="straightConnector1">
             <a:avLst/>
           </a:prstGeom>
-          <a:ln>
+          <a:ln w="19050">
             <a:solidFill>
-              <a:srgbClr val="3668A0"/>
+              <a:schemeClr val="tx1"/>
             </a:solidFill>
-            <a:tailEnd type="triangle"/>
+            <a:tailEnd type="stealth" w="lg" len="lg"/>
           </a:ln>
         </p:spPr>
         <p:style>
@@ -9894,8 +7129,8 @@
               <a:rPr lang="de-DE" sz="1200" dirty="0">
                 <a:solidFill>
                   <a:schemeClr val="tx1">
-                    <a:lumMod val="50000"/>
-                    <a:lumOff val="50000"/>
+                    <a:lumMod val="65000"/>
+                    <a:lumOff val="35000"/>
                   </a:schemeClr>
                 </a:solidFill>
               </a:rPr>
@@ -9905,8 +7140,8 @@
               <a:rPr lang="de-DE" sz="1200" dirty="0" err="1">
                 <a:solidFill>
                   <a:schemeClr val="tx1">
-                    <a:lumMod val="50000"/>
-                    <a:lumOff val="50000"/>
+                    <a:lumMod val="65000"/>
+                    <a:lumOff val="35000"/>
                   </a:schemeClr>
                 </a:solidFill>
               </a:rPr>
@@ -9915,8 +7150,8 @@
             <a:endParaRPr lang="de-DE" sz="1200" dirty="0">
               <a:solidFill>
                 <a:schemeClr val="tx1">
-                  <a:lumMod val="50000"/>
-                  <a:lumOff val="50000"/>
+                  <a:lumMod val="65000"/>
+                  <a:lumOff val="35000"/>
                 </a:schemeClr>
               </a:solidFill>
             </a:endParaRPr>
@@ -9956,8 +7191,8 @@
               <a:rPr lang="de-DE" sz="1200" dirty="0">
                 <a:solidFill>
                   <a:schemeClr val="tx1">
-                    <a:lumMod val="50000"/>
-                    <a:lumOff val="50000"/>
+                    <a:lumMod val="65000"/>
+                    <a:lumOff val="35000"/>
                   </a:schemeClr>
                 </a:solidFill>
               </a:rPr>
@@ -9967,8 +7202,8 @@
               <a:rPr lang="de-DE" sz="1200" dirty="0" err="1">
                 <a:solidFill>
                   <a:schemeClr val="tx1">
-                    <a:lumMod val="50000"/>
-                    <a:lumOff val="50000"/>
+                    <a:lumMod val="65000"/>
+                    <a:lumOff val="35000"/>
                   </a:schemeClr>
                 </a:solidFill>
               </a:rPr>
@@ -9977,8 +7212,8 @@
             <a:endParaRPr lang="de-DE" sz="1200" dirty="0">
               <a:solidFill>
                 <a:schemeClr val="tx1">
-                  <a:lumMod val="50000"/>
-                  <a:lumOff val="50000"/>
+                  <a:lumMod val="65000"/>
+                  <a:lumOff val="35000"/>
                 </a:schemeClr>
               </a:solidFill>
             </a:endParaRPr>
@@ -9987,10 +7222,10 @@
       </p:sp>
       <p:pic>
         <p:nvPicPr>
-          <p:cNvPr id="90" name="Grafik 89">
-            <a:extLst>
-              <a:ext uri="{FF2B5EF4-FFF2-40B4-BE49-F238E27FC236}">
-                <a16:creationId xmlns:a16="http://schemas.microsoft.com/office/drawing/2014/main" id="{7E40F690-9900-49B3-9938-14CC43A89774}"/>
+          <p:cNvPr id="50" name="Grafik 49">
+            <a:extLst>
+              <a:ext uri="{FF2B5EF4-FFF2-40B4-BE49-F238E27FC236}">
+                <a16:creationId xmlns:a16="http://schemas.microsoft.com/office/drawing/2014/main" id="{10B98813-5084-4541-8A59-E45805FA0D59}"/>
               </a:ext>
             </a:extLst>
           </p:cNvPr>
@@ -9999,12 +7234,12 @@
           </p:cNvPicPr>
           <p:nvPr>
             <p:custDataLst>
-              <p:tags r:id="rId2"/>
+              <p:tags r:id="rId1"/>
             </p:custDataLst>
           </p:nvPr>
         </p:nvPicPr>
         <p:blipFill>
-          <a:blip r:embed="rId7">
+          <a:blip r:embed="rId6">
             <a:extLst>
               <a:ext uri="{28A0092B-C50C-407E-A947-70E740481C1C}">
                 <a14:useLocalDpi xmlns:a14="http://schemas.microsoft.com/office/drawing/2010/main" val="0"/>
@@ -10017,48 +7252,8 @@
         </p:blipFill>
         <p:spPr>
           <a:xfrm>
-            <a:off x="6756715" y="3896005"/>
-            <a:ext cx="618876" cy="158149"/>
-          </a:xfrm>
-          <a:prstGeom prst="rect">
-            <a:avLst/>
-          </a:prstGeom>
-        </p:spPr>
-      </p:pic>
-      <p:pic>
-        <p:nvPicPr>
-          <p:cNvPr id="80" name="Grafik 79">
-            <a:extLst>
-              <a:ext uri="{FF2B5EF4-FFF2-40B4-BE49-F238E27FC236}">
-                <a16:creationId xmlns:a16="http://schemas.microsoft.com/office/drawing/2014/main" id="{4641B543-26E4-4FF8-A024-A87613FD0A62}"/>
-              </a:ext>
-            </a:extLst>
-          </p:cNvPr>
-          <p:cNvPicPr>
-            <a:picLocks noChangeAspect="1"/>
-          </p:cNvPicPr>
-          <p:nvPr>
-            <p:custDataLst>
-              <p:tags r:id="rId3"/>
-            </p:custDataLst>
-          </p:nvPr>
-        </p:nvPicPr>
-        <p:blipFill>
-          <a:blip r:embed="rId8">
-            <a:extLst>
-              <a:ext uri="{28A0092B-C50C-407E-A947-70E740481C1C}">
-                <a14:useLocalDpi xmlns:a14="http://schemas.microsoft.com/office/drawing/2010/main" val="0"/>
-              </a:ext>
-            </a:extLst>
-          </a:blip>
-          <a:stretch>
-            <a:fillRect/>
-          </a:stretch>
-        </p:blipFill>
-        <p:spPr>
-          <a:xfrm>
-            <a:off x="7526010" y="3248062"/>
-            <a:ext cx="471402" cy="137315"/>
+            <a:off x="6911796" y="3919619"/>
+            <a:ext cx="407817" cy="132829"/>
           </a:xfrm>
           <a:prstGeom prst="rect">
             <a:avLst/>
@@ -10081,61 +7276,17 @@
         </p:nvCxnSpPr>
         <p:spPr>
           <a:xfrm>
-            <a:off x="630214" y="1370396"/>
+            <a:off x="655112" y="1358843"/>
             <a:ext cx="1285012" cy="0"/>
           </a:xfrm>
           <a:prstGeom prst="straightConnector1">
             <a:avLst/>
           </a:prstGeom>
-          <a:ln>
+          <a:ln w="19050">
             <a:solidFill>
-              <a:srgbClr val="3668A0"/>
+              <a:schemeClr val="tx1"/>
             </a:solidFill>
-            <a:tailEnd type="triangle"/>
-          </a:ln>
-        </p:spPr>
-        <p:style>
-          <a:lnRef idx="1">
-            <a:schemeClr val="accent1"/>
-          </a:lnRef>
-          <a:fillRef idx="0">
-            <a:schemeClr val="accent1"/>
-          </a:fillRef>
-          <a:effectRef idx="0">
-            <a:schemeClr val="accent1"/>
-          </a:effectRef>
-          <a:fontRef idx="minor">
-            <a:schemeClr val="tx1"/>
-          </a:fontRef>
-        </p:style>
-      </p:cxnSp>
-      <p:cxnSp>
-        <p:nvCxnSpPr>
-          <p:cNvPr id="104" name="Gerade Verbindung mit Pfeil 103">
-            <a:extLst>
-              <a:ext uri="{FF2B5EF4-FFF2-40B4-BE49-F238E27FC236}">
-                <a16:creationId xmlns:a16="http://schemas.microsoft.com/office/drawing/2014/main" id="{2F105F08-8346-40C7-BC68-1FCFE4DB4222}"/>
-              </a:ext>
-            </a:extLst>
-          </p:cNvPr>
-          <p:cNvCxnSpPr>
-            <a:cxnSpLocks/>
-          </p:cNvCxnSpPr>
-          <p:nvPr/>
-        </p:nvCxnSpPr>
-        <p:spPr>
-          <a:xfrm>
-            <a:off x="630214" y="1778501"/>
-            <a:ext cx="1309910" cy="0"/>
-          </a:xfrm>
-          <a:prstGeom prst="straightConnector1">
-            <a:avLst/>
-          </a:prstGeom>
-          <a:ln>
-            <a:solidFill>
-              <a:srgbClr val="3668A0"/>
-            </a:solidFill>
-            <a:tailEnd type="triangle"/>
+            <a:tailEnd type="stealth" w="lg" len="lg"/>
           </a:ln>
         </p:spPr>
         <p:style>
@@ -10167,7 +7318,7 @@
         </p:nvSpPr>
         <p:spPr>
           <a:xfrm>
-            <a:off x="630214" y="1081844"/>
+            <a:off x="570683" y="1096189"/>
             <a:ext cx="1309910" cy="276999"/>
           </a:xfrm>
           <a:prstGeom prst="rect">
@@ -10207,7 +7358,7 @@
         </p:nvSpPr>
         <p:spPr>
           <a:xfrm>
-            <a:off x="834332" y="1494148"/>
+            <a:off x="781381" y="1576481"/>
             <a:ext cx="888513" cy="276999"/>
           </a:xfrm>
           <a:prstGeom prst="rect">
@@ -10252,9 +7403,9 @@
           <a:solidFill>
             <a:schemeClr val="bg1"/>
           </a:solidFill>
-          <a:ln>
+          <a:ln w="19050">
             <a:solidFill>
-              <a:srgbClr val="3668A0"/>
+              <a:schemeClr val="tx1"/>
             </a:solidFill>
           </a:ln>
         </p:spPr>
@@ -10324,10 +7475,10 @@
       </p:sp>
       <p:pic>
         <p:nvPicPr>
-          <p:cNvPr id="38" name="Grafik 37">
-            <a:extLst>
-              <a:ext uri="{FF2B5EF4-FFF2-40B4-BE49-F238E27FC236}">
-                <a16:creationId xmlns:a16="http://schemas.microsoft.com/office/drawing/2014/main" id="{A1B9903C-8633-4281-9855-DCABE7CC16FF}"/>
+          <p:cNvPr id="54" name="Grafik 53">
+            <a:extLst>
+              <a:ext uri="{FF2B5EF4-FFF2-40B4-BE49-F238E27FC236}">
+                <a16:creationId xmlns:a16="http://schemas.microsoft.com/office/drawing/2014/main" id="{68464425-61F3-4D3C-AABF-DF4A1CA11D61}"/>
               </a:ext>
             </a:extLst>
           </p:cNvPr>
@@ -10336,12 +7487,12 @@
           </p:cNvPicPr>
           <p:nvPr>
             <p:custDataLst>
-              <p:tags r:id="rId4"/>
+              <p:tags r:id="rId2"/>
             </p:custDataLst>
           </p:nvPr>
         </p:nvPicPr>
         <p:blipFill>
-          <a:blip r:embed="rId9">
+          <a:blip r:embed="rId7">
             <a:extLst>
               <a:ext uri="{28A0092B-C50C-407E-A947-70E740481C1C}">
                 <a14:useLocalDpi xmlns:a14="http://schemas.microsoft.com/office/drawing/2010/main" val="0"/>
@@ -10354,440 +7505,14 @@
         </p:blipFill>
         <p:spPr>
           <a:xfrm>
-            <a:off x="2112204" y="1607730"/>
-            <a:ext cx="2045238" cy="447946"/>
+            <a:off x="2085841" y="1625885"/>
+            <a:ext cx="2004107" cy="448808"/>
           </a:xfrm>
           <a:prstGeom prst="rect">
             <a:avLst/>
           </a:prstGeom>
         </p:spPr>
       </p:pic>
-      <p:sp>
-        <p:nvSpPr>
-          <p:cNvPr id="7" name="Rechteck 6">
-            <a:extLst>
-              <a:ext uri="{FF2B5EF4-FFF2-40B4-BE49-F238E27FC236}">
-                <a16:creationId xmlns:a16="http://schemas.microsoft.com/office/drawing/2014/main" id="{B0E237AF-C330-4073-9F40-3D59C8C2831A}"/>
-              </a:ext>
-            </a:extLst>
-          </p:cNvPr>
-          <p:cNvSpPr/>
-          <p:nvPr/>
-        </p:nvSpPr>
-        <p:spPr>
-          <a:xfrm>
-            <a:off x="2526573" y="2781453"/>
-            <a:ext cx="1133911" cy="1299569"/>
-          </a:xfrm>
-          <a:custGeom>
-            <a:avLst/>
-            <a:gdLst>
-              <a:gd name="connsiteX0" fmla="*/ 0 w 1133911"/>
-              <a:gd name="connsiteY0" fmla="*/ 0 h 1299569"/>
-              <a:gd name="connsiteX1" fmla="*/ 555616 w 1133911"/>
-              <a:gd name="connsiteY1" fmla="*/ 0 h 1299569"/>
-              <a:gd name="connsiteX2" fmla="*/ 1133911 w 1133911"/>
-              <a:gd name="connsiteY2" fmla="*/ 0 h 1299569"/>
-              <a:gd name="connsiteX3" fmla="*/ 1133911 w 1133911"/>
-              <a:gd name="connsiteY3" fmla="*/ 394203 h 1299569"/>
-              <a:gd name="connsiteX4" fmla="*/ 1133911 w 1133911"/>
-              <a:gd name="connsiteY4" fmla="*/ 788405 h 1299569"/>
-              <a:gd name="connsiteX5" fmla="*/ 1133911 w 1133911"/>
-              <a:gd name="connsiteY5" fmla="*/ 1299569 h 1299569"/>
-              <a:gd name="connsiteX6" fmla="*/ 555616 w 1133911"/>
-              <a:gd name="connsiteY6" fmla="*/ 1299569 h 1299569"/>
-              <a:gd name="connsiteX7" fmla="*/ 0 w 1133911"/>
-              <a:gd name="connsiteY7" fmla="*/ 1299569 h 1299569"/>
-              <a:gd name="connsiteX8" fmla="*/ 0 w 1133911"/>
-              <a:gd name="connsiteY8" fmla="*/ 892371 h 1299569"/>
-              <a:gd name="connsiteX9" fmla="*/ 0 w 1133911"/>
-              <a:gd name="connsiteY9" fmla="*/ 485172 h 1299569"/>
-              <a:gd name="connsiteX10" fmla="*/ 0 w 1133911"/>
-              <a:gd name="connsiteY10" fmla="*/ 0 h 1299569"/>
-            </a:gdLst>
-            <a:ahLst/>
-            <a:cxnLst>
-              <a:cxn ang="0">
-                <a:pos x="connsiteX0" y="connsiteY0"/>
-              </a:cxn>
-              <a:cxn ang="0">
-                <a:pos x="connsiteX1" y="connsiteY1"/>
-              </a:cxn>
-              <a:cxn ang="0">
-                <a:pos x="connsiteX2" y="connsiteY2"/>
-              </a:cxn>
-              <a:cxn ang="0">
-                <a:pos x="connsiteX3" y="connsiteY3"/>
-              </a:cxn>
-              <a:cxn ang="0">
-                <a:pos x="connsiteX4" y="connsiteY4"/>
-              </a:cxn>
-              <a:cxn ang="0">
-                <a:pos x="connsiteX5" y="connsiteY5"/>
-              </a:cxn>
-              <a:cxn ang="0">
-                <a:pos x="connsiteX6" y="connsiteY6"/>
-              </a:cxn>
-              <a:cxn ang="0">
-                <a:pos x="connsiteX7" y="connsiteY7"/>
-              </a:cxn>
-              <a:cxn ang="0">
-                <a:pos x="connsiteX8" y="connsiteY8"/>
-              </a:cxn>
-              <a:cxn ang="0">
-                <a:pos x="connsiteX9" y="connsiteY9"/>
-              </a:cxn>
-              <a:cxn ang="0">
-                <a:pos x="connsiteX10" y="connsiteY10"/>
-              </a:cxn>
-            </a:cxnLst>
-            <a:rect l="l" t="t" r="r" b="b"/>
-            <a:pathLst>
-              <a:path w="1133911" h="1299569" fill="none" extrusionOk="0">
-                <a:moveTo>
-                  <a:pt x="0" y="0"/>
-                </a:moveTo>
-                <a:cubicBezTo>
-                  <a:pt x="119004" y="-11532"/>
-                  <a:pt x="347399" y="33428"/>
-                  <a:pt x="555616" y="0"/>
-                </a:cubicBezTo>
-                <a:cubicBezTo>
-                  <a:pt x="763833" y="-33428"/>
-                  <a:pt x="896275" y="46225"/>
-                  <a:pt x="1133911" y="0"/>
-                </a:cubicBezTo>
-                <a:cubicBezTo>
-                  <a:pt x="1160492" y="148666"/>
-                  <a:pt x="1108285" y="238477"/>
-                  <a:pt x="1133911" y="394203"/>
-                </a:cubicBezTo>
-                <a:cubicBezTo>
-                  <a:pt x="1159537" y="549929"/>
-                  <a:pt x="1088408" y="614930"/>
-                  <a:pt x="1133911" y="788405"/>
-                </a:cubicBezTo>
-                <a:cubicBezTo>
-                  <a:pt x="1179414" y="961880"/>
-                  <a:pt x="1082791" y="1070407"/>
-                  <a:pt x="1133911" y="1299569"/>
-                </a:cubicBezTo>
-                <a:cubicBezTo>
-                  <a:pt x="967722" y="1333376"/>
-                  <a:pt x="718405" y="1261043"/>
-                  <a:pt x="555616" y="1299569"/>
-                </a:cubicBezTo>
-                <a:cubicBezTo>
-                  <a:pt x="392827" y="1338095"/>
-                  <a:pt x="206129" y="1264226"/>
-                  <a:pt x="0" y="1299569"/>
-                </a:cubicBezTo>
-                <a:cubicBezTo>
-                  <a:pt x="-45513" y="1214151"/>
-                  <a:pt x="11549" y="1028976"/>
-                  <a:pt x="0" y="892371"/>
-                </a:cubicBezTo>
-                <a:cubicBezTo>
-                  <a:pt x="-11549" y="755766"/>
-                  <a:pt x="1806" y="659371"/>
-                  <a:pt x="0" y="485172"/>
-                </a:cubicBezTo>
-                <a:cubicBezTo>
-                  <a:pt x="-1806" y="310973"/>
-                  <a:pt x="11007" y="129008"/>
-                  <a:pt x="0" y="0"/>
-                </a:cubicBezTo>
-                <a:close/>
-              </a:path>
-              <a:path w="1133911" h="1299569" stroke="0" extrusionOk="0">
-                <a:moveTo>
-                  <a:pt x="0" y="0"/>
-                </a:moveTo>
-                <a:cubicBezTo>
-                  <a:pt x="180400" y="-22936"/>
-                  <a:pt x="303365" y="2895"/>
-                  <a:pt x="532938" y="0"/>
-                </a:cubicBezTo>
-                <a:cubicBezTo>
-                  <a:pt x="762511" y="-2895"/>
-                  <a:pt x="902226" y="38411"/>
-                  <a:pt x="1133911" y="0"/>
-                </a:cubicBezTo>
-                <a:cubicBezTo>
-                  <a:pt x="1170569" y="97126"/>
-                  <a:pt x="1093661" y="221561"/>
-                  <a:pt x="1133911" y="420194"/>
-                </a:cubicBezTo>
-                <a:cubicBezTo>
-                  <a:pt x="1174161" y="618827"/>
-                  <a:pt x="1085989" y="731907"/>
-                  <a:pt x="1133911" y="827392"/>
-                </a:cubicBezTo>
-                <a:cubicBezTo>
-                  <a:pt x="1181833" y="922877"/>
-                  <a:pt x="1102615" y="1182674"/>
-                  <a:pt x="1133911" y="1299569"/>
-                </a:cubicBezTo>
-                <a:cubicBezTo>
-                  <a:pt x="891346" y="1361088"/>
-                  <a:pt x="794521" y="1281298"/>
-                  <a:pt x="589634" y="1299569"/>
-                </a:cubicBezTo>
-                <a:cubicBezTo>
-                  <a:pt x="384747" y="1317840"/>
-                  <a:pt x="165016" y="1279754"/>
-                  <a:pt x="0" y="1299569"/>
-                </a:cubicBezTo>
-                <a:cubicBezTo>
-                  <a:pt x="-6851" y="1120028"/>
-                  <a:pt x="40527" y="1056207"/>
-                  <a:pt x="0" y="905366"/>
-                </a:cubicBezTo>
-                <a:cubicBezTo>
-                  <a:pt x="-40527" y="754525"/>
-                  <a:pt x="23190" y="601281"/>
-                  <a:pt x="0" y="511164"/>
-                </a:cubicBezTo>
-                <a:cubicBezTo>
-                  <a:pt x="-23190" y="421047"/>
-                  <a:pt x="57840" y="213764"/>
-                  <a:pt x="0" y="0"/>
-                </a:cubicBezTo>
-                <a:close/>
-              </a:path>
-            </a:pathLst>
-          </a:custGeom>
-          <a:solidFill>
-            <a:schemeClr val="bg1"/>
-          </a:solidFill>
-          <a:ln>
-            <a:solidFill>
-              <a:srgbClr val="3668A0"/>
-            </a:solidFill>
-            <a:extLst>
-              <a:ext uri="{C807C97D-BFC1-408E-A445-0C87EB9F89A2}">
-                <ask:lineSketchStyleProps xmlns:ask="http://schemas.microsoft.com/office/drawing/2018/sketchyshapes" sd="2223840991">
-                  <a:prstGeom prst="rect">
-                    <a:avLst/>
-                  </a:prstGeom>
-                  <ask:type>
-                    <ask:lineSketchScribble/>
-                  </ask:type>
-                </ask:lineSketchStyleProps>
-              </a:ext>
-            </a:extLst>
-          </a:ln>
-        </p:spPr>
-        <p:style>
-          <a:lnRef idx="2">
-            <a:schemeClr val="accent1">
-              <a:shade val="50000"/>
-            </a:schemeClr>
-          </a:lnRef>
-          <a:fillRef idx="1">
-            <a:schemeClr val="accent1"/>
-          </a:fillRef>
-          <a:effectRef idx="0">
-            <a:schemeClr val="accent1"/>
-          </a:effectRef>
-          <a:fontRef idx="minor">
-            <a:schemeClr val="lt1"/>
-          </a:fontRef>
-        </p:style>
-        <p:txBody>
-          <a:bodyPr rtlCol="0" anchor="t"/>
-          <a:lstStyle/>
-          <a:p>
-            <a:pPr algn="ctr"/>
-            <a:r>
-              <a:rPr lang="de-DE" sz="1600">
-                <a:solidFill>
-                  <a:schemeClr val="tx1"/>
-                </a:solidFill>
-              </a:rPr>
-              <a:t>Trajectory File</a:t>
-            </a:r>
-            <a:endParaRPr lang="en-US" sz="1600" dirty="0">
-              <a:solidFill>
-                <a:schemeClr val="tx1"/>
-              </a:solidFill>
-            </a:endParaRPr>
-          </a:p>
-        </p:txBody>
-      </p:sp>
-      <p:grpSp>
-        <p:nvGrpSpPr>
-          <p:cNvPr id="41" name="Gruppieren 40">
-            <a:extLst>
-              <a:ext uri="{FF2B5EF4-FFF2-40B4-BE49-F238E27FC236}">
-                <a16:creationId xmlns:a16="http://schemas.microsoft.com/office/drawing/2014/main" id="{B93B887D-EAE0-4C79-AF79-92506E1FD1BA}"/>
-              </a:ext>
-            </a:extLst>
-          </p:cNvPr>
-          <p:cNvGrpSpPr/>
-          <p:nvPr/>
-        </p:nvGrpSpPr>
-        <p:grpSpPr>
-          <a:xfrm>
-            <a:off x="2739954" y="3422787"/>
-            <a:ext cx="707149" cy="440898"/>
-            <a:chOff x="3694127" y="4264395"/>
-            <a:chExt cx="780176" cy="445983"/>
-          </a:xfrm>
-        </p:grpSpPr>
-        <p:cxnSp>
-          <p:nvCxnSpPr>
-            <p:cNvPr id="42" name="Gerader Verbinder 41">
-              <a:extLst>
-                <a:ext uri="{FF2B5EF4-FFF2-40B4-BE49-F238E27FC236}">
-                  <a16:creationId xmlns:a16="http://schemas.microsoft.com/office/drawing/2014/main" id="{46FD3B09-F731-4555-ABBA-81F0705812EF}"/>
-                </a:ext>
-              </a:extLst>
-            </p:cNvPr>
-            <p:cNvCxnSpPr>
-              <a:cxnSpLocks/>
-            </p:cNvCxnSpPr>
-            <p:nvPr/>
-          </p:nvCxnSpPr>
-          <p:spPr>
-            <a:xfrm>
-              <a:off x="3694127" y="4264395"/>
-              <a:ext cx="780176" cy="1"/>
-            </a:xfrm>
-            <a:prstGeom prst="line">
-              <a:avLst/>
-            </a:prstGeom>
-          </p:spPr>
-          <p:style>
-            <a:lnRef idx="1">
-              <a:schemeClr val="accent1"/>
-            </a:lnRef>
-            <a:fillRef idx="0">
-              <a:schemeClr val="accent1"/>
-            </a:fillRef>
-            <a:effectRef idx="0">
-              <a:schemeClr val="accent1"/>
-            </a:effectRef>
-            <a:fontRef idx="minor">
-              <a:schemeClr val="tx1"/>
-            </a:fontRef>
-          </p:style>
-        </p:cxnSp>
-        <p:cxnSp>
-          <p:nvCxnSpPr>
-            <p:cNvPr id="43" name="Gerader Verbinder 42">
-              <a:extLst>
-                <a:ext uri="{FF2B5EF4-FFF2-40B4-BE49-F238E27FC236}">
-                  <a16:creationId xmlns:a16="http://schemas.microsoft.com/office/drawing/2014/main" id="{E49B948E-16F6-4016-9DE7-27D89608E952}"/>
-                </a:ext>
-              </a:extLst>
-            </p:cNvPr>
-            <p:cNvCxnSpPr>
-              <a:cxnSpLocks/>
-            </p:cNvCxnSpPr>
-            <p:nvPr/>
-          </p:nvCxnSpPr>
-          <p:spPr>
-            <a:xfrm>
-              <a:off x="3694127" y="4406980"/>
-              <a:ext cx="780176" cy="1"/>
-            </a:xfrm>
-            <a:prstGeom prst="line">
-              <a:avLst/>
-            </a:prstGeom>
-          </p:spPr>
-          <p:style>
-            <a:lnRef idx="1">
-              <a:schemeClr val="accent1"/>
-            </a:lnRef>
-            <a:fillRef idx="0">
-              <a:schemeClr val="accent1"/>
-            </a:fillRef>
-            <a:effectRef idx="0">
-              <a:schemeClr val="accent1"/>
-            </a:effectRef>
-            <a:fontRef idx="minor">
-              <a:schemeClr val="tx1"/>
-            </a:fontRef>
-          </p:style>
-        </p:cxnSp>
-        <p:cxnSp>
-          <p:nvCxnSpPr>
-            <p:cNvPr id="44" name="Gerader Verbinder 43">
-              <a:extLst>
-                <a:ext uri="{FF2B5EF4-FFF2-40B4-BE49-F238E27FC236}">
-                  <a16:creationId xmlns:a16="http://schemas.microsoft.com/office/drawing/2014/main" id="{CDB5AAC3-9E36-4EB4-89FF-461BE794F027}"/>
-                </a:ext>
-              </a:extLst>
-            </p:cNvPr>
-            <p:cNvCxnSpPr>
-              <a:cxnSpLocks/>
-            </p:cNvCxnSpPr>
-            <p:nvPr/>
-          </p:nvCxnSpPr>
-          <p:spPr>
-            <a:xfrm>
-              <a:off x="3694127" y="4558679"/>
-              <a:ext cx="780176" cy="1"/>
-            </a:xfrm>
-            <a:prstGeom prst="line">
-              <a:avLst/>
-            </a:prstGeom>
-          </p:spPr>
-          <p:style>
-            <a:lnRef idx="1">
-              <a:schemeClr val="accent1"/>
-            </a:lnRef>
-            <a:fillRef idx="0">
-              <a:schemeClr val="accent1"/>
-            </a:fillRef>
-            <a:effectRef idx="0">
-              <a:schemeClr val="accent1"/>
-            </a:effectRef>
-            <a:fontRef idx="minor">
-              <a:schemeClr val="tx1"/>
-            </a:fontRef>
-          </p:style>
-        </p:cxnSp>
-        <p:cxnSp>
-          <p:nvCxnSpPr>
-            <p:cNvPr id="45" name="Gerader Verbinder 44">
-              <a:extLst>
-                <a:ext uri="{FF2B5EF4-FFF2-40B4-BE49-F238E27FC236}">
-                  <a16:creationId xmlns:a16="http://schemas.microsoft.com/office/drawing/2014/main" id="{7EF6879B-C176-4A43-B8A0-38508F3BFACD}"/>
-                </a:ext>
-              </a:extLst>
-            </p:cNvPr>
-            <p:cNvCxnSpPr>
-              <a:cxnSpLocks/>
-            </p:cNvCxnSpPr>
-            <p:nvPr/>
-          </p:nvCxnSpPr>
-          <p:spPr>
-            <a:xfrm>
-              <a:off x="3694127" y="4710377"/>
-              <a:ext cx="780176" cy="1"/>
-            </a:xfrm>
-            <a:prstGeom prst="line">
-              <a:avLst/>
-            </a:prstGeom>
-          </p:spPr>
-          <p:style>
-            <a:lnRef idx="1">
-              <a:schemeClr val="accent1"/>
-            </a:lnRef>
-            <a:fillRef idx="0">
-              <a:schemeClr val="accent1"/>
-            </a:fillRef>
-            <a:effectRef idx="0">
-              <a:schemeClr val="accent1"/>
-            </a:effectRef>
-            <a:fontRef idx="minor">
-              <a:schemeClr val="tx1"/>
-            </a:fontRef>
-          </p:style>
-        </p:cxnSp>
-      </p:grpSp>
       <p:sp>
         <p:nvSpPr>
           <p:cNvPr id="33" name="Rechteck 32">
@@ -10811,9 +7536,9 @@
           <a:solidFill>
             <a:schemeClr val="bg1"/>
           </a:solidFill>
-          <a:ln>
+          <a:ln w="19050">
             <a:solidFill>
-              <a:srgbClr val="3668A0"/>
+              <a:schemeClr val="tx1"/>
             </a:solidFill>
           </a:ln>
         </p:spPr>
@@ -10844,7 +7569,15 @@
                   <a:schemeClr val="tx1"/>
                 </a:solidFill>
               </a:rPr>
-              <a:t>Task Space Inverse Dynamics</a:t>
+              <a:t>Task Space </a:t>
+            </a:r>
+            <a:r>
+              <a:rPr lang="de-DE" sz="1600">
+                <a:solidFill>
+                  <a:schemeClr val="tx1"/>
+                </a:solidFill>
+              </a:rPr>
+              <a:t>Inverse Dynamics</a:t>
             </a:r>
             <a:endParaRPr lang="en-US" sz="1600" dirty="0">
               <a:solidFill>
@@ -10877,248 +7610,6 @@
           <a:solidFill>
             <a:schemeClr val="bg1"/>
           </a:solidFill>
-          <a:ln>
-            <a:solidFill>
-              <a:srgbClr val="3668A0"/>
-            </a:solidFill>
-          </a:ln>
-        </p:spPr>
-        <p:style>
-          <a:lnRef idx="2">
-            <a:schemeClr val="accent1">
-              <a:shade val="50000"/>
-            </a:schemeClr>
-          </a:lnRef>
-          <a:fillRef idx="1">
-            <a:schemeClr val="accent1"/>
-          </a:fillRef>
-          <a:effectRef idx="0">
-            <a:schemeClr val="accent1"/>
-          </a:effectRef>
-          <a:fontRef idx="minor">
-            <a:schemeClr val="lt1"/>
-          </a:fontRef>
-        </p:style>
-        <p:txBody>
-          <a:bodyPr rtlCol="0" anchor="t"/>
-          <a:lstStyle/>
-          <a:p>
-            <a:pPr algn="ctr"/>
-            <a:r>
-              <a:rPr lang="de-DE" sz="1600" dirty="0">
-                <a:solidFill>
-                  <a:schemeClr val="tx1"/>
-                </a:solidFill>
-              </a:rPr>
-              <a:t>Low-Level </a:t>
-            </a:r>
-            <a:r>
-              <a:rPr lang="de-DE" sz="1600" dirty="0" err="1">
-                <a:solidFill>
-                  <a:schemeClr val="tx1"/>
-                </a:solidFill>
-              </a:rPr>
-              <a:t>Actuator</a:t>
-            </a:r>
-            <a:r>
-              <a:rPr lang="de-DE" sz="1600" dirty="0">
-                <a:solidFill>
-                  <a:schemeClr val="tx1"/>
-                </a:solidFill>
-              </a:rPr>
-              <a:t> Control</a:t>
-            </a:r>
-            <a:endParaRPr lang="en-US" sz="1600" dirty="0">
-              <a:solidFill>
-                <a:schemeClr val="tx1"/>
-              </a:solidFill>
-            </a:endParaRPr>
-          </a:p>
-        </p:txBody>
-      </p:sp>
-      <p:grpSp>
-        <p:nvGrpSpPr>
-          <p:cNvPr id="4" name="Gruppieren 3">
-            <a:extLst>
-              <a:ext uri="{FF2B5EF4-FFF2-40B4-BE49-F238E27FC236}">
-                <a16:creationId xmlns:a16="http://schemas.microsoft.com/office/drawing/2014/main" id="{6987762C-2EE3-4B5B-9079-843C392C90FE}"/>
-              </a:ext>
-            </a:extLst>
-          </p:cNvPr>
-          <p:cNvGrpSpPr/>
-          <p:nvPr/>
-        </p:nvGrpSpPr>
-        <p:grpSpPr>
-          <a:xfrm>
-            <a:off x="9482182" y="5395673"/>
-            <a:ext cx="2136319" cy="1281791"/>
-            <a:chOff x="9251323" y="798770"/>
-            <a:chExt cx="2136319" cy="1281791"/>
-          </a:xfrm>
-        </p:grpSpPr>
-        <p:sp>
-          <p:nvSpPr>
-            <p:cNvPr id="46" name="Rechteck: abgerundete Ecken 45">
-              <a:extLst>
-                <a:ext uri="{FF2B5EF4-FFF2-40B4-BE49-F238E27FC236}">
-                  <a16:creationId xmlns:a16="http://schemas.microsoft.com/office/drawing/2014/main" id="{EB6DF762-1276-4505-AC32-6723C1A61BC4}"/>
-                </a:ext>
-              </a:extLst>
-            </p:cNvPr>
-            <p:cNvSpPr/>
-            <p:nvPr/>
-          </p:nvSpPr>
-          <p:spPr>
-            <a:xfrm>
-              <a:off x="9251323" y="798770"/>
-              <a:ext cx="2136319" cy="1281791"/>
-            </a:xfrm>
-            <a:prstGeom prst="roundRect">
-              <a:avLst>
-                <a:gd name="adj" fmla="val 10000"/>
-              </a:avLst>
-            </a:prstGeom>
-            <a:solidFill>
-              <a:srgbClr val="3668A0"/>
-            </a:solidFill>
-            <a:ln>
-              <a:solidFill>
-                <a:srgbClr val="3668A0"/>
-              </a:solidFill>
-            </a:ln>
-          </p:spPr>
-          <p:style>
-            <a:lnRef idx="2">
-              <a:scrgbClr r="0" g="0" b="0"/>
-            </a:lnRef>
-            <a:fillRef idx="1">
-              <a:scrgbClr r="0" g="0" b="0"/>
-            </a:fillRef>
-            <a:effectRef idx="0">
-              <a:schemeClr val="accent1">
-                <a:hueOff val="0"/>
-                <a:satOff val="0"/>
-                <a:lumOff val="0"/>
-                <a:alphaOff val="0"/>
-              </a:schemeClr>
-            </a:effectRef>
-            <a:fontRef idx="minor">
-              <a:schemeClr val="lt1"/>
-            </a:fontRef>
-          </p:style>
-        </p:sp>
-        <p:sp>
-          <p:nvSpPr>
-            <p:cNvPr id="48" name="Rechteck: abgerundete Ecken 4">
-              <a:extLst>
-                <a:ext uri="{FF2B5EF4-FFF2-40B4-BE49-F238E27FC236}">
-                  <a16:creationId xmlns:a16="http://schemas.microsoft.com/office/drawing/2014/main" id="{E573B448-B446-46D2-B3C2-E06D493C8E78}"/>
-                </a:ext>
-              </a:extLst>
-            </p:cNvPr>
-            <p:cNvSpPr txBox="1"/>
-            <p:nvPr/>
-          </p:nvSpPr>
-          <p:spPr>
-            <a:xfrm>
-              <a:off x="9288865" y="836312"/>
-              <a:ext cx="2061235" cy="1206707"/>
-            </a:xfrm>
-            <a:prstGeom prst="rect">
-              <a:avLst/>
-            </a:prstGeom>
-          </p:spPr>
-          <p:style>
-            <a:lnRef idx="0">
-              <a:scrgbClr r="0" g="0" b="0"/>
-            </a:lnRef>
-            <a:fillRef idx="0">
-              <a:scrgbClr r="0" g="0" b="0"/>
-            </a:fillRef>
-            <a:effectRef idx="0">
-              <a:scrgbClr r="0" g="0" b="0"/>
-            </a:effectRef>
-            <a:fontRef idx="minor">
-              <a:schemeClr val="lt1"/>
-            </a:fontRef>
-          </p:style>
-          <p:txBody>
-            <a:bodyPr spcFirstLastPara="0" vert="horz" wrap="square" lIns="106680" tIns="106680" rIns="106680" bIns="106680" numCol="1" spcCol="1270" anchor="ctr" anchorCtr="0">
-              <a:noAutofit/>
-            </a:bodyPr>
-            <a:lstStyle/>
-            <a:p>
-              <a:pPr marL="0" lvl="0" indent="0" algn="ctr" defTabSz="1244600">
-                <a:lnSpc>
-                  <a:spcPct val="90000"/>
-                </a:lnSpc>
-                <a:spcBef>
-                  <a:spcPct val="0"/>
-                </a:spcBef>
-                <a:spcAft>
-                  <a:spcPct val="35000"/>
-                </a:spcAft>
-                <a:buNone/>
-              </a:pPr>
-              <a:r>
-                <a:rPr lang="de-DE" sz="2800" kern="1200" dirty="0"/>
-                <a:t>Actuator Control</a:t>
-              </a:r>
-            </a:p>
-          </p:txBody>
-        </p:sp>
-      </p:grpSp>
-    </p:spTree>
-    <p:extLst>
-      <p:ext uri="{BB962C8B-B14F-4D97-AF65-F5344CB8AC3E}">
-        <p14:creationId xmlns:p14="http://schemas.microsoft.com/office/powerpoint/2010/main" val="4191141702"/>
-      </p:ext>
-    </p:extLst>
-  </p:cSld>
-  <p:clrMapOvr>
-    <a:masterClrMapping/>
-  </p:clrMapOvr>
-</p:sld>
-</file>
-
-<file path=ppt/slides/slide6.xml><?xml version="1.0" encoding="utf-8"?>
-<p:sld xmlns:a="http://schemas.openxmlformats.org/drawingml/2006/main" xmlns:r="http://schemas.openxmlformats.org/officeDocument/2006/relationships" xmlns:p="http://schemas.openxmlformats.org/presentationml/2006/main">
-  <p:cSld>
-    <p:spTree>
-      <p:nvGrpSpPr>
-        <p:cNvPr id="1" name=""/>
-        <p:cNvGrpSpPr/>
-        <p:nvPr/>
-      </p:nvGrpSpPr>
-      <p:grpSpPr>
-        <a:xfrm>
-          <a:off x="0" y="0"/>
-          <a:ext cx="0" cy="0"/>
-          <a:chOff x="0" y="0"/>
-          <a:chExt cx="0" cy="0"/>
-        </a:xfrm>
-      </p:grpSpPr>
-      <p:sp>
-        <p:nvSpPr>
-          <p:cNvPr id="4" name="Rechteck 3">
-            <a:extLst>
-              <a:ext uri="{FF2B5EF4-FFF2-40B4-BE49-F238E27FC236}">
-                <a16:creationId xmlns:a16="http://schemas.microsoft.com/office/drawing/2014/main" id="{4D880AAB-7C26-4466-A794-626D7C86C1ED}"/>
-              </a:ext>
-            </a:extLst>
-          </p:cNvPr>
-          <p:cNvSpPr/>
-          <p:nvPr/>
-        </p:nvSpPr>
-        <p:spPr>
-          <a:xfrm>
-            <a:off x="5324474" y="813439"/>
-            <a:ext cx="1543050" cy="434340"/>
-          </a:xfrm>
-          <a:prstGeom prst="rect">
-            <a:avLst/>
-          </a:prstGeom>
-          <a:noFill/>
           <a:ln w="19050">
             <a:solidFill>
               <a:schemeClr val="tx1"/>
@@ -11142,27 +7633,88 @@
           </a:fontRef>
         </p:style>
         <p:txBody>
-          <a:bodyPr rtlCol="0" anchor="ctr"/>
+          <a:bodyPr rtlCol="0" anchor="t"/>
           <a:lstStyle/>
           <a:p>
             <a:pPr algn="ctr"/>
             <a:r>
-              <a:rPr lang="de-DE" b="1" dirty="0">
+              <a:rPr lang="de-DE" sz="1600" dirty="0">
                 <a:solidFill>
                   <a:schemeClr val="tx1"/>
                 </a:solidFill>
               </a:rPr>
-              <a:t>Introduction</a:t>
-            </a:r>
+              <a:t>Low-Level </a:t>
+            </a:r>
+            <a:r>
+              <a:rPr lang="de-DE" sz="1600" err="1">
+                <a:solidFill>
+                  <a:schemeClr val="tx1"/>
+                </a:solidFill>
+              </a:rPr>
+              <a:t>Actuator</a:t>
+            </a:r>
+            <a:r>
+              <a:rPr lang="de-DE" sz="1600">
+                <a:solidFill>
+                  <a:schemeClr val="tx1"/>
+                </a:solidFill>
+              </a:rPr>
+              <a:t> Control</a:t>
+            </a:r>
+            <a:endParaRPr lang="en-US" sz="1600" dirty="0">
+              <a:solidFill>
+                <a:schemeClr val="tx1"/>
+              </a:solidFill>
+            </a:endParaRPr>
           </a:p>
         </p:txBody>
       </p:sp>
+      <p:pic>
+        <p:nvPicPr>
+          <p:cNvPr id="52" name="Grafik 51">
+            <a:extLst>
+              <a:ext uri="{FF2B5EF4-FFF2-40B4-BE49-F238E27FC236}">
+                <a16:creationId xmlns:a16="http://schemas.microsoft.com/office/drawing/2014/main" id="{FFCB8B96-65F6-4412-A017-93DA863003C9}"/>
+              </a:ext>
+            </a:extLst>
+          </p:cNvPr>
+          <p:cNvPicPr>
+            <a:picLocks noChangeAspect="1"/>
+          </p:cNvPicPr>
+          <p:nvPr>
+            <p:custDataLst>
+              <p:tags r:id="rId3"/>
+            </p:custDataLst>
+          </p:nvPr>
+        </p:nvPicPr>
+        <p:blipFill>
+          <a:blip r:embed="rId8">
+            <a:extLst>
+              <a:ext uri="{28A0092B-C50C-407E-A947-70E740481C1C}">
+                <a14:useLocalDpi xmlns:a14="http://schemas.microsoft.com/office/drawing/2010/main" val="0"/>
+              </a:ext>
+            </a:extLst>
+          </a:blip>
+          <a:stretch>
+            <a:fillRect/>
+          </a:stretch>
+        </p:blipFill>
+        <p:spPr>
+          <a:xfrm>
+            <a:off x="4194278" y="3228510"/>
+            <a:ext cx="533783" cy="152664"/>
+          </a:xfrm>
+          <a:prstGeom prst="rect">
+            <a:avLst/>
+          </a:prstGeom>
+        </p:spPr>
+      </p:pic>
       <p:sp>
         <p:nvSpPr>
-          <p:cNvPr id="6" name="Rechteck 5">
-            <a:extLst>
-              <a:ext uri="{FF2B5EF4-FFF2-40B4-BE49-F238E27FC236}">
-                <a16:creationId xmlns:a16="http://schemas.microsoft.com/office/drawing/2014/main" id="{3D63AD59-56F6-4669-8701-84D285A1810A}"/>
+          <p:cNvPr id="8" name="Rechteck 7">
+            <a:extLst>
+              <a:ext uri="{FF2B5EF4-FFF2-40B4-BE49-F238E27FC236}">
+                <a16:creationId xmlns:a16="http://schemas.microsoft.com/office/drawing/2014/main" id="{42F3F0AF-B6B2-4E1C-AC6A-693142DC2C28}"/>
               </a:ext>
             </a:extLst>
           </p:cNvPr>
@@ -11171,17 +7723,207 @@
         </p:nvSpPr>
         <p:spPr>
           <a:xfrm>
-            <a:off x="5046344" y="1718311"/>
-            <a:ext cx="2099310" cy="582932"/>
+            <a:off x="2241041" y="3111336"/>
+            <a:ext cx="1693708" cy="639668"/>
           </a:xfrm>
           <a:prstGeom prst="rect">
             <a:avLst/>
           </a:prstGeom>
-          <a:noFill/>
+          <a:solidFill>
+            <a:schemeClr val="bg1"/>
+          </a:solidFill>
           <a:ln w="19050">
             <a:solidFill>
               <a:schemeClr val="tx1"/>
             </a:solidFill>
+            <a:prstDash val="dash"/>
+            <a:extLst>
+              <a:ext uri="{C807C97D-BFC1-408E-A445-0C87EB9F89A2}">
+                <ask:lineSketchStyleProps xmlns:ask="http://schemas.microsoft.com/office/drawing/2018/sketchyshapes" sd="2223840991">
+                  <a:custGeom>
+                    <a:avLst/>
+                    <a:gdLst>
+                      <a:gd name="connsiteX0" fmla="*/ 0 w 1133911"/>
+                      <a:gd name="connsiteY0" fmla="*/ 0 h 1299569"/>
+                      <a:gd name="connsiteX1" fmla="*/ 555616 w 1133911"/>
+                      <a:gd name="connsiteY1" fmla="*/ 0 h 1299569"/>
+                      <a:gd name="connsiteX2" fmla="*/ 1133911 w 1133911"/>
+                      <a:gd name="connsiteY2" fmla="*/ 0 h 1299569"/>
+                      <a:gd name="connsiteX3" fmla="*/ 1133911 w 1133911"/>
+                      <a:gd name="connsiteY3" fmla="*/ 394203 h 1299569"/>
+                      <a:gd name="connsiteX4" fmla="*/ 1133911 w 1133911"/>
+                      <a:gd name="connsiteY4" fmla="*/ 788405 h 1299569"/>
+                      <a:gd name="connsiteX5" fmla="*/ 1133911 w 1133911"/>
+                      <a:gd name="connsiteY5" fmla="*/ 1299569 h 1299569"/>
+                      <a:gd name="connsiteX6" fmla="*/ 555616 w 1133911"/>
+                      <a:gd name="connsiteY6" fmla="*/ 1299569 h 1299569"/>
+                      <a:gd name="connsiteX7" fmla="*/ 0 w 1133911"/>
+                      <a:gd name="connsiteY7" fmla="*/ 1299569 h 1299569"/>
+                      <a:gd name="connsiteX8" fmla="*/ 0 w 1133911"/>
+                      <a:gd name="connsiteY8" fmla="*/ 892371 h 1299569"/>
+                      <a:gd name="connsiteX9" fmla="*/ 0 w 1133911"/>
+                      <a:gd name="connsiteY9" fmla="*/ 485172 h 1299569"/>
+                      <a:gd name="connsiteX10" fmla="*/ 0 w 1133911"/>
+                      <a:gd name="connsiteY10" fmla="*/ 0 h 1299569"/>
+                    </a:gdLst>
+                    <a:ahLst/>
+                    <a:cxnLst>
+                      <a:cxn ang="0">
+                        <a:pos x="connsiteX0" y="connsiteY0"/>
+                      </a:cxn>
+                      <a:cxn ang="0">
+                        <a:pos x="connsiteX1" y="connsiteY1"/>
+                      </a:cxn>
+                      <a:cxn ang="0">
+                        <a:pos x="connsiteX2" y="connsiteY2"/>
+                      </a:cxn>
+                      <a:cxn ang="0">
+                        <a:pos x="connsiteX3" y="connsiteY3"/>
+                      </a:cxn>
+                      <a:cxn ang="0">
+                        <a:pos x="connsiteX4" y="connsiteY4"/>
+                      </a:cxn>
+                      <a:cxn ang="0">
+                        <a:pos x="connsiteX5" y="connsiteY5"/>
+                      </a:cxn>
+                      <a:cxn ang="0">
+                        <a:pos x="connsiteX6" y="connsiteY6"/>
+                      </a:cxn>
+                      <a:cxn ang="0">
+                        <a:pos x="connsiteX7" y="connsiteY7"/>
+                      </a:cxn>
+                      <a:cxn ang="0">
+                        <a:pos x="connsiteX8" y="connsiteY8"/>
+                      </a:cxn>
+                      <a:cxn ang="0">
+                        <a:pos x="connsiteX9" y="connsiteY9"/>
+                      </a:cxn>
+                      <a:cxn ang="0">
+                        <a:pos x="connsiteX10" y="connsiteY10"/>
+                      </a:cxn>
+                    </a:cxnLst>
+                    <a:rect l="l" t="t" r="r" b="b"/>
+                    <a:pathLst>
+                      <a:path w="1133911" h="1299569" fill="none" extrusionOk="0">
+                        <a:moveTo>
+                          <a:pt x="0" y="0"/>
+                        </a:moveTo>
+                        <a:cubicBezTo>
+                          <a:pt x="119004" y="-11532"/>
+                          <a:pt x="347399" y="33428"/>
+                          <a:pt x="555616" y="0"/>
+                        </a:cubicBezTo>
+                        <a:cubicBezTo>
+                          <a:pt x="763833" y="-33428"/>
+                          <a:pt x="896275" y="46225"/>
+                          <a:pt x="1133911" y="0"/>
+                        </a:cubicBezTo>
+                        <a:cubicBezTo>
+                          <a:pt x="1160492" y="148666"/>
+                          <a:pt x="1108285" y="238477"/>
+                          <a:pt x="1133911" y="394203"/>
+                        </a:cubicBezTo>
+                        <a:cubicBezTo>
+                          <a:pt x="1159537" y="549929"/>
+                          <a:pt x="1088408" y="614930"/>
+                          <a:pt x="1133911" y="788405"/>
+                        </a:cubicBezTo>
+                        <a:cubicBezTo>
+                          <a:pt x="1179414" y="961880"/>
+                          <a:pt x="1082791" y="1070407"/>
+                          <a:pt x="1133911" y="1299569"/>
+                        </a:cubicBezTo>
+                        <a:cubicBezTo>
+                          <a:pt x="967722" y="1333376"/>
+                          <a:pt x="718405" y="1261043"/>
+                          <a:pt x="555616" y="1299569"/>
+                        </a:cubicBezTo>
+                        <a:cubicBezTo>
+                          <a:pt x="392827" y="1338095"/>
+                          <a:pt x="206129" y="1264226"/>
+                          <a:pt x="0" y="1299569"/>
+                        </a:cubicBezTo>
+                        <a:cubicBezTo>
+                          <a:pt x="-45513" y="1214151"/>
+                          <a:pt x="11549" y="1028976"/>
+                          <a:pt x="0" y="892371"/>
+                        </a:cubicBezTo>
+                        <a:cubicBezTo>
+                          <a:pt x="-11549" y="755766"/>
+                          <a:pt x="1806" y="659371"/>
+                          <a:pt x="0" y="485172"/>
+                        </a:cubicBezTo>
+                        <a:cubicBezTo>
+                          <a:pt x="-1806" y="310973"/>
+                          <a:pt x="11007" y="129008"/>
+                          <a:pt x="0" y="0"/>
+                        </a:cubicBezTo>
+                        <a:close/>
+                      </a:path>
+                      <a:path w="1133911" h="1299569" stroke="0" extrusionOk="0">
+                        <a:moveTo>
+                          <a:pt x="0" y="0"/>
+                        </a:moveTo>
+                        <a:cubicBezTo>
+                          <a:pt x="180400" y="-22936"/>
+                          <a:pt x="303365" y="2895"/>
+                          <a:pt x="532938" y="0"/>
+                        </a:cubicBezTo>
+                        <a:cubicBezTo>
+                          <a:pt x="762511" y="-2895"/>
+                          <a:pt x="902226" y="38411"/>
+                          <a:pt x="1133911" y="0"/>
+                        </a:cubicBezTo>
+                        <a:cubicBezTo>
+                          <a:pt x="1170569" y="97126"/>
+                          <a:pt x="1093661" y="221561"/>
+                          <a:pt x="1133911" y="420194"/>
+                        </a:cubicBezTo>
+                        <a:cubicBezTo>
+                          <a:pt x="1174161" y="618827"/>
+                          <a:pt x="1085989" y="731907"/>
+                          <a:pt x="1133911" y="827392"/>
+                        </a:cubicBezTo>
+                        <a:cubicBezTo>
+                          <a:pt x="1181833" y="922877"/>
+                          <a:pt x="1102615" y="1182674"/>
+                          <a:pt x="1133911" y="1299569"/>
+                        </a:cubicBezTo>
+                        <a:cubicBezTo>
+                          <a:pt x="891346" y="1361088"/>
+                          <a:pt x="794521" y="1281298"/>
+                          <a:pt x="589634" y="1299569"/>
+                        </a:cubicBezTo>
+                        <a:cubicBezTo>
+                          <a:pt x="384747" y="1317840"/>
+                          <a:pt x="165016" y="1279754"/>
+                          <a:pt x="0" y="1299569"/>
+                        </a:cubicBezTo>
+                        <a:cubicBezTo>
+                          <a:pt x="-6851" y="1120028"/>
+                          <a:pt x="40527" y="1056207"/>
+                          <a:pt x="0" y="905366"/>
+                        </a:cubicBezTo>
+                        <a:cubicBezTo>
+                          <a:pt x="-40527" y="754525"/>
+                          <a:pt x="23190" y="601281"/>
+                          <a:pt x="0" y="511164"/>
+                        </a:cubicBezTo>
+                        <a:cubicBezTo>
+                          <a:pt x="-23190" y="421047"/>
+                          <a:pt x="57840" y="213764"/>
+                          <a:pt x="0" y="0"/>
+                        </a:cubicBezTo>
+                        <a:close/>
+                      </a:path>
+                    </a:pathLst>
+                  </a:custGeom>
+                  <ask:type>
+                    <ask:lineSketchNone/>
+                  </ask:type>
+                </ask:lineSketchStyleProps>
+              </a:ext>
+            </a:extLst>
           </a:ln>
         </p:spPr>
         <p:style>
@@ -11201,38 +7943,19 @@
           </a:fontRef>
         </p:style>
         <p:txBody>
-          <a:bodyPr rtlCol="0" anchor="ctr"/>
+          <a:bodyPr rtlCol="0" anchor="t"/>
           <a:lstStyle/>
           <a:p>
             <a:pPr algn="ctr"/>
             <a:r>
-              <a:rPr lang="de-DE" b="1" dirty="0">
+              <a:rPr lang="de-DE" sz="1600">
                 <a:solidFill>
                   <a:schemeClr val="tx1"/>
                 </a:solidFill>
               </a:rPr>
-              <a:t>Chapter 2</a:t>
-            </a:r>
-          </a:p>
-          <a:p>
-            <a:pPr algn="ctr"/>
-            <a:r>
-              <a:rPr lang="de-DE" sz="1200" dirty="0" err="1">
-                <a:solidFill>
-                  <a:schemeClr val="tx1"/>
-                </a:solidFill>
-              </a:rPr>
-              <a:t>Mathematical</a:t>
-            </a:r>
-            <a:r>
-              <a:rPr lang="de-DE" sz="1200" dirty="0">
-                <a:solidFill>
-                  <a:schemeClr val="tx1"/>
-                </a:solidFill>
-              </a:rPr>
-              <a:t> Background</a:t>
-            </a:r>
-            <a:endParaRPr lang="de-DE" sz="1100" dirty="0">
+              <a:t>Trajectory File</a:t>
+            </a:r>
+            <a:endParaRPr lang="en-US" sz="1600" dirty="0">
               <a:solidFill>
                 <a:schemeClr val="tx1"/>
               </a:solidFill>
@@ -11240,26 +7963,103 @@
           </a:p>
         </p:txBody>
       </p:sp>
+      <p:pic>
+        <p:nvPicPr>
+          <p:cNvPr id="17" name="Grafik 16" descr="Geöffneter Ordner">
+            <a:extLst>
+              <a:ext uri="{FF2B5EF4-FFF2-40B4-BE49-F238E27FC236}">
+                <a16:creationId xmlns:a16="http://schemas.microsoft.com/office/drawing/2014/main" id="{565C8A49-1AD9-4582-ACD3-67FE4C4C81C1}"/>
+              </a:ext>
+            </a:extLst>
+          </p:cNvPr>
+          <p:cNvPicPr>
+            <a:picLocks noChangeAspect="1"/>
+          </p:cNvPicPr>
+          <p:nvPr/>
+        </p:nvPicPr>
+        <p:blipFill>
+          <a:blip r:embed="rId9">
+            <a:extLst>
+              <a:ext uri="{28A0092B-C50C-407E-A947-70E740481C1C}">
+                <a14:useLocalDpi xmlns:a14="http://schemas.microsoft.com/office/drawing/2010/main" val="0"/>
+              </a:ext>
+              <a:ext uri="{96DAC541-7B7A-43D3-8B79-37D633B846F1}">
+                <asvg:svgBlip xmlns:asvg="http://schemas.microsoft.com/office/drawing/2016/SVG/main" r:embed="rId10"/>
+              </a:ext>
+            </a:extLst>
+          </a:blip>
+          <a:stretch>
+            <a:fillRect/>
+          </a:stretch>
+        </p:blipFill>
+        <p:spPr>
+          <a:xfrm>
+            <a:off x="2882894" y="3357670"/>
+            <a:ext cx="432000" cy="432000"/>
+          </a:xfrm>
+          <a:prstGeom prst="rect">
+            <a:avLst/>
+          </a:prstGeom>
+        </p:spPr>
+      </p:pic>
+      <p:pic>
+        <p:nvPicPr>
+          <p:cNvPr id="61" name="Grafik 60">
+            <a:extLst>
+              <a:ext uri="{FF2B5EF4-FFF2-40B4-BE49-F238E27FC236}">
+                <a16:creationId xmlns:a16="http://schemas.microsoft.com/office/drawing/2014/main" id="{DFA9E942-7F71-4011-B7E7-810E38566B6A}"/>
+              </a:ext>
+            </a:extLst>
+          </p:cNvPr>
+          <p:cNvPicPr>
+            <a:picLocks noChangeAspect="1"/>
+          </p:cNvPicPr>
+          <p:nvPr>
+            <p:custDataLst>
+              <p:tags r:id="rId4"/>
+            </p:custDataLst>
+          </p:nvPr>
+        </p:nvPicPr>
+        <p:blipFill>
+          <a:blip r:embed="rId11">
+            <a:extLst>
+              <a:ext uri="{28A0092B-C50C-407E-A947-70E740481C1C}">
+                <a14:useLocalDpi xmlns:a14="http://schemas.microsoft.com/office/drawing/2010/main" val="0"/>
+              </a:ext>
+            </a:extLst>
+          </a:blip>
+          <a:stretch>
+            <a:fillRect/>
+          </a:stretch>
+        </p:blipFill>
+        <p:spPr>
+          <a:xfrm>
+            <a:off x="7709071" y="3258348"/>
+            <a:ext cx="118143" cy="111555"/>
+          </a:xfrm>
+          <a:prstGeom prst="rect">
+            <a:avLst/>
+          </a:prstGeom>
+        </p:spPr>
+      </p:pic>
       <p:cxnSp>
         <p:nvCxnSpPr>
-          <p:cNvPr id="8" name="Gerade Verbindung mit Pfeil 7">
-            <a:extLst>
-              <a:ext uri="{FF2B5EF4-FFF2-40B4-BE49-F238E27FC236}">
-                <a16:creationId xmlns:a16="http://schemas.microsoft.com/office/drawing/2014/main" id="{B2544344-ED1E-4291-AE89-A9834B4AA6EB}"/>
+          <p:cNvPr id="67" name="Gerade Verbindung mit Pfeil 66">
+            <a:extLst>
+              <a:ext uri="{FF2B5EF4-FFF2-40B4-BE49-F238E27FC236}">
+                <a16:creationId xmlns:a16="http://schemas.microsoft.com/office/drawing/2014/main" id="{4513ECDF-CC4B-45ED-8FB5-E6E4373353EC}"/>
               </a:ext>
             </a:extLst>
           </p:cNvPr>
           <p:cNvCxnSpPr>
             <a:cxnSpLocks/>
-            <a:stCxn id="4" idx="2"/>
-            <a:endCxn id="6" idx="0"/>
           </p:cNvCxnSpPr>
           <p:nvPr/>
         </p:nvCxnSpPr>
         <p:spPr>
           <a:xfrm>
-            <a:off x="6095999" y="1247779"/>
-            <a:ext cx="0" cy="470532"/>
+            <a:off x="655112" y="1837532"/>
+            <a:ext cx="1285012" cy="0"/>
           </a:xfrm>
           <a:prstGeom prst="straightConnector1">
             <a:avLst/>
@@ -11268,7 +8068,7 @@
             <a:solidFill>
               <a:schemeClr val="tx1"/>
             </a:solidFill>
-            <a:tailEnd type="arrow"/>
+            <a:tailEnd type="stealth" w="lg" len="lg"/>
           </a:ln>
         </p:spPr>
         <p:style>
@@ -11286,770 +8086,10 @@
           </a:fontRef>
         </p:style>
       </p:cxnSp>
-      <p:sp>
-        <p:nvSpPr>
-          <p:cNvPr id="10" name="Rechteck 9">
-            <a:extLst>
-              <a:ext uri="{FF2B5EF4-FFF2-40B4-BE49-F238E27FC236}">
-                <a16:creationId xmlns:a16="http://schemas.microsoft.com/office/drawing/2014/main" id="{F4D45E8E-D12F-4387-A9AD-C551B4977E73}"/>
-              </a:ext>
-            </a:extLst>
-          </p:cNvPr>
-          <p:cNvSpPr/>
-          <p:nvPr/>
-        </p:nvSpPr>
-        <p:spPr>
-          <a:xfrm>
-            <a:off x="4937760" y="2771775"/>
-            <a:ext cx="2316480" cy="582932"/>
-          </a:xfrm>
-          <a:prstGeom prst="rect">
-            <a:avLst/>
-          </a:prstGeom>
-          <a:noFill/>
-          <a:ln w="19050">
-            <a:solidFill>
-              <a:schemeClr val="tx1"/>
-            </a:solidFill>
-          </a:ln>
-        </p:spPr>
-        <p:style>
-          <a:lnRef idx="2">
-            <a:schemeClr val="accent1">
-              <a:shade val="50000"/>
-            </a:schemeClr>
-          </a:lnRef>
-          <a:fillRef idx="1">
-            <a:schemeClr val="accent1"/>
-          </a:fillRef>
-          <a:effectRef idx="0">
-            <a:schemeClr val="accent1"/>
-          </a:effectRef>
-          <a:fontRef idx="minor">
-            <a:schemeClr val="lt1"/>
-          </a:fontRef>
-        </p:style>
-        <p:txBody>
-          <a:bodyPr rtlCol="0" anchor="ctr"/>
-          <a:lstStyle/>
-          <a:p>
-            <a:pPr algn="ctr"/>
-            <a:r>
-              <a:rPr lang="de-DE" b="1" dirty="0">
-                <a:solidFill>
-                  <a:schemeClr val="tx1"/>
-                </a:solidFill>
-              </a:rPr>
-              <a:t>Chapter 3</a:t>
-            </a:r>
-          </a:p>
-          <a:p>
-            <a:pPr algn="ctr"/>
-            <a:r>
-              <a:rPr lang="de-DE" sz="1200" dirty="0">
-                <a:solidFill>
-                  <a:schemeClr val="tx1"/>
-                </a:solidFill>
-              </a:rPr>
-              <a:t>Contact </a:t>
-            </a:r>
-            <a:r>
-              <a:rPr lang="de-DE" sz="1200" dirty="0" err="1">
-                <a:solidFill>
-                  <a:schemeClr val="tx1"/>
-                </a:solidFill>
-              </a:rPr>
-              <a:t>Stability</a:t>
-            </a:r>
-            <a:r>
-              <a:rPr lang="de-DE" sz="1200" dirty="0">
-                <a:solidFill>
-                  <a:schemeClr val="tx1"/>
-                </a:solidFill>
-              </a:rPr>
-              <a:t> </a:t>
-            </a:r>
-            <a:r>
-              <a:rPr lang="de-DE" sz="1200" dirty="0" err="1">
-                <a:solidFill>
-                  <a:schemeClr val="tx1"/>
-                </a:solidFill>
-              </a:rPr>
-              <a:t>Constrained</a:t>
-            </a:r>
-            <a:r>
-              <a:rPr lang="de-DE" sz="1200" dirty="0">
-                <a:solidFill>
-                  <a:schemeClr val="tx1"/>
-                </a:solidFill>
-              </a:rPr>
-              <a:t> DDP</a:t>
-            </a:r>
-            <a:endParaRPr lang="de-DE" sz="1100" dirty="0">
-              <a:solidFill>
-                <a:schemeClr val="tx1"/>
-              </a:solidFill>
-            </a:endParaRPr>
-          </a:p>
-        </p:txBody>
-      </p:sp>
-      <p:sp>
-        <p:nvSpPr>
-          <p:cNvPr id="14" name="Rechteck 13">
-            <a:extLst>
-              <a:ext uri="{FF2B5EF4-FFF2-40B4-BE49-F238E27FC236}">
-                <a16:creationId xmlns:a16="http://schemas.microsoft.com/office/drawing/2014/main" id="{714D6279-F38F-41F8-B2D6-D9BC240666C0}"/>
-              </a:ext>
-            </a:extLst>
-          </p:cNvPr>
-          <p:cNvSpPr/>
-          <p:nvPr/>
-        </p:nvSpPr>
-        <p:spPr>
-          <a:xfrm>
-            <a:off x="3947160" y="3825239"/>
-            <a:ext cx="1981199" cy="582932"/>
-          </a:xfrm>
-          <a:prstGeom prst="rect">
-            <a:avLst/>
-          </a:prstGeom>
-          <a:noFill/>
-          <a:ln w="19050">
-            <a:solidFill>
-              <a:schemeClr val="tx1"/>
-            </a:solidFill>
-          </a:ln>
-        </p:spPr>
-        <p:style>
-          <a:lnRef idx="2">
-            <a:schemeClr val="accent1">
-              <a:shade val="50000"/>
-            </a:schemeClr>
-          </a:lnRef>
-          <a:fillRef idx="1">
-            <a:schemeClr val="accent1"/>
-          </a:fillRef>
-          <a:effectRef idx="0">
-            <a:schemeClr val="accent1"/>
-          </a:effectRef>
-          <a:fontRef idx="minor">
-            <a:schemeClr val="lt1"/>
-          </a:fontRef>
-        </p:style>
-        <p:txBody>
-          <a:bodyPr rtlCol="0" anchor="ctr"/>
-          <a:lstStyle/>
-          <a:p>
-            <a:pPr algn="ctr"/>
-            <a:r>
-              <a:rPr lang="de-DE" b="1" dirty="0">
-                <a:solidFill>
-                  <a:schemeClr val="tx1"/>
-                </a:solidFill>
-              </a:rPr>
-              <a:t>Chapter 4</a:t>
-            </a:r>
-          </a:p>
-          <a:p>
-            <a:pPr algn="ctr"/>
-            <a:r>
-              <a:rPr lang="de-DE" sz="1200" dirty="0" err="1">
-                <a:solidFill>
-                  <a:schemeClr val="tx1"/>
-                </a:solidFill>
-              </a:rPr>
-              <a:t>Bipedal</a:t>
-            </a:r>
-            <a:r>
-              <a:rPr lang="de-DE" sz="1200" dirty="0">
-                <a:solidFill>
-                  <a:schemeClr val="tx1"/>
-                </a:solidFill>
-              </a:rPr>
-              <a:t> Walking </a:t>
-            </a:r>
-            <a:r>
-              <a:rPr lang="de-DE" sz="1200" dirty="0" err="1">
-                <a:solidFill>
-                  <a:schemeClr val="tx1"/>
-                </a:solidFill>
-              </a:rPr>
-              <a:t>Variants</a:t>
-            </a:r>
-            <a:endParaRPr lang="de-DE" sz="1100" dirty="0">
-              <a:solidFill>
-                <a:schemeClr val="tx1"/>
-              </a:solidFill>
-            </a:endParaRPr>
-          </a:p>
-        </p:txBody>
-      </p:sp>
-      <p:sp>
-        <p:nvSpPr>
-          <p:cNvPr id="16" name="Rechteck 15">
-            <a:extLst>
-              <a:ext uri="{FF2B5EF4-FFF2-40B4-BE49-F238E27FC236}">
-                <a16:creationId xmlns:a16="http://schemas.microsoft.com/office/drawing/2014/main" id="{34C686A2-03E1-406C-B2F9-7D890DC28CC8}"/>
-              </a:ext>
-            </a:extLst>
-          </p:cNvPr>
-          <p:cNvSpPr/>
-          <p:nvPr/>
-        </p:nvSpPr>
-        <p:spPr>
-          <a:xfrm>
-            <a:off x="6263640" y="3825239"/>
-            <a:ext cx="1981199" cy="582932"/>
-          </a:xfrm>
-          <a:prstGeom prst="rect">
-            <a:avLst/>
-          </a:prstGeom>
-          <a:noFill/>
-          <a:ln w="19050">
-            <a:solidFill>
-              <a:schemeClr val="tx1"/>
-            </a:solidFill>
-          </a:ln>
-        </p:spPr>
-        <p:style>
-          <a:lnRef idx="2">
-            <a:schemeClr val="accent1">
-              <a:shade val="50000"/>
-            </a:schemeClr>
-          </a:lnRef>
-          <a:fillRef idx="1">
-            <a:schemeClr val="accent1"/>
-          </a:fillRef>
-          <a:effectRef idx="0">
-            <a:schemeClr val="accent1"/>
-          </a:effectRef>
-          <a:fontRef idx="minor">
-            <a:schemeClr val="lt1"/>
-          </a:fontRef>
-        </p:style>
-        <p:txBody>
-          <a:bodyPr rtlCol="0" anchor="ctr"/>
-          <a:lstStyle/>
-          <a:p>
-            <a:pPr algn="ctr"/>
-            <a:r>
-              <a:rPr lang="de-DE" b="1" dirty="0">
-                <a:solidFill>
-                  <a:schemeClr val="tx1"/>
-                </a:solidFill>
-              </a:rPr>
-              <a:t>Chapter 5</a:t>
-            </a:r>
-          </a:p>
-          <a:p>
-            <a:pPr algn="ctr"/>
-            <a:r>
-              <a:rPr lang="de-DE" sz="1200" dirty="0" err="1">
-                <a:solidFill>
-                  <a:schemeClr val="tx1"/>
-                </a:solidFill>
-              </a:rPr>
-              <a:t>Highly</a:t>
-            </a:r>
-            <a:r>
-              <a:rPr lang="de-DE" sz="1200" dirty="0">
-                <a:solidFill>
-                  <a:schemeClr val="tx1"/>
-                </a:solidFill>
-              </a:rPr>
-              <a:t>-Dynamic </a:t>
-            </a:r>
-            <a:r>
-              <a:rPr lang="de-DE" sz="1200" dirty="0" err="1">
-                <a:solidFill>
-                  <a:schemeClr val="tx1"/>
-                </a:solidFill>
-              </a:rPr>
-              <a:t>Movements</a:t>
-            </a:r>
-            <a:endParaRPr lang="de-DE" sz="1100" dirty="0">
-              <a:solidFill>
-                <a:schemeClr val="tx1"/>
-              </a:solidFill>
-            </a:endParaRPr>
-          </a:p>
-        </p:txBody>
-      </p:sp>
-      <p:sp>
-        <p:nvSpPr>
-          <p:cNvPr id="18" name="Rechteck 17">
-            <a:extLst>
-              <a:ext uri="{FF2B5EF4-FFF2-40B4-BE49-F238E27FC236}">
-                <a16:creationId xmlns:a16="http://schemas.microsoft.com/office/drawing/2014/main" id="{9B5664D5-C88B-4A49-B931-1902D6656029}"/>
-              </a:ext>
-            </a:extLst>
-          </p:cNvPr>
-          <p:cNvSpPr/>
-          <p:nvPr/>
-        </p:nvSpPr>
-        <p:spPr>
-          <a:xfrm>
-            <a:off x="4647246" y="4878703"/>
-            <a:ext cx="2897505" cy="582932"/>
-          </a:xfrm>
-          <a:prstGeom prst="rect">
-            <a:avLst/>
-          </a:prstGeom>
-          <a:noFill/>
-          <a:ln w="19050">
-            <a:solidFill>
-              <a:schemeClr val="tx1"/>
-            </a:solidFill>
-          </a:ln>
-        </p:spPr>
-        <p:style>
-          <a:lnRef idx="2">
-            <a:schemeClr val="accent1">
-              <a:shade val="50000"/>
-            </a:schemeClr>
-          </a:lnRef>
-          <a:fillRef idx="1">
-            <a:schemeClr val="accent1"/>
-          </a:fillRef>
-          <a:effectRef idx="0">
-            <a:schemeClr val="accent1"/>
-          </a:effectRef>
-          <a:fontRef idx="minor">
-            <a:schemeClr val="lt1"/>
-          </a:fontRef>
-        </p:style>
-        <p:txBody>
-          <a:bodyPr rtlCol="0" anchor="ctr"/>
-          <a:lstStyle/>
-          <a:p>
-            <a:pPr algn="ctr"/>
-            <a:r>
-              <a:rPr lang="de-DE" b="1" dirty="0">
-                <a:solidFill>
-                  <a:schemeClr val="tx1"/>
-                </a:solidFill>
-              </a:rPr>
-              <a:t>Chapter 6</a:t>
-            </a:r>
-          </a:p>
-          <a:p>
-            <a:pPr algn="ctr"/>
-            <a:r>
-              <a:rPr lang="de-DE" sz="1200" dirty="0">
-                <a:solidFill>
-                  <a:schemeClr val="tx1"/>
-                </a:solidFill>
-              </a:rPr>
-              <a:t>Online </a:t>
-            </a:r>
-            <a:r>
-              <a:rPr lang="de-DE" sz="1200" dirty="0" err="1">
-                <a:solidFill>
-                  <a:schemeClr val="tx1"/>
-                </a:solidFill>
-              </a:rPr>
-              <a:t>Stabilization</a:t>
-            </a:r>
-            <a:r>
-              <a:rPr lang="de-DE" sz="1200" dirty="0">
-                <a:solidFill>
-                  <a:schemeClr val="tx1"/>
-                </a:solidFill>
-              </a:rPr>
-              <a:t> </a:t>
-            </a:r>
-            <a:r>
-              <a:rPr lang="de-DE" sz="1200" dirty="0" err="1">
-                <a:solidFill>
-                  <a:schemeClr val="tx1"/>
-                </a:solidFill>
-              </a:rPr>
-              <a:t>of</a:t>
-            </a:r>
-            <a:r>
-              <a:rPr lang="de-DE" sz="1200" dirty="0">
-                <a:solidFill>
-                  <a:schemeClr val="tx1"/>
-                </a:solidFill>
-              </a:rPr>
-              <a:t> the </a:t>
-            </a:r>
-            <a:r>
-              <a:rPr lang="de-DE" sz="1200" dirty="0" err="1">
-                <a:solidFill>
-                  <a:schemeClr val="tx1"/>
-                </a:solidFill>
-              </a:rPr>
-              <a:t>Planned</a:t>
-            </a:r>
-            <a:r>
-              <a:rPr lang="de-DE" sz="1200" dirty="0">
-                <a:solidFill>
-                  <a:schemeClr val="tx1"/>
-                </a:solidFill>
-              </a:rPr>
-              <a:t> </a:t>
-            </a:r>
-            <a:r>
-              <a:rPr lang="de-DE" sz="1200" dirty="0" err="1">
-                <a:solidFill>
-                  <a:schemeClr val="tx1"/>
-                </a:solidFill>
-              </a:rPr>
-              <a:t>Motions</a:t>
-            </a:r>
-            <a:endParaRPr lang="de-DE" sz="1100" dirty="0">
-              <a:solidFill>
-                <a:schemeClr val="tx1"/>
-              </a:solidFill>
-            </a:endParaRPr>
-          </a:p>
-        </p:txBody>
-      </p:sp>
-      <p:cxnSp>
-        <p:nvCxnSpPr>
-          <p:cNvPr id="24" name="Gerade Verbindung mit Pfeil 23">
-            <a:extLst>
-              <a:ext uri="{FF2B5EF4-FFF2-40B4-BE49-F238E27FC236}">
-                <a16:creationId xmlns:a16="http://schemas.microsoft.com/office/drawing/2014/main" id="{9D0F6451-1784-45C3-8DC4-7015B41D92BF}"/>
-              </a:ext>
-            </a:extLst>
-          </p:cNvPr>
-          <p:cNvCxnSpPr>
-            <a:cxnSpLocks/>
-            <a:stCxn id="6" idx="2"/>
-            <a:endCxn id="10" idx="0"/>
-          </p:cNvCxnSpPr>
-          <p:nvPr/>
-        </p:nvCxnSpPr>
-        <p:spPr>
-          <a:xfrm>
-            <a:off x="6095999" y="2301243"/>
-            <a:ext cx="1" cy="470532"/>
-          </a:xfrm>
-          <a:prstGeom prst="straightConnector1">
-            <a:avLst/>
-          </a:prstGeom>
-          <a:ln w="19050">
-            <a:solidFill>
-              <a:schemeClr val="tx1"/>
-            </a:solidFill>
-            <a:tailEnd type="arrow"/>
-          </a:ln>
-        </p:spPr>
-        <p:style>
-          <a:lnRef idx="1">
-            <a:schemeClr val="accent1"/>
-          </a:lnRef>
-          <a:fillRef idx="0">
-            <a:schemeClr val="accent1"/>
-          </a:fillRef>
-          <a:effectRef idx="0">
-            <a:schemeClr val="accent1"/>
-          </a:effectRef>
-          <a:fontRef idx="minor">
-            <a:schemeClr val="tx1"/>
-          </a:fontRef>
-        </p:style>
-      </p:cxnSp>
-      <p:cxnSp>
-        <p:nvCxnSpPr>
-          <p:cNvPr id="28" name="Gerade Verbindung mit Pfeil 27">
-            <a:extLst>
-              <a:ext uri="{FF2B5EF4-FFF2-40B4-BE49-F238E27FC236}">
-                <a16:creationId xmlns:a16="http://schemas.microsoft.com/office/drawing/2014/main" id="{206FD2DB-E182-401C-88C8-DDD72A14BA5E}"/>
-              </a:ext>
-            </a:extLst>
-          </p:cNvPr>
-          <p:cNvCxnSpPr>
-            <a:cxnSpLocks/>
-            <a:stCxn id="18" idx="2"/>
-            <a:endCxn id="104" idx="0"/>
-          </p:cNvCxnSpPr>
-          <p:nvPr/>
-        </p:nvCxnSpPr>
-        <p:spPr>
-          <a:xfrm>
-            <a:off x="6095999" y="5461635"/>
-            <a:ext cx="1" cy="470532"/>
-          </a:xfrm>
-          <a:prstGeom prst="straightConnector1">
-            <a:avLst/>
-          </a:prstGeom>
-          <a:ln w="19050">
-            <a:solidFill>
-              <a:schemeClr val="tx1"/>
-            </a:solidFill>
-            <a:tailEnd type="arrow"/>
-          </a:ln>
-        </p:spPr>
-        <p:style>
-          <a:lnRef idx="1">
-            <a:schemeClr val="accent1"/>
-          </a:lnRef>
-          <a:fillRef idx="0">
-            <a:schemeClr val="accent1"/>
-          </a:fillRef>
-          <a:effectRef idx="0">
-            <a:schemeClr val="accent1"/>
-          </a:effectRef>
-          <a:fontRef idx="minor">
-            <a:schemeClr val="tx1"/>
-          </a:fontRef>
-        </p:style>
-      </p:cxnSp>
-      <p:cxnSp>
-        <p:nvCxnSpPr>
-          <p:cNvPr id="30" name="Gerade Verbindung mit Pfeil 29">
-            <a:extLst>
-              <a:ext uri="{FF2B5EF4-FFF2-40B4-BE49-F238E27FC236}">
-                <a16:creationId xmlns:a16="http://schemas.microsoft.com/office/drawing/2014/main" id="{B0D025E9-17F7-4334-ACE8-632D2456FC1E}"/>
-              </a:ext>
-            </a:extLst>
-          </p:cNvPr>
-          <p:cNvCxnSpPr>
-            <a:cxnSpLocks/>
-            <a:stCxn id="16" idx="2"/>
-            <a:endCxn id="18" idx="0"/>
-          </p:cNvCxnSpPr>
-          <p:nvPr/>
-        </p:nvCxnSpPr>
-        <p:spPr>
-          <a:xfrm flipH="1">
-            <a:off x="6095999" y="4408171"/>
-            <a:ext cx="1158241" cy="470532"/>
-          </a:xfrm>
-          <a:prstGeom prst="straightConnector1">
-            <a:avLst/>
-          </a:prstGeom>
-          <a:ln w="19050">
-            <a:solidFill>
-              <a:schemeClr val="tx1"/>
-            </a:solidFill>
-            <a:tailEnd type="arrow"/>
-          </a:ln>
-        </p:spPr>
-        <p:style>
-          <a:lnRef idx="1">
-            <a:schemeClr val="accent1"/>
-          </a:lnRef>
-          <a:fillRef idx="0">
-            <a:schemeClr val="accent1"/>
-          </a:fillRef>
-          <a:effectRef idx="0">
-            <a:schemeClr val="accent1"/>
-          </a:effectRef>
-          <a:fontRef idx="minor">
-            <a:schemeClr val="tx1"/>
-          </a:fontRef>
-        </p:style>
-      </p:cxnSp>
-      <p:cxnSp>
-        <p:nvCxnSpPr>
-          <p:cNvPr id="32" name="Gerade Verbindung mit Pfeil 31">
-            <a:extLst>
-              <a:ext uri="{FF2B5EF4-FFF2-40B4-BE49-F238E27FC236}">
-                <a16:creationId xmlns:a16="http://schemas.microsoft.com/office/drawing/2014/main" id="{53DC722D-1F83-46B6-B0C6-ACDD09B298A8}"/>
-              </a:ext>
-            </a:extLst>
-          </p:cNvPr>
-          <p:cNvCxnSpPr>
-            <a:cxnSpLocks/>
-            <a:stCxn id="14" idx="2"/>
-            <a:endCxn id="18" idx="0"/>
-          </p:cNvCxnSpPr>
-          <p:nvPr/>
-        </p:nvCxnSpPr>
-        <p:spPr>
-          <a:xfrm>
-            <a:off x="4937760" y="4408171"/>
-            <a:ext cx="1158239" cy="470532"/>
-          </a:xfrm>
-          <a:prstGeom prst="straightConnector1">
-            <a:avLst/>
-          </a:prstGeom>
-          <a:ln w="19050">
-            <a:solidFill>
-              <a:schemeClr val="tx1"/>
-            </a:solidFill>
-            <a:tailEnd type="arrow"/>
-          </a:ln>
-        </p:spPr>
-        <p:style>
-          <a:lnRef idx="1">
-            <a:schemeClr val="accent1"/>
-          </a:lnRef>
-          <a:fillRef idx="0">
-            <a:schemeClr val="accent1"/>
-          </a:fillRef>
-          <a:effectRef idx="0">
-            <a:schemeClr val="accent1"/>
-          </a:effectRef>
-          <a:fontRef idx="minor">
-            <a:schemeClr val="tx1"/>
-          </a:fontRef>
-        </p:style>
-      </p:cxnSp>
-      <p:cxnSp>
-        <p:nvCxnSpPr>
-          <p:cNvPr id="34" name="Gerade Verbindung mit Pfeil 33">
-            <a:extLst>
-              <a:ext uri="{FF2B5EF4-FFF2-40B4-BE49-F238E27FC236}">
-                <a16:creationId xmlns:a16="http://schemas.microsoft.com/office/drawing/2014/main" id="{C15B0359-4BC0-448C-84AD-6408F3ACDC0F}"/>
-              </a:ext>
-            </a:extLst>
-          </p:cNvPr>
-          <p:cNvCxnSpPr>
-            <a:cxnSpLocks/>
-            <a:stCxn id="10" idx="2"/>
-            <a:endCxn id="16" idx="0"/>
-          </p:cNvCxnSpPr>
-          <p:nvPr/>
-        </p:nvCxnSpPr>
-        <p:spPr>
-          <a:xfrm>
-            <a:off x="6096000" y="3354707"/>
-            <a:ext cx="1158240" cy="470532"/>
-          </a:xfrm>
-          <a:prstGeom prst="straightConnector1">
-            <a:avLst/>
-          </a:prstGeom>
-          <a:ln w="19050">
-            <a:solidFill>
-              <a:schemeClr val="tx1"/>
-            </a:solidFill>
-            <a:tailEnd type="arrow"/>
-          </a:ln>
-        </p:spPr>
-        <p:style>
-          <a:lnRef idx="1">
-            <a:schemeClr val="accent1"/>
-          </a:lnRef>
-          <a:fillRef idx="0">
-            <a:schemeClr val="accent1"/>
-          </a:fillRef>
-          <a:effectRef idx="0">
-            <a:schemeClr val="accent1"/>
-          </a:effectRef>
-          <a:fontRef idx="minor">
-            <a:schemeClr val="tx1"/>
-          </a:fontRef>
-        </p:style>
-      </p:cxnSp>
-      <p:cxnSp>
-        <p:nvCxnSpPr>
-          <p:cNvPr id="36" name="Gerade Verbindung mit Pfeil 35">
-            <a:extLst>
-              <a:ext uri="{FF2B5EF4-FFF2-40B4-BE49-F238E27FC236}">
-                <a16:creationId xmlns:a16="http://schemas.microsoft.com/office/drawing/2014/main" id="{25783B4C-7760-48B4-9BDC-6DFC8423E726}"/>
-              </a:ext>
-            </a:extLst>
-          </p:cNvPr>
-          <p:cNvCxnSpPr>
-            <a:cxnSpLocks/>
-            <a:stCxn id="10" idx="2"/>
-            <a:endCxn id="14" idx="0"/>
-          </p:cNvCxnSpPr>
-          <p:nvPr/>
-        </p:nvCxnSpPr>
-        <p:spPr>
-          <a:xfrm flipH="1">
-            <a:off x="4937760" y="3354707"/>
-            <a:ext cx="1158240" cy="470532"/>
-          </a:xfrm>
-          <a:prstGeom prst="straightConnector1">
-            <a:avLst/>
-          </a:prstGeom>
-          <a:ln w="19050">
-            <a:solidFill>
-              <a:schemeClr val="tx1"/>
-            </a:solidFill>
-            <a:tailEnd type="arrow"/>
-          </a:ln>
-        </p:spPr>
-        <p:style>
-          <a:lnRef idx="1">
-            <a:schemeClr val="accent1"/>
-          </a:lnRef>
-          <a:fillRef idx="0">
-            <a:schemeClr val="accent1"/>
-          </a:fillRef>
-          <a:effectRef idx="0">
-            <a:schemeClr val="accent1"/>
-          </a:effectRef>
-          <a:fontRef idx="minor">
-            <a:schemeClr val="tx1"/>
-          </a:fontRef>
-        </p:style>
-      </p:cxnSp>
-      <p:sp>
-        <p:nvSpPr>
-          <p:cNvPr id="104" name="Rechteck 103">
-            <a:extLst>
-              <a:ext uri="{FF2B5EF4-FFF2-40B4-BE49-F238E27FC236}">
-                <a16:creationId xmlns:a16="http://schemas.microsoft.com/office/drawing/2014/main" id="{9A7C9294-10B6-4736-AD68-B36FCAF45476}"/>
-              </a:ext>
-            </a:extLst>
-          </p:cNvPr>
-          <p:cNvSpPr/>
-          <p:nvPr/>
-        </p:nvSpPr>
-        <p:spPr>
-          <a:xfrm>
-            <a:off x="5324475" y="5932167"/>
-            <a:ext cx="1543050" cy="434340"/>
-          </a:xfrm>
-          <a:prstGeom prst="rect">
-            <a:avLst/>
-          </a:prstGeom>
-          <a:noFill/>
-          <a:ln w="19050">
-            <a:solidFill>
-              <a:schemeClr val="tx1"/>
-            </a:solidFill>
-          </a:ln>
-        </p:spPr>
-        <p:style>
-          <a:lnRef idx="2">
-            <a:schemeClr val="accent1">
-              <a:shade val="50000"/>
-            </a:schemeClr>
-          </a:lnRef>
-          <a:fillRef idx="1">
-            <a:schemeClr val="accent1"/>
-          </a:fillRef>
-          <a:effectRef idx="0">
-            <a:schemeClr val="accent1"/>
-          </a:effectRef>
-          <a:fontRef idx="minor">
-            <a:schemeClr val="lt1"/>
-          </a:fontRef>
-        </p:style>
-        <p:txBody>
-          <a:bodyPr rtlCol="0" anchor="ctr"/>
-          <a:lstStyle/>
-          <a:p>
-            <a:pPr algn="ctr"/>
-            <a:r>
-              <a:rPr lang="de-DE" b="1" dirty="0" err="1">
-                <a:solidFill>
-                  <a:schemeClr val="tx1"/>
-                </a:solidFill>
-              </a:rPr>
-              <a:t>Conclusion</a:t>
-            </a:r>
-            <a:endParaRPr lang="de-DE" b="1" dirty="0">
-              <a:solidFill>
-                <a:schemeClr val="tx1"/>
-              </a:solidFill>
-            </a:endParaRPr>
-          </a:p>
-        </p:txBody>
-      </p:sp>
     </p:spTree>
     <p:extLst>
       <p:ext uri="{BB962C8B-B14F-4D97-AF65-F5344CB8AC3E}">
-        <p14:creationId xmlns:p14="http://schemas.microsoft.com/office/powerpoint/2010/main" val="1418973290"/>
+        <p14:creationId xmlns:p14="http://schemas.microsoft.com/office/powerpoint/2010/main" val="2100968553"/>
       </p:ext>
     </p:extLst>
   </p:cSld>
@@ -12059,957 +8099,7 @@
 </p:sld>
 </file>
 
-<file path=ppt/slides/slide7.xml><?xml version="1.0" encoding="utf-8"?>
-<p:sld xmlns:a="http://schemas.openxmlformats.org/drawingml/2006/main" xmlns:r="http://schemas.openxmlformats.org/officeDocument/2006/relationships" xmlns:p="http://schemas.openxmlformats.org/presentationml/2006/main">
-  <p:cSld>
-    <p:spTree>
-      <p:nvGrpSpPr>
-        <p:cNvPr id="1" name=""/>
-        <p:cNvGrpSpPr/>
-        <p:nvPr/>
-      </p:nvGrpSpPr>
-      <p:grpSpPr>
-        <a:xfrm>
-          <a:off x="0" y="0"/>
-          <a:ext cx="0" cy="0"/>
-          <a:chOff x="0" y="0"/>
-          <a:chExt cx="0" cy="0"/>
-        </a:xfrm>
-      </p:grpSpPr>
-      <p:sp>
-        <p:nvSpPr>
-          <p:cNvPr id="4" name="Rechteck 3">
-            <a:extLst>
-              <a:ext uri="{FF2B5EF4-FFF2-40B4-BE49-F238E27FC236}">
-                <a16:creationId xmlns:a16="http://schemas.microsoft.com/office/drawing/2014/main" id="{4D880AAB-7C26-4466-A794-626D7C86C1ED}"/>
-              </a:ext>
-            </a:extLst>
-          </p:cNvPr>
-          <p:cNvSpPr/>
-          <p:nvPr/>
-        </p:nvSpPr>
-        <p:spPr>
-          <a:xfrm>
-            <a:off x="5324474" y="992505"/>
-            <a:ext cx="1543050" cy="434340"/>
-          </a:xfrm>
-          <a:prstGeom prst="rect">
-            <a:avLst/>
-          </a:prstGeom>
-          <a:noFill/>
-          <a:ln w="19050">
-            <a:solidFill>
-              <a:schemeClr val="tx1"/>
-            </a:solidFill>
-          </a:ln>
-        </p:spPr>
-        <p:style>
-          <a:lnRef idx="2">
-            <a:schemeClr val="accent1">
-              <a:shade val="50000"/>
-            </a:schemeClr>
-          </a:lnRef>
-          <a:fillRef idx="1">
-            <a:schemeClr val="accent1"/>
-          </a:fillRef>
-          <a:effectRef idx="0">
-            <a:schemeClr val="accent1"/>
-          </a:effectRef>
-          <a:fontRef idx="minor">
-            <a:schemeClr val="lt1"/>
-          </a:fontRef>
-        </p:style>
-        <p:txBody>
-          <a:bodyPr rtlCol="0" anchor="ctr"/>
-          <a:lstStyle/>
-          <a:p>
-            <a:pPr algn="ctr"/>
-            <a:r>
-              <a:rPr lang="de-DE" sz="1400" b="1" dirty="0">
-                <a:solidFill>
-                  <a:schemeClr val="tx1"/>
-                </a:solidFill>
-              </a:rPr>
-              <a:t>1 Introduction</a:t>
-            </a:r>
-          </a:p>
-        </p:txBody>
-      </p:sp>
-      <p:sp>
-        <p:nvSpPr>
-          <p:cNvPr id="6" name="Rechteck 5">
-            <a:extLst>
-              <a:ext uri="{FF2B5EF4-FFF2-40B4-BE49-F238E27FC236}">
-                <a16:creationId xmlns:a16="http://schemas.microsoft.com/office/drawing/2014/main" id="{3D63AD59-56F6-4669-8701-84D285A1810A}"/>
-              </a:ext>
-            </a:extLst>
-          </p:cNvPr>
-          <p:cNvSpPr/>
-          <p:nvPr/>
-        </p:nvSpPr>
-        <p:spPr>
-          <a:xfrm>
-            <a:off x="5207315" y="1840228"/>
-            <a:ext cx="1777366" cy="582932"/>
-          </a:xfrm>
-          <a:prstGeom prst="rect">
-            <a:avLst/>
-          </a:prstGeom>
-          <a:noFill/>
-          <a:ln w="19050">
-            <a:solidFill>
-              <a:schemeClr val="tx1"/>
-            </a:solidFill>
-          </a:ln>
-        </p:spPr>
-        <p:style>
-          <a:lnRef idx="2">
-            <a:schemeClr val="accent1">
-              <a:shade val="50000"/>
-            </a:schemeClr>
-          </a:lnRef>
-          <a:fillRef idx="1">
-            <a:schemeClr val="accent1"/>
-          </a:fillRef>
-          <a:effectRef idx="0">
-            <a:schemeClr val="accent1"/>
-          </a:effectRef>
-          <a:fontRef idx="minor">
-            <a:schemeClr val="lt1"/>
-          </a:fontRef>
-        </p:style>
-        <p:txBody>
-          <a:bodyPr rtlCol="0" anchor="ctr"/>
-          <a:lstStyle/>
-          <a:p>
-            <a:pPr algn="ctr"/>
-            <a:r>
-              <a:rPr lang="de-DE" sz="1400" b="1" dirty="0">
-                <a:solidFill>
-                  <a:schemeClr val="tx1"/>
-                </a:solidFill>
-              </a:rPr>
-              <a:t>2 </a:t>
-            </a:r>
-            <a:r>
-              <a:rPr lang="de-DE" sz="1400" b="1" dirty="0" err="1">
-                <a:solidFill>
-                  <a:schemeClr val="tx1"/>
-                </a:solidFill>
-              </a:rPr>
-              <a:t>Mathematical</a:t>
-            </a:r>
-            <a:r>
-              <a:rPr lang="de-DE" sz="1400" b="1" dirty="0">
-                <a:solidFill>
-                  <a:schemeClr val="tx1"/>
-                </a:solidFill>
-              </a:rPr>
-              <a:t> Background</a:t>
-            </a:r>
-          </a:p>
-        </p:txBody>
-      </p:sp>
-      <p:cxnSp>
-        <p:nvCxnSpPr>
-          <p:cNvPr id="8" name="Gerade Verbindung mit Pfeil 7">
-            <a:extLst>
-              <a:ext uri="{FF2B5EF4-FFF2-40B4-BE49-F238E27FC236}">
-                <a16:creationId xmlns:a16="http://schemas.microsoft.com/office/drawing/2014/main" id="{B2544344-ED1E-4291-AE89-A9834B4AA6EB}"/>
-              </a:ext>
-            </a:extLst>
-          </p:cNvPr>
-          <p:cNvCxnSpPr>
-            <a:cxnSpLocks/>
-            <a:stCxn id="4" idx="2"/>
-            <a:endCxn id="6" idx="0"/>
-          </p:cNvCxnSpPr>
-          <p:nvPr/>
-        </p:nvCxnSpPr>
-        <p:spPr>
-          <a:xfrm flipH="1">
-            <a:off x="6095998" y="1426845"/>
-            <a:ext cx="1" cy="413383"/>
-          </a:xfrm>
-          <a:prstGeom prst="straightConnector1">
-            <a:avLst/>
-          </a:prstGeom>
-          <a:ln w="19050">
-            <a:solidFill>
-              <a:schemeClr val="tx1"/>
-            </a:solidFill>
-            <a:tailEnd type="arrow"/>
-          </a:ln>
-        </p:spPr>
-        <p:style>
-          <a:lnRef idx="1">
-            <a:schemeClr val="accent1"/>
-          </a:lnRef>
-          <a:fillRef idx="0">
-            <a:schemeClr val="accent1"/>
-          </a:fillRef>
-          <a:effectRef idx="0">
-            <a:schemeClr val="accent1"/>
-          </a:effectRef>
-          <a:fontRef idx="minor">
-            <a:schemeClr val="tx1"/>
-          </a:fontRef>
-        </p:style>
-      </p:cxnSp>
-      <p:sp>
-        <p:nvSpPr>
-          <p:cNvPr id="10" name="Rechteck 9">
-            <a:extLst>
-              <a:ext uri="{FF2B5EF4-FFF2-40B4-BE49-F238E27FC236}">
-                <a16:creationId xmlns:a16="http://schemas.microsoft.com/office/drawing/2014/main" id="{F4D45E8E-D12F-4387-A9AD-C551B4977E73}"/>
-              </a:ext>
-            </a:extLst>
-          </p:cNvPr>
-          <p:cNvSpPr/>
-          <p:nvPr/>
-        </p:nvSpPr>
-        <p:spPr>
-          <a:xfrm>
-            <a:off x="5207317" y="2836543"/>
-            <a:ext cx="1777365" cy="582932"/>
-          </a:xfrm>
-          <a:prstGeom prst="rect">
-            <a:avLst/>
-          </a:prstGeom>
-          <a:noFill/>
-          <a:ln w="19050">
-            <a:solidFill>
-              <a:schemeClr val="tx1"/>
-            </a:solidFill>
-          </a:ln>
-        </p:spPr>
-        <p:style>
-          <a:lnRef idx="2">
-            <a:schemeClr val="accent1">
-              <a:shade val="50000"/>
-            </a:schemeClr>
-          </a:lnRef>
-          <a:fillRef idx="1">
-            <a:schemeClr val="accent1"/>
-          </a:fillRef>
-          <a:effectRef idx="0">
-            <a:schemeClr val="accent1"/>
-          </a:effectRef>
-          <a:fontRef idx="minor">
-            <a:schemeClr val="lt1"/>
-          </a:fontRef>
-        </p:style>
-        <p:txBody>
-          <a:bodyPr rtlCol="0" anchor="ctr"/>
-          <a:lstStyle/>
-          <a:p>
-            <a:pPr algn="ctr"/>
-            <a:r>
-              <a:rPr lang="de-DE" sz="1400" b="1" dirty="0">
-                <a:solidFill>
-                  <a:schemeClr val="tx1"/>
-                </a:solidFill>
-              </a:rPr>
-              <a:t>3 Contact </a:t>
-            </a:r>
-            <a:r>
-              <a:rPr lang="de-DE" sz="1400" b="1" dirty="0" err="1">
-                <a:solidFill>
-                  <a:schemeClr val="tx1"/>
-                </a:solidFill>
-              </a:rPr>
-              <a:t>Stability</a:t>
-            </a:r>
-            <a:r>
-              <a:rPr lang="de-DE" sz="1400" b="1" dirty="0">
-                <a:solidFill>
-                  <a:schemeClr val="tx1"/>
-                </a:solidFill>
-              </a:rPr>
-              <a:t> </a:t>
-            </a:r>
-            <a:r>
-              <a:rPr lang="de-DE" sz="1400" b="1" dirty="0" err="1">
-                <a:solidFill>
-                  <a:schemeClr val="tx1"/>
-                </a:solidFill>
-              </a:rPr>
-              <a:t>Constrained</a:t>
-            </a:r>
-            <a:r>
-              <a:rPr lang="de-DE" sz="1400" b="1" dirty="0">
-                <a:solidFill>
-                  <a:schemeClr val="tx1"/>
-                </a:solidFill>
-              </a:rPr>
-              <a:t> DDP</a:t>
-            </a:r>
-            <a:endParaRPr lang="de-DE" sz="1400" dirty="0">
-              <a:solidFill>
-                <a:schemeClr val="tx1"/>
-              </a:solidFill>
-            </a:endParaRPr>
-          </a:p>
-        </p:txBody>
-      </p:sp>
-      <p:sp>
-        <p:nvSpPr>
-          <p:cNvPr id="14" name="Rechteck 13">
-            <a:extLst>
-              <a:ext uri="{FF2B5EF4-FFF2-40B4-BE49-F238E27FC236}">
-                <a16:creationId xmlns:a16="http://schemas.microsoft.com/office/drawing/2014/main" id="{714D6279-F38F-41F8-B2D6-D9BC240666C0}"/>
-              </a:ext>
-            </a:extLst>
-          </p:cNvPr>
-          <p:cNvSpPr/>
-          <p:nvPr/>
-        </p:nvSpPr>
-        <p:spPr>
-          <a:xfrm>
-            <a:off x="3947160" y="3829047"/>
-            <a:ext cx="1777365" cy="582932"/>
-          </a:xfrm>
-          <a:prstGeom prst="rect">
-            <a:avLst/>
-          </a:prstGeom>
-          <a:noFill/>
-          <a:ln w="19050">
-            <a:solidFill>
-              <a:schemeClr val="tx1"/>
-            </a:solidFill>
-          </a:ln>
-        </p:spPr>
-        <p:style>
-          <a:lnRef idx="2">
-            <a:schemeClr val="accent1">
-              <a:shade val="50000"/>
-            </a:schemeClr>
-          </a:lnRef>
-          <a:fillRef idx="1">
-            <a:schemeClr val="accent1"/>
-          </a:fillRef>
-          <a:effectRef idx="0">
-            <a:schemeClr val="accent1"/>
-          </a:effectRef>
-          <a:fontRef idx="minor">
-            <a:schemeClr val="lt1"/>
-          </a:fontRef>
-        </p:style>
-        <p:txBody>
-          <a:bodyPr rtlCol="0" anchor="ctr"/>
-          <a:lstStyle/>
-          <a:p>
-            <a:pPr algn="ctr"/>
-            <a:r>
-              <a:rPr lang="de-DE" sz="1400" b="1" dirty="0">
-                <a:solidFill>
-                  <a:schemeClr val="tx1"/>
-                </a:solidFill>
-              </a:rPr>
-              <a:t>4 </a:t>
-            </a:r>
-            <a:r>
-              <a:rPr lang="de-DE" sz="1400" b="1" dirty="0" err="1">
-                <a:solidFill>
-                  <a:schemeClr val="tx1"/>
-                </a:solidFill>
-              </a:rPr>
-              <a:t>Bipedal</a:t>
-            </a:r>
-            <a:r>
-              <a:rPr lang="de-DE" sz="1400" b="1" dirty="0">
-                <a:solidFill>
-                  <a:schemeClr val="tx1"/>
-                </a:solidFill>
-              </a:rPr>
-              <a:t> Walking </a:t>
-            </a:r>
-            <a:r>
-              <a:rPr lang="de-DE" sz="1400" b="1" dirty="0" err="1">
-                <a:solidFill>
-                  <a:schemeClr val="tx1"/>
-                </a:solidFill>
-              </a:rPr>
-              <a:t>Variants</a:t>
-            </a:r>
-            <a:endParaRPr lang="de-DE" sz="1400" dirty="0">
-              <a:solidFill>
-                <a:schemeClr val="tx1"/>
-              </a:solidFill>
-            </a:endParaRPr>
-          </a:p>
-        </p:txBody>
-      </p:sp>
-      <p:sp>
-        <p:nvSpPr>
-          <p:cNvPr id="16" name="Rechteck 15">
-            <a:extLst>
-              <a:ext uri="{FF2B5EF4-FFF2-40B4-BE49-F238E27FC236}">
-                <a16:creationId xmlns:a16="http://schemas.microsoft.com/office/drawing/2014/main" id="{34C686A2-03E1-406C-B2F9-7D890DC28CC8}"/>
-              </a:ext>
-            </a:extLst>
-          </p:cNvPr>
-          <p:cNvSpPr/>
-          <p:nvPr/>
-        </p:nvSpPr>
-        <p:spPr>
-          <a:xfrm>
-            <a:off x="6467476" y="3832858"/>
-            <a:ext cx="1777366" cy="582932"/>
-          </a:xfrm>
-          <a:prstGeom prst="rect">
-            <a:avLst/>
-          </a:prstGeom>
-          <a:noFill/>
-          <a:ln w="19050">
-            <a:solidFill>
-              <a:schemeClr val="tx1"/>
-            </a:solidFill>
-          </a:ln>
-        </p:spPr>
-        <p:style>
-          <a:lnRef idx="2">
-            <a:schemeClr val="accent1">
-              <a:shade val="50000"/>
-            </a:schemeClr>
-          </a:lnRef>
-          <a:fillRef idx="1">
-            <a:schemeClr val="accent1"/>
-          </a:fillRef>
-          <a:effectRef idx="0">
-            <a:schemeClr val="accent1"/>
-          </a:effectRef>
-          <a:fontRef idx="minor">
-            <a:schemeClr val="lt1"/>
-          </a:fontRef>
-        </p:style>
-        <p:txBody>
-          <a:bodyPr rtlCol="0" anchor="ctr"/>
-          <a:lstStyle/>
-          <a:p>
-            <a:pPr algn="ctr"/>
-            <a:r>
-              <a:rPr lang="de-DE" sz="1400" b="1" dirty="0">
-                <a:solidFill>
-                  <a:schemeClr val="tx1"/>
-                </a:solidFill>
-              </a:rPr>
-              <a:t>5 </a:t>
-            </a:r>
-            <a:r>
-              <a:rPr lang="de-DE" sz="1400" b="1" dirty="0" err="1">
-                <a:solidFill>
-                  <a:schemeClr val="tx1"/>
-                </a:solidFill>
-              </a:rPr>
-              <a:t>Highly</a:t>
-            </a:r>
-            <a:r>
-              <a:rPr lang="de-DE" sz="1400" b="1" dirty="0">
-                <a:solidFill>
-                  <a:schemeClr val="tx1"/>
-                </a:solidFill>
-              </a:rPr>
-              <a:t> Dynamic </a:t>
-            </a:r>
-            <a:r>
-              <a:rPr lang="de-DE" sz="1400" b="1" dirty="0" err="1">
-                <a:solidFill>
-                  <a:schemeClr val="tx1"/>
-                </a:solidFill>
-              </a:rPr>
-              <a:t>Movements</a:t>
-            </a:r>
-            <a:endParaRPr lang="de-DE" sz="1400" dirty="0">
-              <a:solidFill>
-                <a:schemeClr val="tx1"/>
-              </a:solidFill>
-            </a:endParaRPr>
-          </a:p>
-        </p:txBody>
-      </p:sp>
-      <p:sp>
-        <p:nvSpPr>
-          <p:cNvPr id="18" name="Rechteck 17">
-            <a:extLst>
-              <a:ext uri="{FF2B5EF4-FFF2-40B4-BE49-F238E27FC236}">
-                <a16:creationId xmlns:a16="http://schemas.microsoft.com/office/drawing/2014/main" id="{9B5664D5-C88B-4A49-B931-1902D6656029}"/>
-              </a:ext>
-            </a:extLst>
-          </p:cNvPr>
-          <p:cNvSpPr/>
-          <p:nvPr/>
-        </p:nvSpPr>
-        <p:spPr>
-          <a:xfrm>
-            <a:off x="4927282" y="4829173"/>
-            <a:ext cx="2337435" cy="582932"/>
-          </a:xfrm>
-          <a:prstGeom prst="rect">
-            <a:avLst/>
-          </a:prstGeom>
-          <a:noFill/>
-          <a:ln w="19050">
-            <a:solidFill>
-              <a:schemeClr val="tx1"/>
-            </a:solidFill>
-          </a:ln>
-        </p:spPr>
-        <p:style>
-          <a:lnRef idx="2">
-            <a:schemeClr val="accent1">
-              <a:shade val="50000"/>
-            </a:schemeClr>
-          </a:lnRef>
-          <a:fillRef idx="1">
-            <a:schemeClr val="accent1"/>
-          </a:fillRef>
-          <a:effectRef idx="0">
-            <a:schemeClr val="accent1"/>
-          </a:effectRef>
-          <a:fontRef idx="minor">
-            <a:schemeClr val="lt1"/>
-          </a:fontRef>
-        </p:style>
-        <p:txBody>
-          <a:bodyPr rtlCol="0" anchor="ctr"/>
-          <a:lstStyle/>
-          <a:p>
-            <a:pPr algn="ctr"/>
-            <a:r>
-              <a:rPr lang="de-DE" sz="1400" b="1" dirty="0">
-                <a:solidFill>
-                  <a:schemeClr val="tx1"/>
-                </a:solidFill>
-              </a:rPr>
-              <a:t>6 Online </a:t>
-            </a:r>
-            <a:r>
-              <a:rPr lang="de-DE" sz="1400" b="1" dirty="0" err="1">
-                <a:solidFill>
-                  <a:schemeClr val="tx1"/>
-                </a:solidFill>
-              </a:rPr>
-              <a:t>Stabilization</a:t>
-            </a:r>
-            <a:r>
-              <a:rPr lang="de-DE" sz="1400" b="1" dirty="0">
-                <a:solidFill>
-                  <a:schemeClr val="tx1"/>
-                </a:solidFill>
-              </a:rPr>
-              <a:t> </a:t>
-            </a:r>
-            <a:r>
-              <a:rPr lang="de-DE" sz="1400" b="1" dirty="0" err="1">
-                <a:solidFill>
-                  <a:schemeClr val="tx1"/>
-                </a:solidFill>
-              </a:rPr>
-              <a:t>of</a:t>
-            </a:r>
-            <a:r>
-              <a:rPr lang="de-DE" sz="1400" b="1" dirty="0">
-                <a:solidFill>
-                  <a:schemeClr val="tx1"/>
-                </a:solidFill>
-              </a:rPr>
-              <a:t> the </a:t>
-            </a:r>
-            <a:r>
-              <a:rPr lang="de-DE" sz="1400" b="1" dirty="0" err="1">
-                <a:solidFill>
-                  <a:schemeClr val="tx1"/>
-                </a:solidFill>
-              </a:rPr>
-              <a:t>Planned</a:t>
-            </a:r>
-            <a:r>
-              <a:rPr lang="de-DE" sz="1400" b="1" dirty="0">
-                <a:solidFill>
-                  <a:schemeClr val="tx1"/>
-                </a:solidFill>
-              </a:rPr>
-              <a:t> </a:t>
-            </a:r>
-            <a:r>
-              <a:rPr lang="de-DE" sz="1400" b="1" dirty="0" err="1">
-                <a:solidFill>
-                  <a:schemeClr val="tx1"/>
-                </a:solidFill>
-              </a:rPr>
-              <a:t>Motions</a:t>
-            </a:r>
-            <a:endParaRPr lang="de-DE" sz="1400" dirty="0">
-              <a:solidFill>
-                <a:schemeClr val="tx1"/>
-              </a:solidFill>
-            </a:endParaRPr>
-          </a:p>
-        </p:txBody>
-      </p:sp>
-      <p:cxnSp>
-        <p:nvCxnSpPr>
-          <p:cNvPr id="24" name="Gerade Verbindung mit Pfeil 23">
-            <a:extLst>
-              <a:ext uri="{FF2B5EF4-FFF2-40B4-BE49-F238E27FC236}">
-                <a16:creationId xmlns:a16="http://schemas.microsoft.com/office/drawing/2014/main" id="{9D0F6451-1784-45C3-8DC4-7015B41D92BF}"/>
-              </a:ext>
-            </a:extLst>
-          </p:cNvPr>
-          <p:cNvCxnSpPr>
-            <a:cxnSpLocks/>
-            <a:stCxn id="6" idx="2"/>
-            <a:endCxn id="10" idx="0"/>
-          </p:cNvCxnSpPr>
-          <p:nvPr/>
-        </p:nvCxnSpPr>
-        <p:spPr>
-          <a:xfrm>
-            <a:off x="6095998" y="2423160"/>
-            <a:ext cx="2" cy="413383"/>
-          </a:xfrm>
-          <a:prstGeom prst="straightConnector1">
-            <a:avLst/>
-          </a:prstGeom>
-          <a:ln w="19050">
-            <a:solidFill>
-              <a:schemeClr val="tx1"/>
-            </a:solidFill>
-            <a:tailEnd type="arrow"/>
-          </a:ln>
-        </p:spPr>
-        <p:style>
-          <a:lnRef idx="1">
-            <a:schemeClr val="accent1"/>
-          </a:lnRef>
-          <a:fillRef idx="0">
-            <a:schemeClr val="accent1"/>
-          </a:fillRef>
-          <a:effectRef idx="0">
-            <a:schemeClr val="accent1"/>
-          </a:effectRef>
-          <a:fontRef idx="minor">
-            <a:schemeClr val="tx1"/>
-          </a:fontRef>
-        </p:style>
-      </p:cxnSp>
-      <p:cxnSp>
-        <p:nvCxnSpPr>
-          <p:cNvPr id="28" name="Gerade Verbindung mit Pfeil 27">
-            <a:extLst>
-              <a:ext uri="{FF2B5EF4-FFF2-40B4-BE49-F238E27FC236}">
-                <a16:creationId xmlns:a16="http://schemas.microsoft.com/office/drawing/2014/main" id="{206FD2DB-E182-401C-88C8-DDD72A14BA5E}"/>
-              </a:ext>
-            </a:extLst>
-          </p:cNvPr>
-          <p:cNvCxnSpPr>
-            <a:cxnSpLocks/>
-            <a:stCxn id="18" idx="2"/>
-            <a:endCxn id="104" idx="0"/>
-          </p:cNvCxnSpPr>
-          <p:nvPr/>
-        </p:nvCxnSpPr>
-        <p:spPr>
-          <a:xfrm>
-            <a:off x="6096000" y="5412105"/>
-            <a:ext cx="0" cy="413382"/>
-          </a:xfrm>
-          <a:prstGeom prst="straightConnector1">
-            <a:avLst/>
-          </a:prstGeom>
-          <a:ln w="19050">
-            <a:solidFill>
-              <a:schemeClr val="tx1"/>
-            </a:solidFill>
-            <a:tailEnd type="arrow"/>
-          </a:ln>
-        </p:spPr>
-        <p:style>
-          <a:lnRef idx="1">
-            <a:schemeClr val="accent1"/>
-          </a:lnRef>
-          <a:fillRef idx="0">
-            <a:schemeClr val="accent1"/>
-          </a:fillRef>
-          <a:effectRef idx="0">
-            <a:schemeClr val="accent1"/>
-          </a:effectRef>
-          <a:fontRef idx="minor">
-            <a:schemeClr val="tx1"/>
-          </a:fontRef>
-        </p:style>
-      </p:cxnSp>
-      <p:cxnSp>
-        <p:nvCxnSpPr>
-          <p:cNvPr id="30" name="Gerade Verbindung mit Pfeil 29">
-            <a:extLst>
-              <a:ext uri="{FF2B5EF4-FFF2-40B4-BE49-F238E27FC236}">
-                <a16:creationId xmlns:a16="http://schemas.microsoft.com/office/drawing/2014/main" id="{B0D025E9-17F7-4334-ACE8-632D2456FC1E}"/>
-              </a:ext>
-            </a:extLst>
-          </p:cNvPr>
-          <p:cNvCxnSpPr>
-            <a:cxnSpLocks/>
-            <a:stCxn id="16" idx="2"/>
-            <a:endCxn id="18" idx="0"/>
-          </p:cNvCxnSpPr>
-          <p:nvPr/>
-        </p:nvCxnSpPr>
-        <p:spPr>
-          <a:xfrm flipH="1">
-            <a:off x="6096000" y="4415790"/>
-            <a:ext cx="1260159" cy="413383"/>
-          </a:xfrm>
-          <a:prstGeom prst="straightConnector1">
-            <a:avLst/>
-          </a:prstGeom>
-          <a:ln w="19050">
-            <a:solidFill>
-              <a:schemeClr val="tx1"/>
-            </a:solidFill>
-            <a:tailEnd type="arrow"/>
-          </a:ln>
-        </p:spPr>
-        <p:style>
-          <a:lnRef idx="1">
-            <a:schemeClr val="accent1"/>
-          </a:lnRef>
-          <a:fillRef idx="0">
-            <a:schemeClr val="accent1"/>
-          </a:fillRef>
-          <a:effectRef idx="0">
-            <a:schemeClr val="accent1"/>
-          </a:effectRef>
-          <a:fontRef idx="minor">
-            <a:schemeClr val="tx1"/>
-          </a:fontRef>
-        </p:style>
-      </p:cxnSp>
-      <p:cxnSp>
-        <p:nvCxnSpPr>
-          <p:cNvPr id="32" name="Gerade Verbindung mit Pfeil 31">
-            <a:extLst>
-              <a:ext uri="{FF2B5EF4-FFF2-40B4-BE49-F238E27FC236}">
-                <a16:creationId xmlns:a16="http://schemas.microsoft.com/office/drawing/2014/main" id="{53DC722D-1F83-46B6-B0C6-ACDD09B298A8}"/>
-              </a:ext>
-            </a:extLst>
-          </p:cNvPr>
-          <p:cNvCxnSpPr>
-            <a:cxnSpLocks/>
-            <a:stCxn id="14" idx="2"/>
-            <a:endCxn id="18" idx="0"/>
-          </p:cNvCxnSpPr>
-          <p:nvPr/>
-        </p:nvCxnSpPr>
-        <p:spPr>
-          <a:xfrm>
-            <a:off x="4835843" y="4411979"/>
-            <a:ext cx="1260157" cy="417194"/>
-          </a:xfrm>
-          <a:prstGeom prst="straightConnector1">
-            <a:avLst/>
-          </a:prstGeom>
-          <a:ln w="19050">
-            <a:solidFill>
-              <a:schemeClr val="tx1"/>
-            </a:solidFill>
-            <a:tailEnd type="arrow"/>
-          </a:ln>
-        </p:spPr>
-        <p:style>
-          <a:lnRef idx="1">
-            <a:schemeClr val="accent1"/>
-          </a:lnRef>
-          <a:fillRef idx="0">
-            <a:schemeClr val="accent1"/>
-          </a:fillRef>
-          <a:effectRef idx="0">
-            <a:schemeClr val="accent1"/>
-          </a:effectRef>
-          <a:fontRef idx="minor">
-            <a:schemeClr val="tx1"/>
-          </a:fontRef>
-        </p:style>
-      </p:cxnSp>
-      <p:cxnSp>
-        <p:nvCxnSpPr>
-          <p:cNvPr id="34" name="Gerade Verbindung mit Pfeil 33">
-            <a:extLst>
-              <a:ext uri="{FF2B5EF4-FFF2-40B4-BE49-F238E27FC236}">
-                <a16:creationId xmlns:a16="http://schemas.microsoft.com/office/drawing/2014/main" id="{C15B0359-4BC0-448C-84AD-6408F3ACDC0F}"/>
-              </a:ext>
-            </a:extLst>
-          </p:cNvPr>
-          <p:cNvCxnSpPr>
-            <a:cxnSpLocks/>
-            <a:stCxn id="10" idx="2"/>
-            <a:endCxn id="16" idx="0"/>
-          </p:cNvCxnSpPr>
-          <p:nvPr/>
-        </p:nvCxnSpPr>
-        <p:spPr>
-          <a:xfrm>
-            <a:off x="6096000" y="3419475"/>
-            <a:ext cx="1260159" cy="413383"/>
-          </a:xfrm>
-          <a:prstGeom prst="straightConnector1">
-            <a:avLst/>
-          </a:prstGeom>
-          <a:ln w="19050">
-            <a:solidFill>
-              <a:schemeClr val="tx1"/>
-            </a:solidFill>
-            <a:tailEnd type="arrow"/>
-          </a:ln>
-        </p:spPr>
-        <p:style>
-          <a:lnRef idx="1">
-            <a:schemeClr val="accent1"/>
-          </a:lnRef>
-          <a:fillRef idx="0">
-            <a:schemeClr val="accent1"/>
-          </a:fillRef>
-          <a:effectRef idx="0">
-            <a:schemeClr val="accent1"/>
-          </a:effectRef>
-          <a:fontRef idx="minor">
-            <a:schemeClr val="tx1"/>
-          </a:fontRef>
-        </p:style>
-      </p:cxnSp>
-      <p:cxnSp>
-        <p:nvCxnSpPr>
-          <p:cNvPr id="36" name="Gerade Verbindung mit Pfeil 35">
-            <a:extLst>
-              <a:ext uri="{FF2B5EF4-FFF2-40B4-BE49-F238E27FC236}">
-                <a16:creationId xmlns:a16="http://schemas.microsoft.com/office/drawing/2014/main" id="{25783B4C-7760-48B4-9BDC-6DFC8423E726}"/>
-              </a:ext>
-            </a:extLst>
-          </p:cNvPr>
-          <p:cNvCxnSpPr>
-            <a:cxnSpLocks/>
-            <a:stCxn id="10" idx="2"/>
-            <a:endCxn id="14" idx="0"/>
-          </p:cNvCxnSpPr>
-          <p:nvPr/>
-        </p:nvCxnSpPr>
-        <p:spPr>
-          <a:xfrm flipH="1">
-            <a:off x="4835843" y="3419475"/>
-            <a:ext cx="1260157" cy="409572"/>
-          </a:xfrm>
-          <a:prstGeom prst="straightConnector1">
-            <a:avLst/>
-          </a:prstGeom>
-          <a:ln w="19050">
-            <a:solidFill>
-              <a:schemeClr val="tx1"/>
-            </a:solidFill>
-            <a:tailEnd type="arrow"/>
-          </a:ln>
-        </p:spPr>
-        <p:style>
-          <a:lnRef idx="1">
-            <a:schemeClr val="accent1"/>
-          </a:lnRef>
-          <a:fillRef idx="0">
-            <a:schemeClr val="accent1"/>
-          </a:fillRef>
-          <a:effectRef idx="0">
-            <a:schemeClr val="accent1"/>
-          </a:effectRef>
-          <a:fontRef idx="minor">
-            <a:schemeClr val="tx1"/>
-          </a:fontRef>
-        </p:style>
-      </p:cxnSp>
-      <p:sp>
-        <p:nvSpPr>
-          <p:cNvPr id="104" name="Rechteck 103">
-            <a:extLst>
-              <a:ext uri="{FF2B5EF4-FFF2-40B4-BE49-F238E27FC236}">
-                <a16:creationId xmlns:a16="http://schemas.microsoft.com/office/drawing/2014/main" id="{9A7C9294-10B6-4736-AD68-B36FCAF45476}"/>
-              </a:ext>
-            </a:extLst>
-          </p:cNvPr>
-          <p:cNvSpPr/>
-          <p:nvPr/>
-        </p:nvSpPr>
-        <p:spPr>
-          <a:xfrm>
-            <a:off x="5324475" y="5825487"/>
-            <a:ext cx="1543050" cy="434340"/>
-          </a:xfrm>
-          <a:prstGeom prst="rect">
-            <a:avLst/>
-          </a:prstGeom>
-          <a:noFill/>
-          <a:ln w="19050">
-            <a:solidFill>
-              <a:schemeClr val="tx1"/>
-            </a:solidFill>
-          </a:ln>
-        </p:spPr>
-        <p:style>
-          <a:lnRef idx="2">
-            <a:schemeClr val="accent1">
-              <a:shade val="50000"/>
-            </a:schemeClr>
-          </a:lnRef>
-          <a:fillRef idx="1">
-            <a:schemeClr val="accent1"/>
-          </a:fillRef>
-          <a:effectRef idx="0">
-            <a:schemeClr val="accent1"/>
-          </a:effectRef>
-          <a:fontRef idx="minor">
-            <a:schemeClr val="lt1"/>
-          </a:fontRef>
-        </p:style>
-        <p:txBody>
-          <a:bodyPr rtlCol="0" anchor="ctr"/>
-          <a:lstStyle/>
-          <a:p>
-            <a:pPr algn="ctr"/>
-            <a:r>
-              <a:rPr lang="de-DE" sz="1400" b="1" dirty="0">
-                <a:solidFill>
-                  <a:schemeClr val="tx1"/>
-                </a:solidFill>
-              </a:rPr>
-              <a:t>7 </a:t>
-            </a:r>
-            <a:r>
-              <a:rPr lang="de-DE" sz="1400" b="1" dirty="0" err="1">
-                <a:solidFill>
-                  <a:schemeClr val="tx1"/>
-                </a:solidFill>
-              </a:rPr>
-              <a:t>Conclusion</a:t>
-            </a:r>
-            <a:endParaRPr lang="de-DE" sz="1400" b="1" dirty="0">
-              <a:solidFill>
-                <a:schemeClr val="tx1"/>
-              </a:solidFill>
-            </a:endParaRPr>
-          </a:p>
-        </p:txBody>
-      </p:sp>
-    </p:spTree>
-    <p:extLst>
-      <p:ext uri="{BB962C8B-B14F-4D97-AF65-F5344CB8AC3E}">
-        <p14:creationId xmlns:p14="http://schemas.microsoft.com/office/powerpoint/2010/main" val="1175136530"/>
-      </p:ext>
-    </p:extLst>
-  </p:cSld>
-  <p:clrMapOvr>
-    <a:masterClrMapping/>
-  </p:clrMapOvr>
-</p:sld>
-</file>
-
-<file path=ppt/slides/slide8.xml><?xml version="1.0" encoding="utf-8"?>
+<file path=ppt/slides/slide4.xml><?xml version="1.0" encoding="utf-8"?>
 <p:sld xmlns:a="http://schemas.openxmlformats.org/drawingml/2006/main" xmlns:r="http://schemas.openxmlformats.org/officeDocument/2006/relationships" xmlns:p="http://schemas.openxmlformats.org/presentationml/2006/main">
   <p:cSld>
     <p:spTree>
@@ -14718,7 +9808,7 @@
 </p:sld>
 </file>
 
-<file path=ppt/slides/slide9.xml><?xml version="1.0" encoding="utf-8"?>
+<file path=ppt/slides/slide5.xml><?xml version="1.0" encoding="utf-8"?>
 <p:sld xmlns:a="http://schemas.openxmlformats.org/drawingml/2006/main" xmlns:r="http://schemas.openxmlformats.org/officeDocument/2006/relationships" xmlns:p="http://schemas.openxmlformats.org/presentationml/2006/main">
   <p:cSld>
     <p:spTree>
@@ -16452,90 +11542,14 @@
 </p:tagLst>
 </file>
 
-<file path=ppt/tags/tag10.xml><?xml version="1.0" encoding="utf-8"?>
-<p:tagLst xmlns:a="http://schemas.openxmlformats.org/drawingml/2006/main" xmlns:r="http://schemas.openxmlformats.org/officeDocument/2006/relationships" xmlns:p="http://schemas.openxmlformats.org/presentationml/2006/main">
-  <p:tag name="OUTPUTDPI" val="1200"/>
-  <p:tag name="ORIGINALHEIGHT" val="125,2343"/>
-  <p:tag name="ORIGINALWIDTH" val="557,1803"/>
-  <p:tag name="LATEXADDIN" val="\documentclass{article}&#10;\usepackage{amsmath}&#10;\usepackage{bm}&#10;\newcommand{\myM}[1]{\bm{\mathit{#1}}}&#10;\pagestyle{empty}&#10;\begin{document}&#10;&#10;$$&#10;(\mathbf{q},\dot{\mathbf{q}}, \ddot{\mathbf{q}})_{\text{des}}&#10;$$&#10;&#10;&#10;\end{document}"/>
-  <p:tag name="IGUANATEXSIZE" val="12"/>
-  <p:tag name="IGUANATEXCURSOR" val="199"/>
-  <p:tag name="TRANSPARENCY" val="Wahr"/>
-  <p:tag name="FILENAME" val=""/>
-  <p:tag name="LATEXENGINEID" val="0"/>
-  <p:tag name="TEMPFOLDER" val="c:\temp\"/>
-  <p:tag name="LATEXFORMHEIGHT" val="312"/>
-  <p:tag name="LATEXFORMWIDTH" val="384"/>
-  <p:tag name="LATEXFORMWRAP" val="Wahr"/>
-  <p:tag name="BITMAPVECTOR" val="0"/>
-</p:tagLst>
-</file>
-
-<file path=ppt/tags/tag11.xml><?xml version="1.0" encoding="utf-8"?>
-<p:tagLst xmlns:a="http://schemas.openxmlformats.org/drawingml/2006/main" xmlns:r="http://schemas.openxmlformats.org/officeDocument/2006/relationships" xmlns:p="http://schemas.openxmlformats.org/presentationml/2006/main">
-  <p:tag name="OUTPUTDPI" val="1200"/>
-  <p:tag name="ORIGINALHEIGHT" val="125,2343"/>
-  <p:tag name="ORIGINALWIDTH" val="503,1871"/>
-  <p:tag name="LATEXADDIN" val="\documentclass{article}&#10;\usepackage{amsmath}&#10;\usepackage{bm}&#10;\newcommand{\myM}[1]{\bm{\mathit{#1}}}&#10;\pagestyle{empty}&#10;\begin{document}&#10;&#10;$$&#10;(\mathbf{q},\dot{\mathbf{q}})_{\text{meas}}&#10;$$&#10;&#10;&#10;\end{document}"/>
-  <p:tag name="IGUANATEXSIZE" val="12"/>
-  <p:tag name="IGUANATEXCURSOR" val="168"/>
-  <p:tag name="TRANSPARENCY" val="Wahr"/>
-  <p:tag name="FILENAME" val=""/>
-  <p:tag name="LATEXENGINEID" val="0"/>
-  <p:tag name="TEMPFOLDER" val="c:\temp\"/>
-  <p:tag name="LATEXFORMHEIGHT" val="312"/>
-  <p:tag name="LATEXFORMWIDTH" val="384"/>
-  <p:tag name="LATEXFORMWRAP" val="Wahr"/>
-  <p:tag name="BITMAPVECTOR" val="0"/>
-</p:tagLst>
-</file>
-
-<file path=ppt/tags/tag12.xml><?xml version="1.0" encoding="utf-8"?>
-<p:tagLst xmlns:a="http://schemas.openxmlformats.org/drawingml/2006/main" xmlns:r="http://schemas.openxmlformats.org/officeDocument/2006/relationships" xmlns:p="http://schemas.openxmlformats.org/presentationml/2006/main">
-  <p:tag name="OUTPUTDPI" val="1200"/>
-  <p:tag name="ORIGINALHEIGHT" val="108,7364"/>
-  <p:tag name="ORIGINALWIDTH" val="383,952"/>
-  <p:tag name="LATEXADDIN" val="\documentclass{article}&#10;\usepackage{amsmath}&#10;\usepackage{bm}&#10;\newcommand{\myM}[1]{\bm{\mathit{#1}}}&#10;\pagestyle{empty}&#10;\begin{document}&#10;&#10;$$&#10;\mathbf{u},\dot{\mathbf{u}}, \bm{\tau}_u&#10;$$&#10;&#10;&#10;\end{document}"/>
-  <p:tag name="IGUANATEXSIZE" val="12"/>
-  <p:tag name="IGUANATEXCURSOR" val="171"/>
-  <p:tag name="TRANSPARENCY" val="Wahr"/>
-  <p:tag name="FILENAME" val=""/>
-  <p:tag name="LATEXENGINEID" val="0"/>
-  <p:tag name="TEMPFOLDER" val="c:\temp\"/>
-  <p:tag name="LATEXFORMHEIGHT" val="312"/>
-  <p:tag name="LATEXFORMWIDTH" val="384"/>
-  <p:tag name="LATEXFORMWRAP" val="Wahr"/>
-  <p:tag name="BITMAPVECTOR" val="0"/>
-</p:tagLst>
-</file>
-
-<file path=ppt/tags/tag13.xml><?xml version="1.0" encoding="utf-8"?>
-<p:tagLst xmlns:a="http://schemas.openxmlformats.org/drawingml/2006/main" xmlns:r="http://schemas.openxmlformats.org/officeDocument/2006/relationships" xmlns:p="http://schemas.openxmlformats.org/presentationml/2006/main">
-  <p:tag name="OUTPUTDPI" val="1200"/>
-  <p:tag name="ORIGINALHEIGHT" val="366,7042"/>
-  <p:tag name="ORIGINALWIDTH" val="1676,79"/>
-  <p:tag name="LATEXADDIN" val="\documentclass{article}&#10;\usepackage{amsmath}&#10;\usepackage{bm}&#10;\newcommand{\myM}[1]{\bm{\mathit{#1}}}&#10;\pagestyle{empty}&#10;\begin{document}&#10;&#10;$$&#10;\myM{X}^*,\myM{U}^*= &#10;\arg\min_{\mathbf{X},\mathbf{U}} &#10;\sum_{k=0}^{N-1} l_k(\mathbf{x},\mathbf{u}). &#10;$$&#10;&#10;&#10;\end{document}"/>
-  <p:tag name="IGUANATEXSIZE" val="12"/>
-  <p:tag name="IGUANATEXCURSOR" val="215"/>
-  <p:tag name="TRANSPARENCY" val="Wahr"/>
-  <p:tag name="FILENAME" val=""/>
-  <p:tag name="LATEXENGINEID" val="0"/>
-  <p:tag name="TEMPFOLDER" val="c:\temp\"/>
-  <p:tag name="LATEXFORMHEIGHT" val="312"/>
-  <p:tag name="LATEXFORMWIDTH" val="384"/>
-  <p:tag name="LATEXFORMWRAP" val="Wahr"/>
-  <p:tag name="BITMAPVECTOR" val="0"/>
-</p:tagLst>
-</file>
-
 <file path=ppt/tags/tag2.xml><?xml version="1.0" encoding="utf-8"?>
 <p:tagLst xmlns:a="http://schemas.openxmlformats.org/drawingml/2006/main" xmlns:r="http://schemas.openxmlformats.org/officeDocument/2006/relationships" xmlns:p="http://schemas.openxmlformats.org/presentationml/2006/main">
   <p:tag name="OUTPUTDPI" val="1200"/>
-  <p:tag name="ORIGINALHEIGHT" val="123,7346"/>
-  <p:tag name="ORIGINALWIDTH" val="666,6667"/>
-  <p:tag name="LATEXADDIN" val="\documentclass{article}&#10;\usepackage{amsmath}&#10;\usepackage{bm}&#10;\newcommand{\myM}[1]{\bm{\mathit{#1}}}&#10;\pagestyle{empty}&#10;\begin{document}&#10;&#10;$$&#10;\mathbf{X}^*,\mathbf{U}^*, \mathbf{F}_{ext}^*&#10;$$&#10;&#10;&#10;\end{document}"/>
+  <p:tag name="ORIGINALHEIGHT" val="104,9868"/>
+  <p:tag name="ORIGINALWIDTH" val="331,4586"/>
+  <p:tag name="LATEXADDIN" val="\documentclass{article}&#10;\usepackage{amsmath}&#10;\usepackage{bm}&#10;\newcommand{\myM}[1]{\bm{\mathit{#1}}}&#10;\pagestyle{empty}&#10;\begin{document}&#10;&#10;$$&#10;\myM{X}_{\text{meas}}&#10;$$&#10;&#10;&#10;\end{document}"/>
   <p:tag name="IGUANATEXSIZE" val="12"/>
-  <p:tag name="IGUANATEXCURSOR" val="182"/>
+  <p:tag name="IGUANATEXCURSOR" val="160"/>
   <p:tag name="TRANSPARENCY" val="Wahr"/>
   <p:tag name="FILENAME" val=""/>
   <p:tag name="LATEXENGINEID" val="0"/>
@@ -16550,11 +11564,11 @@
 <file path=ppt/tags/tag3.xml><?xml version="1.0" encoding="utf-8"?>
 <p:tagLst xmlns:a="http://schemas.openxmlformats.org/drawingml/2006/main" xmlns:r="http://schemas.openxmlformats.org/officeDocument/2006/relationships" xmlns:p="http://schemas.openxmlformats.org/presentationml/2006/main">
   <p:tag name="OUTPUTDPI" val="1200"/>
-  <p:tag name="ORIGINALHEIGHT" val="125,2343"/>
-  <p:tag name="ORIGINALWIDTH" val="557,1803"/>
-  <p:tag name="LATEXADDIN" val="\documentclass{article}&#10;\usepackage{amsmath}&#10;\usepackage{bm}&#10;\newcommand{\myM}[1]{\bm{\mathit{#1}}}&#10;\pagestyle{empty}&#10;\begin{document}&#10;&#10;$$&#10;(\mathbf{q},\dot{\mathbf{q}}, \ddot{\mathbf{q}})_{\text{des}}&#10;$$&#10;&#10;&#10;\end{document}"/>
+  <p:tag name="ORIGINALHEIGHT" val="366,7042"/>
+  <p:tag name="ORIGINALWIDTH" val="1642,295"/>
+  <p:tag name="LATEXADDIN" val="\documentclass{article}&#10;\usepackage{amsmath}&#10;\usepackage{bm}&#10;\newcommand{\myM}[1]{\bm{\mathit{#1}}}&#10;\pagestyle{empty}&#10;\begin{document}&#10;&#10;$$&#10;\myM{X}^*,\myM{U}^*= &#10;\arg\min_{\mathbf{X},\mathbf{U}} &#10;\sum_{k=0}^{N} l_k(\mathbf{x},\mathbf{u}). &#10;$$&#10;&#10;&#10;\end{document}"/>
   <p:tag name="IGUANATEXSIZE" val="12"/>
-  <p:tag name="IGUANATEXCURSOR" val="199"/>
+  <p:tag name="IGUANATEXCURSOR" val="208"/>
   <p:tag name="TRANSPARENCY" val="Wahr"/>
   <p:tag name="FILENAME" val=""/>
   <p:tag name="LATEXENGINEID" val="0"/>
@@ -16569,11 +11583,11 @@
 <file path=ppt/tags/tag4.xml><?xml version="1.0" encoding="utf-8"?>
 <p:tagLst xmlns:a="http://schemas.openxmlformats.org/drawingml/2006/main" xmlns:r="http://schemas.openxmlformats.org/officeDocument/2006/relationships" xmlns:p="http://schemas.openxmlformats.org/presentationml/2006/main">
   <p:tag name="OUTPUTDPI" val="1200"/>
-  <p:tag name="ORIGINALHEIGHT" val="366,7042"/>
-  <p:tag name="ORIGINALWIDTH" val="1676,79"/>
-  <p:tag name="LATEXADDIN" val="\documentclass{article}&#10;\usepackage{amsmath}&#10;\usepackage{bm}&#10;\newcommand{\myM}[1]{\bm{\mathit{#1}}}&#10;\pagestyle{empty}&#10;\begin{document}&#10;&#10;$$&#10;\myM{X}^*,\myM{U}^*= &#10;\arg\min_{\mathbf{X},\mathbf{U}} &#10;\sum_{k=0}^{N-1} l_k(\mathbf{x},\mathbf{u}). &#10;$$&#10;&#10;&#10;\end{document}"/>
+  <p:tag name="ORIGINALHEIGHT" val="123,7346"/>
+  <p:tag name="ORIGINALWIDTH" val="436,4454"/>
+  <p:tag name="LATEXADDIN" val="\documentclass{article}&#10;\usepackage{amsmath}&#10;\usepackage{bm}&#10;\newcommand{\myM}[1]{\bm{\mathit{#1}}}&#10;\pagestyle{empty}&#10;\begin{document}&#10;&#10;$$&#10;\mathbf{X}^*, \mathbf{F}_{\text{ext}}^*&#10;$$&#10;&#10;&#10;\end{document}"/>
   <p:tag name="IGUANATEXSIZE" val="12"/>
-  <p:tag name="IGUANATEXCURSOR" val="215"/>
+  <p:tag name="IGUANATEXCURSOR" val="175"/>
   <p:tag name="TRANSPARENCY" val="Wahr"/>
   <p:tag name="FILENAME" val=""/>
   <p:tag name="LATEXENGINEID" val="0"/>
@@ -16588,87 +11602,11 @@
 <file path=ppt/tags/tag5.xml><?xml version="1.0" encoding="utf-8"?>
 <p:tagLst xmlns:a="http://schemas.openxmlformats.org/drawingml/2006/main" xmlns:r="http://schemas.openxmlformats.org/officeDocument/2006/relationships" xmlns:p="http://schemas.openxmlformats.org/presentationml/2006/main">
   <p:tag name="OUTPUTDPI" val="1200"/>
-  <p:tag name="ORIGINALHEIGHT" val="123,7346"/>
-  <p:tag name="ORIGINALWIDTH" val="659,9175"/>
-  <p:tag name="LATEXADDIN" val="\documentclass{article}&#10;\usepackage{amsmath}&#10;\usepackage{bm}&#10;\newcommand{\myM}[1]{\bm{\mathit{#1}}}&#10;\pagestyle{empty}&#10;\begin{document}&#10;&#10;$$&#10;\mathbf{X}^*,\mathbf{U}^*, \mathbf{F}_{\text{ext}}^*&#10;$$&#10;&#10;&#10;\end{document}"/>
+  <p:tag name="ORIGINALHEIGHT" val="87,73905"/>
+  <p:tag name="ORIGINALWIDTH" val="95,98803"/>
+  <p:tag name="LATEXADDIN" val="\documentclass{article}&#10;\usepackage{amsmath}&#10;\usepackage{bm}&#10;\newcommand{\myM}[1]{\bm{\mathit{#1}}}&#10;\pagestyle{empty}&#10;\begin{document}&#10;&#10;$$&#10;\myM{U}&#10;$$&#10;&#10;&#10;\end{document}"/>
   <p:tag name="IGUANATEXSIZE" val="12"/>
-  <p:tag name="IGUANATEXCURSOR" val="187"/>
-  <p:tag name="TRANSPARENCY" val="Wahr"/>
-  <p:tag name="FILENAME" val=""/>
-  <p:tag name="LATEXENGINEID" val="0"/>
-  <p:tag name="TEMPFOLDER" val="c:\temp\"/>
-  <p:tag name="LATEXFORMHEIGHT" val="312"/>
-  <p:tag name="LATEXFORMWIDTH" val="384"/>
-  <p:tag name="LATEXFORMWRAP" val="Wahr"/>
-  <p:tag name="BITMAPVECTOR" val="0"/>
-</p:tagLst>
-</file>
-
-<file path=ppt/tags/tag6.xml><?xml version="1.0" encoding="utf-8"?>
-<p:tagLst xmlns:a="http://schemas.openxmlformats.org/drawingml/2006/main" xmlns:r="http://schemas.openxmlformats.org/officeDocument/2006/relationships" xmlns:p="http://schemas.openxmlformats.org/presentationml/2006/main">
-  <p:tag name="OUTPUTDPI" val="1200"/>
-  <p:tag name="ORIGINALHEIGHT" val="108,7364"/>
-  <p:tag name="ORIGINALWIDTH" val="757,4053"/>
-  <p:tag name="LATEXADDIN" val="\documentclass{article}&#10;\usepackage{amsmath}&#10;\usepackage{bm}&#10;\newcommand{\myM}[1]{\bm{\mathit{#1}}}&#10;\pagestyle{empty}&#10;\begin{document}&#10;&#10;$$&#10;\mathbf{q}_{\text{des}},\dot{\mathbf{q}}_{\text{des}}, \ddot{\mathbf{q}}_{\text{des}}&#10;$$&#10;&#10;&#10;\end{document}"/>
-  <p:tag name="IGUANATEXSIZE" val="12"/>
-  <p:tag name="IGUANATEXCURSOR" val="223"/>
-  <p:tag name="TRANSPARENCY" val="Wahr"/>
-  <p:tag name="FILENAME" val=""/>
-  <p:tag name="LATEXENGINEID" val="0"/>
-  <p:tag name="TEMPFOLDER" val="c:\temp\"/>
-  <p:tag name="LATEXFORMHEIGHT" val="312"/>
-  <p:tag name="LATEXFORMWIDTH" val="384"/>
-  <p:tag name="LATEXFORMWRAP" val="Wahr"/>
-  <p:tag name="BITMAPVECTOR" val="0"/>
-</p:tagLst>
-</file>
-
-<file path=ppt/tags/tag7.xml><?xml version="1.0" encoding="utf-8"?>
-<p:tagLst xmlns:a="http://schemas.openxmlformats.org/drawingml/2006/main" xmlns:r="http://schemas.openxmlformats.org/officeDocument/2006/relationships" xmlns:p="http://schemas.openxmlformats.org/presentationml/2006/main">
-  <p:tag name="OUTPUTDPI" val="1200"/>
-  <p:tag name="ORIGINALHEIGHT" val="125,2343"/>
-  <p:tag name="ORIGINALWIDTH" val="503,1871"/>
-  <p:tag name="LATEXADDIN" val="\documentclass{article}&#10;\usepackage{amsmath}&#10;\usepackage{bm}&#10;\newcommand{\myM}[1]{\bm{\mathit{#1}}}&#10;\pagestyle{empty}&#10;\begin{document}&#10;&#10;$$&#10;(\mathbf{q},\dot{\mathbf{q}})_{\text{meas}}&#10;$$&#10;&#10;&#10;\end{document}"/>
-  <p:tag name="IGUANATEXSIZE" val="12"/>
-  <p:tag name="IGUANATEXCURSOR" val="168"/>
-  <p:tag name="TRANSPARENCY" val="Wahr"/>
-  <p:tag name="FILENAME" val=""/>
-  <p:tag name="LATEXENGINEID" val="0"/>
-  <p:tag name="TEMPFOLDER" val="c:\temp\"/>
-  <p:tag name="LATEXFORMHEIGHT" val="312"/>
-  <p:tag name="LATEXFORMWIDTH" val="384"/>
-  <p:tag name="LATEXFORMWRAP" val="Wahr"/>
-  <p:tag name="BITMAPVECTOR" val="0"/>
-</p:tagLst>
-</file>
-
-<file path=ppt/tags/tag8.xml><?xml version="1.0" encoding="utf-8"?>
-<p:tagLst xmlns:a="http://schemas.openxmlformats.org/drawingml/2006/main" xmlns:r="http://schemas.openxmlformats.org/officeDocument/2006/relationships" xmlns:p="http://schemas.openxmlformats.org/presentationml/2006/main">
-  <p:tag name="OUTPUTDPI" val="1200"/>
-  <p:tag name="ORIGINALHEIGHT" val="108,7364"/>
-  <p:tag name="ORIGINALWIDTH" val="383,952"/>
-  <p:tag name="LATEXADDIN" val="\documentclass{article}&#10;\usepackage{amsmath}&#10;\usepackage{bm}&#10;\newcommand{\myM}[1]{\bm{\mathit{#1}}}&#10;\pagestyle{empty}&#10;\begin{document}&#10;&#10;$$&#10;\mathbf{u},\dot{\mathbf{u}}, \bm{\tau}_u&#10;$$&#10;&#10;&#10;\end{document}"/>
-  <p:tag name="IGUANATEXSIZE" val="12"/>
-  <p:tag name="IGUANATEXCURSOR" val="171"/>
-  <p:tag name="TRANSPARENCY" val="Wahr"/>
-  <p:tag name="FILENAME" val=""/>
-  <p:tag name="LATEXENGINEID" val="0"/>
-  <p:tag name="TEMPFOLDER" val="c:\temp\"/>
-  <p:tag name="LATEXFORMHEIGHT" val="312"/>
-  <p:tag name="LATEXFORMWIDTH" val="384"/>
-  <p:tag name="LATEXFORMWRAP" val="Wahr"/>
-  <p:tag name="BITMAPVECTOR" val="0"/>
-</p:tagLst>
-</file>
-
-<file path=ppt/tags/tag9.xml><?xml version="1.0" encoding="utf-8"?>
-<p:tagLst xmlns:a="http://schemas.openxmlformats.org/drawingml/2006/main" xmlns:r="http://schemas.openxmlformats.org/officeDocument/2006/relationships" xmlns:p="http://schemas.openxmlformats.org/presentationml/2006/main">
-  <p:tag name="OUTPUTDPI" val="1200"/>
-  <p:tag name="ORIGINALHEIGHT" val="125,2343"/>
-  <p:tag name="ORIGINALWIDTH" val="503,1871"/>
-  <p:tag name="LATEXADDIN" val="\documentclass{article}&#10;\usepackage{amsmath}&#10;\usepackage{bm}&#10;\newcommand{\myM}[1]{\bm{\mathit{#1}}}&#10;\pagestyle{empty}&#10;\begin{document}&#10;&#10;$$&#10;(\mathbf{q},\dot{\mathbf{q}})_{\text{meas}}&#10;$$&#10;&#10;&#10;\end{document}"/>
-  <p:tag name="IGUANATEXSIZE" val="12"/>
-  <p:tag name="IGUANATEXCURSOR" val="168"/>
+  <p:tag name="IGUANATEXCURSOR" val="146"/>
   <p:tag name="TRANSPARENCY" val="Wahr"/>
   <p:tag name="FILENAME" val=""/>
   <p:tag name="LATEXENGINEID" val="0"/>
